--- a/Interim Meeting/Interim_Copulas.pptx
+++ b/Interim Meeting/Interim_Copulas.pptx
@@ -4,9 +4,21 @@
   <p:sldMasterIdLst>
     <p:sldMasterId id="2147483648" r:id="rId1"/>
   </p:sldMasterIdLst>
+  <p:notesMasterIdLst>
+    <p:notesMasterId r:id="rId13"/>
+  </p:notesMasterIdLst>
   <p:sldIdLst>
-    <p:sldId id="256" r:id="rId2"/>
-    <p:sldId id="257" r:id="rId3"/>
+    <p:sldId id="269" r:id="rId2"/>
+    <p:sldId id="276" r:id="rId3"/>
+    <p:sldId id="277" r:id="rId4"/>
+    <p:sldId id="278" r:id="rId5"/>
+    <p:sldId id="275" r:id="rId6"/>
+    <p:sldId id="271" r:id="rId7"/>
+    <p:sldId id="279" r:id="rId8"/>
+    <p:sldId id="283" r:id="rId9"/>
+    <p:sldId id="280" r:id="rId10"/>
+    <p:sldId id="281" r:id="rId11"/>
+    <p:sldId id="282" r:id="rId12"/>
   </p:sldIdLst>
   <p:sldSz cx="12192000" cy="6858000"/>
   <p:notesSz cx="6858000" cy="9144000"/>
@@ -105,7 +117,2207 @@
       </a:defRPr>
     </a:lvl9pPr>
   </p:defaultTextStyle>
+  <p:extLst>
+    <p:ext uri="{EFAFB233-063F-42B5-8137-9DF3F51BA10A}">
+      <p15:sldGuideLst xmlns:p15="http://schemas.microsoft.com/office/powerpoint/2012/main"/>
+    </p:ext>
+  </p:extLst>
 </p:presentation>
+</file>
+
+<file path=ppt/notesMasters/notesMaster1.xml><?xml version="1.0" encoding="utf-8"?>
+<p:notesMaster xmlns:a="http://schemas.openxmlformats.org/drawingml/2006/main" xmlns:r="http://schemas.openxmlformats.org/officeDocument/2006/relationships" xmlns:p="http://schemas.openxmlformats.org/presentationml/2006/main">
+  <p:cSld>
+    <p:bg>
+      <p:bgRef idx="1001">
+        <a:schemeClr val="bg1"/>
+      </p:bgRef>
+    </p:bg>
+    <p:spTree>
+      <p:nvGrpSpPr>
+        <p:cNvPr id="1" name=""/>
+        <p:cNvGrpSpPr/>
+        <p:nvPr/>
+      </p:nvGrpSpPr>
+      <p:grpSpPr>
+        <a:xfrm>
+          <a:off x="0" y="0"/>
+          <a:ext cx="0" cy="0"/>
+          <a:chOff x="0" y="0"/>
+          <a:chExt cx="0" cy="0"/>
+        </a:xfrm>
+      </p:grpSpPr>
+      <p:sp>
+        <p:nvSpPr>
+          <p:cNvPr id="2" name="Kopfzeilenplatzhalter 1"/>
+          <p:cNvSpPr>
+            <a:spLocks noGrp="1"/>
+          </p:cNvSpPr>
+          <p:nvPr>
+            <p:ph type="hdr" sz="quarter"/>
+          </p:nvPr>
+        </p:nvSpPr>
+        <p:spPr>
+          <a:xfrm>
+            <a:off x="0" y="0"/>
+            <a:ext cx="2971800" cy="458788"/>
+          </a:xfrm>
+          <a:prstGeom prst="rect">
+            <a:avLst/>
+          </a:prstGeom>
+        </p:spPr>
+        <p:txBody>
+          <a:bodyPr vert="horz" lIns="91440" tIns="45720" rIns="91440" bIns="45720" rtlCol="0"/>
+          <a:lstStyle>
+            <a:lvl1pPr algn="l">
+              <a:defRPr sz="1200"/>
+            </a:lvl1pPr>
+          </a:lstStyle>
+          <a:p>
+            <a:endParaRPr lang="de-DE"/>
+          </a:p>
+        </p:txBody>
+      </p:sp>
+      <p:sp>
+        <p:nvSpPr>
+          <p:cNvPr id="3" name="Datumsplatzhalter 2"/>
+          <p:cNvSpPr>
+            <a:spLocks noGrp="1"/>
+          </p:cNvSpPr>
+          <p:nvPr>
+            <p:ph type="dt" idx="1"/>
+          </p:nvPr>
+        </p:nvSpPr>
+        <p:spPr>
+          <a:xfrm>
+            <a:off x="3884613" y="0"/>
+            <a:ext cx="2971800" cy="458788"/>
+          </a:xfrm>
+          <a:prstGeom prst="rect">
+            <a:avLst/>
+          </a:prstGeom>
+        </p:spPr>
+        <p:txBody>
+          <a:bodyPr vert="horz" lIns="91440" tIns="45720" rIns="91440" bIns="45720" rtlCol="0"/>
+          <a:lstStyle>
+            <a:lvl1pPr algn="r">
+              <a:defRPr sz="1200"/>
+            </a:lvl1pPr>
+          </a:lstStyle>
+          <a:p>
+            <a:fld id="{18CF8CE2-C293-4D00-A645-9B5D24482006}" type="datetimeFigureOut">
+              <a:rPr lang="de-DE" smtClean="0"/>
+              <a:t>13.01.2025</a:t>
+            </a:fld>
+            <a:endParaRPr lang="de-DE"/>
+          </a:p>
+        </p:txBody>
+      </p:sp>
+      <p:sp>
+        <p:nvSpPr>
+          <p:cNvPr id="4" name="Folienbildplatzhalter 3"/>
+          <p:cNvSpPr>
+            <a:spLocks noGrp="1" noRot="1" noChangeAspect="1"/>
+          </p:cNvSpPr>
+          <p:nvPr>
+            <p:ph type="sldImg" idx="2"/>
+          </p:nvPr>
+        </p:nvSpPr>
+        <p:spPr>
+          <a:xfrm>
+            <a:off x="685800" y="1143000"/>
+            <a:ext cx="5486400" cy="3086100"/>
+          </a:xfrm>
+          <a:prstGeom prst="rect">
+            <a:avLst/>
+          </a:prstGeom>
+          <a:noFill/>
+          <a:ln w="12700">
+            <a:solidFill>
+              <a:prstClr val="black"/>
+            </a:solidFill>
+          </a:ln>
+        </p:spPr>
+        <p:txBody>
+          <a:bodyPr vert="horz" lIns="91440" tIns="45720" rIns="91440" bIns="45720" rtlCol="0" anchor="ctr"/>
+          <a:lstStyle/>
+          <a:p>
+            <a:endParaRPr lang="de-DE"/>
+          </a:p>
+        </p:txBody>
+      </p:sp>
+      <p:sp>
+        <p:nvSpPr>
+          <p:cNvPr id="5" name="Notizenplatzhalter 4"/>
+          <p:cNvSpPr>
+            <a:spLocks noGrp="1"/>
+          </p:cNvSpPr>
+          <p:nvPr>
+            <p:ph type="body" sz="quarter" idx="3"/>
+          </p:nvPr>
+        </p:nvSpPr>
+        <p:spPr>
+          <a:xfrm>
+            <a:off x="685800" y="4400550"/>
+            <a:ext cx="5486400" cy="3600450"/>
+          </a:xfrm>
+          <a:prstGeom prst="rect">
+            <a:avLst/>
+          </a:prstGeom>
+        </p:spPr>
+        <p:txBody>
+          <a:bodyPr vert="horz" lIns="91440" tIns="45720" rIns="91440" bIns="45720" rtlCol="0"/>
+          <a:lstStyle/>
+          <a:p>
+            <a:pPr lvl="0"/>
+            <a:r>
+              <a:rPr lang="de-DE"/>
+              <a:t>Mastertextformat bearbeiten</a:t>
+            </a:r>
+          </a:p>
+          <a:p>
+            <a:pPr lvl="1"/>
+            <a:r>
+              <a:rPr lang="de-DE"/>
+              <a:t>Zweite Ebene</a:t>
+            </a:r>
+          </a:p>
+          <a:p>
+            <a:pPr lvl="2"/>
+            <a:r>
+              <a:rPr lang="de-DE"/>
+              <a:t>Dritte Ebene</a:t>
+            </a:r>
+          </a:p>
+          <a:p>
+            <a:pPr lvl="3"/>
+            <a:r>
+              <a:rPr lang="de-DE"/>
+              <a:t>Vierte Ebene</a:t>
+            </a:r>
+          </a:p>
+          <a:p>
+            <a:pPr lvl="4"/>
+            <a:r>
+              <a:rPr lang="de-DE"/>
+              <a:t>Fünfte Ebene</a:t>
+            </a:r>
+          </a:p>
+        </p:txBody>
+      </p:sp>
+      <p:sp>
+        <p:nvSpPr>
+          <p:cNvPr id="6" name="Fußzeilenplatzhalter 5"/>
+          <p:cNvSpPr>
+            <a:spLocks noGrp="1"/>
+          </p:cNvSpPr>
+          <p:nvPr>
+            <p:ph type="ftr" sz="quarter" idx="4"/>
+          </p:nvPr>
+        </p:nvSpPr>
+        <p:spPr>
+          <a:xfrm>
+            <a:off x="0" y="8685213"/>
+            <a:ext cx="2971800" cy="458787"/>
+          </a:xfrm>
+          <a:prstGeom prst="rect">
+            <a:avLst/>
+          </a:prstGeom>
+        </p:spPr>
+        <p:txBody>
+          <a:bodyPr vert="horz" lIns="91440" tIns="45720" rIns="91440" bIns="45720" rtlCol="0" anchor="b"/>
+          <a:lstStyle>
+            <a:lvl1pPr algn="l">
+              <a:defRPr sz="1200"/>
+            </a:lvl1pPr>
+          </a:lstStyle>
+          <a:p>
+            <a:endParaRPr lang="de-DE"/>
+          </a:p>
+        </p:txBody>
+      </p:sp>
+      <p:sp>
+        <p:nvSpPr>
+          <p:cNvPr id="7" name="Foliennummernplatzhalter 6"/>
+          <p:cNvSpPr>
+            <a:spLocks noGrp="1"/>
+          </p:cNvSpPr>
+          <p:nvPr>
+            <p:ph type="sldNum" sz="quarter" idx="5"/>
+          </p:nvPr>
+        </p:nvSpPr>
+        <p:spPr>
+          <a:xfrm>
+            <a:off x="3884613" y="8685213"/>
+            <a:ext cx="2971800" cy="458787"/>
+          </a:xfrm>
+          <a:prstGeom prst="rect">
+            <a:avLst/>
+          </a:prstGeom>
+        </p:spPr>
+        <p:txBody>
+          <a:bodyPr vert="horz" lIns="91440" tIns="45720" rIns="91440" bIns="45720" rtlCol="0" anchor="b"/>
+          <a:lstStyle>
+            <a:lvl1pPr algn="r">
+              <a:defRPr sz="1200"/>
+            </a:lvl1pPr>
+          </a:lstStyle>
+          <a:p>
+            <a:fld id="{988EE22E-D4F1-40D7-A03F-1C7960DE94E4}" type="slidenum">
+              <a:rPr lang="de-DE" smtClean="0"/>
+              <a:t>‹Nr.›</a:t>
+            </a:fld>
+            <a:endParaRPr lang="de-DE"/>
+          </a:p>
+        </p:txBody>
+      </p:sp>
+    </p:spTree>
+    <p:extLst>
+      <p:ext uri="{BB962C8B-B14F-4D97-AF65-F5344CB8AC3E}">
+        <p14:creationId xmlns:p14="http://schemas.microsoft.com/office/powerpoint/2010/main" val="2742840452"/>
+      </p:ext>
+    </p:extLst>
+  </p:cSld>
+  <p:clrMap bg1="lt1" tx1="dk1" bg2="lt2" tx2="dk2" accent1="accent1" accent2="accent2" accent3="accent3" accent4="accent4" accent5="accent5" accent6="accent6" hlink="hlink" folHlink="folHlink"/>
+  <p:notesStyle>
+    <a:lvl1pPr marL="0" algn="l" defTabSz="914400" rtl="0" eaLnBrk="1" latinLnBrk="0" hangingPunct="1">
+      <a:defRPr sz="1200" kern="1200">
+        <a:solidFill>
+          <a:schemeClr val="tx1"/>
+        </a:solidFill>
+        <a:latin typeface="+mn-lt"/>
+        <a:ea typeface="+mn-ea"/>
+        <a:cs typeface="+mn-cs"/>
+      </a:defRPr>
+    </a:lvl1pPr>
+    <a:lvl2pPr marL="457200" algn="l" defTabSz="914400" rtl="0" eaLnBrk="1" latinLnBrk="0" hangingPunct="1">
+      <a:defRPr sz="1200" kern="1200">
+        <a:solidFill>
+          <a:schemeClr val="tx1"/>
+        </a:solidFill>
+        <a:latin typeface="+mn-lt"/>
+        <a:ea typeface="+mn-ea"/>
+        <a:cs typeface="+mn-cs"/>
+      </a:defRPr>
+    </a:lvl2pPr>
+    <a:lvl3pPr marL="914400" algn="l" defTabSz="914400" rtl="0" eaLnBrk="1" latinLnBrk="0" hangingPunct="1">
+      <a:defRPr sz="1200" kern="1200">
+        <a:solidFill>
+          <a:schemeClr val="tx1"/>
+        </a:solidFill>
+        <a:latin typeface="+mn-lt"/>
+        <a:ea typeface="+mn-ea"/>
+        <a:cs typeface="+mn-cs"/>
+      </a:defRPr>
+    </a:lvl3pPr>
+    <a:lvl4pPr marL="1371600" algn="l" defTabSz="914400" rtl="0" eaLnBrk="1" latinLnBrk="0" hangingPunct="1">
+      <a:defRPr sz="1200" kern="1200">
+        <a:solidFill>
+          <a:schemeClr val="tx1"/>
+        </a:solidFill>
+        <a:latin typeface="+mn-lt"/>
+        <a:ea typeface="+mn-ea"/>
+        <a:cs typeface="+mn-cs"/>
+      </a:defRPr>
+    </a:lvl4pPr>
+    <a:lvl5pPr marL="1828800" algn="l" defTabSz="914400" rtl="0" eaLnBrk="1" latinLnBrk="0" hangingPunct="1">
+      <a:defRPr sz="1200" kern="1200">
+        <a:solidFill>
+          <a:schemeClr val="tx1"/>
+        </a:solidFill>
+        <a:latin typeface="+mn-lt"/>
+        <a:ea typeface="+mn-ea"/>
+        <a:cs typeface="+mn-cs"/>
+      </a:defRPr>
+    </a:lvl5pPr>
+    <a:lvl6pPr marL="2286000" algn="l" defTabSz="914400" rtl="0" eaLnBrk="1" latinLnBrk="0" hangingPunct="1">
+      <a:defRPr sz="1200" kern="1200">
+        <a:solidFill>
+          <a:schemeClr val="tx1"/>
+        </a:solidFill>
+        <a:latin typeface="+mn-lt"/>
+        <a:ea typeface="+mn-ea"/>
+        <a:cs typeface="+mn-cs"/>
+      </a:defRPr>
+    </a:lvl6pPr>
+    <a:lvl7pPr marL="2743200" algn="l" defTabSz="914400" rtl="0" eaLnBrk="1" latinLnBrk="0" hangingPunct="1">
+      <a:defRPr sz="1200" kern="1200">
+        <a:solidFill>
+          <a:schemeClr val="tx1"/>
+        </a:solidFill>
+        <a:latin typeface="+mn-lt"/>
+        <a:ea typeface="+mn-ea"/>
+        <a:cs typeface="+mn-cs"/>
+      </a:defRPr>
+    </a:lvl7pPr>
+    <a:lvl8pPr marL="3200400" algn="l" defTabSz="914400" rtl="0" eaLnBrk="1" latinLnBrk="0" hangingPunct="1">
+      <a:defRPr sz="1200" kern="1200">
+        <a:solidFill>
+          <a:schemeClr val="tx1"/>
+        </a:solidFill>
+        <a:latin typeface="+mn-lt"/>
+        <a:ea typeface="+mn-ea"/>
+        <a:cs typeface="+mn-cs"/>
+      </a:defRPr>
+    </a:lvl8pPr>
+    <a:lvl9pPr marL="3657600" algn="l" defTabSz="914400" rtl="0" eaLnBrk="1" latinLnBrk="0" hangingPunct="1">
+      <a:defRPr sz="1200" kern="1200">
+        <a:solidFill>
+          <a:schemeClr val="tx1"/>
+        </a:solidFill>
+        <a:latin typeface="+mn-lt"/>
+        <a:ea typeface="+mn-ea"/>
+        <a:cs typeface="+mn-cs"/>
+      </a:defRPr>
+    </a:lvl9pPr>
+  </p:notesStyle>
+</p:notesMaster>
+</file>
+
+<file path=ppt/notesSlides/notesSlide1.xml><?xml version="1.0" encoding="utf-8"?>
+<p:notes xmlns:a="http://schemas.openxmlformats.org/drawingml/2006/main" xmlns:r="http://schemas.openxmlformats.org/officeDocument/2006/relationships" xmlns:p="http://schemas.openxmlformats.org/presentationml/2006/main">
+  <p:cSld>
+    <p:spTree>
+      <p:nvGrpSpPr>
+        <p:cNvPr id="1" name="">
+          <a:extLst>
+            <a:ext uri="{FF2B5EF4-FFF2-40B4-BE49-F238E27FC236}">
+              <a16:creationId xmlns:a16="http://schemas.microsoft.com/office/drawing/2014/main" id="{113889BE-7A13-7636-37C6-0B5A691399EC}"/>
+            </a:ext>
+          </a:extLst>
+        </p:cNvPr>
+        <p:cNvGrpSpPr/>
+        <p:nvPr/>
+      </p:nvGrpSpPr>
+      <p:grpSpPr>
+        <a:xfrm>
+          <a:off x="0" y="0"/>
+          <a:ext cx="0" cy="0"/>
+          <a:chOff x="0" y="0"/>
+          <a:chExt cx="0" cy="0"/>
+        </a:xfrm>
+      </p:grpSpPr>
+      <p:sp>
+        <p:nvSpPr>
+          <p:cNvPr id="2" name="Folienbildplatzhalter 1">
+            <a:extLst>
+              <a:ext uri="{FF2B5EF4-FFF2-40B4-BE49-F238E27FC236}">
+                <a16:creationId xmlns:a16="http://schemas.microsoft.com/office/drawing/2014/main" id="{1C317401-24C5-6B13-2F50-992BB3B7C78D}"/>
+              </a:ext>
+            </a:extLst>
+          </p:cNvPr>
+          <p:cNvSpPr>
+            <a:spLocks noGrp="1" noRot="1" noChangeAspect="1"/>
+          </p:cNvSpPr>
+          <p:nvPr>
+            <p:ph type="sldImg"/>
+          </p:nvPr>
+        </p:nvSpPr>
+        <p:spPr/>
+      </p:sp>
+      <p:sp>
+        <p:nvSpPr>
+          <p:cNvPr id="3" name="Notizenplatzhalter 2">
+            <a:extLst>
+              <a:ext uri="{FF2B5EF4-FFF2-40B4-BE49-F238E27FC236}">
+                <a16:creationId xmlns:a16="http://schemas.microsoft.com/office/drawing/2014/main" id="{867042B5-EA44-84E0-D6EA-1CA42532DA91}"/>
+              </a:ext>
+            </a:extLst>
+          </p:cNvPr>
+          <p:cNvSpPr>
+            <a:spLocks noGrp="1"/>
+          </p:cNvSpPr>
+          <p:nvPr>
+            <p:ph type="body" idx="1"/>
+          </p:nvPr>
+        </p:nvSpPr>
+        <p:spPr/>
+        <p:txBody>
+          <a:bodyPr/>
+          <a:lstStyle/>
+          <a:p>
+            <a:pPr marL="171450" indent="-171450">
+              <a:buFontTx/>
+              <a:buChar char="-"/>
+            </a:pPr>
+            <a:endParaRPr lang="de-DE" dirty="0"/>
+          </a:p>
+        </p:txBody>
+      </p:sp>
+      <p:sp>
+        <p:nvSpPr>
+          <p:cNvPr id="4" name="Foliennummernplatzhalter 3">
+            <a:extLst>
+              <a:ext uri="{FF2B5EF4-FFF2-40B4-BE49-F238E27FC236}">
+                <a16:creationId xmlns:a16="http://schemas.microsoft.com/office/drawing/2014/main" id="{14BF2793-736E-0ADD-F6F6-D2B010F85D48}"/>
+              </a:ext>
+            </a:extLst>
+          </p:cNvPr>
+          <p:cNvSpPr>
+            <a:spLocks noGrp="1"/>
+          </p:cNvSpPr>
+          <p:nvPr>
+            <p:ph type="sldNum" sz="quarter" idx="5"/>
+          </p:nvPr>
+        </p:nvSpPr>
+        <p:spPr/>
+        <p:txBody>
+          <a:bodyPr/>
+          <a:lstStyle/>
+          <a:p>
+            <a:fld id="{988EE22E-D4F1-40D7-A03F-1C7960DE94E4}" type="slidenum">
+              <a:rPr lang="de-DE" smtClean="0"/>
+              <a:t>1</a:t>
+            </a:fld>
+            <a:endParaRPr lang="de-DE"/>
+          </a:p>
+        </p:txBody>
+      </p:sp>
+    </p:spTree>
+    <p:extLst>
+      <p:ext uri="{BB962C8B-B14F-4D97-AF65-F5344CB8AC3E}">
+        <p14:creationId xmlns:p14="http://schemas.microsoft.com/office/powerpoint/2010/main" val="3076235713"/>
+      </p:ext>
+    </p:extLst>
+  </p:cSld>
+  <p:clrMapOvr>
+    <a:masterClrMapping/>
+  </p:clrMapOvr>
+</p:notes>
+</file>
+
+<file path=ppt/notesSlides/notesSlide10.xml><?xml version="1.0" encoding="utf-8"?>
+<p:notes xmlns:a="http://schemas.openxmlformats.org/drawingml/2006/main" xmlns:r="http://schemas.openxmlformats.org/officeDocument/2006/relationships" xmlns:p="http://schemas.openxmlformats.org/presentationml/2006/main">
+  <p:cSld>
+    <p:spTree>
+      <p:nvGrpSpPr>
+        <p:cNvPr id="1" name="">
+          <a:extLst>
+            <a:ext uri="{FF2B5EF4-FFF2-40B4-BE49-F238E27FC236}">
+              <a16:creationId xmlns:a16="http://schemas.microsoft.com/office/drawing/2014/main" id="{078C6054-D413-922E-D3FE-348DA844C6AB}"/>
+            </a:ext>
+          </a:extLst>
+        </p:cNvPr>
+        <p:cNvGrpSpPr/>
+        <p:nvPr/>
+      </p:nvGrpSpPr>
+      <p:grpSpPr>
+        <a:xfrm>
+          <a:off x="0" y="0"/>
+          <a:ext cx="0" cy="0"/>
+          <a:chOff x="0" y="0"/>
+          <a:chExt cx="0" cy="0"/>
+        </a:xfrm>
+      </p:grpSpPr>
+      <p:sp>
+        <p:nvSpPr>
+          <p:cNvPr id="2" name="Folienbildplatzhalter 1">
+            <a:extLst>
+              <a:ext uri="{FF2B5EF4-FFF2-40B4-BE49-F238E27FC236}">
+                <a16:creationId xmlns:a16="http://schemas.microsoft.com/office/drawing/2014/main" id="{381CB77B-C4C5-5A17-DA14-C3F60317AC90}"/>
+              </a:ext>
+            </a:extLst>
+          </p:cNvPr>
+          <p:cNvSpPr>
+            <a:spLocks noGrp="1" noRot="1" noChangeAspect="1"/>
+          </p:cNvSpPr>
+          <p:nvPr>
+            <p:ph type="sldImg"/>
+          </p:nvPr>
+        </p:nvSpPr>
+        <p:spPr/>
+      </p:sp>
+      <p:sp>
+        <p:nvSpPr>
+          <p:cNvPr id="3" name="Notizenplatzhalter 2">
+            <a:extLst>
+              <a:ext uri="{FF2B5EF4-FFF2-40B4-BE49-F238E27FC236}">
+                <a16:creationId xmlns:a16="http://schemas.microsoft.com/office/drawing/2014/main" id="{85E48AB3-9FDB-071F-4A5C-13E6A03811C9}"/>
+              </a:ext>
+            </a:extLst>
+          </p:cNvPr>
+          <p:cNvSpPr>
+            <a:spLocks noGrp="1"/>
+          </p:cNvSpPr>
+          <p:nvPr>
+            <p:ph type="body" idx="1"/>
+          </p:nvPr>
+        </p:nvSpPr>
+        <p:spPr/>
+        <p:txBody>
+          <a:bodyPr/>
+          <a:lstStyle/>
+          <a:p>
+            <a:pPr marL="171450" indent="-171450">
+              <a:buFontTx/>
+              <a:buChar char="-"/>
+            </a:pPr>
+            <a:endParaRPr lang="de-DE" dirty="0"/>
+          </a:p>
+        </p:txBody>
+      </p:sp>
+      <p:sp>
+        <p:nvSpPr>
+          <p:cNvPr id="4" name="Foliennummernplatzhalter 3">
+            <a:extLst>
+              <a:ext uri="{FF2B5EF4-FFF2-40B4-BE49-F238E27FC236}">
+                <a16:creationId xmlns:a16="http://schemas.microsoft.com/office/drawing/2014/main" id="{6973E59E-42DA-D087-7E24-BFC7361D11FE}"/>
+              </a:ext>
+            </a:extLst>
+          </p:cNvPr>
+          <p:cNvSpPr>
+            <a:spLocks noGrp="1"/>
+          </p:cNvSpPr>
+          <p:nvPr>
+            <p:ph type="sldNum" sz="quarter" idx="5"/>
+          </p:nvPr>
+        </p:nvSpPr>
+        <p:spPr/>
+        <p:txBody>
+          <a:bodyPr/>
+          <a:lstStyle/>
+          <a:p>
+            <a:fld id="{988EE22E-D4F1-40D7-A03F-1C7960DE94E4}" type="slidenum">
+              <a:rPr lang="de-DE" smtClean="0"/>
+              <a:t>10</a:t>
+            </a:fld>
+            <a:endParaRPr lang="de-DE"/>
+          </a:p>
+        </p:txBody>
+      </p:sp>
+    </p:spTree>
+    <p:extLst>
+      <p:ext uri="{BB962C8B-B14F-4D97-AF65-F5344CB8AC3E}">
+        <p14:creationId xmlns:p14="http://schemas.microsoft.com/office/powerpoint/2010/main" val="488007602"/>
+      </p:ext>
+    </p:extLst>
+  </p:cSld>
+  <p:clrMapOvr>
+    <a:masterClrMapping/>
+  </p:clrMapOvr>
+</p:notes>
+</file>
+
+<file path=ppt/notesSlides/notesSlide11.xml><?xml version="1.0" encoding="utf-8"?>
+<p:notes xmlns:a="http://schemas.openxmlformats.org/drawingml/2006/main" xmlns:r="http://schemas.openxmlformats.org/officeDocument/2006/relationships" xmlns:p="http://schemas.openxmlformats.org/presentationml/2006/main">
+  <p:cSld>
+    <p:spTree>
+      <p:nvGrpSpPr>
+        <p:cNvPr id="1" name="">
+          <a:extLst>
+            <a:ext uri="{FF2B5EF4-FFF2-40B4-BE49-F238E27FC236}">
+              <a16:creationId xmlns:a16="http://schemas.microsoft.com/office/drawing/2014/main" id="{07E0D5E9-A0CB-7F08-ED54-C0F66E6470EA}"/>
+            </a:ext>
+          </a:extLst>
+        </p:cNvPr>
+        <p:cNvGrpSpPr/>
+        <p:nvPr/>
+      </p:nvGrpSpPr>
+      <p:grpSpPr>
+        <a:xfrm>
+          <a:off x="0" y="0"/>
+          <a:ext cx="0" cy="0"/>
+          <a:chOff x="0" y="0"/>
+          <a:chExt cx="0" cy="0"/>
+        </a:xfrm>
+      </p:grpSpPr>
+      <p:sp>
+        <p:nvSpPr>
+          <p:cNvPr id="2" name="Folienbildplatzhalter 1">
+            <a:extLst>
+              <a:ext uri="{FF2B5EF4-FFF2-40B4-BE49-F238E27FC236}">
+                <a16:creationId xmlns:a16="http://schemas.microsoft.com/office/drawing/2014/main" id="{9B2CF6AF-5A95-5D20-046A-F6A202C0657C}"/>
+              </a:ext>
+            </a:extLst>
+          </p:cNvPr>
+          <p:cNvSpPr>
+            <a:spLocks noGrp="1" noRot="1" noChangeAspect="1"/>
+          </p:cNvSpPr>
+          <p:nvPr>
+            <p:ph type="sldImg"/>
+          </p:nvPr>
+        </p:nvSpPr>
+        <p:spPr/>
+      </p:sp>
+      <p:sp>
+        <p:nvSpPr>
+          <p:cNvPr id="3" name="Notizenplatzhalter 2">
+            <a:extLst>
+              <a:ext uri="{FF2B5EF4-FFF2-40B4-BE49-F238E27FC236}">
+                <a16:creationId xmlns:a16="http://schemas.microsoft.com/office/drawing/2014/main" id="{B521572A-4C98-B24B-AB68-8B1C474995CD}"/>
+              </a:ext>
+            </a:extLst>
+          </p:cNvPr>
+          <p:cNvSpPr>
+            <a:spLocks noGrp="1"/>
+          </p:cNvSpPr>
+          <p:nvPr>
+            <p:ph type="body" idx="1"/>
+          </p:nvPr>
+        </p:nvSpPr>
+        <p:spPr/>
+        <p:txBody>
+          <a:bodyPr/>
+          <a:lstStyle/>
+          <a:p>
+            <a:pPr marL="171450" indent="-171450">
+              <a:buFontTx/>
+              <a:buChar char="-"/>
+            </a:pPr>
+            <a:endParaRPr lang="de-DE" dirty="0"/>
+          </a:p>
+        </p:txBody>
+      </p:sp>
+      <p:sp>
+        <p:nvSpPr>
+          <p:cNvPr id="4" name="Foliennummernplatzhalter 3">
+            <a:extLst>
+              <a:ext uri="{FF2B5EF4-FFF2-40B4-BE49-F238E27FC236}">
+                <a16:creationId xmlns:a16="http://schemas.microsoft.com/office/drawing/2014/main" id="{877339E7-1D1B-18E9-F64D-39B00618EA47}"/>
+              </a:ext>
+            </a:extLst>
+          </p:cNvPr>
+          <p:cNvSpPr>
+            <a:spLocks noGrp="1"/>
+          </p:cNvSpPr>
+          <p:nvPr>
+            <p:ph type="sldNum" sz="quarter" idx="5"/>
+          </p:nvPr>
+        </p:nvSpPr>
+        <p:spPr/>
+        <p:txBody>
+          <a:bodyPr/>
+          <a:lstStyle/>
+          <a:p>
+            <a:fld id="{988EE22E-D4F1-40D7-A03F-1C7960DE94E4}" type="slidenum">
+              <a:rPr lang="de-DE" smtClean="0"/>
+              <a:t>11</a:t>
+            </a:fld>
+            <a:endParaRPr lang="de-DE"/>
+          </a:p>
+        </p:txBody>
+      </p:sp>
+    </p:spTree>
+    <p:extLst>
+      <p:ext uri="{BB962C8B-B14F-4D97-AF65-F5344CB8AC3E}">
+        <p14:creationId xmlns:p14="http://schemas.microsoft.com/office/powerpoint/2010/main" val="1694508502"/>
+      </p:ext>
+    </p:extLst>
+  </p:cSld>
+  <p:clrMapOvr>
+    <a:masterClrMapping/>
+  </p:clrMapOvr>
+</p:notes>
+</file>
+
+<file path=ppt/notesSlides/notesSlide2.xml><?xml version="1.0" encoding="utf-8"?>
+<p:notes xmlns:a="http://schemas.openxmlformats.org/drawingml/2006/main" xmlns:r="http://schemas.openxmlformats.org/officeDocument/2006/relationships" xmlns:p="http://schemas.openxmlformats.org/presentationml/2006/main">
+  <p:cSld>
+    <p:spTree>
+      <p:nvGrpSpPr>
+        <p:cNvPr id="1" name="">
+          <a:extLst>
+            <a:ext uri="{FF2B5EF4-FFF2-40B4-BE49-F238E27FC236}">
+              <a16:creationId xmlns:a16="http://schemas.microsoft.com/office/drawing/2014/main" id="{1D424627-08A9-0A3C-E798-AC2652585401}"/>
+            </a:ext>
+          </a:extLst>
+        </p:cNvPr>
+        <p:cNvGrpSpPr/>
+        <p:nvPr/>
+      </p:nvGrpSpPr>
+      <p:grpSpPr>
+        <a:xfrm>
+          <a:off x="0" y="0"/>
+          <a:ext cx="0" cy="0"/>
+          <a:chOff x="0" y="0"/>
+          <a:chExt cx="0" cy="0"/>
+        </a:xfrm>
+      </p:grpSpPr>
+      <p:sp>
+        <p:nvSpPr>
+          <p:cNvPr id="2" name="Folienbildplatzhalter 1">
+            <a:extLst>
+              <a:ext uri="{FF2B5EF4-FFF2-40B4-BE49-F238E27FC236}">
+                <a16:creationId xmlns:a16="http://schemas.microsoft.com/office/drawing/2014/main" id="{DD0851FE-F9ED-1077-6741-8F8265337A0E}"/>
+              </a:ext>
+            </a:extLst>
+          </p:cNvPr>
+          <p:cNvSpPr>
+            <a:spLocks noGrp="1" noRot="1" noChangeAspect="1"/>
+          </p:cNvSpPr>
+          <p:nvPr>
+            <p:ph type="sldImg"/>
+          </p:nvPr>
+        </p:nvSpPr>
+        <p:spPr/>
+      </p:sp>
+      <p:sp>
+        <p:nvSpPr>
+          <p:cNvPr id="3" name="Notizenplatzhalter 2">
+            <a:extLst>
+              <a:ext uri="{FF2B5EF4-FFF2-40B4-BE49-F238E27FC236}">
+                <a16:creationId xmlns:a16="http://schemas.microsoft.com/office/drawing/2014/main" id="{7A15710A-6689-0654-ADD0-D52CFDA7D818}"/>
+              </a:ext>
+            </a:extLst>
+          </p:cNvPr>
+          <p:cNvSpPr>
+            <a:spLocks noGrp="1"/>
+          </p:cNvSpPr>
+          <p:nvPr>
+            <p:ph type="body" idx="1"/>
+          </p:nvPr>
+        </p:nvSpPr>
+        <p:spPr/>
+        <p:txBody>
+          <a:bodyPr/>
+          <a:lstStyle/>
+          <a:p>
+            <a:pPr marL="171450" indent="-171450">
+              <a:buFontTx/>
+              <a:buChar char="-"/>
+            </a:pPr>
+            <a:endParaRPr lang="de-DE" dirty="0"/>
+          </a:p>
+        </p:txBody>
+      </p:sp>
+      <p:sp>
+        <p:nvSpPr>
+          <p:cNvPr id="4" name="Foliennummernplatzhalter 3">
+            <a:extLst>
+              <a:ext uri="{FF2B5EF4-FFF2-40B4-BE49-F238E27FC236}">
+                <a16:creationId xmlns:a16="http://schemas.microsoft.com/office/drawing/2014/main" id="{15B95399-3E55-D3CC-BDDD-E170B69B4314}"/>
+              </a:ext>
+            </a:extLst>
+          </p:cNvPr>
+          <p:cNvSpPr>
+            <a:spLocks noGrp="1"/>
+          </p:cNvSpPr>
+          <p:nvPr>
+            <p:ph type="sldNum" sz="quarter" idx="5"/>
+          </p:nvPr>
+        </p:nvSpPr>
+        <p:spPr/>
+        <p:txBody>
+          <a:bodyPr/>
+          <a:lstStyle/>
+          <a:p>
+            <a:fld id="{988EE22E-D4F1-40D7-A03F-1C7960DE94E4}" type="slidenum">
+              <a:rPr lang="de-DE" smtClean="0"/>
+              <a:t>2</a:t>
+            </a:fld>
+            <a:endParaRPr lang="de-DE"/>
+          </a:p>
+        </p:txBody>
+      </p:sp>
+    </p:spTree>
+    <p:extLst>
+      <p:ext uri="{BB962C8B-B14F-4D97-AF65-F5344CB8AC3E}">
+        <p14:creationId xmlns:p14="http://schemas.microsoft.com/office/powerpoint/2010/main" val="1969888391"/>
+      </p:ext>
+    </p:extLst>
+  </p:cSld>
+  <p:clrMapOvr>
+    <a:masterClrMapping/>
+  </p:clrMapOvr>
+</p:notes>
+</file>
+
+<file path=ppt/notesSlides/notesSlide3.xml><?xml version="1.0" encoding="utf-8"?>
+<p:notes xmlns:a="http://schemas.openxmlformats.org/drawingml/2006/main" xmlns:r="http://schemas.openxmlformats.org/officeDocument/2006/relationships" xmlns:p="http://schemas.openxmlformats.org/presentationml/2006/main">
+  <p:cSld>
+    <p:spTree>
+      <p:nvGrpSpPr>
+        <p:cNvPr id="1" name="">
+          <a:extLst>
+            <a:ext uri="{FF2B5EF4-FFF2-40B4-BE49-F238E27FC236}">
+              <a16:creationId xmlns:a16="http://schemas.microsoft.com/office/drawing/2014/main" id="{DE7EA8CB-2B43-C0E6-902F-7C781DF2FB27}"/>
+            </a:ext>
+          </a:extLst>
+        </p:cNvPr>
+        <p:cNvGrpSpPr/>
+        <p:nvPr/>
+      </p:nvGrpSpPr>
+      <p:grpSpPr>
+        <a:xfrm>
+          <a:off x="0" y="0"/>
+          <a:ext cx="0" cy="0"/>
+          <a:chOff x="0" y="0"/>
+          <a:chExt cx="0" cy="0"/>
+        </a:xfrm>
+      </p:grpSpPr>
+      <p:sp>
+        <p:nvSpPr>
+          <p:cNvPr id="2" name="Folienbildplatzhalter 1">
+            <a:extLst>
+              <a:ext uri="{FF2B5EF4-FFF2-40B4-BE49-F238E27FC236}">
+                <a16:creationId xmlns:a16="http://schemas.microsoft.com/office/drawing/2014/main" id="{0E905CB6-F6B4-D5E6-DBC5-479A63DD1CB7}"/>
+              </a:ext>
+            </a:extLst>
+          </p:cNvPr>
+          <p:cNvSpPr>
+            <a:spLocks noGrp="1" noRot="1" noChangeAspect="1"/>
+          </p:cNvSpPr>
+          <p:nvPr>
+            <p:ph type="sldImg"/>
+          </p:nvPr>
+        </p:nvSpPr>
+        <p:spPr/>
+      </p:sp>
+      <p:sp>
+        <p:nvSpPr>
+          <p:cNvPr id="3" name="Notizenplatzhalter 2">
+            <a:extLst>
+              <a:ext uri="{FF2B5EF4-FFF2-40B4-BE49-F238E27FC236}">
+                <a16:creationId xmlns:a16="http://schemas.microsoft.com/office/drawing/2014/main" id="{71A17544-503D-385D-F5B4-12805F0786DF}"/>
+              </a:ext>
+            </a:extLst>
+          </p:cNvPr>
+          <p:cNvSpPr>
+            <a:spLocks noGrp="1"/>
+          </p:cNvSpPr>
+          <p:nvPr>
+            <p:ph type="body" idx="1"/>
+          </p:nvPr>
+        </p:nvSpPr>
+        <p:spPr/>
+        <p:txBody>
+          <a:bodyPr/>
+          <a:lstStyle/>
+          <a:p>
+            <a:pPr marL="171450" indent="-171450">
+              <a:buFontTx/>
+              <a:buChar char="-"/>
+            </a:pPr>
+            <a:endParaRPr lang="de-DE" dirty="0"/>
+          </a:p>
+        </p:txBody>
+      </p:sp>
+      <p:sp>
+        <p:nvSpPr>
+          <p:cNvPr id="4" name="Foliennummernplatzhalter 3">
+            <a:extLst>
+              <a:ext uri="{FF2B5EF4-FFF2-40B4-BE49-F238E27FC236}">
+                <a16:creationId xmlns:a16="http://schemas.microsoft.com/office/drawing/2014/main" id="{7E8BD09D-908A-BC8A-EF39-CD18E59F7DD6}"/>
+              </a:ext>
+            </a:extLst>
+          </p:cNvPr>
+          <p:cNvSpPr>
+            <a:spLocks noGrp="1"/>
+          </p:cNvSpPr>
+          <p:nvPr>
+            <p:ph type="sldNum" sz="quarter" idx="5"/>
+          </p:nvPr>
+        </p:nvSpPr>
+        <p:spPr/>
+        <p:txBody>
+          <a:bodyPr/>
+          <a:lstStyle/>
+          <a:p>
+            <a:fld id="{988EE22E-D4F1-40D7-A03F-1C7960DE94E4}" type="slidenum">
+              <a:rPr lang="de-DE" smtClean="0"/>
+              <a:t>3</a:t>
+            </a:fld>
+            <a:endParaRPr lang="de-DE"/>
+          </a:p>
+        </p:txBody>
+      </p:sp>
+    </p:spTree>
+    <p:extLst>
+      <p:ext uri="{BB962C8B-B14F-4D97-AF65-F5344CB8AC3E}">
+        <p14:creationId xmlns:p14="http://schemas.microsoft.com/office/powerpoint/2010/main" val="2808952250"/>
+      </p:ext>
+    </p:extLst>
+  </p:cSld>
+  <p:clrMapOvr>
+    <a:masterClrMapping/>
+  </p:clrMapOvr>
+</p:notes>
+</file>
+
+<file path=ppt/notesSlides/notesSlide4.xml><?xml version="1.0" encoding="utf-8"?>
+<p:notes xmlns:a="http://schemas.openxmlformats.org/drawingml/2006/main" xmlns:r="http://schemas.openxmlformats.org/officeDocument/2006/relationships" xmlns:p="http://schemas.openxmlformats.org/presentationml/2006/main">
+  <p:cSld>
+    <p:spTree>
+      <p:nvGrpSpPr>
+        <p:cNvPr id="1" name="">
+          <a:extLst>
+            <a:ext uri="{FF2B5EF4-FFF2-40B4-BE49-F238E27FC236}">
+              <a16:creationId xmlns:a16="http://schemas.microsoft.com/office/drawing/2014/main" id="{8E7FEC5A-1737-33B3-788B-AD1C76A2F5B8}"/>
+            </a:ext>
+          </a:extLst>
+        </p:cNvPr>
+        <p:cNvGrpSpPr/>
+        <p:nvPr/>
+      </p:nvGrpSpPr>
+      <p:grpSpPr>
+        <a:xfrm>
+          <a:off x="0" y="0"/>
+          <a:ext cx="0" cy="0"/>
+          <a:chOff x="0" y="0"/>
+          <a:chExt cx="0" cy="0"/>
+        </a:xfrm>
+      </p:grpSpPr>
+      <p:sp>
+        <p:nvSpPr>
+          <p:cNvPr id="2" name="Folienbildplatzhalter 1">
+            <a:extLst>
+              <a:ext uri="{FF2B5EF4-FFF2-40B4-BE49-F238E27FC236}">
+                <a16:creationId xmlns:a16="http://schemas.microsoft.com/office/drawing/2014/main" id="{33646FD4-969E-737A-DBA8-842A2ED5C7A6}"/>
+              </a:ext>
+            </a:extLst>
+          </p:cNvPr>
+          <p:cNvSpPr>
+            <a:spLocks noGrp="1" noRot="1" noChangeAspect="1"/>
+          </p:cNvSpPr>
+          <p:nvPr>
+            <p:ph type="sldImg"/>
+          </p:nvPr>
+        </p:nvSpPr>
+        <p:spPr/>
+      </p:sp>
+      <p:sp>
+        <p:nvSpPr>
+          <p:cNvPr id="3" name="Notizenplatzhalter 2">
+            <a:extLst>
+              <a:ext uri="{FF2B5EF4-FFF2-40B4-BE49-F238E27FC236}">
+                <a16:creationId xmlns:a16="http://schemas.microsoft.com/office/drawing/2014/main" id="{6F9EF7A9-1431-6699-DB6A-7AE7AA6D418F}"/>
+              </a:ext>
+            </a:extLst>
+          </p:cNvPr>
+          <p:cNvSpPr>
+            <a:spLocks noGrp="1"/>
+          </p:cNvSpPr>
+          <p:nvPr>
+            <p:ph type="body" idx="1"/>
+          </p:nvPr>
+        </p:nvSpPr>
+        <p:spPr/>
+        <p:txBody>
+          <a:bodyPr/>
+          <a:lstStyle/>
+          <a:p>
+            <a:pPr marL="171450" indent="-171450">
+              <a:buFontTx/>
+              <a:buChar char="-"/>
+            </a:pPr>
+            <a:endParaRPr lang="de-DE" dirty="0"/>
+          </a:p>
+        </p:txBody>
+      </p:sp>
+      <p:sp>
+        <p:nvSpPr>
+          <p:cNvPr id="4" name="Foliennummernplatzhalter 3">
+            <a:extLst>
+              <a:ext uri="{FF2B5EF4-FFF2-40B4-BE49-F238E27FC236}">
+                <a16:creationId xmlns:a16="http://schemas.microsoft.com/office/drawing/2014/main" id="{6AFDF1A0-3D0E-E3E1-D88D-033C12D104B6}"/>
+              </a:ext>
+            </a:extLst>
+          </p:cNvPr>
+          <p:cNvSpPr>
+            <a:spLocks noGrp="1"/>
+          </p:cNvSpPr>
+          <p:nvPr>
+            <p:ph type="sldNum" sz="quarter" idx="5"/>
+          </p:nvPr>
+        </p:nvSpPr>
+        <p:spPr/>
+        <p:txBody>
+          <a:bodyPr/>
+          <a:lstStyle/>
+          <a:p>
+            <a:fld id="{988EE22E-D4F1-40D7-A03F-1C7960DE94E4}" type="slidenum">
+              <a:rPr lang="de-DE" smtClean="0"/>
+              <a:t>4</a:t>
+            </a:fld>
+            <a:endParaRPr lang="de-DE"/>
+          </a:p>
+        </p:txBody>
+      </p:sp>
+    </p:spTree>
+    <p:extLst>
+      <p:ext uri="{BB962C8B-B14F-4D97-AF65-F5344CB8AC3E}">
+        <p14:creationId xmlns:p14="http://schemas.microsoft.com/office/powerpoint/2010/main" val="4213763245"/>
+      </p:ext>
+    </p:extLst>
+  </p:cSld>
+  <p:clrMapOvr>
+    <a:masterClrMapping/>
+  </p:clrMapOvr>
+</p:notes>
+</file>
+
+<file path=ppt/notesSlides/notesSlide5.xml><?xml version="1.0" encoding="utf-8"?>
+<p:notes xmlns:a="http://schemas.openxmlformats.org/drawingml/2006/main" xmlns:r="http://schemas.openxmlformats.org/officeDocument/2006/relationships" xmlns:p="http://schemas.openxmlformats.org/presentationml/2006/main">
+  <p:cSld>
+    <p:spTree>
+      <p:nvGrpSpPr>
+        <p:cNvPr id="1" name="">
+          <a:extLst>
+            <a:ext uri="{FF2B5EF4-FFF2-40B4-BE49-F238E27FC236}">
+              <a16:creationId xmlns:a16="http://schemas.microsoft.com/office/drawing/2014/main" id="{9E0644EA-B79B-B1BE-F499-C3AA12388E36}"/>
+            </a:ext>
+          </a:extLst>
+        </p:cNvPr>
+        <p:cNvGrpSpPr/>
+        <p:nvPr/>
+      </p:nvGrpSpPr>
+      <p:grpSpPr>
+        <a:xfrm>
+          <a:off x="0" y="0"/>
+          <a:ext cx="0" cy="0"/>
+          <a:chOff x="0" y="0"/>
+          <a:chExt cx="0" cy="0"/>
+        </a:xfrm>
+      </p:grpSpPr>
+      <p:sp>
+        <p:nvSpPr>
+          <p:cNvPr id="2" name="Folienbildplatzhalter 1">
+            <a:extLst>
+              <a:ext uri="{FF2B5EF4-FFF2-40B4-BE49-F238E27FC236}">
+                <a16:creationId xmlns:a16="http://schemas.microsoft.com/office/drawing/2014/main" id="{2791D1A7-3511-AA76-05E9-E461933124D8}"/>
+              </a:ext>
+            </a:extLst>
+          </p:cNvPr>
+          <p:cNvSpPr>
+            <a:spLocks noGrp="1" noRot="1" noChangeAspect="1"/>
+          </p:cNvSpPr>
+          <p:nvPr>
+            <p:ph type="sldImg"/>
+          </p:nvPr>
+        </p:nvSpPr>
+        <p:spPr/>
+      </p:sp>
+      <p:sp>
+        <p:nvSpPr>
+          <p:cNvPr id="3" name="Notizenplatzhalter 2">
+            <a:extLst>
+              <a:ext uri="{FF2B5EF4-FFF2-40B4-BE49-F238E27FC236}">
+                <a16:creationId xmlns:a16="http://schemas.microsoft.com/office/drawing/2014/main" id="{04AD419A-AB90-77AD-BA04-FC1851166B54}"/>
+              </a:ext>
+            </a:extLst>
+          </p:cNvPr>
+          <p:cNvSpPr>
+            <a:spLocks noGrp="1"/>
+          </p:cNvSpPr>
+          <p:nvPr>
+            <p:ph type="body" idx="1"/>
+          </p:nvPr>
+        </p:nvSpPr>
+        <p:spPr/>
+        <p:txBody>
+          <a:bodyPr/>
+          <a:lstStyle/>
+          <a:p>
+            <a:pPr marL="171450" indent="-171450">
+              <a:buFontTx/>
+              <a:buChar char="-"/>
+            </a:pPr>
+            <a:r>
+              <a:rPr lang="de-DE" dirty="0"/>
+              <a:t>Will not </a:t>
+            </a:r>
+            <a:r>
+              <a:rPr lang="de-DE" dirty="0" err="1"/>
+              <a:t>introduce</a:t>
+            </a:r>
+            <a:r>
+              <a:rPr lang="de-DE" dirty="0"/>
+              <a:t> a </a:t>
+            </a:r>
+            <a:r>
+              <a:rPr lang="de-DE" dirty="0" err="1"/>
+              <a:t>lot</a:t>
+            </a:r>
+            <a:r>
+              <a:rPr lang="de-DE" dirty="0"/>
+              <a:t> </a:t>
+            </a:r>
+            <a:r>
+              <a:rPr lang="de-DE" dirty="0" err="1"/>
+              <a:t>of</a:t>
+            </a:r>
+            <a:r>
+              <a:rPr lang="de-DE" dirty="0"/>
+              <a:t> </a:t>
+            </a:r>
+            <a:r>
+              <a:rPr lang="de-DE" dirty="0" err="1"/>
+              <a:t>theory</a:t>
+            </a:r>
+            <a:endParaRPr lang="de-DE" dirty="0"/>
+          </a:p>
+          <a:p>
+            <a:pPr marL="171450" indent="-171450">
+              <a:buFontTx/>
+              <a:buChar char="-"/>
+            </a:pPr>
+            <a:r>
+              <a:rPr lang="de-DE" dirty="0"/>
+              <a:t>Keep </a:t>
+            </a:r>
+            <a:r>
+              <a:rPr lang="de-DE" dirty="0" err="1"/>
+              <a:t>it</a:t>
+            </a:r>
+            <a:r>
+              <a:rPr lang="de-DE" dirty="0"/>
+              <a:t> </a:t>
+            </a:r>
+            <a:r>
+              <a:rPr lang="de-DE" dirty="0" err="1"/>
+              <a:t>intro</a:t>
+            </a:r>
+            <a:r>
+              <a:rPr lang="de-DE" dirty="0"/>
+              <a:t> </a:t>
+            </a:r>
+            <a:r>
+              <a:rPr lang="de-DE" dirty="0" err="1"/>
+              <a:t>level</a:t>
+            </a:r>
+            <a:r>
+              <a:rPr lang="de-DE" dirty="0"/>
+              <a:t> </a:t>
+            </a:r>
+            <a:r>
+              <a:rPr lang="de-DE" dirty="0" err="1"/>
+              <a:t>friendly</a:t>
+            </a:r>
+            <a:endParaRPr lang="de-DE" dirty="0"/>
+          </a:p>
+          <a:p>
+            <a:pPr marL="171450" indent="-171450">
+              <a:buFontTx/>
+              <a:buChar char="-"/>
+            </a:pPr>
+            <a:endParaRPr lang="de-DE" dirty="0"/>
+          </a:p>
+          <a:p>
+            <a:pPr marL="0" indent="0">
+              <a:buFontTx/>
+              <a:buNone/>
+            </a:pPr>
+            <a:r>
+              <a:rPr lang="de-DE" dirty="0"/>
+              <a:t>Thus: </a:t>
+            </a:r>
+          </a:p>
+          <a:p>
+            <a:pPr marL="171450" indent="-171450">
+              <a:buFontTx/>
+              <a:buChar char="-"/>
+            </a:pPr>
+            <a:r>
+              <a:rPr lang="de-DE" dirty="0"/>
+              <a:t>Applied NAC </a:t>
+            </a:r>
+            <a:r>
+              <a:rPr lang="de-DE" dirty="0" err="1"/>
+              <a:t>example</a:t>
+            </a:r>
+            <a:endParaRPr lang="de-DE" dirty="0"/>
+          </a:p>
+          <a:p>
+            <a:pPr marL="171450" indent="-171450">
+              <a:buFontTx/>
+              <a:buChar char="-"/>
+            </a:pPr>
+            <a:endParaRPr lang="de-DE" dirty="0"/>
+          </a:p>
+          <a:p>
+            <a:pPr marL="0" indent="0">
+              <a:buFontTx/>
+              <a:buNone/>
+            </a:pPr>
+            <a:r>
+              <a:rPr lang="de-DE" dirty="0"/>
+              <a:t>Basic </a:t>
+            </a:r>
+            <a:r>
+              <a:rPr lang="de-DE" dirty="0" err="1"/>
+              <a:t>theory</a:t>
+            </a:r>
+            <a:r>
+              <a:rPr lang="de-DE" dirty="0"/>
+              <a:t>:</a:t>
+            </a:r>
+          </a:p>
+          <a:p>
+            <a:pPr marL="171450" indent="-171450">
+              <a:buFontTx/>
+              <a:buChar char="-"/>
+            </a:pPr>
+            <a:r>
+              <a:rPr lang="de-DE" dirty="0" err="1"/>
+              <a:t>Copula</a:t>
+            </a:r>
+            <a:r>
+              <a:rPr lang="de-DE" dirty="0"/>
+              <a:t> </a:t>
+            </a:r>
+            <a:r>
+              <a:rPr lang="de-DE" dirty="0" err="1"/>
+              <a:t>is</a:t>
+            </a:r>
+            <a:r>
+              <a:rPr lang="de-DE" dirty="0"/>
+              <a:t> a </a:t>
+            </a:r>
+            <a:r>
+              <a:rPr lang="de-DE" dirty="0" err="1"/>
+              <a:t>joint</a:t>
+            </a:r>
+            <a:r>
+              <a:rPr lang="de-DE" dirty="0"/>
+              <a:t> </a:t>
+            </a:r>
+            <a:r>
+              <a:rPr lang="de-DE" dirty="0" err="1"/>
+              <a:t>cdf</a:t>
+            </a:r>
+            <a:r>
+              <a:rPr lang="de-DE" dirty="0"/>
+              <a:t> </a:t>
+            </a:r>
+            <a:r>
+              <a:rPr lang="de-DE" dirty="0" err="1"/>
+              <a:t>with</a:t>
+            </a:r>
+            <a:r>
+              <a:rPr lang="de-DE" dirty="0"/>
+              <a:t> uniform </a:t>
+            </a:r>
+            <a:r>
+              <a:rPr lang="de-DE" dirty="0" err="1"/>
+              <a:t>margins</a:t>
+            </a:r>
+            <a:r>
+              <a:rPr lang="de-DE" dirty="0"/>
+              <a:t> (</a:t>
+            </a:r>
+            <a:r>
+              <a:rPr lang="de-DE" dirty="0" err="1"/>
+              <a:t>more</a:t>
+            </a:r>
+            <a:r>
+              <a:rPr lang="de-DE" dirty="0"/>
+              <a:t> on </a:t>
+            </a:r>
+            <a:r>
+              <a:rPr lang="de-DE" dirty="0" err="1"/>
+              <a:t>that</a:t>
+            </a:r>
+            <a:r>
+              <a:rPr lang="de-DE" dirty="0"/>
+              <a:t> </a:t>
+            </a:r>
+            <a:r>
+              <a:rPr lang="de-DE" dirty="0" err="1"/>
+              <a:t>later</a:t>
+            </a:r>
+            <a:r>
+              <a:rPr lang="de-DE" dirty="0"/>
+              <a:t>. </a:t>
+            </a:r>
+            <a:r>
+              <a:rPr lang="de-DE" dirty="0" err="1"/>
+              <a:t>For</a:t>
+            </a:r>
+            <a:r>
+              <a:rPr lang="de-DE" dirty="0"/>
+              <a:t> </a:t>
+            </a:r>
+            <a:r>
+              <a:rPr lang="de-DE" dirty="0" err="1"/>
+              <a:t>now</a:t>
+            </a:r>
+            <a:r>
+              <a:rPr lang="de-DE" dirty="0"/>
+              <a:t> </a:t>
+            </a:r>
+            <a:r>
+              <a:rPr lang="de-DE" dirty="0" err="1"/>
+              <a:t>think</a:t>
+            </a:r>
+            <a:r>
+              <a:rPr lang="de-DE" dirty="0"/>
+              <a:t> </a:t>
+            </a:r>
+            <a:r>
+              <a:rPr lang="de-DE" dirty="0" err="1"/>
+              <a:t>of</a:t>
+            </a:r>
+            <a:r>
+              <a:rPr lang="de-DE" dirty="0"/>
+              <a:t> </a:t>
+            </a:r>
+            <a:r>
+              <a:rPr lang="de-DE" dirty="0" err="1"/>
+              <a:t>it</a:t>
+            </a:r>
+            <a:r>
+              <a:rPr lang="de-DE" dirty="0"/>
+              <a:t> </a:t>
+            </a:r>
+            <a:r>
+              <a:rPr lang="de-DE" dirty="0" err="1"/>
+              <a:t>as</a:t>
+            </a:r>
+            <a:r>
+              <a:rPr lang="de-DE" dirty="0"/>
+              <a:t> just a </a:t>
+            </a:r>
+            <a:r>
+              <a:rPr lang="de-DE" dirty="0" err="1"/>
+              <a:t>function</a:t>
+            </a:r>
+            <a:r>
+              <a:rPr lang="de-DE" dirty="0"/>
+              <a:t>)</a:t>
+            </a:r>
+          </a:p>
+          <a:p>
+            <a:pPr marL="171450" indent="-171450">
+              <a:buFontTx/>
+              <a:buChar char="-"/>
+            </a:pPr>
+            <a:r>
+              <a:rPr lang="de-DE" dirty="0" err="1"/>
+              <a:t>Allows</a:t>
+            </a:r>
+            <a:r>
+              <a:rPr lang="de-DE" dirty="0"/>
+              <a:t> to </a:t>
+            </a:r>
+            <a:r>
+              <a:rPr lang="de-DE" dirty="0" err="1"/>
+              <a:t>decouple</a:t>
+            </a:r>
+            <a:r>
+              <a:rPr lang="de-DE" dirty="0"/>
+              <a:t> marginal </a:t>
+            </a:r>
+            <a:r>
+              <a:rPr lang="de-DE" dirty="0" err="1"/>
+              <a:t>distribution</a:t>
+            </a:r>
+            <a:r>
+              <a:rPr lang="de-DE" dirty="0"/>
+              <a:t> and </a:t>
+            </a:r>
+            <a:r>
+              <a:rPr lang="de-DE" dirty="0" err="1"/>
+              <a:t>dependence</a:t>
+            </a:r>
+            <a:r>
+              <a:rPr lang="de-DE" dirty="0"/>
+              <a:t> </a:t>
+            </a:r>
+            <a:r>
+              <a:rPr lang="de-DE" dirty="0" err="1"/>
+              <a:t>strucutre</a:t>
+            </a:r>
+            <a:endParaRPr lang="de-DE" dirty="0"/>
+          </a:p>
+          <a:p>
+            <a:pPr marL="171450" indent="-171450">
+              <a:buFontTx/>
+              <a:buChar char="-"/>
+            </a:pPr>
+            <a:r>
+              <a:rPr lang="de-DE" dirty="0"/>
+              <a:t>NAC </a:t>
+            </a:r>
+            <a:r>
+              <a:rPr lang="de-DE" dirty="0" err="1"/>
+              <a:t>special</a:t>
+            </a:r>
+            <a:r>
+              <a:rPr lang="de-DE" dirty="0"/>
+              <a:t> AC </a:t>
+            </a:r>
+            <a:r>
+              <a:rPr lang="de-DE" dirty="0" err="1"/>
+              <a:t>that</a:t>
+            </a:r>
+            <a:r>
+              <a:rPr lang="de-DE" dirty="0"/>
+              <a:t> </a:t>
+            </a:r>
+            <a:r>
+              <a:rPr lang="de-DE" dirty="0" err="1"/>
+              <a:t>allow</a:t>
+            </a:r>
+            <a:r>
+              <a:rPr lang="de-DE" dirty="0"/>
+              <a:t> partial </a:t>
+            </a:r>
+            <a:r>
+              <a:rPr lang="de-DE" dirty="0" err="1"/>
+              <a:t>asymmetry</a:t>
+            </a:r>
+            <a:r>
+              <a:rPr lang="de-DE" dirty="0"/>
+              <a:t> FORMULA</a:t>
+            </a:r>
+          </a:p>
+          <a:p>
+            <a:pPr marL="171450" indent="-171450">
+              <a:buFontTx/>
+              <a:buChar char="-"/>
+            </a:pPr>
+            <a:endParaRPr lang="de-DE" dirty="0"/>
+          </a:p>
+          <a:p>
+            <a:pPr marL="0" indent="0">
+              <a:buFontTx/>
+              <a:buNone/>
+            </a:pPr>
+            <a:r>
+              <a:rPr lang="de-DE" dirty="0"/>
+              <a:t>CDF: </a:t>
+            </a:r>
+          </a:p>
+          <a:p>
+            <a:pPr marL="0" indent="0">
+              <a:buFontTx/>
+              <a:buNone/>
+            </a:pPr>
+            <a:r>
+              <a:rPr lang="de-DE" dirty="0"/>
+              <a:t>- </a:t>
+            </a:r>
+            <a:r>
+              <a:rPr lang="de-DE" dirty="0" err="1"/>
+              <a:t>Function</a:t>
+            </a:r>
+            <a:r>
+              <a:rPr lang="de-DE" dirty="0"/>
+              <a:t> </a:t>
+            </a:r>
+            <a:r>
+              <a:rPr lang="de-DE" dirty="0" err="1"/>
+              <a:t>that</a:t>
+            </a:r>
+            <a:r>
+              <a:rPr lang="de-DE" dirty="0"/>
+              <a:t> </a:t>
+            </a:r>
+            <a:r>
+              <a:rPr lang="de-DE" dirty="0" err="1"/>
+              <a:t>gives</a:t>
+            </a:r>
+            <a:r>
+              <a:rPr lang="de-DE" dirty="0"/>
+              <a:t> </a:t>
+            </a:r>
+            <a:r>
+              <a:rPr lang="de-DE" dirty="0" err="1"/>
+              <a:t>probability</a:t>
+            </a:r>
+            <a:r>
+              <a:rPr lang="de-DE" dirty="0"/>
+              <a:t> X&lt;= x</a:t>
+            </a:r>
+          </a:p>
+        </p:txBody>
+      </p:sp>
+      <p:sp>
+        <p:nvSpPr>
+          <p:cNvPr id="4" name="Foliennummernplatzhalter 3">
+            <a:extLst>
+              <a:ext uri="{FF2B5EF4-FFF2-40B4-BE49-F238E27FC236}">
+                <a16:creationId xmlns:a16="http://schemas.microsoft.com/office/drawing/2014/main" id="{38F70C72-A66C-C0C2-ED17-09A4C13C14D9}"/>
+              </a:ext>
+            </a:extLst>
+          </p:cNvPr>
+          <p:cNvSpPr>
+            <a:spLocks noGrp="1"/>
+          </p:cNvSpPr>
+          <p:nvPr>
+            <p:ph type="sldNum" sz="quarter" idx="5"/>
+          </p:nvPr>
+        </p:nvSpPr>
+        <p:spPr/>
+        <p:txBody>
+          <a:bodyPr/>
+          <a:lstStyle/>
+          <a:p>
+            <a:fld id="{988EE22E-D4F1-40D7-A03F-1C7960DE94E4}" type="slidenum">
+              <a:rPr lang="de-DE" smtClean="0"/>
+              <a:t>5</a:t>
+            </a:fld>
+            <a:endParaRPr lang="de-DE"/>
+          </a:p>
+        </p:txBody>
+      </p:sp>
+    </p:spTree>
+    <p:extLst>
+      <p:ext uri="{BB962C8B-B14F-4D97-AF65-F5344CB8AC3E}">
+        <p14:creationId xmlns:p14="http://schemas.microsoft.com/office/powerpoint/2010/main" val="2837336733"/>
+      </p:ext>
+    </p:extLst>
+  </p:cSld>
+  <p:clrMapOvr>
+    <a:masterClrMapping/>
+  </p:clrMapOvr>
+</p:notes>
+</file>
+
+<file path=ppt/notesSlides/notesSlide6.xml><?xml version="1.0" encoding="utf-8"?>
+<p:notes xmlns:a="http://schemas.openxmlformats.org/drawingml/2006/main" xmlns:r="http://schemas.openxmlformats.org/officeDocument/2006/relationships" xmlns:p="http://schemas.openxmlformats.org/presentationml/2006/main">
+  <p:cSld>
+    <p:spTree>
+      <p:nvGrpSpPr>
+        <p:cNvPr id="1" name="">
+          <a:extLst>
+            <a:ext uri="{FF2B5EF4-FFF2-40B4-BE49-F238E27FC236}">
+              <a16:creationId xmlns:a16="http://schemas.microsoft.com/office/drawing/2014/main" id="{16C1C0CE-8D28-5549-DF98-A22852F8F985}"/>
+            </a:ext>
+          </a:extLst>
+        </p:cNvPr>
+        <p:cNvGrpSpPr/>
+        <p:nvPr/>
+      </p:nvGrpSpPr>
+      <p:grpSpPr>
+        <a:xfrm>
+          <a:off x="0" y="0"/>
+          <a:ext cx="0" cy="0"/>
+          <a:chOff x="0" y="0"/>
+          <a:chExt cx="0" cy="0"/>
+        </a:xfrm>
+      </p:grpSpPr>
+      <p:sp>
+        <p:nvSpPr>
+          <p:cNvPr id="2" name="Folienbildplatzhalter 1">
+            <a:extLst>
+              <a:ext uri="{FF2B5EF4-FFF2-40B4-BE49-F238E27FC236}">
+                <a16:creationId xmlns:a16="http://schemas.microsoft.com/office/drawing/2014/main" id="{1E26C55C-6469-528E-68E3-7D412DD555AC}"/>
+              </a:ext>
+            </a:extLst>
+          </p:cNvPr>
+          <p:cNvSpPr>
+            <a:spLocks noGrp="1" noRot="1" noChangeAspect="1"/>
+          </p:cNvSpPr>
+          <p:nvPr>
+            <p:ph type="sldImg"/>
+          </p:nvPr>
+        </p:nvSpPr>
+        <p:spPr/>
+      </p:sp>
+      <p:sp>
+        <p:nvSpPr>
+          <p:cNvPr id="3" name="Notizenplatzhalter 2">
+            <a:extLst>
+              <a:ext uri="{FF2B5EF4-FFF2-40B4-BE49-F238E27FC236}">
+                <a16:creationId xmlns:a16="http://schemas.microsoft.com/office/drawing/2014/main" id="{B491560B-3747-4548-EBBE-141A338D67AD}"/>
+              </a:ext>
+            </a:extLst>
+          </p:cNvPr>
+          <p:cNvSpPr>
+            <a:spLocks noGrp="1"/>
+          </p:cNvSpPr>
+          <p:nvPr>
+            <p:ph type="body" idx="1"/>
+          </p:nvPr>
+        </p:nvSpPr>
+        <p:spPr/>
+        <p:txBody>
+          <a:bodyPr/>
+          <a:lstStyle/>
+          <a:p>
+            <a:r>
+              <a:rPr lang="de-DE" dirty="0" err="1"/>
+              <a:t>Barplot</a:t>
+            </a:r>
+            <a:r>
+              <a:rPr lang="de-DE" dirty="0"/>
+              <a:t>, Scatterplot and </a:t>
+            </a:r>
+            <a:r>
+              <a:rPr lang="de-DE" dirty="0" err="1"/>
+              <a:t>Kendall‘s</a:t>
+            </a:r>
+            <a:r>
+              <a:rPr lang="de-DE" dirty="0"/>
+              <a:t> tau</a:t>
+            </a:r>
+          </a:p>
+          <a:p>
+            <a:r>
+              <a:rPr lang="de-DE" dirty="0"/>
+              <a:t>Note on </a:t>
+            </a:r>
+            <a:r>
+              <a:rPr lang="de-DE" dirty="0" err="1"/>
+              <a:t>Kendall‘s</a:t>
+            </a:r>
+            <a:r>
+              <a:rPr lang="de-DE" dirty="0"/>
+              <a:t> tau: Think </a:t>
+            </a:r>
+            <a:r>
+              <a:rPr lang="de-DE" dirty="0" err="1"/>
+              <a:t>of</a:t>
+            </a:r>
+            <a:r>
+              <a:rPr lang="de-DE" dirty="0"/>
+              <a:t> </a:t>
+            </a:r>
+            <a:r>
+              <a:rPr lang="de-DE" dirty="0" err="1"/>
+              <a:t>it</a:t>
+            </a:r>
+            <a:r>
+              <a:rPr lang="de-DE" dirty="0"/>
+              <a:t> </a:t>
+            </a:r>
+            <a:r>
+              <a:rPr lang="de-DE" dirty="0" err="1"/>
+              <a:t>as</a:t>
+            </a:r>
+            <a:r>
+              <a:rPr lang="de-DE" dirty="0"/>
+              <a:t> </a:t>
+            </a:r>
+            <a:r>
+              <a:rPr lang="de-DE" dirty="0" err="1"/>
+              <a:t>more</a:t>
+            </a:r>
+            <a:r>
+              <a:rPr lang="de-DE" dirty="0"/>
+              <a:t> robust Pearson </a:t>
+            </a:r>
+            <a:r>
+              <a:rPr lang="de-DE" dirty="0" err="1"/>
+              <a:t>correlation</a:t>
+            </a:r>
+            <a:r>
+              <a:rPr lang="de-DE" dirty="0"/>
+              <a:t> </a:t>
+            </a:r>
+            <a:r>
+              <a:rPr lang="de-DE" dirty="0" err="1"/>
+              <a:t>coefficient</a:t>
+            </a:r>
+            <a:endParaRPr lang="de-DE" dirty="0"/>
+          </a:p>
+          <a:p>
+            <a:pPr marL="171450" indent="-171450">
+              <a:buFontTx/>
+              <a:buChar char="-"/>
+            </a:pPr>
+            <a:endParaRPr lang="de-DE" dirty="0"/>
+          </a:p>
+        </p:txBody>
+      </p:sp>
+      <p:sp>
+        <p:nvSpPr>
+          <p:cNvPr id="4" name="Foliennummernplatzhalter 3">
+            <a:extLst>
+              <a:ext uri="{FF2B5EF4-FFF2-40B4-BE49-F238E27FC236}">
+                <a16:creationId xmlns:a16="http://schemas.microsoft.com/office/drawing/2014/main" id="{E07C39CE-5357-2824-F364-8813C6DB66FA}"/>
+              </a:ext>
+            </a:extLst>
+          </p:cNvPr>
+          <p:cNvSpPr>
+            <a:spLocks noGrp="1"/>
+          </p:cNvSpPr>
+          <p:nvPr>
+            <p:ph type="sldNum" sz="quarter" idx="5"/>
+          </p:nvPr>
+        </p:nvSpPr>
+        <p:spPr/>
+        <p:txBody>
+          <a:bodyPr/>
+          <a:lstStyle/>
+          <a:p>
+            <a:fld id="{988EE22E-D4F1-40D7-A03F-1C7960DE94E4}" type="slidenum">
+              <a:rPr lang="de-DE" smtClean="0"/>
+              <a:t>6</a:t>
+            </a:fld>
+            <a:endParaRPr lang="de-DE"/>
+          </a:p>
+        </p:txBody>
+      </p:sp>
+    </p:spTree>
+    <p:extLst>
+      <p:ext uri="{BB962C8B-B14F-4D97-AF65-F5344CB8AC3E}">
+        <p14:creationId xmlns:p14="http://schemas.microsoft.com/office/powerpoint/2010/main" val="4084758060"/>
+      </p:ext>
+    </p:extLst>
+  </p:cSld>
+  <p:clrMapOvr>
+    <a:masterClrMapping/>
+  </p:clrMapOvr>
+</p:notes>
+</file>
+
+<file path=ppt/notesSlides/notesSlide7.xml><?xml version="1.0" encoding="utf-8"?>
+<p:notes xmlns:a="http://schemas.openxmlformats.org/drawingml/2006/main" xmlns:r="http://schemas.openxmlformats.org/officeDocument/2006/relationships" xmlns:p="http://schemas.openxmlformats.org/presentationml/2006/main">
+  <p:cSld>
+    <p:spTree>
+      <p:nvGrpSpPr>
+        <p:cNvPr id="1" name="">
+          <a:extLst>
+            <a:ext uri="{FF2B5EF4-FFF2-40B4-BE49-F238E27FC236}">
+              <a16:creationId xmlns:a16="http://schemas.microsoft.com/office/drawing/2014/main" id="{227DC817-3F3C-B212-B22E-D27403AAE46F}"/>
+            </a:ext>
+          </a:extLst>
+        </p:cNvPr>
+        <p:cNvGrpSpPr/>
+        <p:nvPr/>
+      </p:nvGrpSpPr>
+      <p:grpSpPr>
+        <a:xfrm>
+          <a:off x="0" y="0"/>
+          <a:ext cx="0" cy="0"/>
+          <a:chOff x="0" y="0"/>
+          <a:chExt cx="0" cy="0"/>
+        </a:xfrm>
+      </p:grpSpPr>
+      <p:sp>
+        <p:nvSpPr>
+          <p:cNvPr id="2" name="Folienbildplatzhalter 1">
+            <a:extLst>
+              <a:ext uri="{FF2B5EF4-FFF2-40B4-BE49-F238E27FC236}">
+                <a16:creationId xmlns:a16="http://schemas.microsoft.com/office/drawing/2014/main" id="{1F86A227-31D6-CBA0-7660-39BC1907AE8A}"/>
+              </a:ext>
+            </a:extLst>
+          </p:cNvPr>
+          <p:cNvSpPr>
+            <a:spLocks noGrp="1" noRot="1" noChangeAspect="1"/>
+          </p:cNvSpPr>
+          <p:nvPr>
+            <p:ph type="sldImg"/>
+          </p:nvPr>
+        </p:nvSpPr>
+        <p:spPr/>
+      </p:sp>
+      <p:sp>
+        <p:nvSpPr>
+          <p:cNvPr id="3" name="Notizenplatzhalter 2">
+            <a:extLst>
+              <a:ext uri="{FF2B5EF4-FFF2-40B4-BE49-F238E27FC236}">
+                <a16:creationId xmlns:a16="http://schemas.microsoft.com/office/drawing/2014/main" id="{D9023F7D-D290-2389-2474-1F0C9BD9CF6E}"/>
+              </a:ext>
+            </a:extLst>
+          </p:cNvPr>
+          <p:cNvSpPr>
+            <a:spLocks noGrp="1"/>
+          </p:cNvSpPr>
+          <p:nvPr>
+            <p:ph type="body" idx="1"/>
+          </p:nvPr>
+        </p:nvSpPr>
+        <p:spPr/>
+        <p:txBody>
+          <a:bodyPr/>
+          <a:lstStyle/>
+          <a:p>
+            <a:pPr marL="171450" indent="-171450">
+              <a:buFontTx/>
+              <a:buChar char="-"/>
+            </a:pPr>
+            <a:r>
+              <a:rPr lang="de-DE" dirty="0"/>
+              <a:t>SHOW </a:t>
+            </a:r>
+            <a:r>
+              <a:rPr lang="de-DE" dirty="0" err="1"/>
+              <a:t>psuedo</a:t>
+            </a:r>
+            <a:r>
+              <a:rPr lang="de-DE" dirty="0"/>
+              <a:t> </a:t>
+            </a:r>
+            <a:r>
+              <a:rPr lang="de-DE" dirty="0" err="1"/>
+              <a:t>obs</a:t>
+            </a:r>
+            <a:r>
+              <a:rPr lang="de-DE" dirty="0"/>
+              <a:t> </a:t>
+            </a:r>
+            <a:r>
+              <a:rPr lang="de-DE" dirty="0" err="1"/>
+              <a:t>plot</a:t>
+            </a:r>
+            <a:endParaRPr lang="de-DE" dirty="0"/>
+          </a:p>
+          <a:p>
+            <a:pPr marL="171450" indent="-171450">
+              <a:buFontTx/>
+              <a:buChar char="-"/>
+            </a:pPr>
+            <a:r>
+              <a:rPr lang="de-DE" dirty="0" err="1"/>
+              <a:t>Copula</a:t>
+            </a:r>
+            <a:r>
+              <a:rPr lang="de-DE" dirty="0"/>
+              <a:t> (Note </a:t>
+            </a:r>
+            <a:r>
+              <a:rPr lang="de-DE" dirty="0" err="1"/>
+              <a:t>towards</a:t>
+            </a:r>
+            <a:r>
+              <a:rPr lang="de-DE" dirty="0"/>
+              <a:t> </a:t>
+            </a:r>
+            <a:r>
+              <a:rPr lang="de-DE" dirty="0" err="1"/>
+              <a:t>asymmetry</a:t>
+            </a:r>
+            <a:r>
+              <a:rPr lang="de-DE" dirty="0"/>
+              <a:t> in Scatterplots and </a:t>
+            </a:r>
+            <a:r>
+              <a:rPr lang="de-DE" dirty="0" err="1"/>
+              <a:t>Limitations</a:t>
+            </a:r>
+            <a:r>
+              <a:rPr lang="de-DE" dirty="0"/>
+              <a:t> </a:t>
+            </a:r>
+            <a:r>
+              <a:rPr lang="de-DE" dirty="0" err="1"/>
+              <a:t>of</a:t>
+            </a:r>
+            <a:r>
+              <a:rPr lang="de-DE" dirty="0"/>
+              <a:t> NACs)</a:t>
+            </a:r>
+          </a:p>
+          <a:p>
+            <a:pPr marL="171450" indent="-171450">
+              <a:buFontTx/>
+              <a:buChar char="-"/>
+            </a:pPr>
+            <a:r>
+              <a:rPr lang="de-DE" dirty="0" err="1"/>
+              <a:t>Using</a:t>
+            </a:r>
+            <a:r>
+              <a:rPr lang="de-DE" dirty="0"/>
+              <a:t> PIT, </a:t>
+            </a:r>
+            <a:r>
+              <a:rPr lang="de-DE" dirty="0" err="1"/>
+              <a:t>we</a:t>
+            </a:r>
+            <a:r>
+              <a:rPr lang="de-DE" dirty="0"/>
+              <a:t> </a:t>
+            </a:r>
+            <a:r>
+              <a:rPr lang="de-DE" dirty="0" err="1"/>
+              <a:t>obtain</a:t>
+            </a:r>
+            <a:r>
+              <a:rPr lang="de-DE" dirty="0"/>
+              <a:t> pseudo </a:t>
+            </a:r>
+            <a:r>
+              <a:rPr lang="de-DE" dirty="0" err="1"/>
+              <a:t>observations</a:t>
+            </a:r>
+            <a:endParaRPr lang="de-DE" dirty="0"/>
+          </a:p>
+          <a:p>
+            <a:pPr marL="171450" indent="-171450">
+              <a:buFontTx/>
+              <a:buChar char="-"/>
+            </a:pPr>
+            <a:r>
+              <a:rPr lang="de-DE" dirty="0"/>
+              <a:t>R </a:t>
+            </a:r>
+            <a:r>
+              <a:rPr lang="de-DE" dirty="0" err="1"/>
+              <a:t>sim</a:t>
+            </a:r>
+            <a:r>
+              <a:rPr lang="de-DE" dirty="0"/>
+              <a:t> </a:t>
+            </a:r>
+            <a:r>
+              <a:rPr lang="de-DE" dirty="0" err="1"/>
+              <a:t>for</a:t>
+            </a:r>
+            <a:r>
+              <a:rPr lang="de-DE" dirty="0"/>
+              <a:t> PIT?</a:t>
+            </a:r>
+          </a:p>
+        </p:txBody>
+      </p:sp>
+      <p:sp>
+        <p:nvSpPr>
+          <p:cNvPr id="4" name="Foliennummernplatzhalter 3">
+            <a:extLst>
+              <a:ext uri="{FF2B5EF4-FFF2-40B4-BE49-F238E27FC236}">
+                <a16:creationId xmlns:a16="http://schemas.microsoft.com/office/drawing/2014/main" id="{5692BB8E-C46D-9D26-D3F0-CCFC5F93BEF8}"/>
+              </a:ext>
+            </a:extLst>
+          </p:cNvPr>
+          <p:cNvSpPr>
+            <a:spLocks noGrp="1"/>
+          </p:cNvSpPr>
+          <p:nvPr>
+            <p:ph type="sldNum" sz="quarter" idx="5"/>
+          </p:nvPr>
+        </p:nvSpPr>
+        <p:spPr/>
+        <p:txBody>
+          <a:bodyPr/>
+          <a:lstStyle/>
+          <a:p>
+            <a:fld id="{988EE22E-D4F1-40D7-A03F-1C7960DE94E4}" type="slidenum">
+              <a:rPr lang="de-DE" smtClean="0"/>
+              <a:t>7</a:t>
+            </a:fld>
+            <a:endParaRPr lang="de-DE"/>
+          </a:p>
+        </p:txBody>
+      </p:sp>
+    </p:spTree>
+    <p:extLst>
+      <p:ext uri="{BB962C8B-B14F-4D97-AF65-F5344CB8AC3E}">
+        <p14:creationId xmlns:p14="http://schemas.microsoft.com/office/powerpoint/2010/main" val="3329174494"/>
+      </p:ext>
+    </p:extLst>
+  </p:cSld>
+  <p:clrMapOvr>
+    <a:masterClrMapping/>
+  </p:clrMapOvr>
+</p:notes>
+</file>
+
+<file path=ppt/notesSlides/notesSlide8.xml><?xml version="1.0" encoding="utf-8"?>
+<p:notes xmlns:a="http://schemas.openxmlformats.org/drawingml/2006/main" xmlns:r="http://schemas.openxmlformats.org/officeDocument/2006/relationships" xmlns:p="http://schemas.openxmlformats.org/presentationml/2006/main">
+  <p:cSld>
+    <p:spTree>
+      <p:nvGrpSpPr>
+        <p:cNvPr id="1" name="">
+          <a:extLst>
+            <a:ext uri="{FF2B5EF4-FFF2-40B4-BE49-F238E27FC236}">
+              <a16:creationId xmlns:a16="http://schemas.microsoft.com/office/drawing/2014/main" id="{85B77F96-223A-8643-69DA-2F8ECB1DD0E4}"/>
+            </a:ext>
+          </a:extLst>
+        </p:cNvPr>
+        <p:cNvGrpSpPr/>
+        <p:nvPr/>
+      </p:nvGrpSpPr>
+      <p:grpSpPr>
+        <a:xfrm>
+          <a:off x="0" y="0"/>
+          <a:ext cx="0" cy="0"/>
+          <a:chOff x="0" y="0"/>
+          <a:chExt cx="0" cy="0"/>
+        </a:xfrm>
+      </p:grpSpPr>
+      <p:sp>
+        <p:nvSpPr>
+          <p:cNvPr id="2" name="Folienbildplatzhalter 1">
+            <a:extLst>
+              <a:ext uri="{FF2B5EF4-FFF2-40B4-BE49-F238E27FC236}">
+                <a16:creationId xmlns:a16="http://schemas.microsoft.com/office/drawing/2014/main" id="{FEB3440C-1DF4-C55A-5476-584216ACFA6C}"/>
+              </a:ext>
+            </a:extLst>
+          </p:cNvPr>
+          <p:cNvSpPr>
+            <a:spLocks noGrp="1" noRot="1" noChangeAspect="1"/>
+          </p:cNvSpPr>
+          <p:nvPr>
+            <p:ph type="sldImg"/>
+          </p:nvPr>
+        </p:nvSpPr>
+        <p:spPr/>
+      </p:sp>
+      <p:sp>
+        <p:nvSpPr>
+          <p:cNvPr id="3" name="Notizenplatzhalter 2">
+            <a:extLst>
+              <a:ext uri="{FF2B5EF4-FFF2-40B4-BE49-F238E27FC236}">
+                <a16:creationId xmlns:a16="http://schemas.microsoft.com/office/drawing/2014/main" id="{98E44CC9-5831-8471-051A-D15113E4324D}"/>
+              </a:ext>
+            </a:extLst>
+          </p:cNvPr>
+          <p:cNvSpPr>
+            <a:spLocks noGrp="1"/>
+          </p:cNvSpPr>
+          <p:nvPr>
+            <p:ph type="body" idx="1"/>
+          </p:nvPr>
+        </p:nvSpPr>
+        <p:spPr/>
+        <p:txBody>
+          <a:bodyPr/>
+          <a:lstStyle/>
+          <a:p>
+            <a:pPr marL="171450" indent="-171450">
+              <a:buFontTx/>
+              <a:buChar char="-"/>
+            </a:pPr>
+            <a:endParaRPr lang="de-DE" dirty="0"/>
+          </a:p>
+        </p:txBody>
+      </p:sp>
+      <p:sp>
+        <p:nvSpPr>
+          <p:cNvPr id="4" name="Foliennummernplatzhalter 3">
+            <a:extLst>
+              <a:ext uri="{FF2B5EF4-FFF2-40B4-BE49-F238E27FC236}">
+                <a16:creationId xmlns:a16="http://schemas.microsoft.com/office/drawing/2014/main" id="{EFF55EC1-BD1B-2EE7-21B7-EBDA9B80C87F}"/>
+              </a:ext>
+            </a:extLst>
+          </p:cNvPr>
+          <p:cNvSpPr>
+            <a:spLocks noGrp="1"/>
+          </p:cNvSpPr>
+          <p:nvPr>
+            <p:ph type="sldNum" sz="quarter" idx="5"/>
+          </p:nvPr>
+        </p:nvSpPr>
+        <p:spPr/>
+        <p:txBody>
+          <a:bodyPr/>
+          <a:lstStyle/>
+          <a:p>
+            <a:fld id="{988EE22E-D4F1-40D7-A03F-1C7960DE94E4}" type="slidenum">
+              <a:rPr lang="de-DE" smtClean="0"/>
+              <a:t>8</a:t>
+            </a:fld>
+            <a:endParaRPr lang="de-DE"/>
+          </a:p>
+        </p:txBody>
+      </p:sp>
+    </p:spTree>
+    <p:extLst>
+      <p:ext uri="{BB962C8B-B14F-4D97-AF65-F5344CB8AC3E}">
+        <p14:creationId xmlns:p14="http://schemas.microsoft.com/office/powerpoint/2010/main" val="18016983"/>
+      </p:ext>
+    </p:extLst>
+  </p:cSld>
+  <p:clrMapOvr>
+    <a:masterClrMapping/>
+  </p:clrMapOvr>
+</p:notes>
+</file>
+
+<file path=ppt/notesSlides/notesSlide9.xml><?xml version="1.0" encoding="utf-8"?>
+<p:notes xmlns:a="http://schemas.openxmlformats.org/drawingml/2006/main" xmlns:r="http://schemas.openxmlformats.org/officeDocument/2006/relationships" xmlns:p="http://schemas.openxmlformats.org/presentationml/2006/main">
+  <p:cSld>
+    <p:spTree>
+      <p:nvGrpSpPr>
+        <p:cNvPr id="1" name="">
+          <a:extLst>
+            <a:ext uri="{FF2B5EF4-FFF2-40B4-BE49-F238E27FC236}">
+              <a16:creationId xmlns:a16="http://schemas.microsoft.com/office/drawing/2014/main" id="{142D13E7-AFFD-7A1A-CF8B-C43FB2A59197}"/>
+            </a:ext>
+          </a:extLst>
+        </p:cNvPr>
+        <p:cNvGrpSpPr/>
+        <p:nvPr/>
+      </p:nvGrpSpPr>
+      <p:grpSpPr>
+        <a:xfrm>
+          <a:off x="0" y="0"/>
+          <a:ext cx="0" cy="0"/>
+          <a:chOff x="0" y="0"/>
+          <a:chExt cx="0" cy="0"/>
+        </a:xfrm>
+      </p:grpSpPr>
+      <p:sp>
+        <p:nvSpPr>
+          <p:cNvPr id="2" name="Folienbildplatzhalter 1">
+            <a:extLst>
+              <a:ext uri="{FF2B5EF4-FFF2-40B4-BE49-F238E27FC236}">
+                <a16:creationId xmlns:a16="http://schemas.microsoft.com/office/drawing/2014/main" id="{83FD7FE0-2443-2C91-7DEF-5F0BB3EFCA2E}"/>
+              </a:ext>
+            </a:extLst>
+          </p:cNvPr>
+          <p:cNvSpPr>
+            <a:spLocks noGrp="1" noRot="1" noChangeAspect="1"/>
+          </p:cNvSpPr>
+          <p:nvPr>
+            <p:ph type="sldImg"/>
+          </p:nvPr>
+        </p:nvSpPr>
+        <p:spPr/>
+      </p:sp>
+      <p:sp>
+        <p:nvSpPr>
+          <p:cNvPr id="3" name="Notizenplatzhalter 2">
+            <a:extLst>
+              <a:ext uri="{FF2B5EF4-FFF2-40B4-BE49-F238E27FC236}">
+                <a16:creationId xmlns:a16="http://schemas.microsoft.com/office/drawing/2014/main" id="{8AD0FC7D-FF69-ED35-EFDD-99B14DE27595}"/>
+              </a:ext>
+            </a:extLst>
+          </p:cNvPr>
+          <p:cNvSpPr>
+            <a:spLocks noGrp="1"/>
+          </p:cNvSpPr>
+          <p:nvPr>
+            <p:ph type="body" idx="1"/>
+          </p:nvPr>
+        </p:nvSpPr>
+        <p:spPr/>
+        <p:txBody>
+          <a:bodyPr/>
+          <a:lstStyle/>
+          <a:p>
+            <a:pPr marL="171450" indent="-171450">
+              <a:buFontTx/>
+              <a:buChar char="-"/>
+            </a:pPr>
+            <a:endParaRPr lang="de-DE" dirty="0"/>
+          </a:p>
+        </p:txBody>
+      </p:sp>
+      <p:sp>
+        <p:nvSpPr>
+          <p:cNvPr id="4" name="Foliennummernplatzhalter 3">
+            <a:extLst>
+              <a:ext uri="{FF2B5EF4-FFF2-40B4-BE49-F238E27FC236}">
+                <a16:creationId xmlns:a16="http://schemas.microsoft.com/office/drawing/2014/main" id="{9531C72B-A03A-F96E-38B9-77705F11FB3D}"/>
+              </a:ext>
+            </a:extLst>
+          </p:cNvPr>
+          <p:cNvSpPr>
+            <a:spLocks noGrp="1"/>
+          </p:cNvSpPr>
+          <p:nvPr>
+            <p:ph type="sldNum" sz="quarter" idx="5"/>
+          </p:nvPr>
+        </p:nvSpPr>
+        <p:spPr/>
+        <p:txBody>
+          <a:bodyPr/>
+          <a:lstStyle/>
+          <a:p>
+            <a:fld id="{988EE22E-D4F1-40D7-A03F-1C7960DE94E4}" type="slidenum">
+              <a:rPr lang="de-DE" smtClean="0"/>
+              <a:t>9</a:t>
+            </a:fld>
+            <a:endParaRPr lang="de-DE"/>
+          </a:p>
+        </p:txBody>
+      </p:sp>
+    </p:spTree>
+    <p:extLst>
+      <p:ext uri="{BB962C8B-B14F-4D97-AF65-F5344CB8AC3E}">
+        <p14:creationId xmlns:p14="http://schemas.microsoft.com/office/powerpoint/2010/main" val="478836716"/>
+      </p:ext>
+    </p:extLst>
+  </p:cSld>
+  <p:clrMapOvr>
+    <a:masterClrMapping/>
+  </p:clrMapOvr>
+</p:notes>
 </file>
 
 <file path=ppt/slideLayouts/slideLayout1.xml><?xml version="1.0" encoding="utf-8"?>
@@ -255,7 +2467,7 @@
           <a:p>
             <a:fld id="{4EA5D6B1-0A5A-4492-9F3F-4F2146AE047F}" type="datetimeFigureOut">
               <a:rPr lang="de-DE" smtClean="0"/>
-              <a:t>12.01.2025</a:t>
+              <a:t>13.01.2025</a:t>
             </a:fld>
             <a:endParaRPr lang="de-DE"/>
           </a:p>
@@ -453,7 +2665,7 @@
           <a:p>
             <a:fld id="{4EA5D6B1-0A5A-4492-9F3F-4F2146AE047F}" type="datetimeFigureOut">
               <a:rPr lang="de-DE" smtClean="0"/>
-              <a:t>12.01.2025</a:t>
+              <a:t>13.01.2025</a:t>
             </a:fld>
             <a:endParaRPr lang="de-DE"/>
           </a:p>
@@ -661,7 +2873,7 @@
           <a:p>
             <a:fld id="{4EA5D6B1-0A5A-4492-9F3F-4F2146AE047F}" type="datetimeFigureOut">
               <a:rPr lang="de-DE" smtClean="0"/>
-              <a:t>12.01.2025</a:t>
+              <a:t>13.01.2025</a:t>
             </a:fld>
             <a:endParaRPr lang="de-DE"/>
           </a:p>
@@ -859,7 +3071,7 @@
           <a:p>
             <a:fld id="{4EA5D6B1-0A5A-4492-9F3F-4F2146AE047F}" type="datetimeFigureOut">
               <a:rPr lang="de-DE" smtClean="0"/>
-              <a:t>12.01.2025</a:t>
+              <a:t>13.01.2025</a:t>
             </a:fld>
             <a:endParaRPr lang="de-DE"/>
           </a:p>
@@ -1134,7 +3346,7 @@
           <a:p>
             <a:fld id="{4EA5D6B1-0A5A-4492-9F3F-4F2146AE047F}" type="datetimeFigureOut">
               <a:rPr lang="de-DE" smtClean="0"/>
-              <a:t>12.01.2025</a:t>
+              <a:t>13.01.2025</a:t>
             </a:fld>
             <a:endParaRPr lang="de-DE"/>
           </a:p>
@@ -1399,7 +3611,7 @@
           <a:p>
             <a:fld id="{4EA5D6B1-0A5A-4492-9F3F-4F2146AE047F}" type="datetimeFigureOut">
               <a:rPr lang="de-DE" smtClean="0"/>
-              <a:t>12.01.2025</a:t>
+              <a:t>13.01.2025</a:t>
             </a:fld>
             <a:endParaRPr lang="de-DE"/>
           </a:p>
@@ -1811,7 +4023,7 @@
           <a:p>
             <a:fld id="{4EA5D6B1-0A5A-4492-9F3F-4F2146AE047F}" type="datetimeFigureOut">
               <a:rPr lang="de-DE" smtClean="0"/>
-              <a:t>12.01.2025</a:t>
+              <a:t>13.01.2025</a:t>
             </a:fld>
             <a:endParaRPr lang="de-DE"/>
           </a:p>
@@ -1952,7 +4164,7 @@
           <a:p>
             <a:fld id="{4EA5D6B1-0A5A-4492-9F3F-4F2146AE047F}" type="datetimeFigureOut">
               <a:rPr lang="de-DE" smtClean="0"/>
-              <a:t>12.01.2025</a:t>
+              <a:t>13.01.2025</a:t>
             </a:fld>
             <a:endParaRPr lang="de-DE"/>
           </a:p>
@@ -2065,7 +4277,7 @@
           <a:p>
             <a:fld id="{4EA5D6B1-0A5A-4492-9F3F-4F2146AE047F}" type="datetimeFigureOut">
               <a:rPr lang="de-DE" smtClean="0"/>
-              <a:t>12.01.2025</a:t>
+              <a:t>13.01.2025</a:t>
             </a:fld>
             <a:endParaRPr lang="de-DE"/>
           </a:p>
@@ -2376,7 +4588,7 @@
           <a:p>
             <a:fld id="{4EA5D6B1-0A5A-4492-9F3F-4F2146AE047F}" type="datetimeFigureOut">
               <a:rPr lang="de-DE" smtClean="0"/>
-              <a:t>12.01.2025</a:t>
+              <a:t>13.01.2025</a:t>
             </a:fld>
             <a:endParaRPr lang="de-DE"/>
           </a:p>
@@ -2664,7 +4876,7 @@
           <a:p>
             <a:fld id="{4EA5D6B1-0A5A-4492-9F3F-4F2146AE047F}" type="datetimeFigureOut">
               <a:rPr lang="de-DE" smtClean="0"/>
-              <a:t>12.01.2025</a:t>
+              <a:t>13.01.2025</a:t>
             </a:fld>
             <a:endParaRPr lang="de-DE"/>
           </a:p>
@@ -2905,7 +5117,7 @@
           <a:p>
             <a:fld id="{4EA5D6B1-0A5A-4492-9F3F-4F2146AE047F}" type="datetimeFigureOut">
               <a:rPr lang="de-DE" smtClean="0"/>
-              <a:t>12.01.2025</a:t>
+              <a:t>13.01.2025</a:t>
             </a:fld>
             <a:endParaRPr lang="de-DE"/>
           </a:p>
@@ -3310,7 +5522,13 @@
   <p:cSld>
     <p:spTree>
       <p:nvGrpSpPr>
-        <p:cNvPr id="1" name=""/>
+        <p:cNvPr id="1" name="">
+          <a:extLst>
+            <a:ext uri="{FF2B5EF4-FFF2-40B4-BE49-F238E27FC236}">
+              <a16:creationId xmlns:a16="http://schemas.microsoft.com/office/drawing/2014/main" id="{B6892096-11A3-3ADC-0908-79B75D617C0C}"/>
+            </a:ext>
+          </a:extLst>
+        </p:cNvPr>
         <p:cNvGrpSpPr/>
         <p:nvPr/>
       </p:nvGrpSpPr>
@@ -3324,58 +5542,851 @@
       </p:grpSpPr>
       <p:sp>
         <p:nvSpPr>
-          <p:cNvPr id="2" name="Titel 1">
-            <a:extLst>
-              <a:ext uri="{FF2B5EF4-FFF2-40B4-BE49-F238E27FC236}">
-                <a16:creationId xmlns:a16="http://schemas.microsoft.com/office/drawing/2014/main" id="{7B829034-3A06-A0C3-88ED-ACEC039E7F62}"/>
-              </a:ext>
-            </a:extLst>
-          </p:cNvPr>
-          <p:cNvSpPr>
-            <a:spLocks noGrp="1"/>
-          </p:cNvSpPr>
-          <p:nvPr>
-            <p:ph type="ctrTitle"/>
-          </p:nvPr>
-        </p:nvSpPr>
-        <p:spPr/>
-        <p:txBody>
-          <a:bodyPr/>
+          <p:cNvPr id="2" name="Rechteck 1">
+            <a:extLst>
+              <a:ext uri="{FF2B5EF4-FFF2-40B4-BE49-F238E27FC236}">
+                <a16:creationId xmlns:a16="http://schemas.microsoft.com/office/drawing/2014/main" id="{B33FF5B6-8690-9574-DB0C-59903D885016}"/>
+              </a:ext>
+            </a:extLst>
+          </p:cNvPr>
+          <p:cNvSpPr/>
+          <p:nvPr/>
+        </p:nvSpPr>
+        <p:spPr>
+          <a:xfrm>
+            <a:off x="1" y="373487"/>
+            <a:ext cx="12192000" cy="850006"/>
+          </a:xfrm>
+          <a:prstGeom prst="rect">
+            <a:avLst/>
+          </a:prstGeom>
+          <a:solidFill>
+            <a:schemeClr val="bg2">
+              <a:lumMod val="10000"/>
+            </a:schemeClr>
+          </a:solidFill>
+        </p:spPr>
+        <p:style>
+          <a:lnRef idx="2">
+            <a:schemeClr val="accent1">
+              <a:shade val="15000"/>
+            </a:schemeClr>
+          </a:lnRef>
+          <a:fillRef idx="1">
+            <a:schemeClr val="accent1"/>
+          </a:fillRef>
+          <a:effectRef idx="0">
+            <a:schemeClr val="accent1"/>
+          </a:effectRef>
+          <a:fontRef idx="minor">
+            <a:schemeClr val="lt1"/>
+          </a:fontRef>
+        </p:style>
+        <p:txBody>
+          <a:bodyPr rtlCol="0" anchor="ctr"/>
           <a:lstStyle/>
           <a:p>
-            <a:endParaRPr lang="de-DE"/>
-          </a:p>
-        </p:txBody>
-      </p:sp>
-      <p:sp>
-        <p:nvSpPr>
-          <p:cNvPr id="3" name="Untertitel 2">
-            <a:extLst>
-              <a:ext uri="{FF2B5EF4-FFF2-40B4-BE49-F238E27FC236}">
-                <a16:creationId xmlns:a16="http://schemas.microsoft.com/office/drawing/2014/main" id="{26E212C5-7513-02F1-3C23-CA66101F8205}"/>
-              </a:ext>
-            </a:extLst>
-          </p:cNvPr>
-          <p:cNvSpPr>
-            <a:spLocks noGrp="1"/>
-          </p:cNvSpPr>
-          <p:nvPr>
-            <p:ph type="subTitle" idx="1"/>
-          </p:nvPr>
-        </p:nvSpPr>
-        <p:spPr/>
-        <p:txBody>
-          <a:bodyPr/>
-          <a:lstStyle/>
-          <a:p>
-            <a:endParaRPr lang="de-DE"/>
+            <a:pPr algn="ctr"/>
+            <a:r>
+              <a:rPr lang="de-DE" sz="5400" dirty="0"/>
+              <a:t>INTRO</a:t>
+            </a:r>
+          </a:p>
+        </p:txBody>
+      </p:sp>
+      <p:sp>
+        <p:nvSpPr>
+          <p:cNvPr id="4" name="Inhaltsplatzhalter 2">
+            <a:extLst>
+              <a:ext uri="{FF2B5EF4-FFF2-40B4-BE49-F238E27FC236}">
+                <a16:creationId xmlns:a16="http://schemas.microsoft.com/office/drawing/2014/main" id="{0599C54A-F0E0-F237-A2E6-88663BA8BCB1}"/>
+              </a:ext>
+            </a:extLst>
+          </p:cNvPr>
+          <p:cNvSpPr txBox="1">
+            <a:spLocks/>
+          </p:cNvSpPr>
+          <p:nvPr/>
+        </p:nvSpPr>
+        <p:spPr>
+          <a:xfrm>
+            <a:off x="838200" y="1825625"/>
+            <a:ext cx="10515600" cy="4351338"/>
+          </a:xfrm>
+          <a:prstGeom prst="rect">
+            <a:avLst/>
+          </a:prstGeom>
+        </p:spPr>
+        <p:txBody>
+          <a:bodyPr vert="horz" lIns="91440" tIns="45720" rIns="91440" bIns="45720" rtlCol="0">
+            <a:normAutofit/>
+          </a:bodyPr>
+          <a:lstStyle>
+            <a:lvl1pPr marL="0" indent="0" algn="ctr" defTabSz="914400" rtl="0" eaLnBrk="1" latinLnBrk="0" hangingPunct="1">
+              <a:lnSpc>
+                <a:spcPct val="90000"/>
+              </a:lnSpc>
+              <a:spcBef>
+                <a:spcPts val="1000"/>
+              </a:spcBef>
+              <a:buFont typeface="Arial" panose="020B0604020202020204" pitchFamily="34" charset="0"/>
+              <a:buNone/>
+              <a:defRPr sz="2400" kern="1200">
+                <a:solidFill>
+                  <a:schemeClr val="tx1"/>
+                </a:solidFill>
+                <a:latin typeface="+mn-lt"/>
+                <a:ea typeface="+mn-ea"/>
+                <a:cs typeface="+mn-cs"/>
+              </a:defRPr>
+            </a:lvl1pPr>
+            <a:lvl2pPr marL="457200" indent="0" algn="ctr" defTabSz="914400" rtl="0" eaLnBrk="1" latinLnBrk="0" hangingPunct="1">
+              <a:lnSpc>
+                <a:spcPct val="90000"/>
+              </a:lnSpc>
+              <a:spcBef>
+                <a:spcPts val="500"/>
+              </a:spcBef>
+              <a:buFont typeface="Arial" panose="020B0604020202020204" pitchFamily="34" charset="0"/>
+              <a:buNone/>
+              <a:defRPr sz="2000" kern="1200">
+                <a:solidFill>
+                  <a:schemeClr val="tx1"/>
+                </a:solidFill>
+                <a:latin typeface="+mn-lt"/>
+                <a:ea typeface="+mn-ea"/>
+                <a:cs typeface="+mn-cs"/>
+              </a:defRPr>
+            </a:lvl2pPr>
+            <a:lvl3pPr marL="914400" indent="0" algn="ctr" defTabSz="914400" rtl="0" eaLnBrk="1" latinLnBrk="0" hangingPunct="1">
+              <a:lnSpc>
+                <a:spcPct val="90000"/>
+              </a:lnSpc>
+              <a:spcBef>
+                <a:spcPts val="500"/>
+              </a:spcBef>
+              <a:buFont typeface="Arial" panose="020B0604020202020204" pitchFamily="34" charset="0"/>
+              <a:buNone/>
+              <a:defRPr sz="1800" kern="1200">
+                <a:solidFill>
+                  <a:schemeClr val="tx1"/>
+                </a:solidFill>
+                <a:latin typeface="+mn-lt"/>
+                <a:ea typeface="+mn-ea"/>
+                <a:cs typeface="+mn-cs"/>
+              </a:defRPr>
+            </a:lvl3pPr>
+            <a:lvl4pPr marL="1371600" indent="0" algn="ctr" defTabSz="914400" rtl="0" eaLnBrk="1" latinLnBrk="0" hangingPunct="1">
+              <a:lnSpc>
+                <a:spcPct val="90000"/>
+              </a:lnSpc>
+              <a:spcBef>
+                <a:spcPts val="500"/>
+              </a:spcBef>
+              <a:buFont typeface="Arial" panose="020B0604020202020204" pitchFamily="34" charset="0"/>
+              <a:buNone/>
+              <a:defRPr sz="1600" kern="1200">
+                <a:solidFill>
+                  <a:schemeClr val="tx1"/>
+                </a:solidFill>
+                <a:latin typeface="+mn-lt"/>
+                <a:ea typeface="+mn-ea"/>
+                <a:cs typeface="+mn-cs"/>
+              </a:defRPr>
+            </a:lvl4pPr>
+            <a:lvl5pPr marL="1828800" indent="0" algn="ctr" defTabSz="914400" rtl="0" eaLnBrk="1" latinLnBrk="0" hangingPunct="1">
+              <a:lnSpc>
+                <a:spcPct val="90000"/>
+              </a:lnSpc>
+              <a:spcBef>
+                <a:spcPts val="500"/>
+              </a:spcBef>
+              <a:buFont typeface="Arial" panose="020B0604020202020204" pitchFamily="34" charset="0"/>
+              <a:buNone/>
+              <a:defRPr sz="1600" kern="1200">
+                <a:solidFill>
+                  <a:schemeClr val="tx1"/>
+                </a:solidFill>
+                <a:latin typeface="+mn-lt"/>
+                <a:ea typeface="+mn-ea"/>
+                <a:cs typeface="+mn-cs"/>
+              </a:defRPr>
+            </a:lvl5pPr>
+            <a:lvl6pPr marL="2286000" indent="0" algn="ctr" defTabSz="914400" rtl="0" eaLnBrk="1" latinLnBrk="0" hangingPunct="1">
+              <a:lnSpc>
+                <a:spcPct val="90000"/>
+              </a:lnSpc>
+              <a:spcBef>
+                <a:spcPts val="500"/>
+              </a:spcBef>
+              <a:buFont typeface="Arial" panose="020B0604020202020204" pitchFamily="34" charset="0"/>
+              <a:buNone/>
+              <a:defRPr sz="1600" kern="1200">
+                <a:solidFill>
+                  <a:schemeClr val="tx1"/>
+                </a:solidFill>
+                <a:latin typeface="+mn-lt"/>
+                <a:ea typeface="+mn-ea"/>
+                <a:cs typeface="+mn-cs"/>
+              </a:defRPr>
+            </a:lvl6pPr>
+            <a:lvl7pPr marL="2743200" indent="0" algn="ctr" defTabSz="914400" rtl="0" eaLnBrk="1" latinLnBrk="0" hangingPunct="1">
+              <a:lnSpc>
+                <a:spcPct val="90000"/>
+              </a:lnSpc>
+              <a:spcBef>
+                <a:spcPts val="500"/>
+              </a:spcBef>
+              <a:buFont typeface="Arial" panose="020B0604020202020204" pitchFamily="34" charset="0"/>
+              <a:buNone/>
+              <a:defRPr sz="1600" kern="1200">
+                <a:solidFill>
+                  <a:schemeClr val="tx1"/>
+                </a:solidFill>
+                <a:latin typeface="+mn-lt"/>
+                <a:ea typeface="+mn-ea"/>
+                <a:cs typeface="+mn-cs"/>
+              </a:defRPr>
+            </a:lvl7pPr>
+            <a:lvl8pPr marL="3200400" indent="0" algn="ctr" defTabSz="914400" rtl="0" eaLnBrk="1" latinLnBrk="0" hangingPunct="1">
+              <a:lnSpc>
+                <a:spcPct val="90000"/>
+              </a:lnSpc>
+              <a:spcBef>
+                <a:spcPts val="500"/>
+              </a:spcBef>
+              <a:buFont typeface="Arial" panose="020B0604020202020204" pitchFamily="34" charset="0"/>
+              <a:buNone/>
+              <a:defRPr sz="1600" kern="1200">
+                <a:solidFill>
+                  <a:schemeClr val="tx1"/>
+                </a:solidFill>
+                <a:latin typeface="+mn-lt"/>
+                <a:ea typeface="+mn-ea"/>
+                <a:cs typeface="+mn-cs"/>
+              </a:defRPr>
+            </a:lvl8pPr>
+            <a:lvl9pPr marL="3657600" indent="0" algn="ctr" defTabSz="914400" rtl="0" eaLnBrk="1" latinLnBrk="0" hangingPunct="1">
+              <a:lnSpc>
+                <a:spcPct val="90000"/>
+              </a:lnSpc>
+              <a:spcBef>
+                <a:spcPts val="500"/>
+              </a:spcBef>
+              <a:buFont typeface="Arial" panose="020B0604020202020204" pitchFamily="34" charset="0"/>
+              <a:buNone/>
+              <a:defRPr sz="1600" kern="1200">
+                <a:solidFill>
+                  <a:schemeClr val="tx1"/>
+                </a:solidFill>
+                <a:latin typeface="+mn-lt"/>
+                <a:ea typeface="+mn-ea"/>
+                <a:cs typeface="+mn-cs"/>
+              </a:defRPr>
+            </a:lvl9pPr>
+          </a:lstStyle>
+          <a:p>
+            <a:pPr marL="342900" indent="-342900">
+              <a:buFontTx/>
+              <a:buChar char="-"/>
+            </a:pPr>
+            <a:r>
+              <a:rPr lang="de-DE" dirty="0"/>
+              <a:t>Stichpunkte</a:t>
+            </a:r>
           </a:p>
         </p:txBody>
       </p:sp>
     </p:spTree>
     <p:extLst>
       <p:ext uri="{BB962C8B-B14F-4D97-AF65-F5344CB8AC3E}">
-        <p14:creationId xmlns:p14="http://schemas.microsoft.com/office/powerpoint/2010/main" val="2315303348"/>
+        <p14:creationId xmlns:p14="http://schemas.microsoft.com/office/powerpoint/2010/main" val="3927546690"/>
+      </p:ext>
+    </p:extLst>
+  </p:cSld>
+  <p:clrMapOvr>
+    <a:masterClrMapping/>
+  </p:clrMapOvr>
+</p:sld>
+</file>
+
+<file path=ppt/slides/slide10.xml><?xml version="1.0" encoding="utf-8"?>
+<p:sld xmlns:a="http://schemas.openxmlformats.org/drawingml/2006/main" xmlns:r="http://schemas.openxmlformats.org/officeDocument/2006/relationships" xmlns:p="http://schemas.openxmlformats.org/presentationml/2006/main">
+  <p:cSld>
+    <p:spTree>
+      <p:nvGrpSpPr>
+        <p:cNvPr id="1" name="">
+          <a:extLst>
+            <a:ext uri="{FF2B5EF4-FFF2-40B4-BE49-F238E27FC236}">
+              <a16:creationId xmlns:a16="http://schemas.microsoft.com/office/drawing/2014/main" id="{F2751B8F-792D-0901-58CC-F886D9384A2D}"/>
+            </a:ext>
+          </a:extLst>
+        </p:cNvPr>
+        <p:cNvGrpSpPr/>
+        <p:nvPr/>
+      </p:nvGrpSpPr>
+      <p:grpSpPr>
+        <a:xfrm>
+          <a:off x="0" y="0"/>
+          <a:ext cx="0" cy="0"/>
+          <a:chOff x="0" y="0"/>
+          <a:chExt cx="0" cy="0"/>
+        </a:xfrm>
+      </p:grpSpPr>
+      <p:sp>
+        <p:nvSpPr>
+          <p:cNvPr id="2" name="Rechteck 1">
+            <a:extLst>
+              <a:ext uri="{FF2B5EF4-FFF2-40B4-BE49-F238E27FC236}">
+                <a16:creationId xmlns:a16="http://schemas.microsoft.com/office/drawing/2014/main" id="{3069A023-8F8F-3B00-9D70-D5FCE028E27B}"/>
+              </a:ext>
+            </a:extLst>
+          </p:cNvPr>
+          <p:cNvSpPr/>
+          <p:nvPr/>
+        </p:nvSpPr>
+        <p:spPr>
+          <a:xfrm>
+            <a:off x="1" y="373487"/>
+            <a:ext cx="12192000" cy="850006"/>
+          </a:xfrm>
+          <a:prstGeom prst="rect">
+            <a:avLst/>
+          </a:prstGeom>
+          <a:solidFill>
+            <a:schemeClr val="bg2">
+              <a:lumMod val="10000"/>
+            </a:schemeClr>
+          </a:solidFill>
+        </p:spPr>
+        <p:style>
+          <a:lnRef idx="2">
+            <a:schemeClr val="accent1">
+              <a:shade val="15000"/>
+            </a:schemeClr>
+          </a:lnRef>
+          <a:fillRef idx="1">
+            <a:schemeClr val="accent1"/>
+          </a:fillRef>
+          <a:effectRef idx="0">
+            <a:schemeClr val="accent1"/>
+          </a:effectRef>
+          <a:fontRef idx="minor">
+            <a:schemeClr val="lt1"/>
+          </a:fontRef>
+        </p:style>
+        <p:txBody>
+          <a:bodyPr rtlCol="0" anchor="ctr"/>
+          <a:lstStyle/>
+          <a:p>
+            <a:pPr algn="ctr"/>
+            <a:r>
+              <a:rPr lang="de-DE" sz="5400" dirty="0"/>
+              <a:t>Outlook (1)</a:t>
+            </a:r>
+          </a:p>
+        </p:txBody>
+      </p:sp>
+      <p:sp>
+        <p:nvSpPr>
+          <p:cNvPr id="3" name="Inhaltsplatzhalter 2">
+            <a:extLst>
+              <a:ext uri="{FF2B5EF4-FFF2-40B4-BE49-F238E27FC236}">
+                <a16:creationId xmlns:a16="http://schemas.microsoft.com/office/drawing/2014/main" id="{475FF6F0-5CFB-8E1D-DB3F-CEB0FB720CC8}"/>
+              </a:ext>
+            </a:extLst>
+          </p:cNvPr>
+          <p:cNvSpPr txBox="1">
+            <a:spLocks/>
+          </p:cNvSpPr>
+          <p:nvPr/>
+        </p:nvSpPr>
+        <p:spPr>
+          <a:xfrm>
+            <a:off x="838200" y="1825625"/>
+            <a:ext cx="10515600" cy="4351338"/>
+          </a:xfrm>
+          <a:prstGeom prst="rect">
+            <a:avLst/>
+          </a:prstGeom>
+        </p:spPr>
+        <p:txBody>
+          <a:bodyPr vert="horz" lIns="91440" tIns="45720" rIns="91440" bIns="45720" rtlCol="0">
+            <a:normAutofit/>
+          </a:bodyPr>
+          <a:lstStyle>
+            <a:lvl1pPr marL="0" indent="0" algn="ctr" defTabSz="914400" rtl="0" eaLnBrk="1" latinLnBrk="0" hangingPunct="1">
+              <a:lnSpc>
+                <a:spcPct val="90000"/>
+              </a:lnSpc>
+              <a:spcBef>
+                <a:spcPts val="1000"/>
+              </a:spcBef>
+              <a:buFont typeface="Arial" panose="020B0604020202020204" pitchFamily="34" charset="0"/>
+              <a:buNone/>
+              <a:defRPr sz="2400" kern="1200">
+                <a:solidFill>
+                  <a:schemeClr val="tx1"/>
+                </a:solidFill>
+                <a:latin typeface="+mn-lt"/>
+                <a:ea typeface="+mn-ea"/>
+                <a:cs typeface="+mn-cs"/>
+              </a:defRPr>
+            </a:lvl1pPr>
+            <a:lvl2pPr marL="457200" indent="0" algn="ctr" defTabSz="914400" rtl="0" eaLnBrk="1" latinLnBrk="0" hangingPunct="1">
+              <a:lnSpc>
+                <a:spcPct val="90000"/>
+              </a:lnSpc>
+              <a:spcBef>
+                <a:spcPts val="500"/>
+              </a:spcBef>
+              <a:buFont typeface="Arial" panose="020B0604020202020204" pitchFamily="34" charset="0"/>
+              <a:buNone/>
+              <a:defRPr sz="2000" kern="1200">
+                <a:solidFill>
+                  <a:schemeClr val="tx1"/>
+                </a:solidFill>
+                <a:latin typeface="+mn-lt"/>
+                <a:ea typeface="+mn-ea"/>
+                <a:cs typeface="+mn-cs"/>
+              </a:defRPr>
+            </a:lvl2pPr>
+            <a:lvl3pPr marL="914400" indent="0" algn="ctr" defTabSz="914400" rtl="0" eaLnBrk="1" latinLnBrk="0" hangingPunct="1">
+              <a:lnSpc>
+                <a:spcPct val="90000"/>
+              </a:lnSpc>
+              <a:spcBef>
+                <a:spcPts val="500"/>
+              </a:spcBef>
+              <a:buFont typeface="Arial" panose="020B0604020202020204" pitchFamily="34" charset="0"/>
+              <a:buNone/>
+              <a:defRPr sz="1800" kern="1200">
+                <a:solidFill>
+                  <a:schemeClr val="tx1"/>
+                </a:solidFill>
+                <a:latin typeface="+mn-lt"/>
+                <a:ea typeface="+mn-ea"/>
+                <a:cs typeface="+mn-cs"/>
+              </a:defRPr>
+            </a:lvl3pPr>
+            <a:lvl4pPr marL="1371600" indent="0" algn="ctr" defTabSz="914400" rtl="0" eaLnBrk="1" latinLnBrk="0" hangingPunct="1">
+              <a:lnSpc>
+                <a:spcPct val="90000"/>
+              </a:lnSpc>
+              <a:spcBef>
+                <a:spcPts val="500"/>
+              </a:spcBef>
+              <a:buFont typeface="Arial" panose="020B0604020202020204" pitchFamily="34" charset="0"/>
+              <a:buNone/>
+              <a:defRPr sz="1600" kern="1200">
+                <a:solidFill>
+                  <a:schemeClr val="tx1"/>
+                </a:solidFill>
+                <a:latin typeface="+mn-lt"/>
+                <a:ea typeface="+mn-ea"/>
+                <a:cs typeface="+mn-cs"/>
+              </a:defRPr>
+            </a:lvl4pPr>
+            <a:lvl5pPr marL="1828800" indent="0" algn="ctr" defTabSz="914400" rtl="0" eaLnBrk="1" latinLnBrk="0" hangingPunct="1">
+              <a:lnSpc>
+                <a:spcPct val="90000"/>
+              </a:lnSpc>
+              <a:spcBef>
+                <a:spcPts val="500"/>
+              </a:spcBef>
+              <a:buFont typeface="Arial" panose="020B0604020202020204" pitchFamily="34" charset="0"/>
+              <a:buNone/>
+              <a:defRPr sz="1600" kern="1200">
+                <a:solidFill>
+                  <a:schemeClr val="tx1"/>
+                </a:solidFill>
+                <a:latin typeface="+mn-lt"/>
+                <a:ea typeface="+mn-ea"/>
+                <a:cs typeface="+mn-cs"/>
+              </a:defRPr>
+            </a:lvl5pPr>
+            <a:lvl6pPr marL="2286000" indent="0" algn="ctr" defTabSz="914400" rtl="0" eaLnBrk="1" latinLnBrk="0" hangingPunct="1">
+              <a:lnSpc>
+                <a:spcPct val="90000"/>
+              </a:lnSpc>
+              <a:spcBef>
+                <a:spcPts val="500"/>
+              </a:spcBef>
+              <a:buFont typeface="Arial" panose="020B0604020202020204" pitchFamily="34" charset="0"/>
+              <a:buNone/>
+              <a:defRPr sz="1600" kern="1200">
+                <a:solidFill>
+                  <a:schemeClr val="tx1"/>
+                </a:solidFill>
+                <a:latin typeface="+mn-lt"/>
+                <a:ea typeface="+mn-ea"/>
+                <a:cs typeface="+mn-cs"/>
+              </a:defRPr>
+            </a:lvl6pPr>
+            <a:lvl7pPr marL="2743200" indent="0" algn="ctr" defTabSz="914400" rtl="0" eaLnBrk="1" latinLnBrk="0" hangingPunct="1">
+              <a:lnSpc>
+                <a:spcPct val="90000"/>
+              </a:lnSpc>
+              <a:spcBef>
+                <a:spcPts val="500"/>
+              </a:spcBef>
+              <a:buFont typeface="Arial" panose="020B0604020202020204" pitchFamily="34" charset="0"/>
+              <a:buNone/>
+              <a:defRPr sz="1600" kern="1200">
+                <a:solidFill>
+                  <a:schemeClr val="tx1"/>
+                </a:solidFill>
+                <a:latin typeface="+mn-lt"/>
+                <a:ea typeface="+mn-ea"/>
+                <a:cs typeface="+mn-cs"/>
+              </a:defRPr>
+            </a:lvl7pPr>
+            <a:lvl8pPr marL="3200400" indent="0" algn="ctr" defTabSz="914400" rtl="0" eaLnBrk="1" latinLnBrk="0" hangingPunct="1">
+              <a:lnSpc>
+                <a:spcPct val="90000"/>
+              </a:lnSpc>
+              <a:spcBef>
+                <a:spcPts val="500"/>
+              </a:spcBef>
+              <a:buFont typeface="Arial" panose="020B0604020202020204" pitchFamily="34" charset="0"/>
+              <a:buNone/>
+              <a:defRPr sz="1600" kern="1200">
+                <a:solidFill>
+                  <a:schemeClr val="tx1"/>
+                </a:solidFill>
+                <a:latin typeface="+mn-lt"/>
+                <a:ea typeface="+mn-ea"/>
+                <a:cs typeface="+mn-cs"/>
+              </a:defRPr>
+            </a:lvl8pPr>
+            <a:lvl9pPr marL="3657600" indent="0" algn="ctr" defTabSz="914400" rtl="0" eaLnBrk="1" latinLnBrk="0" hangingPunct="1">
+              <a:lnSpc>
+                <a:spcPct val="90000"/>
+              </a:lnSpc>
+              <a:spcBef>
+                <a:spcPts val="500"/>
+              </a:spcBef>
+              <a:buFont typeface="Arial" panose="020B0604020202020204" pitchFamily="34" charset="0"/>
+              <a:buNone/>
+              <a:defRPr sz="1600" kern="1200">
+                <a:solidFill>
+                  <a:schemeClr val="tx1"/>
+                </a:solidFill>
+                <a:latin typeface="+mn-lt"/>
+                <a:ea typeface="+mn-ea"/>
+                <a:cs typeface="+mn-cs"/>
+              </a:defRPr>
+            </a:lvl9pPr>
+          </a:lstStyle>
+          <a:p>
+            <a:pPr marL="342900" indent="-342900">
+              <a:buFontTx/>
+              <a:buChar char="-"/>
+            </a:pPr>
+            <a:r>
+              <a:rPr lang="de-DE" dirty="0"/>
+              <a:t>Stichpunkte</a:t>
+            </a:r>
+          </a:p>
+        </p:txBody>
+      </p:sp>
+    </p:spTree>
+    <p:extLst>
+      <p:ext uri="{BB962C8B-B14F-4D97-AF65-F5344CB8AC3E}">
+        <p14:creationId xmlns:p14="http://schemas.microsoft.com/office/powerpoint/2010/main" val="2261685546"/>
+      </p:ext>
+    </p:extLst>
+  </p:cSld>
+  <p:clrMapOvr>
+    <a:masterClrMapping/>
+  </p:clrMapOvr>
+</p:sld>
+</file>
+
+<file path=ppt/slides/slide11.xml><?xml version="1.0" encoding="utf-8"?>
+<p:sld xmlns:a="http://schemas.openxmlformats.org/drawingml/2006/main" xmlns:r="http://schemas.openxmlformats.org/officeDocument/2006/relationships" xmlns:p="http://schemas.openxmlformats.org/presentationml/2006/main">
+  <p:cSld>
+    <p:spTree>
+      <p:nvGrpSpPr>
+        <p:cNvPr id="1" name="">
+          <a:extLst>
+            <a:ext uri="{FF2B5EF4-FFF2-40B4-BE49-F238E27FC236}">
+              <a16:creationId xmlns:a16="http://schemas.microsoft.com/office/drawing/2014/main" id="{BB31E1C7-16A5-B2D3-FE98-65FCBF54DE41}"/>
+            </a:ext>
+          </a:extLst>
+        </p:cNvPr>
+        <p:cNvGrpSpPr/>
+        <p:nvPr/>
+      </p:nvGrpSpPr>
+      <p:grpSpPr>
+        <a:xfrm>
+          <a:off x="0" y="0"/>
+          <a:ext cx="0" cy="0"/>
+          <a:chOff x="0" y="0"/>
+          <a:chExt cx="0" cy="0"/>
+        </a:xfrm>
+      </p:grpSpPr>
+      <p:sp>
+        <p:nvSpPr>
+          <p:cNvPr id="2" name="Rechteck 1">
+            <a:extLst>
+              <a:ext uri="{FF2B5EF4-FFF2-40B4-BE49-F238E27FC236}">
+                <a16:creationId xmlns:a16="http://schemas.microsoft.com/office/drawing/2014/main" id="{E051C9FD-B9F5-BF23-7E72-9F23A2245F43}"/>
+              </a:ext>
+            </a:extLst>
+          </p:cNvPr>
+          <p:cNvSpPr/>
+          <p:nvPr/>
+        </p:nvSpPr>
+        <p:spPr>
+          <a:xfrm>
+            <a:off x="1" y="373487"/>
+            <a:ext cx="12192000" cy="850006"/>
+          </a:xfrm>
+          <a:prstGeom prst="rect">
+            <a:avLst/>
+          </a:prstGeom>
+          <a:solidFill>
+            <a:schemeClr val="bg2">
+              <a:lumMod val="10000"/>
+            </a:schemeClr>
+          </a:solidFill>
+        </p:spPr>
+        <p:style>
+          <a:lnRef idx="2">
+            <a:schemeClr val="accent1">
+              <a:shade val="15000"/>
+            </a:schemeClr>
+          </a:lnRef>
+          <a:fillRef idx="1">
+            <a:schemeClr val="accent1"/>
+          </a:fillRef>
+          <a:effectRef idx="0">
+            <a:schemeClr val="accent1"/>
+          </a:effectRef>
+          <a:fontRef idx="minor">
+            <a:schemeClr val="lt1"/>
+          </a:fontRef>
+        </p:style>
+        <p:txBody>
+          <a:bodyPr rtlCol="0" anchor="ctr"/>
+          <a:lstStyle/>
+          <a:p>
+            <a:pPr algn="ctr"/>
+            <a:r>
+              <a:rPr lang="de-DE" sz="5400" dirty="0"/>
+              <a:t>Outlook (2)</a:t>
+            </a:r>
+          </a:p>
+        </p:txBody>
+      </p:sp>
+      <p:sp>
+        <p:nvSpPr>
+          <p:cNvPr id="3" name="Inhaltsplatzhalter 2">
+            <a:extLst>
+              <a:ext uri="{FF2B5EF4-FFF2-40B4-BE49-F238E27FC236}">
+                <a16:creationId xmlns:a16="http://schemas.microsoft.com/office/drawing/2014/main" id="{ABCFA5D0-2BA8-D40C-DFD0-EDDEEB870A4C}"/>
+              </a:ext>
+            </a:extLst>
+          </p:cNvPr>
+          <p:cNvSpPr txBox="1">
+            <a:spLocks/>
+          </p:cNvSpPr>
+          <p:nvPr/>
+        </p:nvSpPr>
+        <p:spPr>
+          <a:xfrm>
+            <a:off x="838200" y="1825625"/>
+            <a:ext cx="10515600" cy="4351338"/>
+          </a:xfrm>
+          <a:prstGeom prst="rect">
+            <a:avLst/>
+          </a:prstGeom>
+        </p:spPr>
+        <p:txBody>
+          <a:bodyPr vert="horz" lIns="91440" tIns="45720" rIns="91440" bIns="45720" rtlCol="0">
+            <a:normAutofit/>
+          </a:bodyPr>
+          <a:lstStyle>
+            <a:lvl1pPr marL="0" indent="0" algn="ctr" defTabSz="914400" rtl="0" eaLnBrk="1" latinLnBrk="0" hangingPunct="1">
+              <a:lnSpc>
+                <a:spcPct val="90000"/>
+              </a:lnSpc>
+              <a:spcBef>
+                <a:spcPts val="1000"/>
+              </a:spcBef>
+              <a:buFont typeface="Arial" panose="020B0604020202020204" pitchFamily="34" charset="0"/>
+              <a:buNone/>
+              <a:defRPr sz="2400" kern="1200">
+                <a:solidFill>
+                  <a:schemeClr val="tx1"/>
+                </a:solidFill>
+                <a:latin typeface="+mn-lt"/>
+                <a:ea typeface="+mn-ea"/>
+                <a:cs typeface="+mn-cs"/>
+              </a:defRPr>
+            </a:lvl1pPr>
+            <a:lvl2pPr marL="457200" indent="0" algn="ctr" defTabSz="914400" rtl="0" eaLnBrk="1" latinLnBrk="0" hangingPunct="1">
+              <a:lnSpc>
+                <a:spcPct val="90000"/>
+              </a:lnSpc>
+              <a:spcBef>
+                <a:spcPts val="500"/>
+              </a:spcBef>
+              <a:buFont typeface="Arial" panose="020B0604020202020204" pitchFamily="34" charset="0"/>
+              <a:buNone/>
+              <a:defRPr sz="2000" kern="1200">
+                <a:solidFill>
+                  <a:schemeClr val="tx1"/>
+                </a:solidFill>
+                <a:latin typeface="+mn-lt"/>
+                <a:ea typeface="+mn-ea"/>
+                <a:cs typeface="+mn-cs"/>
+              </a:defRPr>
+            </a:lvl2pPr>
+            <a:lvl3pPr marL="914400" indent="0" algn="ctr" defTabSz="914400" rtl="0" eaLnBrk="1" latinLnBrk="0" hangingPunct="1">
+              <a:lnSpc>
+                <a:spcPct val="90000"/>
+              </a:lnSpc>
+              <a:spcBef>
+                <a:spcPts val="500"/>
+              </a:spcBef>
+              <a:buFont typeface="Arial" panose="020B0604020202020204" pitchFamily="34" charset="0"/>
+              <a:buNone/>
+              <a:defRPr sz="1800" kern="1200">
+                <a:solidFill>
+                  <a:schemeClr val="tx1"/>
+                </a:solidFill>
+                <a:latin typeface="+mn-lt"/>
+                <a:ea typeface="+mn-ea"/>
+                <a:cs typeface="+mn-cs"/>
+              </a:defRPr>
+            </a:lvl3pPr>
+            <a:lvl4pPr marL="1371600" indent="0" algn="ctr" defTabSz="914400" rtl="0" eaLnBrk="1" latinLnBrk="0" hangingPunct="1">
+              <a:lnSpc>
+                <a:spcPct val="90000"/>
+              </a:lnSpc>
+              <a:spcBef>
+                <a:spcPts val="500"/>
+              </a:spcBef>
+              <a:buFont typeface="Arial" panose="020B0604020202020204" pitchFamily="34" charset="0"/>
+              <a:buNone/>
+              <a:defRPr sz="1600" kern="1200">
+                <a:solidFill>
+                  <a:schemeClr val="tx1"/>
+                </a:solidFill>
+                <a:latin typeface="+mn-lt"/>
+                <a:ea typeface="+mn-ea"/>
+                <a:cs typeface="+mn-cs"/>
+              </a:defRPr>
+            </a:lvl4pPr>
+            <a:lvl5pPr marL="1828800" indent="0" algn="ctr" defTabSz="914400" rtl="0" eaLnBrk="1" latinLnBrk="0" hangingPunct="1">
+              <a:lnSpc>
+                <a:spcPct val="90000"/>
+              </a:lnSpc>
+              <a:spcBef>
+                <a:spcPts val="500"/>
+              </a:spcBef>
+              <a:buFont typeface="Arial" panose="020B0604020202020204" pitchFamily="34" charset="0"/>
+              <a:buNone/>
+              <a:defRPr sz="1600" kern="1200">
+                <a:solidFill>
+                  <a:schemeClr val="tx1"/>
+                </a:solidFill>
+                <a:latin typeface="+mn-lt"/>
+                <a:ea typeface="+mn-ea"/>
+                <a:cs typeface="+mn-cs"/>
+              </a:defRPr>
+            </a:lvl5pPr>
+            <a:lvl6pPr marL="2286000" indent="0" algn="ctr" defTabSz="914400" rtl="0" eaLnBrk="1" latinLnBrk="0" hangingPunct="1">
+              <a:lnSpc>
+                <a:spcPct val="90000"/>
+              </a:lnSpc>
+              <a:spcBef>
+                <a:spcPts val="500"/>
+              </a:spcBef>
+              <a:buFont typeface="Arial" panose="020B0604020202020204" pitchFamily="34" charset="0"/>
+              <a:buNone/>
+              <a:defRPr sz="1600" kern="1200">
+                <a:solidFill>
+                  <a:schemeClr val="tx1"/>
+                </a:solidFill>
+                <a:latin typeface="+mn-lt"/>
+                <a:ea typeface="+mn-ea"/>
+                <a:cs typeface="+mn-cs"/>
+              </a:defRPr>
+            </a:lvl6pPr>
+            <a:lvl7pPr marL="2743200" indent="0" algn="ctr" defTabSz="914400" rtl="0" eaLnBrk="1" latinLnBrk="0" hangingPunct="1">
+              <a:lnSpc>
+                <a:spcPct val="90000"/>
+              </a:lnSpc>
+              <a:spcBef>
+                <a:spcPts val="500"/>
+              </a:spcBef>
+              <a:buFont typeface="Arial" panose="020B0604020202020204" pitchFamily="34" charset="0"/>
+              <a:buNone/>
+              <a:defRPr sz="1600" kern="1200">
+                <a:solidFill>
+                  <a:schemeClr val="tx1"/>
+                </a:solidFill>
+                <a:latin typeface="+mn-lt"/>
+                <a:ea typeface="+mn-ea"/>
+                <a:cs typeface="+mn-cs"/>
+              </a:defRPr>
+            </a:lvl7pPr>
+            <a:lvl8pPr marL="3200400" indent="0" algn="ctr" defTabSz="914400" rtl="0" eaLnBrk="1" latinLnBrk="0" hangingPunct="1">
+              <a:lnSpc>
+                <a:spcPct val="90000"/>
+              </a:lnSpc>
+              <a:spcBef>
+                <a:spcPts val="500"/>
+              </a:spcBef>
+              <a:buFont typeface="Arial" panose="020B0604020202020204" pitchFamily="34" charset="0"/>
+              <a:buNone/>
+              <a:defRPr sz="1600" kern="1200">
+                <a:solidFill>
+                  <a:schemeClr val="tx1"/>
+                </a:solidFill>
+                <a:latin typeface="+mn-lt"/>
+                <a:ea typeface="+mn-ea"/>
+                <a:cs typeface="+mn-cs"/>
+              </a:defRPr>
+            </a:lvl8pPr>
+            <a:lvl9pPr marL="3657600" indent="0" algn="ctr" defTabSz="914400" rtl="0" eaLnBrk="1" latinLnBrk="0" hangingPunct="1">
+              <a:lnSpc>
+                <a:spcPct val="90000"/>
+              </a:lnSpc>
+              <a:spcBef>
+                <a:spcPts val="500"/>
+              </a:spcBef>
+              <a:buFont typeface="Arial" panose="020B0604020202020204" pitchFamily="34" charset="0"/>
+              <a:buNone/>
+              <a:defRPr sz="1600" kern="1200">
+                <a:solidFill>
+                  <a:schemeClr val="tx1"/>
+                </a:solidFill>
+                <a:latin typeface="+mn-lt"/>
+                <a:ea typeface="+mn-ea"/>
+                <a:cs typeface="+mn-cs"/>
+              </a:defRPr>
+            </a:lvl9pPr>
+          </a:lstStyle>
+          <a:p>
+            <a:pPr marL="342900" indent="-342900">
+              <a:buFontTx/>
+              <a:buChar char="-"/>
+            </a:pPr>
+            <a:r>
+              <a:rPr lang="de-DE" dirty="0"/>
+              <a:t>Statistik heavy</a:t>
+            </a:r>
+          </a:p>
+        </p:txBody>
+      </p:sp>
+    </p:spTree>
+    <p:extLst>
+      <p:ext uri="{BB962C8B-B14F-4D97-AF65-F5344CB8AC3E}">
+        <p14:creationId xmlns:p14="http://schemas.microsoft.com/office/powerpoint/2010/main" val="4240618456"/>
       </p:ext>
     </p:extLst>
   </p:cSld>
@@ -3393,7 +6404,7 @@
         <p:cNvPr id="1" name="">
           <a:extLst>
             <a:ext uri="{FF2B5EF4-FFF2-40B4-BE49-F238E27FC236}">
-              <a16:creationId xmlns:a16="http://schemas.microsoft.com/office/drawing/2014/main" id="{A9CFF24B-095E-0375-A8DE-BEEC6214EAFB}"/>
+              <a16:creationId xmlns:a16="http://schemas.microsoft.com/office/drawing/2014/main" id="{226040E2-2B31-FC00-C237-DFDB9C04EFF6}"/>
             </a:ext>
           </a:extLst>
         </p:cNvPr>
@@ -3408,10 +6419,2128 @@
           <a:chExt cx="0" cy="0"/>
         </a:xfrm>
       </p:grpSpPr>
+      <p:sp>
+        <p:nvSpPr>
+          <p:cNvPr id="2" name="Rechteck 1">
+            <a:extLst>
+              <a:ext uri="{FF2B5EF4-FFF2-40B4-BE49-F238E27FC236}">
+                <a16:creationId xmlns:a16="http://schemas.microsoft.com/office/drawing/2014/main" id="{4FD156A7-A67F-EBED-74C7-1123C45548D5}"/>
+              </a:ext>
+            </a:extLst>
+          </p:cNvPr>
+          <p:cNvSpPr/>
+          <p:nvPr/>
+        </p:nvSpPr>
+        <p:spPr>
+          <a:xfrm>
+            <a:off x="1" y="373487"/>
+            <a:ext cx="12192000" cy="850006"/>
+          </a:xfrm>
+          <a:prstGeom prst="rect">
+            <a:avLst/>
+          </a:prstGeom>
+          <a:solidFill>
+            <a:schemeClr val="bg2">
+              <a:lumMod val="10000"/>
+            </a:schemeClr>
+          </a:solidFill>
+        </p:spPr>
+        <p:style>
+          <a:lnRef idx="2">
+            <a:schemeClr val="accent1">
+              <a:shade val="15000"/>
+            </a:schemeClr>
+          </a:lnRef>
+          <a:fillRef idx="1">
+            <a:schemeClr val="accent1"/>
+          </a:fillRef>
+          <a:effectRef idx="0">
+            <a:schemeClr val="accent1"/>
+          </a:effectRef>
+          <a:fontRef idx="minor">
+            <a:schemeClr val="lt1"/>
+          </a:fontRef>
+        </p:style>
+        <p:txBody>
+          <a:bodyPr rtlCol="0" anchor="ctr"/>
+          <a:lstStyle/>
+          <a:p>
+            <a:pPr algn="ctr"/>
+            <a:r>
+              <a:rPr lang="de-DE" sz="5400" dirty="0"/>
+              <a:t>INTRO</a:t>
+            </a:r>
+          </a:p>
+        </p:txBody>
+      </p:sp>
+      <p:sp>
+        <p:nvSpPr>
+          <p:cNvPr id="4" name="Inhaltsplatzhalter 2">
+            <a:extLst>
+              <a:ext uri="{FF2B5EF4-FFF2-40B4-BE49-F238E27FC236}">
+                <a16:creationId xmlns:a16="http://schemas.microsoft.com/office/drawing/2014/main" id="{3E24CD96-6306-A408-5A6D-FE653E3B20BD}"/>
+              </a:ext>
+            </a:extLst>
+          </p:cNvPr>
+          <p:cNvSpPr txBox="1">
+            <a:spLocks/>
+          </p:cNvSpPr>
+          <p:nvPr/>
+        </p:nvSpPr>
+        <p:spPr>
+          <a:xfrm>
+            <a:off x="838200" y="1825625"/>
+            <a:ext cx="10515600" cy="4351338"/>
+          </a:xfrm>
+          <a:prstGeom prst="rect">
+            <a:avLst/>
+          </a:prstGeom>
+        </p:spPr>
+        <p:txBody>
+          <a:bodyPr vert="horz" lIns="91440" tIns="45720" rIns="91440" bIns="45720" rtlCol="0">
+            <a:normAutofit/>
+          </a:bodyPr>
+          <a:lstStyle>
+            <a:lvl1pPr marL="0" indent="0" algn="ctr" defTabSz="914400" rtl="0" eaLnBrk="1" latinLnBrk="0" hangingPunct="1">
+              <a:lnSpc>
+                <a:spcPct val="90000"/>
+              </a:lnSpc>
+              <a:spcBef>
+                <a:spcPts val="1000"/>
+              </a:spcBef>
+              <a:buFont typeface="Arial" panose="020B0604020202020204" pitchFamily="34" charset="0"/>
+              <a:buNone/>
+              <a:defRPr sz="2400" kern="1200">
+                <a:solidFill>
+                  <a:schemeClr val="tx1"/>
+                </a:solidFill>
+                <a:latin typeface="+mn-lt"/>
+                <a:ea typeface="+mn-ea"/>
+                <a:cs typeface="+mn-cs"/>
+              </a:defRPr>
+            </a:lvl1pPr>
+            <a:lvl2pPr marL="457200" indent="0" algn="ctr" defTabSz="914400" rtl="0" eaLnBrk="1" latinLnBrk="0" hangingPunct="1">
+              <a:lnSpc>
+                <a:spcPct val="90000"/>
+              </a:lnSpc>
+              <a:spcBef>
+                <a:spcPts val="500"/>
+              </a:spcBef>
+              <a:buFont typeface="Arial" panose="020B0604020202020204" pitchFamily="34" charset="0"/>
+              <a:buNone/>
+              <a:defRPr sz="2000" kern="1200">
+                <a:solidFill>
+                  <a:schemeClr val="tx1"/>
+                </a:solidFill>
+                <a:latin typeface="+mn-lt"/>
+                <a:ea typeface="+mn-ea"/>
+                <a:cs typeface="+mn-cs"/>
+              </a:defRPr>
+            </a:lvl2pPr>
+            <a:lvl3pPr marL="914400" indent="0" algn="ctr" defTabSz="914400" rtl="0" eaLnBrk="1" latinLnBrk="0" hangingPunct="1">
+              <a:lnSpc>
+                <a:spcPct val="90000"/>
+              </a:lnSpc>
+              <a:spcBef>
+                <a:spcPts val="500"/>
+              </a:spcBef>
+              <a:buFont typeface="Arial" panose="020B0604020202020204" pitchFamily="34" charset="0"/>
+              <a:buNone/>
+              <a:defRPr sz="1800" kern="1200">
+                <a:solidFill>
+                  <a:schemeClr val="tx1"/>
+                </a:solidFill>
+                <a:latin typeface="+mn-lt"/>
+                <a:ea typeface="+mn-ea"/>
+                <a:cs typeface="+mn-cs"/>
+              </a:defRPr>
+            </a:lvl3pPr>
+            <a:lvl4pPr marL="1371600" indent="0" algn="ctr" defTabSz="914400" rtl="0" eaLnBrk="1" latinLnBrk="0" hangingPunct="1">
+              <a:lnSpc>
+                <a:spcPct val="90000"/>
+              </a:lnSpc>
+              <a:spcBef>
+                <a:spcPts val="500"/>
+              </a:spcBef>
+              <a:buFont typeface="Arial" panose="020B0604020202020204" pitchFamily="34" charset="0"/>
+              <a:buNone/>
+              <a:defRPr sz="1600" kern="1200">
+                <a:solidFill>
+                  <a:schemeClr val="tx1"/>
+                </a:solidFill>
+                <a:latin typeface="+mn-lt"/>
+                <a:ea typeface="+mn-ea"/>
+                <a:cs typeface="+mn-cs"/>
+              </a:defRPr>
+            </a:lvl4pPr>
+            <a:lvl5pPr marL="1828800" indent="0" algn="ctr" defTabSz="914400" rtl="0" eaLnBrk="1" latinLnBrk="0" hangingPunct="1">
+              <a:lnSpc>
+                <a:spcPct val="90000"/>
+              </a:lnSpc>
+              <a:spcBef>
+                <a:spcPts val="500"/>
+              </a:spcBef>
+              <a:buFont typeface="Arial" panose="020B0604020202020204" pitchFamily="34" charset="0"/>
+              <a:buNone/>
+              <a:defRPr sz="1600" kern="1200">
+                <a:solidFill>
+                  <a:schemeClr val="tx1"/>
+                </a:solidFill>
+                <a:latin typeface="+mn-lt"/>
+                <a:ea typeface="+mn-ea"/>
+                <a:cs typeface="+mn-cs"/>
+              </a:defRPr>
+            </a:lvl5pPr>
+            <a:lvl6pPr marL="2286000" indent="0" algn="ctr" defTabSz="914400" rtl="0" eaLnBrk="1" latinLnBrk="0" hangingPunct="1">
+              <a:lnSpc>
+                <a:spcPct val="90000"/>
+              </a:lnSpc>
+              <a:spcBef>
+                <a:spcPts val="500"/>
+              </a:spcBef>
+              <a:buFont typeface="Arial" panose="020B0604020202020204" pitchFamily="34" charset="0"/>
+              <a:buNone/>
+              <a:defRPr sz="1600" kern="1200">
+                <a:solidFill>
+                  <a:schemeClr val="tx1"/>
+                </a:solidFill>
+                <a:latin typeface="+mn-lt"/>
+                <a:ea typeface="+mn-ea"/>
+                <a:cs typeface="+mn-cs"/>
+              </a:defRPr>
+            </a:lvl6pPr>
+            <a:lvl7pPr marL="2743200" indent="0" algn="ctr" defTabSz="914400" rtl="0" eaLnBrk="1" latinLnBrk="0" hangingPunct="1">
+              <a:lnSpc>
+                <a:spcPct val="90000"/>
+              </a:lnSpc>
+              <a:spcBef>
+                <a:spcPts val="500"/>
+              </a:spcBef>
+              <a:buFont typeface="Arial" panose="020B0604020202020204" pitchFamily="34" charset="0"/>
+              <a:buNone/>
+              <a:defRPr sz="1600" kern="1200">
+                <a:solidFill>
+                  <a:schemeClr val="tx1"/>
+                </a:solidFill>
+                <a:latin typeface="+mn-lt"/>
+                <a:ea typeface="+mn-ea"/>
+                <a:cs typeface="+mn-cs"/>
+              </a:defRPr>
+            </a:lvl7pPr>
+            <a:lvl8pPr marL="3200400" indent="0" algn="ctr" defTabSz="914400" rtl="0" eaLnBrk="1" latinLnBrk="0" hangingPunct="1">
+              <a:lnSpc>
+                <a:spcPct val="90000"/>
+              </a:lnSpc>
+              <a:spcBef>
+                <a:spcPts val="500"/>
+              </a:spcBef>
+              <a:buFont typeface="Arial" panose="020B0604020202020204" pitchFamily="34" charset="0"/>
+              <a:buNone/>
+              <a:defRPr sz="1600" kern="1200">
+                <a:solidFill>
+                  <a:schemeClr val="tx1"/>
+                </a:solidFill>
+                <a:latin typeface="+mn-lt"/>
+                <a:ea typeface="+mn-ea"/>
+                <a:cs typeface="+mn-cs"/>
+              </a:defRPr>
+            </a:lvl8pPr>
+            <a:lvl9pPr marL="3657600" indent="0" algn="ctr" defTabSz="914400" rtl="0" eaLnBrk="1" latinLnBrk="0" hangingPunct="1">
+              <a:lnSpc>
+                <a:spcPct val="90000"/>
+              </a:lnSpc>
+              <a:spcBef>
+                <a:spcPts val="500"/>
+              </a:spcBef>
+              <a:buFont typeface="Arial" panose="020B0604020202020204" pitchFamily="34" charset="0"/>
+              <a:buNone/>
+              <a:defRPr sz="1600" kern="1200">
+                <a:solidFill>
+                  <a:schemeClr val="tx1"/>
+                </a:solidFill>
+                <a:latin typeface="+mn-lt"/>
+                <a:ea typeface="+mn-ea"/>
+                <a:cs typeface="+mn-cs"/>
+              </a:defRPr>
+            </a:lvl9pPr>
+          </a:lstStyle>
+          <a:p>
+            <a:pPr marL="342900" indent="-342900">
+              <a:buFontTx/>
+              <a:buChar char="-"/>
+            </a:pPr>
+            <a:r>
+              <a:rPr lang="de-DE" dirty="0"/>
+              <a:t>Stichpunkte</a:t>
+            </a:r>
+          </a:p>
+        </p:txBody>
+      </p:sp>
     </p:spTree>
     <p:extLst>
       <p:ext uri="{BB962C8B-B14F-4D97-AF65-F5344CB8AC3E}">
-        <p14:creationId xmlns:p14="http://schemas.microsoft.com/office/powerpoint/2010/main" val="3629447553"/>
+        <p14:creationId xmlns:p14="http://schemas.microsoft.com/office/powerpoint/2010/main" val="1984952574"/>
+      </p:ext>
+    </p:extLst>
+  </p:cSld>
+  <p:clrMapOvr>
+    <a:masterClrMapping/>
+  </p:clrMapOvr>
+</p:sld>
+</file>
+
+<file path=ppt/slides/slide3.xml><?xml version="1.0" encoding="utf-8"?>
+<p:sld xmlns:a="http://schemas.openxmlformats.org/drawingml/2006/main" xmlns:r="http://schemas.openxmlformats.org/officeDocument/2006/relationships" xmlns:p="http://schemas.openxmlformats.org/presentationml/2006/main">
+  <p:cSld>
+    <p:spTree>
+      <p:nvGrpSpPr>
+        <p:cNvPr id="1" name="">
+          <a:extLst>
+            <a:ext uri="{FF2B5EF4-FFF2-40B4-BE49-F238E27FC236}">
+              <a16:creationId xmlns:a16="http://schemas.microsoft.com/office/drawing/2014/main" id="{01B4BC04-FC7A-C9B4-C320-F5C85AC57FE0}"/>
+            </a:ext>
+          </a:extLst>
+        </p:cNvPr>
+        <p:cNvGrpSpPr/>
+        <p:nvPr/>
+      </p:nvGrpSpPr>
+      <p:grpSpPr>
+        <a:xfrm>
+          <a:off x="0" y="0"/>
+          <a:ext cx="0" cy="0"/>
+          <a:chOff x="0" y="0"/>
+          <a:chExt cx="0" cy="0"/>
+        </a:xfrm>
+      </p:grpSpPr>
+      <p:sp>
+        <p:nvSpPr>
+          <p:cNvPr id="2" name="Rechteck 1">
+            <a:extLst>
+              <a:ext uri="{FF2B5EF4-FFF2-40B4-BE49-F238E27FC236}">
+                <a16:creationId xmlns:a16="http://schemas.microsoft.com/office/drawing/2014/main" id="{5F5FBB3D-E6BF-AAD0-224C-3D6A17375723}"/>
+              </a:ext>
+            </a:extLst>
+          </p:cNvPr>
+          <p:cNvSpPr/>
+          <p:nvPr/>
+        </p:nvSpPr>
+        <p:spPr>
+          <a:xfrm>
+            <a:off x="1" y="373487"/>
+            <a:ext cx="12192000" cy="850006"/>
+          </a:xfrm>
+          <a:prstGeom prst="rect">
+            <a:avLst/>
+          </a:prstGeom>
+          <a:solidFill>
+            <a:schemeClr val="bg2">
+              <a:lumMod val="10000"/>
+            </a:schemeClr>
+          </a:solidFill>
+        </p:spPr>
+        <p:style>
+          <a:lnRef idx="2">
+            <a:schemeClr val="accent1">
+              <a:shade val="15000"/>
+            </a:schemeClr>
+          </a:lnRef>
+          <a:fillRef idx="1">
+            <a:schemeClr val="accent1"/>
+          </a:fillRef>
+          <a:effectRef idx="0">
+            <a:schemeClr val="accent1"/>
+          </a:effectRef>
+          <a:fontRef idx="minor">
+            <a:schemeClr val="lt1"/>
+          </a:fontRef>
+        </p:style>
+        <p:txBody>
+          <a:bodyPr rtlCol="0" anchor="ctr"/>
+          <a:lstStyle/>
+          <a:p>
+            <a:pPr algn="ctr"/>
+            <a:r>
+              <a:rPr lang="de-DE" sz="5400" dirty="0"/>
+              <a:t>INTRO</a:t>
+            </a:r>
+          </a:p>
+        </p:txBody>
+      </p:sp>
+      <p:sp>
+        <p:nvSpPr>
+          <p:cNvPr id="4" name="Inhaltsplatzhalter 2">
+            <a:extLst>
+              <a:ext uri="{FF2B5EF4-FFF2-40B4-BE49-F238E27FC236}">
+                <a16:creationId xmlns:a16="http://schemas.microsoft.com/office/drawing/2014/main" id="{B1D4D1AD-988C-980B-66A5-96466D0839BF}"/>
+              </a:ext>
+            </a:extLst>
+          </p:cNvPr>
+          <p:cNvSpPr txBox="1">
+            <a:spLocks/>
+          </p:cNvSpPr>
+          <p:nvPr/>
+        </p:nvSpPr>
+        <p:spPr>
+          <a:xfrm>
+            <a:off x="838200" y="1825625"/>
+            <a:ext cx="10515600" cy="4351338"/>
+          </a:xfrm>
+          <a:prstGeom prst="rect">
+            <a:avLst/>
+          </a:prstGeom>
+        </p:spPr>
+        <p:txBody>
+          <a:bodyPr vert="horz" lIns="91440" tIns="45720" rIns="91440" bIns="45720" rtlCol="0">
+            <a:normAutofit/>
+          </a:bodyPr>
+          <a:lstStyle>
+            <a:lvl1pPr marL="0" indent="0" algn="ctr" defTabSz="914400" rtl="0" eaLnBrk="1" latinLnBrk="0" hangingPunct="1">
+              <a:lnSpc>
+                <a:spcPct val="90000"/>
+              </a:lnSpc>
+              <a:spcBef>
+                <a:spcPts val="1000"/>
+              </a:spcBef>
+              <a:buFont typeface="Arial" panose="020B0604020202020204" pitchFamily="34" charset="0"/>
+              <a:buNone/>
+              <a:defRPr sz="2400" kern="1200">
+                <a:solidFill>
+                  <a:schemeClr val="tx1"/>
+                </a:solidFill>
+                <a:latin typeface="+mn-lt"/>
+                <a:ea typeface="+mn-ea"/>
+                <a:cs typeface="+mn-cs"/>
+              </a:defRPr>
+            </a:lvl1pPr>
+            <a:lvl2pPr marL="457200" indent="0" algn="ctr" defTabSz="914400" rtl="0" eaLnBrk="1" latinLnBrk="0" hangingPunct="1">
+              <a:lnSpc>
+                <a:spcPct val="90000"/>
+              </a:lnSpc>
+              <a:spcBef>
+                <a:spcPts val="500"/>
+              </a:spcBef>
+              <a:buFont typeface="Arial" panose="020B0604020202020204" pitchFamily="34" charset="0"/>
+              <a:buNone/>
+              <a:defRPr sz="2000" kern="1200">
+                <a:solidFill>
+                  <a:schemeClr val="tx1"/>
+                </a:solidFill>
+                <a:latin typeface="+mn-lt"/>
+                <a:ea typeface="+mn-ea"/>
+                <a:cs typeface="+mn-cs"/>
+              </a:defRPr>
+            </a:lvl2pPr>
+            <a:lvl3pPr marL="914400" indent="0" algn="ctr" defTabSz="914400" rtl="0" eaLnBrk="1" latinLnBrk="0" hangingPunct="1">
+              <a:lnSpc>
+                <a:spcPct val="90000"/>
+              </a:lnSpc>
+              <a:spcBef>
+                <a:spcPts val="500"/>
+              </a:spcBef>
+              <a:buFont typeface="Arial" panose="020B0604020202020204" pitchFamily="34" charset="0"/>
+              <a:buNone/>
+              <a:defRPr sz="1800" kern="1200">
+                <a:solidFill>
+                  <a:schemeClr val="tx1"/>
+                </a:solidFill>
+                <a:latin typeface="+mn-lt"/>
+                <a:ea typeface="+mn-ea"/>
+                <a:cs typeface="+mn-cs"/>
+              </a:defRPr>
+            </a:lvl3pPr>
+            <a:lvl4pPr marL="1371600" indent="0" algn="ctr" defTabSz="914400" rtl="0" eaLnBrk="1" latinLnBrk="0" hangingPunct="1">
+              <a:lnSpc>
+                <a:spcPct val="90000"/>
+              </a:lnSpc>
+              <a:spcBef>
+                <a:spcPts val="500"/>
+              </a:spcBef>
+              <a:buFont typeface="Arial" panose="020B0604020202020204" pitchFamily="34" charset="0"/>
+              <a:buNone/>
+              <a:defRPr sz="1600" kern="1200">
+                <a:solidFill>
+                  <a:schemeClr val="tx1"/>
+                </a:solidFill>
+                <a:latin typeface="+mn-lt"/>
+                <a:ea typeface="+mn-ea"/>
+                <a:cs typeface="+mn-cs"/>
+              </a:defRPr>
+            </a:lvl4pPr>
+            <a:lvl5pPr marL="1828800" indent="0" algn="ctr" defTabSz="914400" rtl="0" eaLnBrk="1" latinLnBrk="0" hangingPunct="1">
+              <a:lnSpc>
+                <a:spcPct val="90000"/>
+              </a:lnSpc>
+              <a:spcBef>
+                <a:spcPts val="500"/>
+              </a:spcBef>
+              <a:buFont typeface="Arial" panose="020B0604020202020204" pitchFamily="34" charset="0"/>
+              <a:buNone/>
+              <a:defRPr sz="1600" kern="1200">
+                <a:solidFill>
+                  <a:schemeClr val="tx1"/>
+                </a:solidFill>
+                <a:latin typeface="+mn-lt"/>
+                <a:ea typeface="+mn-ea"/>
+                <a:cs typeface="+mn-cs"/>
+              </a:defRPr>
+            </a:lvl5pPr>
+            <a:lvl6pPr marL="2286000" indent="0" algn="ctr" defTabSz="914400" rtl="0" eaLnBrk="1" latinLnBrk="0" hangingPunct="1">
+              <a:lnSpc>
+                <a:spcPct val="90000"/>
+              </a:lnSpc>
+              <a:spcBef>
+                <a:spcPts val="500"/>
+              </a:spcBef>
+              <a:buFont typeface="Arial" panose="020B0604020202020204" pitchFamily="34" charset="0"/>
+              <a:buNone/>
+              <a:defRPr sz="1600" kern="1200">
+                <a:solidFill>
+                  <a:schemeClr val="tx1"/>
+                </a:solidFill>
+                <a:latin typeface="+mn-lt"/>
+                <a:ea typeface="+mn-ea"/>
+                <a:cs typeface="+mn-cs"/>
+              </a:defRPr>
+            </a:lvl6pPr>
+            <a:lvl7pPr marL="2743200" indent="0" algn="ctr" defTabSz="914400" rtl="0" eaLnBrk="1" latinLnBrk="0" hangingPunct="1">
+              <a:lnSpc>
+                <a:spcPct val="90000"/>
+              </a:lnSpc>
+              <a:spcBef>
+                <a:spcPts val="500"/>
+              </a:spcBef>
+              <a:buFont typeface="Arial" panose="020B0604020202020204" pitchFamily="34" charset="0"/>
+              <a:buNone/>
+              <a:defRPr sz="1600" kern="1200">
+                <a:solidFill>
+                  <a:schemeClr val="tx1"/>
+                </a:solidFill>
+                <a:latin typeface="+mn-lt"/>
+                <a:ea typeface="+mn-ea"/>
+                <a:cs typeface="+mn-cs"/>
+              </a:defRPr>
+            </a:lvl7pPr>
+            <a:lvl8pPr marL="3200400" indent="0" algn="ctr" defTabSz="914400" rtl="0" eaLnBrk="1" latinLnBrk="0" hangingPunct="1">
+              <a:lnSpc>
+                <a:spcPct val="90000"/>
+              </a:lnSpc>
+              <a:spcBef>
+                <a:spcPts val="500"/>
+              </a:spcBef>
+              <a:buFont typeface="Arial" panose="020B0604020202020204" pitchFamily="34" charset="0"/>
+              <a:buNone/>
+              <a:defRPr sz="1600" kern="1200">
+                <a:solidFill>
+                  <a:schemeClr val="tx1"/>
+                </a:solidFill>
+                <a:latin typeface="+mn-lt"/>
+                <a:ea typeface="+mn-ea"/>
+                <a:cs typeface="+mn-cs"/>
+              </a:defRPr>
+            </a:lvl8pPr>
+            <a:lvl9pPr marL="3657600" indent="0" algn="ctr" defTabSz="914400" rtl="0" eaLnBrk="1" latinLnBrk="0" hangingPunct="1">
+              <a:lnSpc>
+                <a:spcPct val="90000"/>
+              </a:lnSpc>
+              <a:spcBef>
+                <a:spcPts val="500"/>
+              </a:spcBef>
+              <a:buFont typeface="Arial" panose="020B0604020202020204" pitchFamily="34" charset="0"/>
+              <a:buNone/>
+              <a:defRPr sz="1600" kern="1200">
+                <a:solidFill>
+                  <a:schemeClr val="tx1"/>
+                </a:solidFill>
+                <a:latin typeface="+mn-lt"/>
+                <a:ea typeface="+mn-ea"/>
+                <a:cs typeface="+mn-cs"/>
+              </a:defRPr>
+            </a:lvl9pPr>
+          </a:lstStyle>
+          <a:p>
+            <a:pPr marL="342900" indent="-342900">
+              <a:buFontTx/>
+              <a:buChar char="-"/>
+            </a:pPr>
+            <a:r>
+              <a:rPr lang="de-DE" dirty="0"/>
+              <a:t>Stichpunkte</a:t>
+            </a:r>
+          </a:p>
+        </p:txBody>
+      </p:sp>
+    </p:spTree>
+    <p:extLst>
+      <p:ext uri="{BB962C8B-B14F-4D97-AF65-F5344CB8AC3E}">
+        <p14:creationId xmlns:p14="http://schemas.microsoft.com/office/powerpoint/2010/main" val="595846540"/>
+      </p:ext>
+    </p:extLst>
+  </p:cSld>
+  <p:clrMapOvr>
+    <a:masterClrMapping/>
+  </p:clrMapOvr>
+</p:sld>
+</file>
+
+<file path=ppt/slides/slide4.xml><?xml version="1.0" encoding="utf-8"?>
+<p:sld xmlns:a="http://schemas.openxmlformats.org/drawingml/2006/main" xmlns:r="http://schemas.openxmlformats.org/officeDocument/2006/relationships" xmlns:p="http://schemas.openxmlformats.org/presentationml/2006/main">
+  <p:cSld>
+    <p:spTree>
+      <p:nvGrpSpPr>
+        <p:cNvPr id="1" name="">
+          <a:extLst>
+            <a:ext uri="{FF2B5EF4-FFF2-40B4-BE49-F238E27FC236}">
+              <a16:creationId xmlns:a16="http://schemas.microsoft.com/office/drawing/2014/main" id="{75CAE99D-28D9-937A-EE26-68D556C6CAA7}"/>
+            </a:ext>
+          </a:extLst>
+        </p:cNvPr>
+        <p:cNvGrpSpPr/>
+        <p:nvPr/>
+      </p:nvGrpSpPr>
+      <p:grpSpPr>
+        <a:xfrm>
+          <a:off x="0" y="0"/>
+          <a:ext cx="0" cy="0"/>
+          <a:chOff x="0" y="0"/>
+          <a:chExt cx="0" cy="0"/>
+        </a:xfrm>
+      </p:grpSpPr>
+      <p:sp>
+        <p:nvSpPr>
+          <p:cNvPr id="2" name="Rechteck 1">
+            <a:extLst>
+              <a:ext uri="{FF2B5EF4-FFF2-40B4-BE49-F238E27FC236}">
+                <a16:creationId xmlns:a16="http://schemas.microsoft.com/office/drawing/2014/main" id="{1F1B0FC2-708D-915E-79A9-A088306A497F}"/>
+              </a:ext>
+            </a:extLst>
+          </p:cNvPr>
+          <p:cNvSpPr/>
+          <p:nvPr/>
+        </p:nvSpPr>
+        <p:spPr>
+          <a:xfrm>
+            <a:off x="1" y="373487"/>
+            <a:ext cx="12192000" cy="850006"/>
+          </a:xfrm>
+          <a:prstGeom prst="rect">
+            <a:avLst/>
+          </a:prstGeom>
+          <a:solidFill>
+            <a:schemeClr val="bg2">
+              <a:lumMod val="10000"/>
+            </a:schemeClr>
+          </a:solidFill>
+        </p:spPr>
+        <p:style>
+          <a:lnRef idx="2">
+            <a:schemeClr val="accent1">
+              <a:shade val="15000"/>
+            </a:schemeClr>
+          </a:lnRef>
+          <a:fillRef idx="1">
+            <a:schemeClr val="accent1"/>
+          </a:fillRef>
+          <a:effectRef idx="0">
+            <a:schemeClr val="accent1"/>
+          </a:effectRef>
+          <a:fontRef idx="minor">
+            <a:schemeClr val="lt1"/>
+          </a:fontRef>
+        </p:style>
+        <p:txBody>
+          <a:bodyPr rtlCol="0" anchor="ctr"/>
+          <a:lstStyle/>
+          <a:p>
+            <a:pPr algn="ctr"/>
+            <a:r>
+              <a:rPr lang="de-DE" sz="5400" dirty="0"/>
+              <a:t>INTRO</a:t>
+            </a:r>
+          </a:p>
+        </p:txBody>
+      </p:sp>
+      <p:sp>
+        <p:nvSpPr>
+          <p:cNvPr id="4" name="Inhaltsplatzhalter 2">
+            <a:extLst>
+              <a:ext uri="{FF2B5EF4-FFF2-40B4-BE49-F238E27FC236}">
+                <a16:creationId xmlns:a16="http://schemas.microsoft.com/office/drawing/2014/main" id="{3D65DB60-E349-7A3E-19C4-1AE21920747F}"/>
+              </a:ext>
+            </a:extLst>
+          </p:cNvPr>
+          <p:cNvSpPr txBox="1">
+            <a:spLocks/>
+          </p:cNvSpPr>
+          <p:nvPr/>
+        </p:nvSpPr>
+        <p:spPr>
+          <a:xfrm>
+            <a:off x="838200" y="1825625"/>
+            <a:ext cx="10515600" cy="4351338"/>
+          </a:xfrm>
+          <a:prstGeom prst="rect">
+            <a:avLst/>
+          </a:prstGeom>
+        </p:spPr>
+        <p:txBody>
+          <a:bodyPr vert="horz" lIns="91440" tIns="45720" rIns="91440" bIns="45720" rtlCol="0">
+            <a:normAutofit/>
+          </a:bodyPr>
+          <a:lstStyle>
+            <a:lvl1pPr marL="0" indent="0" algn="ctr" defTabSz="914400" rtl="0" eaLnBrk="1" latinLnBrk="0" hangingPunct="1">
+              <a:lnSpc>
+                <a:spcPct val="90000"/>
+              </a:lnSpc>
+              <a:spcBef>
+                <a:spcPts val="1000"/>
+              </a:spcBef>
+              <a:buFont typeface="Arial" panose="020B0604020202020204" pitchFamily="34" charset="0"/>
+              <a:buNone/>
+              <a:defRPr sz="2400" kern="1200">
+                <a:solidFill>
+                  <a:schemeClr val="tx1"/>
+                </a:solidFill>
+                <a:latin typeface="+mn-lt"/>
+                <a:ea typeface="+mn-ea"/>
+                <a:cs typeface="+mn-cs"/>
+              </a:defRPr>
+            </a:lvl1pPr>
+            <a:lvl2pPr marL="457200" indent="0" algn="ctr" defTabSz="914400" rtl="0" eaLnBrk="1" latinLnBrk="0" hangingPunct="1">
+              <a:lnSpc>
+                <a:spcPct val="90000"/>
+              </a:lnSpc>
+              <a:spcBef>
+                <a:spcPts val="500"/>
+              </a:spcBef>
+              <a:buFont typeface="Arial" panose="020B0604020202020204" pitchFamily="34" charset="0"/>
+              <a:buNone/>
+              <a:defRPr sz="2000" kern="1200">
+                <a:solidFill>
+                  <a:schemeClr val="tx1"/>
+                </a:solidFill>
+                <a:latin typeface="+mn-lt"/>
+                <a:ea typeface="+mn-ea"/>
+                <a:cs typeface="+mn-cs"/>
+              </a:defRPr>
+            </a:lvl2pPr>
+            <a:lvl3pPr marL="914400" indent="0" algn="ctr" defTabSz="914400" rtl="0" eaLnBrk="1" latinLnBrk="0" hangingPunct="1">
+              <a:lnSpc>
+                <a:spcPct val="90000"/>
+              </a:lnSpc>
+              <a:spcBef>
+                <a:spcPts val="500"/>
+              </a:spcBef>
+              <a:buFont typeface="Arial" panose="020B0604020202020204" pitchFamily="34" charset="0"/>
+              <a:buNone/>
+              <a:defRPr sz="1800" kern="1200">
+                <a:solidFill>
+                  <a:schemeClr val="tx1"/>
+                </a:solidFill>
+                <a:latin typeface="+mn-lt"/>
+                <a:ea typeface="+mn-ea"/>
+                <a:cs typeface="+mn-cs"/>
+              </a:defRPr>
+            </a:lvl3pPr>
+            <a:lvl4pPr marL="1371600" indent="0" algn="ctr" defTabSz="914400" rtl="0" eaLnBrk="1" latinLnBrk="0" hangingPunct="1">
+              <a:lnSpc>
+                <a:spcPct val="90000"/>
+              </a:lnSpc>
+              <a:spcBef>
+                <a:spcPts val="500"/>
+              </a:spcBef>
+              <a:buFont typeface="Arial" panose="020B0604020202020204" pitchFamily="34" charset="0"/>
+              <a:buNone/>
+              <a:defRPr sz="1600" kern="1200">
+                <a:solidFill>
+                  <a:schemeClr val="tx1"/>
+                </a:solidFill>
+                <a:latin typeface="+mn-lt"/>
+                <a:ea typeface="+mn-ea"/>
+                <a:cs typeface="+mn-cs"/>
+              </a:defRPr>
+            </a:lvl4pPr>
+            <a:lvl5pPr marL="1828800" indent="0" algn="ctr" defTabSz="914400" rtl="0" eaLnBrk="1" latinLnBrk="0" hangingPunct="1">
+              <a:lnSpc>
+                <a:spcPct val="90000"/>
+              </a:lnSpc>
+              <a:spcBef>
+                <a:spcPts val="500"/>
+              </a:spcBef>
+              <a:buFont typeface="Arial" panose="020B0604020202020204" pitchFamily="34" charset="0"/>
+              <a:buNone/>
+              <a:defRPr sz="1600" kern="1200">
+                <a:solidFill>
+                  <a:schemeClr val="tx1"/>
+                </a:solidFill>
+                <a:latin typeface="+mn-lt"/>
+                <a:ea typeface="+mn-ea"/>
+                <a:cs typeface="+mn-cs"/>
+              </a:defRPr>
+            </a:lvl5pPr>
+            <a:lvl6pPr marL="2286000" indent="0" algn="ctr" defTabSz="914400" rtl="0" eaLnBrk="1" latinLnBrk="0" hangingPunct="1">
+              <a:lnSpc>
+                <a:spcPct val="90000"/>
+              </a:lnSpc>
+              <a:spcBef>
+                <a:spcPts val="500"/>
+              </a:spcBef>
+              <a:buFont typeface="Arial" panose="020B0604020202020204" pitchFamily="34" charset="0"/>
+              <a:buNone/>
+              <a:defRPr sz="1600" kern="1200">
+                <a:solidFill>
+                  <a:schemeClr val="tx1"/>
+                </a:solidFill>
+                <a:latin typeface="+mn-lt"/>
+                <a:ea typeface="+mn-ea"/>
+                <a:cs typeface="+mn-cs"/>
+              </a:defRPr>
+            </a:lvl6pPr>
+            <a:lvl7pPr marL="2743200" indent="0" algn="ctr" defTabSz="914400" rtl="0" eaLnBrk="1" latinLnBrk="0" hangingPunct="1">
+              <a:lnSpc>
+                <a:spcPct val="90000"/>
+              </a:lnSpc>
+              <a:spcBef>
+                <a:spcPts val="500"/>
+              </a:spcBef>
+              <a:buFont typeface="Arial" panose="020B0604020202020204" pitchFamily="34" charset="0"/>
+              <a:buNone/>
+              <a:defRPr sz="1600" kern="1200">
+                <a:solidFill>
+                  <a:schemeClr val="tx1"/>
+                </a:solidFill>
+                <a:latin typeface="+mn-lt"/>
+                <a:ea typeface="+mn-ea"/>
+                <a:cs typeface="+mn-cs"/>
+              </a:defRPr>
+            </a:lvl7pPr>
+            <a:lvl8pPr marL="3200400" indent="0" algn="ctr" defTabSz="914400" rtl="0" eaLnBrk="1" latinLnBrk="0" hangingPunct="1">
+              <a:lnSpc>
+                <a:spcPct val="90000"/>
+              </a:lnSpc>
+              <a:spcBef>
+                <a:spcPts val="500"/>
+              </a:spcBef>
+              <a:buFont typeface="Arial" panose="020B0604020202020204" pitchFamily="34" charset="0"/>
+              <a:buNone/>
+              <a:defRPr sz="1600" kern="1200">
+                <a:solidFill>
+                  <a:schemeClr val="tx1"/>
+                </a:solidFill>
+                <a:latin typeface="+mn-lt"/>
+                <a:ea typeface="+mn-ea"/>
+                <a:cs typeface="+mn-cs"/>
+              </a:defRPr>
+            </a:lvl8pPr>
+            <a:lvl9pPr marL="3657600" indent="0" algn="ctr" defTabSz="914400" rtl="0" eaLnBrk="1" latinLnBrk="0" hangingPunct="1">
+              <a:lnSpc>
+                <a:spcPct val="90000"/>
+              </a:lnSpc>
+              <a:spcBef>
+                <a:spcPts val="500"/>
+              </a:spcBef>
+              <a:buFont typeface="Arial" panose="020B0604020202020204" pitchFamily="34" charset="0"/>
+              <a:buNone/>
+              <a:defRPr sz="1600" kern="1200">
+                <a:solidFill>
+                  <a:schemeClr val="tx1"/>
+                </a:solidFill>
+                <a:latin typeface="+mn-lt"/>
+                <a:ea typeface="+mn-ea"/>
+                <a:cs typeface="+mn-cs"/>
+              </a:defRPr>
+            </a:lvl9pPr>
+          </a:lstStyle>
+          <a:p>
+            <a:pPr marL="342900" indent="-342900">
+              <a:buFontTx/>
+              <a:buChar char="-"/>
+            </a:pPr>
+            <a:r>
+              <a:rPr lang="de-DE" dirty="0"/>
+              <a:t>Stichpunkte</a:t>
+            </a:r>
+          </a:p>
+        </p:txBody>
+      </p:sp>
+    </p:spTree>
+    <p:extLst>
+      <p:ext uri="{BB962C8B-B14F-4D97-AF65-F5344CB8AC3E}">
+        <p14:creationId xmlns:p14="http://schemas.microsoft.com/office/powerpoint/2010/main" val="2589294815"/>
+      </p:ext>
+    </p:extLst>
+  </p:cSld>
+  <p:clrMapOvr>
+    <a:masterClrMapping/>
+  </p:clrMapOvr>
+</p:sld>
+</file>
+
+<file path=ppt/slides/slide5.xml><?xml version="1.0" encoding="utf-8"?>
+<p:sld xmlns:a="http://schemas.openxmlformats.org/drawingml/2006/main" xmlns:r="http://schemas.openxmlformats.org/officeDocument/2006/relationships" xmlns:p="http://schemas.openxmlformats.org/presentationml/2006/main">
+  <p:cSld>
+    <p:spTree>
+      <p:nvGrpSpPr>
+        <p:cNvPr id="1" name="">
+          <a:extLst>
+            <a:ext uri="{FF2B5EF4-FFF2-40B4-BE49-F238E27FC236}">
+              <a16:creationId xmlns:a16="http://schemas.microsoft.com/office/drawing/2014/main" id="{4995DCFB-95D7-B3CB-3230-AFEFA6A3717B}"/>
+            </a:ext>
+          </a:extLst>
+        </p:cNvPr>
+        <p:cNvGrpSpPr/>
+        <p:nvPr/>
+      </p:nvGrpSpPr>
+      <p:grpSpPr>
+        <a:xfrm>
+          <a:off x="0" y="0"/>
+          <a:ext cx="0" cy="0"/>
+          <a:chOff x="0" y="0"/>
+          <a:chExt cx="0" cy="0"/>
+        </a:xfrm>
+      </p:grpSpPr>
+      <p:sp>
+        <p:nvSpPr>
+          <p:cNvPr id="2" name="Rechteck 1">
+            <a:extLst>
+              <a:ext uri="{FF2B5EF4-FFF2-40B4-BE49-F238E27FC236}">
+                <a16:creationId xmlns:a16="http://schemas.microsoft.com/office/drawing/2014/main" id="{50C6390F-1301-68AF-B955-2719753CEBD0}"/>
+              </a:ext>
+            </a:extLst>
+          </p:cNvPr>
+          <p:cNvSpPr/>
+          <p:nvPr/>
+        </p:nvSpPr>
+        <p:spPr>
+          <a:xfrm>
+            <a:off x="1" y="373487"/>
+            <a:ext cx="12192000" cy="850006"/>
+          </a:xfrm>
+          <a:prstGeom prst="rect">
+            <a:avLst/>
+          </a:prstGeom>
+          <a:solidFill>
+            <a:schemeClr val="bg2">
+              <a:lumMod val="10000"/>
+            </a:schemeClr>
+          </a:solidFill>
+        </p:spPr>
+        <p:style>
+          <a:lnRef idx="2">
+            <a:schemeClr val="accent1">
+              <a:shade val="15000"/>
+            </a:schemeClr>
+          </a:lnRef>
+          <a:fillRef idx="1">
+            <a:schemeClr val="accent1"/>
+          </a:fillRef>
+          <a:effectRef idx="0">
+            <a:schemeClr val="accent1"/>
+          </a:effectRef>
+          <a:fontRef idx="minor">
+            <a:schemeClr val="lt1"/>
+          </a:fontRef>
+        </p:style>
+        <p:txBody>
+          <a:bodyPr rtlCol="0" anchor="ctr"/>
+          <a:lstStyle/>
+          <a:p>
+            <a:pPr algn="ctr"/>
+            <a:r>
+              <a:rPr lang="de-DE" sz="5400" dirty="0" err="1"/>
+              <a:t>Copula</a:t>
+            </a:r>
+            <a:endParaRPr lang="de-DE" sz="5400" dirty="0"/>
+          </a:p>
+        </p:txBody>
+      </p:sp>
+      <mc:AlternateContent xmlns:mc="http://schemas.openxmlformats.org/markup-compatibility/2006">
+        <mc:Choice xmlns:a14="http://schemas.microsoft.com/office/drawing/2010/main" Requires="a14">
+          <p:sp>
+            <p:nvSpPr>
+              <p:cNvPr id="4" name="Inhaltsplatzhalter 2">
+                <a:extLst>
+                  <a:ext uri="{FF2B5EF4-FFF2-40B4-BE49-F238E27FC236}">
+                    <a16:creationId xmlns:a16="http://schemas.microsoft.com/office/drawing/2014/main" id="{2147BD89-FDF6-0008-191F-7987E7EB2F72}"/>
+                  </a:ext>
+                </a:extLst>
+              </p:cNvPr>
+              <p:cNvSpPr txBox="1">
+                <a:spLocks/>
+              </p:cNvSpPr>
+              <p:nvPr/>
+            </p:nvSpPr>
+            <p:spPr>
+              <a:xfrm>
+                <a:off x="838200" y="1825625"/>
+                <a:ext cx="10515600" cy="4351338"/>
+              </a:xfrm>
+              <a:prstGeom prst="rect">
+                <a:avLst/>
+              </a:prstGeom>
+            </p:spPr>
+            <p:txBody>
+              <a:bodyPr vert="horz" lIns="91440" tIns="45720" rIns="91440" bIns="45720" rtlCol="0">
+                <a:normAutofit/>
+              </a:bodyPr>
+              <a:lstStyle>
+                <a:lvl1pPr marL="0" indent="0" algn="ctr" defTabSz="914400" rtl="0" eaLnBrk="1" latinLnBrk="0" hangingPunct="1">
+                  <a:lnSpc>
+                    <a:spcPct val="90000"/>
+                  </a:lnSpc>
+                  <a:spcBef>
+                    <a:spcPts val="1000"/>
+                  </a:spcBef>
+                  <a:buFont typeface="Arial" panose="020B0604020202020204" pitchFamily="34" charset="0"/>
+                  <a:buNone/>
+                  <a:defRPr sz="2400" kern="1200">
+                    <a:solidFill>
+                      <a:schemeClr val="tx1"/>
+                    </a:solidFill>
+                    <a:latin typeface="+mn-lt"/>
+                    <a:ea typeface="+mn-ea"/>
+                    <a:cs typeface="+mn-cs"/>
+                  </a:defRPr>
+                </a:lvl1pPr>
+                <a:lvl2pPr marL="457200" indent="0" algn="ctr" defTabSz="914400" rtl="0" eaLnBrk="1" latinLnBrk="0" hangingPunct="1">
+                  <a:lnSpc>
+                    <a:spcPct val="90000"/>
+                  </a:lnSpc>
+                  <a:spcBef>
+                    <a:spcPts val="500"/>
+                  </a:spcBef>
+                  <a:buFont typeface="Arial" panose="020B0604020202020204" pitchFamily="34" charset="0"/>
+                  <a:buNone/>
+                  <a:defRPr sz="2000" kern="1200">
+                    <a:solidFill>
+                      <a:schemeClr val="tx1"/>
+                    </a:solidFill>
+                    <a:latin typeface="+mn-lt"/>
+                    <a:ea typeface="+mn-ea"/>
+                    <a:cs typeface="+mn-cs"/>
+                  </a:defRPr>
+                </a:lvl2pPr>
+                <a:lvl3pPr marL="914400" indent="0" algn="ctr" defTabSz="914400" rtl="0" eaLnBrk="1" latinLnBrk="0" hangingPunct="1">
+                  <a:lnSpc>
+                    <a:spcPct val="90000"/>
+                  </a:lnSpc>
+                  <a:spcBef>
+                    <a:spcPts val="500"/>
+                  </a:spcBef>
+                  <a:buFont typeface="Arial" panose="020B0604020202020204" pitchFamily="34" charset="0"/>
+                  <a:buNone/>
+                  <a:defRPr sz="1800" kern="1200">
+                    <a:solidFill>
+                      <a:schemeClr val="tx1"/>
+                    </a:solidFill>
+                    <a:latin typeface="+mn-lt"/>
+                    <a:ea typeface="+mn-ea"/>
+                    <a:cs typeface="+mn-cs"/>
+                  </a:defRPr>
+                </a:lvl3pPr>
+                <a:lvl4pPr marL="1371600" indent="0" algn="ctr" defTabSz="914400" rtl="0" eaLnBrk="1" latinLnBrk="0" hangingPunct="1">
+                  <a:lnSpc>
+                    <a:spcPct val="90000"/>
+                  </a:lnSpc>
+                  <a:spcBef>
+                    <a:spcPts val="500"/>
+                  </a:spcBef>
+                  <a:buFont typeface="Arial" panose="020B0604020202020204" pitchFamily="34" charset="0"/>
+                  <a:buNone/>
+                  <a:defRPr sz="1600" kern="1200">
+                    <a:solidFill>
+                      <a:schemeClr val="tx1"/>
+                    </a:solidFill>
+                    <a:latin typeface="+mn-lt"/>
+                    <a:ea typeface="+mn-ea"/>
+                    <a:cs typeface="+mn-cs"/>
+                  </a:defRPr>
+                </a:lvl4pPr>
+                <a:lvl5pPr marL="1828800" indent="0" algn="ctr" defTabSz="914400" rtl="0" eaLnBrk="1" latinLnBrk="0" hangingPunct="1">
+                  <a:lnSpc>
+                    <a:spcPct val="90000"/>
+                  </a:lnSpc>
+                  <a:spcBef>
+                    <a:spcPts val="500"/>
+                  </a:spcBef>
+                  <a:buFont typeface="Arial" panose="020B0604020202020204" pitchFamily="34" charset="0"/>
+                  <a:buNone/>
+                  <a:defRPr sz="1600" kern="1200">
+                    <a:solidFill>
+                      <a:schemeClr val="tx1"/>
+                    </a:solidFill>
+                    <a:latin typeface="+mn-lt"/>
+                    <a:ea typeface="+mn-ea"/>
+                    <a:cs typeface="+mn-cs"/>
+                  </a:defRPr>
+                </a:lvl5pPr>
+                <a:lvl6pPr marL="2286000" indent="0" algn="ctr" defTabSz="914400" rtl="0" eaLnBrk="1" latinLnBrk="0" hangingPunct="1">
+                  <a:lnSpc>
+                    <a:spcPct val="90000"/>
+                  </a:lnSpc>
+                  <a:spcBef>
+                    <a:spcPts val="500"/>
+                  </a:spcBef>
+                  <a:buFont typeface="Arial" panose="020B0604020202020204" pitchFamily="34" charset="0"/>
+                  <a:buNone/>
+                  <a:defRPr sz="1600" kern="1200">
+                    <a:solidFill>
+                      <a:schemeClr val="tx1"/>
+                    </a:solidFill>
+                    <a:latin typeface="+mn-lt"/>
+                    <a:ea typeface="+mn-ea"/>
+                    <a:cs typeface="+mn-cs"/>
+                  </a:defRPr>
+                </a:lvl6pPr>
+                <a:lvl7pPr marL="2743200" indent="0" algn="ctr" defTabSz="914400" rtl="0" eaLnBrk="1" latinLnBrk="0" hangingPunct="1">
+                  <a:lnSpc>
+                    <a:spcPct val="90000"/>
+                  </a:lnSpc>
+                  <a:spcBef>
+                    <a:spcPts val="500"/>
+                  </a:spcBef>
+                  <a:buFont typeface="Arial" panose="020B0604020202020204" pitchFamily="34" charset="0"/>
+                  <a:buNone/>
+                  <a:defRPr sz="1600" kern="1200">
+                    <a:solidFill>
+                      <a:schemeClr val="tx1"/>
+                    </a:solidFill>
+                    <a:latin typeface="+mn-lt"/>
+                    <a:ea typeface="+mn-ea"/>
+                    <a:cs typeface="+mn-cs"/>
+                  </a:defRPr>
+                </a:lvl7pPr>
+                <a:lvl8pPr marL="3200400" indent="0" algn="ctr" defTabSz="914400" rtl="0" eaLnBrk="1" latinLnBrk="0" hangingPunct="1">
+                  <a:lnSpc>
+                    <a:spcPct val="90000"/>
+                  </a:lnSpc>
+                  <a:spcBef>
+                    <a:spcPts val="500"/>
+                  </a:spcBef>
+                  <a:buFont typeface="Arial" panose="020B0604020202020204" pitchFamily="34" charset="0"/>
+                  <a:buNone/>
+                  <a:defRPr sz="1600" kern="1200">
+                    <a:solidFill>
+                      <a:schemeClr val="tx1"/>
+                    </a:solidFill>
+                    <a:latin typeface="+mn-lt"/>
+                    <a:ea typeface="+mn-ea"/>
+                    <a:cs typeface="+mn-cs"/>
+                  </a:defRPr>
+                </a:lvl8pPr>
+                <a:lvl9pPr marL="3657600" indent="0" algn="ctr" defTabSz="914400" rtl="0" eaLnBrk="1" latinLnBrk="0" hangingPunct="1">
+                  <a:lnSpc>
+                    <a:spcPct val="90000"/>
+                  </a:lnSpc>
+                  <a:spcBef>
+                    <a:spcPts val="500"/>
+                  </a:spcBef>
+                  <a:buFont typeface="Arial" panose="020B0604020202020204" pitchFamily="34" charset="0"/>
+                  <a:buNone/>
+                  <a:defRPr sz="1600" kern="1200">
+                    <a:solidFill>
+                      <a:schemeClr val="tx1"/>
+                    </a:solidFill>
+                    <a:latin typeface="+mn-lt"/>
+                    <a:ea typeface="+mn-ea"/>
+                    <a:cs typeface="+mn-cs"/>
+                  </a:defRPr>
+                </a:lvl9pPr>
+              </a:lstStyle>
+              <a:p>
+                <a:pPr marL="342900" indent="-342900">
+                  <a:buFontTx/>
+                  <a:buChar char="-"/>
+                </a:pPr>
+                <a:r>
+                  <a:rPr lang="de-DE" dirty="0"/>
+                  <a:t>Joint CDF </a:t>
+                </a:r>
+                <a:r>
+                  <a:rPr lang="de-DE" dirty="0" err="1"/>
+                  <a:t>with</a:t>
+                </a:r>
+                <a:r>
+                  <a:rPr lang="de-DE" dirty="0"/>
+                  <a:t> uniform </a:t>
+                </a:r>
+                <a:r>
+                  <a:rPr lang="de-DE" dirty="0" err="1"/>
+                  <a:t>margins</a:t>
+                </a:r>
+                <a:endParaRPr lang="de-DE" dirty="0"/>
+              </a:p>
+              <a:p>
+                <a:pPr marL="342900" indent="-342900">
+                  <a:buFontTx/>
+                  <a:buChar char="-"/>
+                </a:pPr>
+                <a:r>
+                  <a:rPr lang="de-DE" dirty="0" err="1"/>
+                  <a:t>Decouples</a:t>
+                </a:r>
+                <a:r>
+                  <a:rPr lang="de-DE" dirty="0"/>
+                  <a:t> </a:t>
+                </a:r>
+                <a:r>
+                  <a:rPr lang="de-DE" dirty="0" err="1"/>
+                  <a:t>margins</a:t>
+                </a:r>
+                <a:r>
+                  <a:rPr lang="de-DE" dirty="0"/>
+                  <a:t> and </a:t>
+                </a:r>
+                <a:r>
+                  <a:rPr lang="de-DE" dirty="0" err="1"/>
+                  <a:t>dependence</a:t>
+                </a:r>
+                <a:endParaRPr lang="de-DE" dirty="0"/>
+              </a:p>
+              <a:p>
+                <a:pPr marL="342900" indent="-342900">
+                  <a:buFontTx/>
+                  <a:buChar char="-"/>
+                </a:pPr>
+                <a:r>
+                  <a:rPr lang="de-DE" dirty="0"/>
+                  <a:t>NAC </a:t>
+                </a:r>
+                <a:r>
+                  <a:rPr lang="de-DE" dirty="0" err="1"/>
+                  <a:t>allow</a:t>
+                </a:r>
+                <a:r>
+                  <a:rPr lang="de-DE" dirty="0"/>
+                  <a:t> (partial) </a:t>
+                </a:r>
+                <a:r>
+                  <a:rPr lang="de-DE" dirty="0" err="1"/>
+                  <a:t>asymmetry</a:t>
+                </a:r>
+                <a:endParaRPr lang="de-DE" i="1" dirty="0">
+                  <a:latin typeface="Cambria Math" panose="02040503050406030204" pitchFamily="18" charset="0"/>
+                </a:endParaRPr>
+              </a:p>
+              <a:p>
+                <a14:m>
+                  <m:oMathPara xmlns:m="http://schemas.openxmlformats.org/officeDocument/2006/math">
+                    <m:oMathParaPr>
+                      <m:jc m:val="centerGroup"/>
+                    </m:oMathParaPr>
+                    <m:oMath xmlns:m="http://schemas.openxmlformats.org/officeDocument/2006/math">
+                      <m:r>
+                        <a:rPr lang="de-DE" i="1">
+                          <a:latin typeface="Cambria Math" panose="02040503050406030204" pitchFamily="18" charset="0"/>
+                        </a:rPr>
+                        <m:t>𝐶</m:t>
+                      </m:r>
+                      <m:d>
+                        <m:dPr>
+                          <m:ctrlPr>
+                            <a:rPr lang="de-DE" i="1">
+                              <a:latin typeface="Cambria Math" panose="02040503050406030204" pitchFamily="18" charset="0"/>
+                            </a:rPr>
+                          </m:ctrlPr>
+                        </m:dPr>
+                        <m:e>
+                          <m:sSub>
+                            <m:sSubPr>
+                              <m:ctrlPr>
+                                <a:rPr lang="de-DE" i="1">
+                                  <a:latin typeface="Cambria Math" panose="02040503050406030204" pitchFamily="18" charset="0"/>
+                                </a:rPr>
+                              </m:ctrlPr>
+                            </m:sSubPr>
+                            <m:e>
+                              <m:r>
+                                <a:rPr lang="de-DE" i="1">
+                                  <a:latin typeface="Cambria Math" panose="02040503050406030204" pitchFamily="18" charset="0"/>
+                                </a:rPr>
+                                <m:t>𝑢</m:t>
+                              </m:r>
+                            </m:e>
+                            <m:sub>
+                              <m:r>
+                                <a:rPr lang="de-DE" i="1">
+                                  <a:latin typeface="Cambria Math" panose="02040503050406030204" pitchFamily="18" charset="0"/>
+                                </a:rPr>
+                                <m:t>1</m:t>
+                              </m:r>
+                            </m:sub>
+                          </m:sSub>
+                          <m:r>
+                            <a:rPr lang="de-DE" i="1">
+                              <a:latin typeface="Cambria Math" panose="02040503050406030204" pitchFamily="18" charset="0"/>
+                            </a:rPr>
+                            <m:t>,</m:t>
+                          </m:r>
+                          <m:sSub>
+                            <m:sSubPr>
+                              <m:ctrlPr>
+                                <a:rPr lang="de-DE" b="0" i="1" smtClean="0">
+                                  <a:latin typeface="Cambria Math" panose="02040503050406030204" pitchFamily="18" charset="0"/>
+                                </a:rPr>
+                              </m:ctrlPr>
+                            </m:sSubPr>
+                            <m:e>
+                              <m:r>
+                                <a:rPr lang="de-DE" b="0" i="1" smtClean="0">
+                                  <a:latin typeface="Cambria Math" panose="02040503050406030204" pitchFamily="18" charset="0"/>
+                                </a:rPr>
+                                <m:t>𝑢</m:t>
+                              </m:r>
+                            </m:e>
+                            <m:sub>
+                              <m:r>
+                                <a:rPr lang="de-DE" b="0" i="1" smtClean="0">
+                                  <a:latin typeface="Cambria Math" panose="02040503050406030204" pitchFamily="18" charset="0"/>
+                                </a:rPr>
+                                <m:t>2</m:t>
+                              </m:r>
+                            </m:sub>
+                          </m:sSub>
+                          <m:r>
+                            <a:rPr lang="de-DE" b="0" i="1" smtClean="0">
+                              <a:latin typeface="Cambria Math" panose="02040503050406030204" pitchFamily="18" charset="0"/>
+                            </a:rPr>
+                            <m:t>,</m:t>
+                          </m:r>
+                          <m:sSub>
+                            <m:sSubPr>
+                              <m:ctrlPr>
+                                <a:rPr lang="de-DE" b="0" i="1" smtClean="0">
+                                  <a:latin typeface="Cambria Math" panose="02040503050406030204" pitchFamily="18" charset="0"/>
+                                </a:rPr>
+                              </m:ctrlPr>
+                            </m:sSubPr>
+                            <m:e>
+                              <m:r>
+                                <a:rPr lang="de-DE" b="0" i="1" smtClean="0">
+                                  <a:latin typeface="Cambria Math" panose="02040503050406030204" pitchFamily="18" charset="0"/>
+                                </a:rPr>
+                                <m:t>𝑢</m:t>
+                              </m:r>
+                            </m:e>
+                            <m:sub>
+                              <m:r>
+                                <a:rPr lang="de-DE" b="0" i="1" smtClean="0">
+                                  <a:latin typeface="Cambria Math" panose="02040503050406030204" pitchFamily="18" charset="0"/>
+                                </a:rPr>
+                                <m:t>3</m:t>
+                              </m:r>
+                            </m:sub>
+                          </m:sSub>
+                        </m:e>
+                      </m:d>
+                      <m:r>
+                        <a:rPr lang="de-DE" i="1">
+                          <a:latin typeface="Cambria Math" panose="02040503050406030204" pitchFamily="18" charset="0"/>
+                        </a:rPr>
+                        <m:t>=</m:t>
+                      </m:r>
+                      <m:sSub>
+                        <m:sSubPr>
+                          <m:ctrlPr>
+                            <a:rPr lang="de-DE" i="1">
+                              <a:latin typeface="Cambria Math" panose="02040503050406030204" pitchFamily="18" charset="0"/>
+                            </a:rPr>
+                          </m:ctrlPr>
+                        </m:sSubPr>
+                        <m:e>
+                          <m:r>
+                            <a:rPr lang="de-DE" i="1">
+                              <a:latin typeface="Cambria Math" panose="02040503050406030204" pitchFamily="18" charset="0"/>
+                            </a:rPr>
+                            <m:t>𝐶</m:t>
+                          </m:r>
+                        </m:e>
+                        <m:sub>
+                          <m:r>
+                            <a:rPr lang="de-DE" i="1">
+                              <a:latin typeface="Cambria Math" panose="02040503050406030204" pitchFamily="18" charset="0"/>
+                            </a:rPr>
+                            <m:t>1</m:t>
+                          </m:r>
+                        </m:sub>
+                      </m:sSub>
+                      <m:d>
+                        <m:dPr>
+                          <m:ctrlPr>
+                            <a:rPr lang="de-DE" i="1" smtClean="0">
+                              <a:latin typeface="Cambria Math" panose="02040503050406030204" pitchFamily="18" charset="0"/>
+                            </a:rPr>
+                          </m:ctrlPr>
+                        </m:dPr>
+                        <m:e>
+                          <m:sSub>
+                            <m:sSubPr>
+                              <m:ctrlPr>
+                                <a:rPr lang="de-DE" i="1">
+                                  <a:latin typeface="Cambria Math" panose="02040503050406030204" pitchFamily="18" charset="0"/>
+                                </a:rPr>
+                              </m:ctrlPr>
+                            </m:sSubPr>
+                            <m:e>
+                              <m:sSub>
+                                <m:sSubPr>
+                                  <m:ctrlPr>
+                                    <a:rPr lang="de-DE" b="0" i="1" smtClean="0">
+                                      <a:latin typeface="Cambria Math" panose="02040503050406030204" pitchFamily="18" charset="0"/>
+                                    </a:rPr>
+                                  </m:ctrlPr>
+                                </m:sSubPr>
+                                <m:e>
+                                  <m:r>
+                                    <a:rPr lang="de-DE" b="0" i="1" smtClean="0">
+                                      <a:latin typeface="Cambria Math" panose="02040503050406030204" pitchFamily="18" charset="0"/>
+                                    </a:rPr>
+                                    <m:t>𝑢</m:t>
+                                  </m:r>
+                                </m:e>
+                                <m:sub>
+                                  <m:r>
+                                    <a:rPr lang="de-DE" b="0" i="1" smtClean="0">
+                                      <a:latin typeface="Cambria Math" panose="02040503050406030204" pitchFamily="18" charset="0"/>
+                                    </a:rPr>
+                                    <m:t>3</m:t>
+                                  </m:r>
+                                </m:sub>
+                              </m:sSub>
+                              <m:r>
+                                <a:rPr lang="de-DE" b="0" i="1" smtClean="0">
+                                  <a:latin typeface="Cambria Math" panose="02040503050406030204" pitchFamily="18" charset="0"/>
+                                </a:rPr>
+                                <m:t>,</m:t>
+                              </m:r>
+                              <m:r>
+                                <a:rPr lang="de-DE" i="1" smtClean="0">
+                                  <a:solidFill>
+                                    <a:srgbClr val="FF0000"/>
+                                  </a:solidFill>
+                                  <a:latin typeface="Cambria Math" panose="02040503050406030204" pitchFamily="18" charset="0"/>
+                                </a:rPr>
+                                <m:t>𝐶</m:t>
+                              </m:r>
+                            </m:e>
+                            <m:sub>
+                              <m:r>
+                                <a:rPr lang="de-DE" i="1" smtClean="0">
+                                  <a:solidFill>
+                                    <a:srgbClr val="FF0000"/>
+                                  </a:solidFill>
+                                  <a:latin typeface="Cambria Math" panose="02040503050406030204" pitchFamily="18" charset="0"/>
+                                </a:rPr>
+                                <m:t>2</m:t>
+                              </m:r>
+                            </m:sub>
+                          </m:sSub>
+                          <m:d>
+                            <m:dPr>
+                              <m:ctrlPr>
+                                <a:rPr lang="de-DE" i="1" smtClean="0">
+                                  <a:solidFill>
+                                    <a:srgbClr val="FF0000"/>
+                                  </a:solidFill>
+                                  <a:latin typeface="Cambria Math" panose="02040503050406030204" pitchFamily="18" charset="0"/>
+                                </a:rPr>
+                              </m:ctrlPr>
+                            </m:dPr>
+                            <m:e>
+                              <m:sSub>
+                                <m:sSubPr>
+                                  <m:ctrlPr>
+                                    <a:rPr lang="de-DE" b="0" i="1" smtClean="0">
+                                      <a:solidFill>
+                                        <a:srgbClr val="FF0000"/>
+                                      </a:solidFill>
+                                      <a:latin typeface="Cambria Math" panose="02040503050406030204" pitchFamily="18" charset="0"/>
+                                    </a:rPr>
+                                  </m:ctrlPr>
+                                </m:sSubPr>
+                                <m:e>
+                                  <m:r>
+                                    <a:rPr lang="de-DE" b="0" i="1" smtClean="0">
+                                      <a:solidFill>
+                                        <a:srgbClr val="FF0000"/>
+                                      </a:solidFill>
+                                      <a:latin typeface="Cambria Math" panose="02040503050406030204" pitchFamily="18" charset="0"/>
+                                    </a:rPr>
+                                    <m:t>𝑢</m:t>
+                                  </m:r>
+                                </m:e>
+                                <m:sub>
+                                  <m:r>
+                                    <a:rPr lang="de-DE" b="0" i="1" smtClean="0">
+                                      <a:solidFill>
+                                        <a:srgbClr val="FF0000"/>
+                                      </a:solidFill>
+                                      <a:latin typeface="Cambria Math" panose="02040503050406030204" pitchFamily="18" charset="0"/>
+                                    </a:rPr>
+                                    <m:t>1</m:t>
+                                  </m:r>
+                                </m:sub>
+                              </m:sSub>
+                              <m:r>
+                                <a:rPr lang="de-DE" b="0" i="1" smtClean="0">
+                                  <a:solidFill>
+                                    <a:srgbClr val="FF0000"/>
+                                  </a:solidFill>
+                                  <a:latin typeface="Cambria Math" panose="02040503050406030204" pitchFamily="18" charset="0"/>
+                                </a:rPr>
+                                <m:t>,</m:t>
+                              </m:r>
+                              <m:sSub>
+                                <m:sSubPr>
+                                  <m:ctrlPr>
+                                    <a:rPr lang="de-DE" b="0" i="1" smtClean="0">
+                                      <a:solidFill>
+                                        <a:srgbClr val="FF0000"/>
+                                      </a:solidFill>
+                                      <a:latin typeface="Cambria Math" panose="02040503050406030204" pitchFamily="18" charset="0"/>
+                                    </a:rPr>
+                                  </m:ctrlPr>
+                                </m:sSubPr>
+                                <m:e>
+                                  <m:r>
+                                    <a:rPr lang="de-DE" b="0" i="1" smtClean="0">
+                                      <a:solidFill>
+                                        <a:srgbClr val="FF0000"/>
+                                      </a:solidFill>
+                                      <a:latin typeface="Cambria Math" panose="02040503050406030204" pitchFamily="18" charset="0"/>
+                                    </a:rPr>
+                                    <m:t>𝑢</m:t>
+                                  </m:r>
+                                </m:e>
+                                <m:sub>
+                                  <m:r>
+                                    <a:rPr lang="de-DE" b="0" i="1" smtClean="0">
+                                      <a:solidFill>
+                                        <a:srgbClr val="FF0000"/>
+                                      </a:solidFill>
+                                      <a:latin typeface="Cambria Math" panose="02040503050406030204" pitchFamily="18" charset="0"/>
+                                    </a:rPr>
+                                    <m:t>2</m:t>
+                                  </m:r>
+                                </m:sub>
+                              </m:sSub>
+                            </m:e>
+                          </m:d>
+                        </m:e>
+                      </m:d>
+                    </m:oMath>
+                  </m:oMathPara>
+                </a14:m>
+                <a:endParaRPr lang="de-DE" dirty="0"/>
+              </a:p>
+              <a:p>
+                <a:pPr/>
+                <a:endParaRPr lang="de-DE" dirty="0"/>
+              </a:p>
+            </p:txBody>
+          </p:sp>
+        </mc:Choice>
+        <mc:Fallback>
+          <p:sp>
+            <p:nvSpPr>
+              <p:cNvPr id="4" name="Inhaltsplatzhalter 2">
+                <a:extLst>
+                  <a:ext uri="{FF2B5EF4-FFF2-40B4-BE49-F238E27FC236}">
+                    <a16:creationId xmlns:a16="http://schemas.microsoft.com/office/drawing/2014/main" id="{2147BD89-FDF6-0008-191F-7987E7EB2F72}"/>
+                  </a:ext>
+                </a:extLst>
+              </p:cNvPr>
+              <p:cNvSpPr txBox="1">
+                <a:spLocks noRot="1" noChangeAspect="1" noMove="1" noResize="1" noEditPoints="1" noAdjustHandles="1" noChangeArrowheads="1" noChangeShapeType="1" noTextEdit="1"/>
+              </p:cNvSpPr>
+              <p:nvPr/>
+            </p:nvSpPr>
+            <p:spPr>
+              <a:xfrm>
+                <a:off x="838200" y="1825625"/>
+                <a:ext cx="10515600" cy="4351338"/>
+              </a:xfrm>
+              <a:prstGeom prst="rect">
+                <a:avLst/>
+              </a:prstGeom>
+              <a:blipFill>
+                <a:blip r:embed="rId3"/>
+                <a:stretch>
+                  <a:fillRect t="-1961"/>
+                </a:stretch>
+              </a:blipFill>
+            </p:spPr>
+            <p:txBody>
+              <a:bodyPr/>
+              <a:lstStyle/>
+              <a:p>
+                <a:r>
+                  <a:rPr lang="de-DE">
+                    <a:noFill/>
+                  </a:rPr>
+                  <a:t> </a:t>
+                </a:r>
+              </a:p>
+            </p:txBody>
+          </p:sp>
+        </mc:Fallback>
+      </mc:AlternateContent>
+    </p:spTree>
+    <p:extLst>
+      <p:ext uri="{BB962C8B-B14F-4D97-AF65-F5344CB8AC3E}">
+        <p14:creationId xmlns:p14="http://schemas.microsoft.com/office/powerpoint/2010/main" val="1357975992"/>
+      </p:ext>
+    </p:extLst>
+  </p:cSld>
+  <p:clrMapOvr>
+    <a:masterClrMapping/>
+  </p:clrMapOvr>
+</p:sld>
+</file>
+
+<file path=ppt/slides/slide6.xml><?xml version="1.0" encoding="utf-8"?>
+<p:sld xmlns:a="http://schemas.openxmlformats.org/drawingml/2006/main" xmlns:r="http://schemas.openxmlformats.org/officeDocument/2006/relationships" xmlns:p="http://schemas.openxmlformats.org/presentationml/2006/main">
+  <p:cSld>
+    <p:spTree>
+      <p:nvGrpSpPr>
+        <p:cNvPr id="1" name="">
+          <a:extLst>
+            <a:ext uri="{FF2B5EF4-FFF2-40B4-BE49-F238E27FC236}">
+              <a16:creationId xmlns:a16="http://schemas.microsoft.com/office/drawing/2014/main" id="{6A07328D-A00E-5B59-5626-95B61310237E}"/>
+            </a:ext>
+          </a:extLst>
+        </p:cNvPr>
+        <p:cNvGrpSpPr/>
+        <p:nvPr/>
+      </p:nvGrpSpPr>
+      <p:grpSpPr>
+        <a:xfrm>
+          <a:off x="0" y="0"/>
+          <a:ext cx="0" cy="0"/>
+          <a:chOff x="0" y="0"/>
+          <a:chExt cx="0" cy="0"/>
+        </a:xfrm>
+      </p:grpSpPr>
+      <p:sp>
+        <p:nvSpPr>
+          <p:cNvPr id="2" name="Rechteck 1">
+            <a:extLst>
+              <a:ext uri="{FF2B5EF4-FFF2-40B4-BE49-F238E27FC236}">
+                <a16:creationId xmlns:a16="http://schemas.microsoft.com/office/drawing/2014/main" id="{B01C57C7-3E5A-8BC5-E91F-BE9B2E1F3D5D}"/>
+              </a:ext>
+            </a:extLst>
+          </p:cNvPr>
+          <p:cNvSpPr/>
+          <p:nvPr/>
+        </p:nvSpPr>
+        <p:spPr>
+          <a:xfrm>
+            <a:off x="1" y="373487"/>
+            <a:ext cx="12192000" cy="850006"/>
+          </a:xfrm>
+          <a:prstGeom prst="rect">
+            <a:avLst/>
+          </a:prstGeom>
+          <a:solidFill>
+            <a:schemeClr val="bg2">
+              <a:lumMod val="10000"/>
+            </a:schemeClr>
+          </a:solidFill>
+        </p:spPr>
+        <p:style>
+          <a:lnRef idx="2">
+            <a:schemeClr val="accent1">
+              <a:shade val="15000"/>
+            </a:schemeClr>
+          </a:lnRef>
+          <a:fillRef idx="1">
+            <a:schemeClr val="accent1"/>
+          </a:fillRef>
+          <a:effectRef idx="0">
+            <a:schemeClr val="accent1"/>
+          </a:effectRef>
+          <a:fontRef idx="minor">
+            <a:schemeClr val="lt1"/>
+          </a:fontRef>
+        </p:style>
+        <p:txBody>
+          <a:bodyPr rtlCol="0" anchor="ctr"/>
+          <a:lstStyle/>
+          <a:p>
+            <a:pPr algn="ctr"/>
+            <a:r>
+              <a:rPr lang="de-DE" sz="5400" dirty="0" err="1"/>
+              <a:t>Example</a:t>
+            </a:r>
+            <a:endParaRPr lang="de-DE" sz="5400" dirty="0"/>
+          </a:p>
+        </p:txBody>
+      </p:sp>
+      <p:pic>
+        <p:nvPicPr>
+          <p:cNvPr id="3" name="Grafik 2" descr="Ein Bild, das Text, Diagramm, Screenshot, Reihe enthält.&#10;&#10;Automatisch generierte Beschreibung">
+            <a:extLst>
+              <a:ext uri="{FF2B5EF4-FFF2-40B4-BE49-F238E27FC236}">
+                <a16:creationId xmlns:a16="http://schemas.microsoft.com/office/drawing/2014/main" id="{771D8D42-EAE9-7AD4-204A-F95F13061818}"/>
+              </a:ext>
+            </a:extLst>
+          </p:cNvPr>
+          <p:cNvPicPr>
+            <a:picLocks noChangeAspect="1"/>
+          </p:cNvPicPr>
+          <p:nvPr/>
+        </p:nvPicPr>
+        <p:blipFill>
+          <a:blip r:embed="rId3">
+            <a:extLst>
+              <a:ext uri="{28A0092B-C50C-407E-A947-70E740481C1C}">
+                <a14:useLocalDpi xmlns:a14="http://schemas.microsoft.com/office/drawing/2010/main" val="0"/>
+              </a:ext>
+            </a:extLst>
+          </a:blip>
+          <a:stretch>
+            <a:fillRect/>
+          </a:stretch>
+        </p:blipFill>
+        <p:spPr>
+          <a:xfrm>
+            <a:off x="1707121" y="1675227"/>
+            <a:ext cx="8777757" cy="4394199"/>
+          </a:xfrm>
+          <a:prstGeom prst="rect">
+            <a:avLst/>
+          </a:prstGeom>
+        </p:spPr>
+      </p:pic>
+    </p:spTree>
+    <p:extLst>
+      <p:ext uri="{BB962C8B-B14F-4D97-AF65-F5344CB8AC3E}">
+        <p14:creationId xmlns:p14="http://schemas.microsoft.com/office/powerpoint/2010/main" val="4206534091"/>
+      </p:ext>
+    </p:extLst>
+  </p:cSld>
+  <p:clrMapOvr>
+    <a:masterClrMapping/>
+  </p:clrMapOvr>
+</p:sld>
+</file>
+
+<file path=ppt/slides/slide7.xml><?xml version="1.0" encoding="utf-8"?>
+<p:sld xmlns:a="http://schemas.openxmlformats.org/drawingml/2006/main" xmlns:r="http://schemas.openxmlformats.org/officeDocument/2006/relationships" xmlns:p="http://schemas.openxmlformats.org/presentationml/2006/main">
+  <p:cSld>
+    <p:spTree>
+      <p:nvGrpSpPr>
+        <p:cNvPr id="1" name="">
+          <a:extLst>
+            <a:ext uri="{FF2B5EF4-FFF2-40B4-BE49-F238E27FC236}">
+              <a16:creationId xmlns:a16="http://schemas.microsoft.com/office/drawing/2014/main" id="{FF2105FE-9503-9A25-D27E-7CBFEC16DCFD}"/>
+            </a:ext>
+          </a:extLst>
+        </p:cNvPr>
+        <p:cNvGrpSpPr/>
+        <p:nvPr/>
+      </p:nvGrpSpPr>
+      <p:grpSpPr>
+        <a:xfrm>
+          <a:off x="0" y="0"/>
+          <a:ext cx="0" cy="0"/>
+          <a:chOff x="0" y="0"/>
+          <a:chExt cx="0" cy="0"/>
+        </a:xfrm>
+      </p:grpSpPr>
+      <p:pic>
+        <p:nvPicPr>
+          <p:cNvPr id="6" name="Grafik 5" descr="Ein Bild, das Text, Diagramm, Screenshot, Reihe enthält.&#10;&#10;Automatisch generierte Beschreibung">
+            <a:extLst>
+              <a:ext uri="{FF2B5EF4-FFF2-40B4-BE49-F238E27FC236}">
+                <a16:creationId xmlns:a16="http://schemas.microsoft.com/office/drawing/2014/main" id="{55582679-F2EE-3AAF-510F-1025525664D6}"/>
+              </a:ext>
+            </a:extLst>
+          </p:cNvPr>
+          <p:cNvPicPr>
+            <a:picLocks noChangeAspect="1"/>
+          </p:cNvPicPr>
+          <p:nvPr/>
+        </p:nvPicPr>
+        <p:blipFill>
+          <a:blip r:embed="rId3">
+            <a:extLst>
+              <a:ext uri="{28A0092B-C50C-407E-A947-70E740481C1C}">
+                <a14:useLocalDpi xmlns:a14="http://schemas.microsoft.com/office/drawing/2010/main" val="0"/>
+              </a:ext>
+            </a:extLst>
+          </a:blip>
+          <a:stretch>
+            <a:fillRect/>
+          </a:stretch>
+        </p:blipFill>
+        <p:spPr>
+          <a:xfrm>
+            <a:off x="1707121" y="1675227"/>
+            <a:ext cx="8777757" cy="4394199"/>
+          </a:xfrm>
+          <a:prstGeom prst="rect">
+            <a:avLst/>
+          </a:prstGeom>
+        </p:spPr>
+      </p:pic>
+      <p:sp>
+        <p:nvSpPr>
+          <p:cNvPr id="2" name="Rechteck 1">
+            <a:extLst>
+              <a:ext uri="{FF2B5EF4-FFF2-40B4-BE49-F238E27FC236}">
+                <a16:creationId xmlns:a16="http://schemas.microsoft.com/office/drawing/2014/main" id="{67713E0F-159F-2B51-613F-72383DCB23C9}"/>
+              </a:ext>
+            </a:extLst>
+          </p:cNvPr>
+          <p:cNvSpPr/>
+          <p:nvPr/>
+        </p:nvSpPr>
+        <p:spPr>
+          <a:xfrm>
+            <a:off x="1" y="373487"/>
+            <a:ext cx="12192000" cy="850006"/>
+          </a:xfrm>
+          <a:prstGeom prst="rect">
+            <a:avLst/>
+          </a:prstGeom>
+          <a:solidFill>
+            <a:schemeClr val="bg2">
+              <a:lumMod val="10000"/>
+            </a:schemeClr>
+          </a:solidFill>
+        </p:spPr>
+        <p:style>
+          <a:lnRef idx="2">
+            <a:schemeClr val="accent1">
+              <a:shade val="15000"/>
+            </a:schemeClr>
+          </a:lnRef>
+          <a:fillRef idx="1">
+            <a:schemeClr val="accent1"/>
+          </a:fillRef>
+          <a:effectRef idx="0">
+            <a:schemeClr val="accent1"/>
+          </a:effectRef>
+          <a:fontRef idx="minor">
+            <a:schemeClr val="lt1"/>
+          </a:fontRef>
+        </p:style>
+        <p:txBody>
+          <a:bodyPr rtlCol="0" anchor="ctr"/>
+          <a:lstStyle/>
+          <a:p>
+            <a:pPr algn="ctr"/>
+            <a:r>
+              <a:rPr lang="de-DE" sz="5400" dirty="0"/>
+              <a:t>Probability Integral Transform</a:t>
+            </a:r>
+          </a:p>
+        </p:txBody>
+      </p:sp>
+      <p:pic>
+        <p:nvPicPr>
+          <p:cNvPr id="5" name="Grafik 4" descr="Ein Bild, das Text, Diagramm, Screenshot, Reihe enthält.">
+            <a:extLst>
+              <a:ext uri="{FF2B5EF4-FFF2-40B4-BE49-F238E27FC236}">
+                <a16:creationId xmlns:a16="http://schemas.microsoft.com/office/drawing/2014/main" id="{303BE262-1AAE-0B87-17FC-3E9151B8B9D0}"/>
+              </a:ext>
+            </a:extLst>
+          </p:cNvPr>
+          <p:cNvPicPr>
+            <a:picLocks noChangeAspect="1"/>
+          </p:cNvPicPr>
+          <p:nvPr/>
+        </p:nvPicPr>
+        <p:blipFill>
+          <a:blip r:embed="rId4">
+            <a:extLst>
+              <a:ext uri="{28A0092B-C50C-407E-A947-70E740481C1C}">
+                <a14:useLocalDpi xmlns:a14="http://schemas.microsoft.com/office/drawing/2010/main" val="0"/>
+              </a:ext>
+            </a:extLst>
+          </a:blip>
+          <a:stretch>
+            <a:fillRect/>
+          </a:stretch>
+        </p:blipFill>
+        <p:spPr>
+          <a:xfrm>
+            <a:off x="1707121" y="1675227"/>
+            <a:ext cx="8777757" cy="4394199"/>
+          </a:xfrm>
+          <a:prstGeom prst="rect">
+            <a:avLst/>
+          </a:prstGeom>
+        </p:spPr>
+      </p:pic>
+    </p:spTree>
+    <p:extLst>
+      <p:ext uri="{BB962C8B-B14F-4D97-AF65-F5344CB8AC3E}">
+        <p14:creationId xmlns:p14="http://schemas.microsoft.com/office/powerpoint/2010/main" val="2088184431"/>
+      </p:ext>
+    </p:extLst>
+  </p:cSld>
+  <p:clrMapOvr>
+    <a:masterClrMapping/>
+  </p:clrMapOvr>
+</p:sld>
+</file>
+
+<file path=ppt/slides/slide8.xml><?xml version="1.0" encoding="utf-8"?>
+<p:sld xmlns:a="http://schemas.openxmlformats.org/drawingml/2006/main" xmlns:r="http://schemas.openxmlformats.org/officeDocument/2006/relationships" xmlns:p="http://schemas.openxmlformats.org/presentationml/2006/main">
+  <p:cSld>
+    <p:spTree>
+      <p:nvGrpSpPr>
+        <p:cNvPr id="1" name="">
+          <a:extLst>
+            <a:ext uri="{FF2B5EF4-FFF2-40B4-BE49-F238E27FC236}">
+              <a16:creationId xmlns:a16="http://schemas.microsoft.com/office/drawing/2014/main" id="{CDF6999A-A478-C7E3-B1F1-AE05B81BE292}"/>
+            </a:ext>
+          </a:extLst>
+        </p:cNvPr>
+        <p:cNvGrpSpPr/>
+        <p:nvPr/>
+      </p:nvGrpSpPr>
+      <p:grpSpPr>
+        <a:xfrm>
+          <a:off x="0" y="0"/>
+          <a:ext cx="0" cy="0"/>
+          <a:chOff x="0" y="0"/>
+          <a:chExt cx="0" cy="0"/>
+        </a:xfrm>
+      </p:grpSpPr>
+      <p:sp>
+        <p:nvSpPr>
+          <p:cNvPr id="2" name="Rechteck 1">
+            <a:extLst>
+              <a:ext uri="{FF2B5EF4-FFF2-40B4-BE49-F238E27FC236}">
+                <a16:creationId xmlns:a16="http://schemas.microsoft.com/office/drawing/2014/main" id="{9C9202AA-147C-1AFF-98F6-83FD6EF8E68E}"/>
+              </a:ext>
+            </a:extLst>
+          </p:cNvPr>
+          <p:cNvSpPr/>
+          <p:nvPr/>
+        </p:nvSpPr>
+        <p:spPr>
+          <a:xfrm>
+            <a:off x="1" y="373487"/>
+            <a:ext cx="12192000" cy="850006"/>
+          </a:xfrm>
+          <a:prstGeom prst="rect">
+            <a:avLst/>
+          </a:prstGeom>
+          <a:solidFill>
+            <a:schemeClr val="bg2">
+              <a:lumMod val="10000"/>
+            </a:schemeClr>
+          </a:solidFill>
+        </p:spPr>
+        <p:style>
+          <a:lnRef idx="2">
+            <a:schemeClr val="accent1">
+              <a:shade val="15000"/>
+            </a:schemeClr>
+          </a:lnRef>
+          <a:fillRef idx="1">
+            <a:schemeClr val="accent1"/>
+          </a:fillRef>
+          <a:effectRef idx="0">
+            <a:schemeClr val="accent1"/>
+          </a:effectRef>
+          <a:fontRef idx="minor">
+            <a:schemeClr val="lt1"/>
+          </a:fontRef>
+        </p:style>
+        <p:txBody>
+          <a:bodyPr rtlCol="0" anchor="ctr"/>
+          <a:lstStyle/>
+          <a:p>
+            <a:pPr algn="ctr"/>
+            <a:r>
+              <a:rPr lang="de-DE" sz="5400" dirty="0"/>
+              <a:t>Probability Integral Transform</a:t>
+            </a:r>
+          </a:p>
+        </p:txBody>
+      </p:sp>
+      <p:pic>
+        <p:nvPicPr>
+          <p:cNvPr id="3" name="Grafik 2" descr="Ein Bild, das Text, Diagramm, Screenshot, Reihe enthält.&#10;&#10;Automatisch generierte Beschreibung">
+            <a:extLst>
+              <a:ext uri="{FF2B5EF4-FFF2-40B4-BE49-F238E27FC236}">
+                <a16:creationId xmlns:a16="http://schemas.microsoft.com/office/drawing/2014/main" id="{D1E47DBA-DC35-C3CE-48A0-B74E80916631}"/>
+              </a:ext>
+            </a:extLst>
+          </p:cNvPr>
+          <p:cNvPicPr>
+            <a:picLocks noChangeAspect="1"/>
+          </p:cNvPicPr>
+          <p:nvPr/>
+        </p:nvPicPr>
+        <p:blipFill>
+          <a:blip r:embed="rId3">
+            <a:extLst>
+              <a:ext uri="{28A0092B-C50C-407E-A947-70E740481C1C}">
+                <a14:useLocalDpi xmlns:a14="http://schemas.microsoft.com/office/drawing/2010/main" val="0"/>
+              </a:ext>
+            </a:extLst>
+          </a:blip>
+          <a:stretch>
+            <a:fillRect/>
+          </a:stretch>
+        </p:blipFill>
+        <p:spPr>
+          <a:xfrm>
+            <a:off x="1707121" y="1675227"/>
+            <a:ext cx="8777757" cy="4394199"/>
+          </a:xfrm>
+          <a:prstGeom prst="rect">
+            <a:avLst/>
+          </a:prstGeom>
+        </p:spPr>
+      </p:pic>
+      <p:pic>
+        <p:nvPicPr>
+          <p:cNvPr id="5" name="Grafik 4" descr="Ein Bild, das Text, Screenshot, Diagramm enthält.&#10;&#10;Automatisch generierte Beschreibung">
+            <a:extLst>
+              <a:ext uri="{FF2B5EF4-FFF2-40B4-BE49-F238E27FC236}">
+                <a16:creationId xmlns:a16="http://schemas.microsoft.com/office/drawing/2014/main" id="{96E51498-87D7-E8A3-DC25-3D7EA7988427}"/>
+              </a:ext>
+            </a:extLst>
+          </p:cNvPr>
+          <p:cNvPicPr>
+            <a:picLocks noChangeAspect="1"/>
+          </p:cNvPicPr>
+          <p:nvPr/>
+        </p:nvPicPr>
+        <p:blipFill>
+          <a:blip r:embed="rId4">
+            <a:extLst>
+              <a:ext uri="{28A0092B-C50C-407E-A947-70E740481C1C}">
+                <a14:useLocalDpi xmlns:a14="http://schemas.microsoft.com/office/drawing/2010/main" val="0"/>
+              </a:ext>
+            </a:extLst>
+          </a:blip>
+          <a:stretch>
+            <a:fillRect/>
+          </a:stretch>
+        </p:blipFill>
+        <p:spPr>
+          <a:xfrm>
+            <a:off x="1707121" y="1675227"/>
+            <a:ext cx="8777757" cy="4394199"/>
+          </a:xfrm>
+          <a:prstGeom prst="rect">
+            <a:avLst/>
+          </a:prstGeom>
+        </p:spPr>
+      </p:pic>
+    </p:spTree>
+    <p:extLst>
+      <p:ext uri="{BB962C8B-B14F-4D97-AF65-F5344CB8AC3E}">
+        <p14:creationId xmlns:p14="http://schemas.microsoft.com/office/powerpoint/2010/main" val="3107583154"/>
+      </p:ext>
+    </p:extLst>
+  </p:cSld>
+  <p:clrMapOvr>
+    <a:masterClrMapping/>
+  </p:clrMapOvr>
+</p:sld>
+</file>
+
+<file path=ppt/slides/slide9.xml><?xml version="1.0" encoding="utf-8"?>
+<p:sld xmlns:a="http://schemas.openxmlformats.org/drawingml/2006/main" xmlns:r="http://schemas.openxmlformats.org/officeDocument/2006/relationships" xmlns:p="http://schemas.openxmlformats.org/presentationml/2006/main">
+  <p:cSld>
+    <p:spTree>
+      <p:nvGrpSpPr>
+        <p:cNvPr id="1" name="">
+          <a:extLst>
+            <a:ext uri="{FF2B5EF4-FFF2-40B4-BE49-F238E27FC236}">
+              <a16:creationId xmlns:a16="http://schemas.microsoft.com/office/drawing/2014/main" id="{90268D9F-B723-6197-E726-871608220037}"/>
+            </a:ext>
+          </a:extLst>
+        </p:cNvPr>
+        <p:cNvGrpSpPr/>
+        <p:nvPr/>
+      </p:nvGrpSpPr>
+      <p:grpSpPr>
+        <a:xfrm>
+          <a:off x="0" y="0"/>
+          <a:ext cx="0" cy="0"/>
+          <a:chOff x="0" y="0"/>
+          <a:chExt cx="0" cy="0"/>
+        </a:xfrm>
+      </p:grpSpPr>
+      <p:sp>
+        <p:nvSpPr>
+          <p:cNvPr id="2" name="Rechteck 1">
+            <a:extLst>
+              <a:ext uri="{FF2B5EF4-FFF2-40B4-BE49-F238E27FC236}">
+                <a16:creationId xmlns:a16="http://schemas.microsoft.com/office/drawing/2014/main" id="{301D9636-9580-C397-0FD6-46753C7EFE25}"/>
+              </a:ext>
+            </a:extLst>
+          </p:cNvPr>
+          <p:cNvSpPr/>
+          <p:nvPr/>
+        </p:nvSpPr>
+        <p:spPr>
+          <a:xfrm>
+            <a:off x="1" y="373487"/>
+            <a:ext cx="12192000" cy="850006"/>
+          </a:xfrm>
+          <a:prstGeom prst="rect">
+            <a:avLst/>
+          </a:prstGeom>
+          <a:solidFill>
+            <a:schemeClr val="bg2">
+              <a:lumMod val="10000"/>
+            </a:schemeClr>
+          </a:solidFill>
+        </p:spPr>
+        <p:style>
+          <a:lnRef idx="2">
+            <a:schemeClr val="accent1">
+              <a:shade val="15000"/>
+            </a:schemeClr>
+          </a:lnRef>
+          <a:fillRef idx="1">
+            <a:schemeClr val="accent1"/>
+          </a:fillRef>
+          <a:effectRef idx="0">
+            <a:schemeClr val="accent1"/>
+          </a:effectRef>
+          <a:fontRef idx="minor">
+            <a:schemeClr val="lt1"/>
+          </a:fontRef>
+        </p:style>
+        <p:txBody>
+          <a:bodyPr rtlCol="0" anchor="ctr"/>
+          <a:lstStyle/>
+          <a:p>
+            <a:pPr algn="ctr"/>
+            <a:r>
+              <a:rPr lang="de-DE" sz="5400" dirty="0" err="1"/>
+              <a:t>Goodness</a:t>
+            </a:r>
+            <a:r>
+              <a:rPr lang="de-DE" sz="5400" dirty="0"/>
+              <a:t> </a:t>
+            </a:r>
+            <a:r>
+              <a:rPr lang="de-DE" sz="5400" dirty="0" err="1"/>
+              <a:t>of</a:t>
+            </a:r>
+            <a:r>
+              <a:rPr lang="de-DE" sz="5400" dirty="0"/>
+              <a:t> Fit</a:t>
+            </a:r>
+          </a:p>
+        </p:txBody>
+      </p:sp>
+    </p:spTree>
+    <p:extLst>
+      <p:ext uri="{BB962C8B-B14F-4D97-AF65-F5344CB8AC3E}">
+        <p14:creationId xmlns:p14="http://schemas.microsoft.com/office/powerpoint/2010/main" val="3534944168"/>
       </p:ext>
     </p:extLst>
   </p:cSld>
@@ -3734,4 +8863,319 @@
     </a:ext>
   </a:extLst>
 </a:theme>
+</file>
+
+<file path=ppt/theme/theme2.xml><?xml version="1.0" encoding="utf-8"?>
+<a:theme xmlns:a="http://schemas.openxmlformats.org/drawingml/2006/main" name="Office">
+  <a:themeElements>
+    <a:clrScheme name="Office">
+      <a:dk1>
+        <a:sysClr val="windowText" lastClr="000000"/>
+      </a:dk1>
+      <a:lt1>
+        <a:sysClr val="window" lastClr="FFFFFF"/>
+      </a:lt1>
+      <a:dk2>
+        <a:srgbClr val="0E2841"/>
+      </a:dk2>
+      <a:lt2>
+        <a:srgbClr val="E8E8E8"/>
+      </a:lt2>
+      <a:accent1>
+        <a:srgbClr val="156082"/>
+      </a:accent1>
+      <a:accent2>
+        <a:srgbClr val="E97132"/>
+      </a:accent2>
+      <a:accent3>
+        <a:srgbClr val="196B24"/>
+      </a:accent3>
+      <a:accent4>
+        <a:srgbClr val="0F9ED5"/>
+      </a:accent4>
+      <a:accent5>
+        <a:srgbClr val="A02B93"/>
+      </a:accent5>
+      <a:accent6>
+        <a:srgbClr val="4EA72E"/>
+      </a:accent6>
+      <a:hlink>
+        <a:srgbClr val="467886"/>
+      </a:hlink>
+      <a:folHlink>
+        <a:srgbClr val="96607D"/>
+      </a:folHlink>
+    </a:clrScheme>
+    <a:fontScheme name="Office">
+      <a:majorFont>
+        <a:latin typeface="Aptos Display" panose="02110004020202020204"/>
+        <a:ea typeface=""/>
+        <a:cs typeface=""/>
+        <a:font script="Jpan" typeface="游ゴシック Light"/>
+        <a:font script="Hang" typeface="맑은 고딕"/>
+        <a:font script="Hans" typeface="等线 Light"/>
+        <a:font script="Hant" typeface="新細明體"/>
+        <a:font script="Arab" typeface="Times New Roman"/>
+        <a:font script="Hebr" typeface="Times New Roman"/>
+        <a:font script="Thai" typeface="Angsana New"/>
+        <a:font script="Ethi" typeface="Nyala"/>
+        <a:font script="Beng" typeface="Vrinda"/>
+        <a:font script="Gujr" typeface="Shruti"/>
+        <a:font script="Khmr" typeface="MoolBoran"/>
+        <a:font script="Knda" typeface="Tunga"/>
+        <a:font script="Guru" typeface="Raavi"/>
+        <a:font script="Cans" typeface="Euphemia"/>
+        <a:font script="Cher" typeface="Plantagenet Cherokee"/>
+        <a:font script="Yiii" typeface="Microsoft Yi Baiti"/>
+        <a:font script="Tibt" typeface="Microsoft Himalaya"/>
+        <a:font script="Thaa" typeface="MV Boli"/>
+        <a:font script="Deva" typeface="Mangal"/>
+        <a:font script="Telu" typeface="Gautami"/>
+        <a:font script="Taml" typeface="Latha"/>
+        <a:font script="Syrc" typeface="Estrangelo Edessa"/>
+        <a:font script="Orya" typeface="Kalinga"/>
+        <a:font script="Mlym" typeface="Kartika"/>
+        <a:font script="Laoo" typeface="DokChampa"/>
+        <a:font script="Sinh" typeface="Iskoola Pota"/>
+        <a:font script="Mong" typeface="Mongolian Baiti"/>
+        <a:font script="Viet" typeface="Times New Roman"/>
+        <a:font script="Uigh" typeface="Microsoft Uighur"/>
+        <a:font script="Geor" typeface="Sylfaen"/>
+        <a:font script="Armn" typeface="Arial"/>
+        <a:font script="Bugi" typeface="Leelawadee UI"/>
+        <a:font script="Bopo" typeface="Microsoft JhengHei"/>
+        <a:font script="Java" typeface="Javanese Text"/>
+        <a:font script="Lisu" typeface="Segoe UI"/>
+        <a:font script="Mymr" typeface="Myanmar Text"/>
+        <a:font script="Nkoo" typeface="Ebrima"/>
+        <a:font script="Olck" typeface="Nirmala UI"/>
+        <a:font script="Osma" typeface="Ebrima"/>
+        <a:font script="Phag" typeface="Phagspa"/>
+        <a:font script="Syrn" typeface="Estrangelo Edessa"/>
+        <a:font script="Syrj" typeface="Estrangelo Edessa"/>
+        <a:font script="Syre" typeface="Estrangelo Edessa"/>
+        <a:font script="Sora" typeface="Nirmala UI"/>
+        <a:font script="Tale" typeface="Microsoft Tai Le"/>
+        <a:font script="Talu" typeface="Microsoft New Tai Lue"/>
+        <a:font script="Tfng" typeface="Ebrima"/>
+      </a:majorFont>
+      <a:minorFont>
+        <a:latin typeface="Aptos" panose="02110004020202020204"/>
+        <a:ea typeface=""/>
+        <a:cs typeface=""/>
+        <a:font script="Jpan" typeface="游ゴシック"/>
+        <a:font script="Hang" typeface="맑은 고딕"/>
+        <a:font script="Hans" typeface="等线"/>
+        <a:font script="Hant" typeface="新細明體"/>
+        <a:font script="Arab" typeface="Arial"/>
+        <a:font script="Hebr" typeface="Arial"/>
+        <a:font script="Thai" typeface="Cordia New"/>
+        <a:font script="Ethi" typeface="Nyala"/>
+        <a:font script="Beng" typeface="Vrinda"/>
+        <a:font script="Gujr" typeface="Shruti"/>
+        <a:font script="Khmr" typeface="DaunPenh"/>
+        <a:font script="Knda" typeface="Tunga"/>
+        <a:font script="Guru" typeface="Raavi"/>
+        <a:font script="Cans" typeface="Euphemia"/>
+        <a:font script="Cher" typeface="Plantagenet Cherokee"/>
+        <a:font script="Yiii" typeface="Microsoft Yi Baiti"/>
+        <a:font script="Tibt" typeface="Microsoft Himalaya"/>
+        <a:font script="Thaa" typeface="MV Boli"/>
+        <a:font script="Deva" typeface="Mangal"/>
+        <a:font script="Telu" typeface="Gautami"/>
+        <a:font script="Taml" typeface="Latha"/>
+        <a:font script="Syrc" typeface="Estrangelo Edessa"/>
+        <a:font script="Orya" typeface="Kalinga"/>
+        <a:font script="Mlym" typeface="Kartika"/>
+        <a:font script="Laoo" typeface="DokChampa"/>
+        <a:font script="Sinh" typeface="Iskoola Pota"/>
+        <a:font script="Mong" typeface="Mongolian Baiti"/>
+        <a:font script="Viet" typeface="Arial"/>
+        <a:font script="Uigh" typeface="Microsoft Uighur"/>
+        <a:font script="Geor" typeface="Sylfaen"/>
+        <a:font script="Armn" typeface="Arial"/>
+        <a:font script="Bugi" typeface="Leelawadee UI"/>
+        <a:font script="Bopo" typeface="Microsoft JhengHei"/>
+        <a:font script="Java" typeface="Javanese Text"/>
+        <a:font script="Lisu" typeface="Segoe UI"/>
+        <a:font script="Mymr" typeface="Myanmar Text"/>
+        <a:font script="Nkoo" typeface="Ebrima"/>
+        <a:font script="Olck" typeface="Nirmala UI"/>
+        <a:font script="Osma" typeface="Ebrima"/>
+        <a:font script="Phag" typeface="Phagspa"/>
+        <a:font script="Syrn" typeface="Estrangelo Edessa"/>
+        <a:font script="Syrj" typeface="Estrangelo Edessa"/>
+        <a:font script="Syre" typeface="Estrangelo Edessa"/>
+        <a:font script="Sora" typeface="Nirmala UI"/>
+        <a:font script="Tale" typeface="Microsoft Tai Le"/>
+        <a:font script="Talu" typeface="Microsoft New Tai Lue"/>
+        <a:font script="Tfng" typeface="Ebrima"/>
+      </a:minorFont>
+    </a:fontScheme>
+    <a:fmtScheme name="Office">
+      <a:fillStyleLst>
+        <a:solidFill>
+          <a:schemeClr val="phClr"/>
+        </a:solidFill>
+        <a:gradFill rotWithShape="1">
+          <a:gsLst>
+            <a:gs pos="0">
+              <a:schemeClr val="phClr">
+                <a:lumMod val="110000"/>
+                <a:satMod val="105000"/>
+                <a:tint val="67000"/>
+              </a:schemeClr>
+            </a:gs>
+            <a:gs pos="50000">
+              <a:schemeClr val="phClr">
+                <a:lumMod val="105000"/>
+                <a:satMod val="103000"/>
+                <a:tint val="73000"/>
+              </a:schemeClr>
+            </a:gs>
+            <a:gs pos="100000">
+              <a:schemeClr val="phClr">
+                <a:lumMod val="105000"/>
+                <a:satMod val="109000"/>
+                <a:tint val="81000"/>
+              </a:schemeClr>
+            </a:gs>
+          </a:gsLst>
+          <a:lin ang="5400000" scaled="0"/>
+        </a:gradFill>
+        <a:gradFill rotWithShape="1">
+          <a:gsLst>
+            <a:gs pos="0">
+              <a:schemeClr val="phClr">
+                <a:satMod val="103000"/>
+                <a:lumMod val="102000"/>
+                <a:tint val="94000"/>
+              </a:schemeClr>
+            </a:gs>
+            <a:gs pos="50000">
+              <a:schemeClr val="phClr">
+                <a:satMod val="110000"/>
+                <a:lumMod val="100000"/>
+                <a:shade val="100000"/>
+              </a:schemeClr>
+            </a:gs>
+            <a:gs pos="100000">
+              <a:schemeClr val="phClr">
+                <a:lumMod val="99000"/>
+                <a:satMod val="120000"/>
+                <a:shade val="78000"/>
+              </a:schemeClr>
+            </a:gs>
+          </a:gsLst>
+          <a:lin ang="5400000" scaled="0"/>
+        </a:gradFill>
+      </a:fillStyleLst>
+      <a:lnStyleLst>
+        <a:ln w="12700" cap="flat" cmpd="sng" algn="ctr">
+          <a:solidFill>
+            <a:schemeClr val="phClr"/>
+          </a:solidFill>
+          <a:prstDash val="solid"/>
+          <a:miter lim="800000"/>
+        </a:ln>
+        <a:ln w="19050" cap="flat" cmpd="sng" algn="ctr">
+          <a:solidFill>
+            <a:schemeClr val="phClr"/>
+          </a:solidFill>
+          <a:prstDash val="solid"/>
+          <a:miter lim="800000"/>
+        </a:ln>
+        <a:ln w="25400" cap="flat" cmpd="sng" algn="ctr">
+          <a:solidFill>
+            <a:schemeClr val="phClr"/>
+          </a:solidFill>
+          <a:prstDash val="solid"/>
+          <a:miter lim="800000"/>
+        </a:ln>
+      </a:lnStyleLst>
+      <a:effectStyleLst>
+        <a:effectStyle>
+          <a:effectLst/>
+        </a:effectStyle>
+        <a:effectStyle>
+          <a:effectLst/>
+        </a:effectStyle>
+        <a:effectStyle>
+          <a:effectLst>
+            <a:outerShdw blurRad="57150" dist="19050" dir="5400000" algn="ctr" rotWithShape="0">
+              <a:srgbClr val="000000">
+                <a:alpha val="63000"/>
+              </a:srgbClr>
+            </a:outerShdw>
+          </a:effectLst>
+        </a:effectStyle>
+      </a:effectStyleLst>
+      <a:bgFillStyleLst>
+        <a:solidFill>
+          <a:schemeClr val="phClr"/>
+        </a:solidFill>
+        <a:solidFill>
+          <a:schemeClr val="phClr">
+            <a:tint val="95000"/>
+            <a:satMod val="170000"/>
+          </a:schemeClr>
+        </a:solidFill>
+        <a:gradFill rotWithShape="1">
+          <a:gsLst>
+            <a:gs pos="0">
+              <a:schemeClr val="phClr">
+                <a:tint val="93000"/>
+                <a:satMod val="150000"/>
+                <a:shade val="98000"/>
+                <a:lumMod val="102000"/>
+              </a:schemeClr>
+            </a:gs>
+            <a:gs pos="50000">
+              <a:schemeClr val="phClr">
+                <a:tint val="98000"/>
+                <a:satMod val="130000"/>
+                <a:shade val="90000"/>
+                <a:lumMod val="103000"/>
+              </a:schemeClr>
+            </a:gs>
+            <a:gs pos="100000">
+              <a:schemeClr val="phClr">
+                <a:shade val="63000"/>
+                <a:satMod val="120000"/>
+              </a:schemeClr>
+            </a:gs>
+          </a:gsLst>
+          <a:lin ang="5400000" scaled="0"/>
+        </a:gradFill>
+      </a:bgFillStyleLst>
+    </a:fmtScheme>
+  </a:themeElements>
+  <a:objectDefaults>
+    <a:lnDef>
+      <a:spPr/>
+      <a:bodyPr/>
+      <a:lstStyle/>
+      <a:style>
+        <a:lnRef idx="2">
+          <a:schemeClr val="accent1"/>
+        </a:lnRef>
+        <a:fillRef idx="0">
+          <a:schemeClr val="accent1"/>
+        </a:fillRef>
+        <a:effectRef idx="1">
+          <a:schemeClr val="accent1"/>
+        </a:effectRef>
+        <a:fontRef idx="minor">
+          <a:schemeClr val="tx1"/>
+        </a:fontRef>
+      </a:style>
+    </a:lnDef>
+  </a:objectDefaults>
+  <a:extraClrSchemeLst/>
+  <a:extLst>
+    <a:ext uri="{05A4C25C-085E-4340-85A3-A5531E510DB2}">
+      <thm15:themeFamily xmlns:thm15="http://schemas.microsoft.com/office/thememl/2012/main" name="Office Theme" id="{2E142A2C-CD16-42D6-873A-C26D2A0506FA}" vid="{1BDDFF52-6CD6-40A5-AB3C-68EB2F1E4D0A}"/>
+    </a:ext>
+  </a:extLst>
+</a:theme>
 </file>
--- a/Interim Meeting/Interim_Copulas.pptx
+++ b/Interim Meeting/Interim_Copulas.pptx
@@ -5,20 +5,19 @@
     <p:sldMasterId id="2147483648" r:id="rId1"/>
   </p:sldMasterIdLst>
   <p:notesMasterIdLst>
-    <p:notesMasterId r:id="rId13"/>
+    <p:notesMasterId r:id="rId12"/>
   </p:notesMasterIdLst>
   <p:sldIdLst>
-    <p:sldId id="269" r:id="rId2"/>
-    <p:sldId id="276" r:id="rId3"/>
-    <p:sldId id="277" r:id="rId4"/>
-    <p:sldId id="278" r:id="rId5"/>
-    <p:sldId id="275" r:id="rId6"/>
-    <p:sldId id="271" r:id="rId7"/>
-    <p:sldId id="279" r:id="rId8"/>
-    <p:sldId id="283" r:id="rId9"/>
-    <p:sldId id="280" r:id="rId10"/>
-    <p:sldId id="281" r:id="rId11"/>
-    <p:sldId id="282" r:id="rId12"/>
+    <p:sldId id="275" r:id="rId2"/>
+    <p:sldId id="285" r:id="rId3"/>
+    <p:sldId id="286" r:id="rId4"/>
+    <p:sldId id="284" r:id="rId5"/>
+    <p:sldId id="271" r:id="rId6"/>
+    <p:sldId id="279" r:id="rId7"/>
+    <p:sldId id="283" r:id="rId8"/>
+    <p:sldId id="280" r:id="rId9"/>
+    <p:sldId id="290" r:id="rId10"/>
+    <p:sldId id="291" r:id="rId11"/>
   </p:sldIdLst>
   <p:sldSz cx="12192000" cy="6858000"/>
   <p:notesSz cx="6858000" cy="9144000"/>
@@ -207,7 +206,7 @@
           <a:p>
             <a:fld id="{18CF8CE2-C293-4D00-A645-9B5D24482006}" type="datetimeFigureOut">
               <a:rPr lang="de-DE" smtClean="0"/>
-              <a:t>13.01.2025</a:t>
+              <a:t>17.01.2025</a:t>
             </a:fld>
             <a:endParaRPr lang="de-DE"/>
           </a:p>
@@ -482,7 +481,7 @@
         <p:cNvPr id="1" name="">
           <a:extLst>
             <a:ext uri="{FF2B5EF4-FFF2-40B4-BE49-F238E27FC236}">
-              <a16:creationId xmlns:a16="http://schemas.microsoft.com/office/drawing/2014/main" id="{113889BE-7A13-7636-37C6-0B5A691399EC}"/>
+              <a16:creationId xmlns:a16="http://schemas.microsoft.com/office/drawing/2014/main" id="{9E0644EA-B79B-B1BE-F499-C3AA12388E36}"/>
             </a:ext>
           </a:extLst>
         </p:cNvPr>
@@ -502,7 +501,7 @@
           <p:cNvPr id="2" name="Folienbildplatzhalter 1">
             <a:extLst>
               <a:ext uri="{FF2B5EF4-FFF2-40B4-BE49-F238E27FC236}">
-                <a16:creationId xmlns:a16="http://schemas.microsoft.com/office/drawing/2014/main" id="{1C317401-24C5-6B13-2F50-992BB3B7C78D}"/>
+                <a16:creationId xmlns:a16="http://schemas.microsoft.com/office/drawing/2014/main" id="{2791D1A7-3511-AA76-05E9-E461933124D8}"/>
               </a:ext>
             </a:extLst>
           </p:cNvPr>
@@ -520,7 +519,7 @@
           <p:cNvPr id="3" name="Notizenplatzhalter 2">
             <a:extLst>
               <a:ext uri="{FF2B5EF4-FFF2-40B4-BE49-F238E27FC236}">
-                <a16:creationId xmlns:a16="http://schemas.microsoft.com/office/drawing/2014/main" id="{867042B5-EA44-84E0-D6EA-1CA42532DA91}"/>
+                <a16:creationId xmlns:a16="http://schemas.microsoft.com/office/drawing/2014/main" id="{04AD419A-AB90-77AD-BA04-FC1851166B54}"/>
               </a:ext>
             </a:extLst>
           </p:cNvPr>
@@ -549,7 +548,7 @@
           <p:cNvPr id="4" name="Foliennummernplatzhalter 3">
             <a:extLst>
               <a:ext uri="{FF2B5EF4-FFF2-40B4-BE49-F238E27FC236}">
-                <a16:creationId xmlns:a16="http://schemas.microsoft.com/office/drawing/2014/main" id="{14BF2793-736E-0ADD-F6F6-D2B010F85D48}"/>
+                <a16:creationId xmlns:a16="http://schemas.microsoft.com/office/drawing/2014/main" id="{38F70C72-A66C-C0C2-ED17-09A4C13C14D9}"/>
               </a:ext>
             </a:extLst>
           </p:cNvPr>
@@ -576,7 +575,7 @@
     </p:spTree>
     <p:extLst>
       <p:ext uri="{BB962C8B-B14F-4D97-AF65-F5344CB8AC3E}">
-        <p14:creationId xmlns:p14="http://schemas.microsoft.com/office/powerpoint/2010/main" val="3076235713"/>
+        <p14:creationId xmlns:p14="http://schemas.microsoft.com/office/powerpoint/2010/main" val="2837336733"/>
       </p:ext>
     </p:extLst>
   </p:cSld>
@@ -594,7 +593,7 @@
         <p:cNvPr id="1" name="">
           <a:extLst>
             <a:ext uri="{FF2B5EF4-FFF2-40B4-BE49-F238E27FC236}">
-              <a16:creationId xmlns:a16="http://schemas.microsoft.com/office/drawing/2014/main" id="{078C6054-D413-922E-D3FE-348DA844C6AB}"/>
+              <a16:creationId xmlns:a16="http://schemas.microsoft.com/office/drawing/2014/main" id="{8C0F65BE-16F0-528B-12C0-EFEF95313754}"/>
             </a:ext>
           </a:extLst>
         </p:cNvPr>
@@ -614,7 +613,7 @@
           <p:cNvPr id="2" name="Folienbildplatzhalter 1">
             <a:extLst>
               <a:ext uri="{FF2B5EF4-FFF2-40B4-BE49-F238E27FC236}">
-                <a16:creationId xmlns:a16="http://schemas.microsoft.com/office/drawing/2014/main" id="{381CB77B-C4C5-5A17-DA14-C3F60317AC90}"/>
+                <a16:creationId xmlns:a16="http://schemas.microsoft.com/office/drawing/2014/main" id="{2145B56D-5EE3-741A-536B-85B1A10AFA32}"/>
               </a:ext>
             </a:extLst>
           </p:cNvPr>
@@ -632,7 +631,7 @@
           <p:cNvPr id="3" name="Notizenplatzhalter 2">
             <a:extLst>
               <a:ext uri="{FF2B5EF4-FFF2-40B4-BE49-F238E27FC236}">
-                <a16:creationId xmlns:a16="http://schemas.microsoft.com/office/drawing/2014/main" id="{85E48AB3-9FDB-071F-4A5C-13E6A03811C9}"/>
+                <a16:creationId xmlns:a16="http://schemas.microsoft.com/office/drawing/2014/main" id="{D7D68D15-F8B1-0EAE-D7DE-2BF2CF7E028B}"/>
               </a:ext>
             </a:extLst>
           </p:cNvPr>
@@ -652,6 +651,273 @@
               <a:buFontTx/>
               <a:buChar char="-"/>
             </a:pPr>
+            <a:r>
+              <a:rPr lang="de-DE" dirty="0"/>
+              <a:t>Paper </a:t>
+            </a:r>
+            <a:r>
+              <a:rPr lang="de-DE" dirty="0" err="1"/>
+              <a:t>mainly</a:t>
+            </a:r>
+            <a:r>
+              <a:rPr lang="de-DE" dirty="0"/>
+              <a:t> </a:t>
+            </a:r>
+            <a:r>
+              <a:rPr lang="de-DE" dirty="0" err="1"/>
+              <a:t>focuses</a:t>
+            </a:r>
+            <a:r>
+              <a:rPr lang="de-DE" dirty="0"/>
+              <a:t> on </a:t>
+            </a:r>
+            <a:r>
+              <a:rPr lang="de-DE" dirty="0" err="1"/>
+              <a:t>comparison</a:t>
+            </a:r>
+            <a:r>
+              <a:rPr lang="de-DE" dirty="0"/>
+              <a:t> </a:t>
+            </a:r>
+            <a:r>
+              <a:rPr lang="de-DE" dirty="0" err="1"/>
+              <a:t>of</a:t>
+            </a:r>
+            <a:r>
+              <a:rPr lang="de-DE" dirty="0"/>
+              <a:t> </a:t>
+            </a:r>
+            <a:r>
+              <a:rPr lang="de-DE" dirty="0" err="1"/>
+              <a:t>older</a:t>
+            </a:r>
+            <a:r>
+              <a:rPr lang="de-DE" dirty="0"/>
+              <a:t> </a:t>
+            </a:r>
+            <a:r>
+              <a:rPr lang="de-DE" dirty="0" err="1"/>
+              <a:t>models</a:t>
+            </a:r>
+            <a:r>
+              <a:rPr lang="de-DE" dirty="0"/>
+              <a:t>, </a:t>
+            </a:r>
+            <a:r>
+              <a:rPr lang="de-DE" dirty="0" err="1"/>
+              <a:t>symmetric</a:t>
+            </a:r>
+            <a:r>
+              <a:rPr lang="de-DE" dirty="0"/>
+              <a:t> AC and </a:t>
+            </a:r>
+            <a:r>
+              <a:rPr lang="de-DE" dirty="0" err="1"/>
+              <a:t>asymmetric</a:t>
+            </a:r>
+            <a:r>
+              <a:rPr lang="de-DE" dirty="0"/>
+              <a:t> ACS</a:t>
+            </a:r>
+          </a:p>
+          <a:p>
+            <a:pPr marL="171450" indent="-171450">
+              <a:buFontTx/>
+              <a:buChar char="-"/>
+            </a:pPr>
+            <a:r>
+              <a:rPr lang="de-DE" dirty="0"/>
+              <a:t>Shows </a:t>
+            </a:r>
+            <a:r>
+              <a:rPr lang="de-DE" dirty="0" err="1"/>
+              <a:t>that</a:t>
+            </a:r>
+            <a:r>
+              <a:rPr lang="de-DE" dirty="0"/>
+              <a:t> </a:t>
+            </a:r>
+            <a:r>
+              <a:rPr lang="de-DE" dirty="0" err="1"/>
+              <a:t>asymmetric</a:t>
+            </a:r>
+            <a:r>
+              <a:rPr lang="de-DE" dirty="0"/>
+              <a:t> ACs </a:t>
+            </a:r>
+            <a:r>
+              <a:rPr lang="de-DE" dirty="0" err="1"/>
+              <a:t>seem</a:t>
+            </a:r>
+            <a:r>
+              <a:rPr lang="de-DE" dirty="0"/>
+              <a:t> </a:t>
+            </a:r>
+            <a:r>
+              <a:rPr lang="de-DE" dirty="0" err="1"/>
+              <a:t>more</a:t>
+            </a:r>
+            <a:r>
+              <a:rPr lang="de-DE" dirty="0"/>
+              <a:t> </a:t>
+            </a:r>
+            <a:r>
+              <a:rPr lang="de-DE" dirty="0" err="1"/>
+              <a:t>preferable</a:t>
+            </a:r>
+            <a:endParaRPr lang="de-DE" dirty="0"/>
+          </a:p>
+          <a:p>
+            <a:pPr marL="171450" indent="-171450">
+              <a:buFontTx/>
+              <a:buChar char="-"/>
+            </a:pPr>
+            <a:endParaRPr lang="de-DE" dirty="0"/>
+          </a:p>
+          <a:p>
+            <a:pPr marL="171450" indent="-171450">
+              <a:buFontTx/>
+              <a:buChar char="-"/>
+            </a:pPr>
+            <a:r>
+              <a:rPr lang="de-DE" dirty="0" err="1"/>
+              <a:t>Our</a:t>
+            </a:r>
+            <a:r>
+              <a:rPr lang="de-DE" dirty="0"/>
+              <a:t> </a:t>
+            </a:r>
+            <a:r>
+              <a:rPr lang="de-DE" dirty="0" err="1"/>
+              <a:t>approach</a:t>
+            </a:r>
+            <a:r>
+              <a:rPr lang="de-DE" dirty="0"/>
+              <a:t>:</a:t>
+            </a:r>
+          </a:p>
+          <a:p>
+            <a:pPr marL="171450" indent="-171450">
+              <a:buFontTx/>
+              <a:buChar char="-"/>
+            </a:pPr>
+            <a:r>
+              <a:rPr lang="de-DE" dirty="0" err="1"/>
+              <a:t>Compare</a:t>
+            </a:r>
+            <a:r>
+              <a:rPr lang="de-DE" dirty="0"/>
+              <a:t> </a:t>
+            </a:r>
+            <a:r>
+              <a:rPr lang="de-DE" dirty="0" err="1"/>
+              <a:t>the</a:t>
+            </a:r>
+            <a:r>
+              <a:rPr lang="de-DE" dirty="0"/>
+              <a:t> „</a:t>
+            </a:r>
+            <a:r>
+              <a:rPr lang="de-DE" dirty="0" err="1"/>
+              <a:t>better</a:t>
+            </a:r>
+            <a:r>
+              <a:rPr lang="de-DE" dirty="0"/>
+              <a:t>“ </a:t>
+            </a:r>
+            <a:r>
+              <a:rPr lang="de-DE" dirty="0" err="1"/>
+              <a:t>copulas</a:t>
+            </a:r>
+            <a:r>
+              <a:rPr lang="de-DE" dirty="0"/>
+              <a:t> </a:t>
+            </a:r>
+            <a:r>
+              <a:rPr lang="de-DE" dirty="0" err="1"/>
+              <a:t>from</a:t>
+            </a:r>
+            <a:r>
+              <a:rPr lang="de-DE" dirty="0"/>
+              <a:t> </a:t>
+            </a:r>
+            <a:r>
+              <a:rPr lang="de-DE" dirty="0" err="1"/>
+              <a:t>paper</a:t>
+            </a:r>
+            <a:r>
+              <a:rPr lang="de-DE" dirty="0"/>
+              <a:t> </a:t>
+            </a:r>
+            <a:r>
+              <a:rPr lang="de-DE" dirty="0" err="1"/>
+              <a:t>with</a:t>
+            </a:r>
+            <a:r>
+              <a:rPr lang="de-DE" dirty="0"/>
+              <a:t> </a:t>
+            </a:r>
+            <a:r>
+              <a:rPr lang="de-DE" dirty="0" err="1"/>
+              <a:t>more</a:t>
+            </a:r>
+            <a:r>
+              <a:rPr lang="de-DE" dirty="0"/>
+              <a:t> </a:t>
+            </a:r>
+            <a:r>
+              <a:rPr lang="de-DE" dirty="0" err="1"/>
+              <a:t>up</a:t>
+            </a:r>
+            <a:r>
+              <a:rPr lang="de-DE" dirty="0"/>
+              <a:t> to date Vine Copulas</a:t>
+            </a:r>
+          </a:p>
+          <a:p>
+            <a:pPr marL="171450" indent="-171450">
+              <a:buFontTx/>
+              <a:buChar char="-"/>
+            </a:pPr>
+            <a:endParaRPr lang="de-DE" dirty="0"/>
+          </a:p>
+          <a:p>
+            <a:pPr marL="171450" indent="-171450">
+              <a:buFontTx/>
+              <a:buChar char="-"/>
+            </a:pPr>
+            <a:r>
+              <a:rPr lang="de-DE" dirty="0"/>
+              <a:t>More </a:t>
+            </a:r>
+            <a:r>
+              <a:rPr lang="de-DE" dirty="0" err="1"/>
+              <a:t>focus</a:t>
+            </a:r>
+            <a:r>
+              <a:rPr lang="de-DE" dirty="0"/>
+              <a:t> on </a:t>
+            </a:r>
+            <a:r>
+              <a:rPr lang="de-DE" dirty="0" err="1"/>
+              <a:t>statistics</a:t>
+            </a:r>
+            <a:r>
+              <a:rPr lang="de-DE" dirty="0"/>
+              <a:t> + </a:t>
+            </a:r>
+            <a:r>
+              <a:rPr lang="de-DE" dirty="0" err="1"/>
+              <a:t>statistical</a:t>
+            </a:r>
+            <a:r>
+              <a:rPr lang="de-DE" dirty="0"/>
+              <a:t> </a:t>
+            </a:r>
+            <a:r>
+              <a:rPr lang="de-DE" dirty="0" err="1"/>
+              <a:t>theory</a:t>
+            </a:r>
             <a:endParaRPr lang="de-DE" dirty="0"/>
           </a:p>
         </p:txBody>
@@ -661,7 +927,7 @@
           <p:cNvPr id="4" name="Foliennummernplatzhalter 3">
             <a:extLst>
               <a:ext uri="{FF2B5EF4-FFF2-40B4-BE49-F238E27FC236}">
-                <a16:creationId xmlns:a16="http://schemas.microsoft.com/office/drawing/2014/main" id="{6973E59E-42DA-D087-7E24-BFC7361D11FE}"/>
+                <a16:creationId xmlns:a16="http://schemas.microsoft.com/office/drawing/2014/main" id="{63EA016A-89EE-EDA3-B57B-B5A208AAEED9}"/>
               </a:ext>
             </a:extLst>
           </p:cNvPr>
@@ -688,119 +954,7 @@
     </p:spTree>
     <p:extLst>
       <p:ext uri="{BB962C8B-B14F-4D97-AF65-F5344CB8AC3E}">
-        <p14:creationId xmlns:p14="http://schemas.microsoft.com/office/powerpoint/2010/main" val="488007602"/>
-      </p:ext>
-    </p:extLst>
-  </p:cSld>
-  <p:clrMapOvr>
-    <a:masterClrMapping/>
-  </p:clrMapOvr>
-</p:notes>
-</file>
-
-<file path=ppt/notesSlides/notesSlide11.xml><?xml version="1.0" encoding="utf-8"?>
-<p:notes xmlns:a="http://schemas.openxmlformats.org/drawingml/2006/main" xmlns:r="http://schemas.openxmlformats.org/officeDocument/2006/relationships" xmlns:p="http://schemas.openxmlformats.org/presentationml/2006/main">
-  <p:cSld>
-    <p:spTree>
-      <p:nvGrpSpPr>
-        <p:cNvPr id="1" name="">
-          <a:extLst>
-            <a:ext uri="{FF2B5EF4-FFF2-40B4-BE49-F238E27FC236}">
-              <a16:creationId xmlns:a16="http://schemas.microsoft.com/office/drawing/2014/main" id="{07E0D5E9-A0CB-7F08-ED54-C0F66E6470EA}"/>
-            </a:ext>
-          </a:extLst>
-        </p:cNvPr>
-        <p:cNvGrpSpPr/>
-        <p:nvPr/>
-      </p:nvGrpSpPr>
-      <p:grpSpPr>
-        <a:xfrm>
-          <a:off x="0" y="0"/>
-          <a:ext cx="0" cy="0"/>
-          <a:chOff x="0" y="0"/>
-          <a:chExt cx="0" cy="0"/>
-        </a:xfrm>
-      </p:grpSpPr>
-      <p:sp>
-        <p:nvSpPr>
-          <p:cNvPr id="2" name="Folienbildplatzhalter 1">
-            <a:extLst>
-              <a:ext uri="{FF2B5EF4-FFF2-40B4-BE49-F238E27FC236}">
-                <a16:creationId xmlns:a16="http://schemas.microsoft.com/office/drawing/2014/main" id="{9B2CF6AF-5A95-5D20-046A-F6A202C0657C}"/>
-              </a:ext>
-            </a:extLst>
-          </p:cNvPr>
-          <p:cNvSpPr>
-            <a:spLocks noGrp="1" noRot="1" noChangeAspect="1"/>
-          </p:cNvSpPr>
-          <p:nvPr>
-            <p:ph type="sldImg"/>
-          </p:nvPr>
-        </p:nvSpPr>
-        <p:spPr/>
-      </p:sp>
-      <p:sp>
-        <p:nvSpPr>
-          <p:cNvPr id="3" name="Notizenplatzhalter 2">
-            <a:extLst>
-              <a:ext uri="{FF2B5EF4-FFF2-40B4-BE49-F238E27FC236}">
-                <a16:creationId xmlns:a16="http://schemas.microsoft.com/office/drawing/2014/main" id="{B521572A-4C98-B24B-AB68-8B1C474995CD}"/>
-              </a:ext>
-            </a:extLst>
-          </p:cNvPr>
-          <p:cNvSpPr>
-            <a:spLocks noGrp="1"/>
-          </p:cNvSpPr>
-          <p:nvPr>
-            <p:ph type="body" idx="1"/>
-          </p:nvPr>
-        </p:nvSpPr>
-        <p:spPr/>
-        <p:txBody>
-          <a:bodyPr/>
-          <a:lstStyle/>
-          <a:p>
-            <a:pPr marL="171450" indent="-171450">
-              <a:buFontTx/>
-              <a:buChar char="-"/>
-            </a:pPr>
-            <a:endParaRPr lang="de-DE" dirty="0"/>
-          </a:p>
-        </p:txBody>
-      </p:sp>
-      <p:sp>
-        <p:nvSpPr>
-          <p:cNvPr id="4" name="Foliennummernplatzhalter 3">
-            <a:extLst>
-              <a:ext uri="{FF2B5EF4-FFF2-40B4-BE49-F238E27FC236}">
-                <a16:creationId xmlns:a16="http://schemas.microsoft.com/office/drawing/2014/main" id="{877339E7-1D1B-18E9-F64D-39B00618EA47}"/>
-              </a:ext>
-            </a:extLst>
-          </p:cNvPr>
-          <p:cNvSpPr>
-            <a:spLocks noGrp="1"/>
-          </p:cNvSpPr>
-          <p:nvPr>
-            <p:ph type="sldNum" sz="quarter" idx="5"/>
-          </p:nvPr>
-        </p:nvSpPr>
-        <p:spPr/>
-        <p:txBody>
-          <a:bodyPr/>
-          <a:lstStyle/>
-          <a:p>
-            <a:fld id="{988EE22E-D4F1-40D7-A03F-1C7960DE94E4}" type="slidenum">
-              <a:rPr lang="de-DE" smtClean="0"/>
-              <a:t>11</a:t>
-            </a:fld>
-            <a:endParaRPr lang="de-DE"/>
-          </a:p>
-        </p:txBody>
-      </p:sp>
-    </p:spTree>
-    <p:extLst>
-      <p:ext uri="{BB962C8B-B14F-4D97-AF65-F5344CB8AC3E}">
-        <p14:creationId xmlns:p14="http://schemas.microsoft.com/office/powerpoint/2010/main" val="1694508502"/>
+        <p14:creationId xmlns:p14="http://schemas.microsoft.com/office/powerpoint/2010/main" val="2975428437"/>
       </p:ext>
     </p:extLst>
   </p:cSld>
@@ -818,7 +972,7 @@
         <p:cNvPr id="1" name="">
           <a:extLst>
             <a:ext uri="{FF2B5EF4-FFF2-40B4-BE49-F238E27FC236}">
-              <a16:creationId xmlns:a16="http://schemas.microsoft.com/office/drawing/2014/main" id="{1D424627-08A9-0A3C-E798-AC2652585401}"/>
+              <a16:creationId xmlns:a16="http://schemas.microsoft.com/office/drawing/2014/main" id="{6E4705A8-E473-5E56-9384-F5FEA84665D9}"/>
             </a:ext>
           </a:extLst>
         </p:cNvPr>
@@ -838,7 +992,7 @@
           <p:cNvPr id="2" name="Folienbildplatzhalter 1">
             <a:extLst>
               <a:ext uri="{FF2B5EF4-FFF2-40B4-BE49-F238E27FC236}">
-                <a16:creationId xmlns:a16="http://schemas.microsoft.com/office/drawing/2014/main" id="{DD0851FE-F9ED-1077-6741-8F8265337A0E}"/>
+                <a16:creationId xmlns:a16="http://schemas.microsoft.com/office/drawing/2014/main" id="{9C8A328F-6E34-48E6-2135-C13001A1FEC9}"/>
               </a:ext>
             </a:extLst>
           </p:cNvPr>
@@ -856,7 +1010,7 @@
           <p:cNvPr id="3" name="Notizenplatzhalter 2">
             <a:extLst>
               <a:ext uri="{FF2B5EF4-FFF2-40B4-BE49-F238E27FC236}">
-                <a16:creationId xmlns:a16="http://schemas.microsoft.com/office/drawing/2014/main" id="{7A15710A-6689-0654-ADD0-D52CFDA7D818}"/>
+                <a16:creationId xmlns:a16="http://schemas.microsoft.com/office/drawing/2014/main" id="{03E6D7DF-40C0-51D6-D69B-A8F10055F84F}"/>
               </a:ext>
             </a:extLst>
           </p:cNvPr>
@@ -885,7 +1039,7 @@
           <p:cNvPr id="4" name="Foliennummernplatzhalter 3">
             <a:extLst>
               <a:ext uri="{FF2B5EF4-FFF2-40B4-BE49-F238E27FC236}">
-                <a16:creationId xmlns:a16="http://schemas.microsoft.com/office/drawing/2014/main" id="{15B95399-3E55-D3CC-BDDD-E170B69B4314}"/>
+                <a16:creationId xmlns:a16="http://schemas.microsoft.com/office/drawing/2014/main" id="{F690220A-A57A-DBB3-23B0-628BEFA3A2CB}"/>
               </a:ext>
             </a:extLst>
           </p:cNvPr>
@@ -912,7 +1066,7 @@
     </p:spTree>
     <p:extLst>
       <p:ext uri="{BB962C8B-B14F-4D97-AF65-F5344CB8AC3E}">
-        <p14:creationId xmlns:p14="http://schemas.microsoft.com/office/powerpoint/2010/main" val="1969888391"/>
+        <p14:creationId xmlns:p14="http://schemas.microsoft.com/office/powerpoint/2010/main" val="553405009"/>
       </p:ext>
     </p:extLst>
   </p:cSld>
@@ -930,7 +1084,7 @@
         <p:cNvPr id="1" name="">
           <a:extLst>
             <a:ext uri="{FF2B5EF4-FFF2-40B4-BE49-F238E27FC236}">
-              <a16:creationId xmlns:a16="http://schemas.microsoft.com/office/drawing/2014/main" id="{DE7EA8CB-2B43-C0E6-902F-7C781DF2FB27}"/>
+              <a16:creationId xmlns:a16="http://schemas.microsoft.com/office/drawing/2014/main" id="{B69FFB05-D7AA-5678-808A-5F23E91C4632}"/>
             </a:ext>
           </a:extLst>
         </p:cNvPr>
@@ -950,7 +1104,7 @@
           <p:cNvPr id="2" name="Folienbildplatzhalter 1">
             <a:extLst>
               <a:ext uri="{FF2B5EF4-FFF2-40B4-BE49-F238E27FC236}">
-                <a16:creationId xmlns:a16="http://schemas.microsoft.com/office/drawing/2014/main" id="{0E905CB6-F6B4-D5E6-DBC5-479A63DD1CB7}"/>
+                <a16:creationId xmlns:a16="http://schemas.microsoft.com/office/drawing/2014/main" id="{A50EC68D-B4BB-5729-D7DA-D03E7B895755}"/>
               </a:ext>
             </a:extLst>
           </p:cNvPr>
@@ -968,7 +1122,7 @@
           <p:cNvPr id="3" name="Notizenplatzhalter 2">
             <a:extLst>
               <a:ext uri="{FF2B5EF4-FFF2-40B4-BE49-F238E27FC236}">
-                <a16:creationId xmlns:a16="http://schemas.microsoft.com/office/drawing/2014/main" id="{71A17544-503D-385D-F5B4-12805F0786DF}"/>
+                <a16:creationId xmlns:a16="http://schemas.microsoft.com/office/drawing/2014/main" id="{7A4B9540-1BB9-E667-27B2-3866DCF756A6}"/>
               </a:ext>
             </a:extLst>
           </p:cNvPr>
@@ -997,7 +1151,7 @@
           <p:cNvPr id="4" name="Foliennummernplatzhalter 3">
             <a:extLst>
               <a:ext uri="{FF2B5EF4-FFF2-40B4-BE49-F238E27FC236}">
-                <a16:creationId xmlns:a16="http://schemas.microsoft.com/office/drawing/2014/main" id="{7E8BD09D-908A-BC8A-EF39-CD18E59F7DD6}"/>
+                <a16:creationId xmlns:a16="http://schemas.microsoft.com/office/drawing/2014/main" id="{04978223-9C90-261B-CF3A-D05C7525CBE4}"/>
               </a:ext>
             </a:extLst>
           </p:cNvPr>
@@ -1024,7 +1178,7 @@
     </p:spTree>
     <p:extLst>
       <p:ext uri="{BB962C8B-B14F-4D97-AF65-F5344CB8AC3E}">
-        <p14:creationId xmlns:p14="http://schemas.microsoft.com/office/powerpoint/2010/main" val="2808952250"/>
+        <p14:creationId xmlns:p14="http://schemas.microsoft.com/office/powerpoint/2010/main" val="300720104"/>
       </p:ext>
     </p:extLst>
   </p:cSld>
@@ -1042,7 +1196,7 @@
         <p:cNvPr id="1" name="">
           <a:extLst>
             <a:ext uri="{FF2B5EF4-FFF2-40B4-BE49-F238E27FC236}">
-              <a16:creationId xmlns:a16="http://schemas.microsoft.com/office/drawing/2014/main" id="{8E7FEC5A-1737-33B3-788B-AD1C76A2F5B8}"/>
+              <a16:creationId xmlns:a16="http://schemas.microsoft.com/office/drawing/2014/main" id="{3F25B5FB-F1F6-5DE2-1777-87B98355146A}"/>
             </a:ext>
           </a:extLst>
         </p:cNvPr>
@@ -1062,7 +1216,7 @@
           <p:cNvPr id="2" name="Folienbildplatzhalter 1">
             <a:extLst>
               <a:ext uri="{FF2B5EF4-FFF2-40B4-BE49-F238E27FC236}">
-                <a16:creationId xmlns:a16="http://schemas.microsoft.com/office/drawing/2014/main" id="{33646FD4-969E-737A-DBA8-842A2ED5C7A6}"/>
+                <a16:creationId xmlns:a16="http://schemas.microsoft.com/office/drawing/2014/main" id="{C5372FF3-133C-56AB-EDC3-8F4C697914CA}"/>
               </a:ext>
             </a:extLst>
           </p:cNvPr>
@@ -1080,7 +1234,7 @@
           <p:cNvPr id="3" name="Notizenplatzhalter 2">
             <a:extLst>
               <a:ext uri="{FF2B5EF4-FFF2-40B4-BE49-F238E27FC236}">
-                <a16:creationId xmlns:a16="http://schemas.microsoft.com/office/drawing/2014/main" id="{6F9EF7A9-1431-6699-DB6A-7AE7AA6D418F}"/>
+                <a16:creationId xmlns:a16="http://schemas.microsoft.com/office/drawing/2014/main" id="{894B0099-FDD7-28CB-59B0-4DA4B3FCCDCB}"/>
               </a:ext>
             </a:extLst>
           </p:cNvPr>
@@ -1100,7 +1254,413 @@
               <a:buFontTx/>
               <a:buChar char="-"/>
             </a:pPr>
+            <a:r>
+              <a:rPr lang="de-DE" dirty="0"/>
+              <a:t>Will not </a:t>
+            </a:r>
+            <a:r>
+              <a:rPr lang="de-DE" dirty="0" err="1"/>
+              <a:t>introduce</a:t>
+            </a:r>
+            <a:r>
+              <a:rPr lang="de-DE" dirty="0"/>
+              <a:t> a </a:t>
+            </a:r>
+            <a:r>
+              <a:rPr lang="de-DE" dirty="0" err="1"/>
+              <a:t>lot</a:t>
+            </a:r>
+            <a:r>
+              <a:rPr lang="de-DE" dirty="0"/>
+              <a:t> </a:t>
+            </a:r>
+            <a:r>
+              <a:rPr lang="de-DE" dirty="0" err="1"/>
+              <a:t>of</a:t>
+            </a:r>
+            <a:r>
+              <a:rPr lang="de-DE" dirty="0"/>
+              <a:t> </a:t>
+            </a:r>
+            <a:r>
+              <a:rPr lang="de-DE" dirty="0" err="1"/>
+              <a:t>theory</a:t>
+            </a:r>
             <a:endParaRPr lang="de-DE" dirty="0"/>
+          </a:p>
+          <a:p>
+            <a:pPr marL="171450" indent="-171450">
+              <a:buFontTx/>
+              <a:buChar char="-"/>
+            </a:pPr>
+            <a:r>
+              <a:rPr lang="de-DE" dirty="0"/>
+              <a:t>Keep </a:t>
+            </a:r>
+            <a:r>
+              <a:rPr lang="de-DE" dirty="0" err="1"/>
+              <a:t>it</a:t>
+            </a:r>
+            <a:r>
+              <a:rPr lang="de-DE" dirty="0"/>
+              <a:t> </a:t>
+            </a:r>
+            <a:r>
+              <a:rPr lang="de-DE" dirty="0" err="1"/>
+              <a:t>intro</a:t>
+            </a:r>
+            <a:r>
+              <a:rPr lang="de-DE" dirty="0"/>
+              <a:t> </a:t>
+            </a:r>
+            <a:r>
+              <a:rPr lang="de-DE" dirty="0" err="1"/>
+              <a:t>level</a:t>
+            </a:r>
+            <a:r>
+              <a:rPr lang="de-DE" dirty="0"/>
+              <a:t> </a:t>
+            </a:r>
+            <a:r>
+              <a:rPr lang="de-DE" dirty="0" err="1"/>
+              <a:t>friendly</a:t>
+            </a:r>
+            <a:endParaRPr lang="de-DE" dirty="0"/>
+          </a:p>
+          <a:p>
+            <a:pPr marL="171450" indent="-171450">
+              <a:buFontTx/>
+              <a:buChar char="-"/>
+            </a:pPr>
+            <a:endParaRPr lang="de-DE" dirty="0"/>
+          </a:p>
+          <a:p>
+            <a:pPr marL="0" indent="0">
+              <a:buFontTx/>
+              <a:buNone/>
+            </a:pPr>
+            <a:r>
+              <a:rPr lang="de-DE" dirty="0"/>
+              <a:t>Thus: </a:t>
+            </a:r>
+          </a:p>
+          <a:p>
+            <a:pPr marL="171450" indent="-171450">
+              <a:buFontTx/>
+              <a:buChar char="-"/>
+            </a:pPr>
+            <a:r>
+              <a:rPr lang="de-DE" dirty="0"/>
+              <a:t>Applied NAC </a:t>
+            </a:r>
+            <a:r>
+              <a:rPr lang="de-DE" dirty="0" err="1"/>
+              <a:t>example</a:t>
+            </a:r>
+            <a:endParaRPr lang="de-DE" dirty="0"/>
+          </a:p>
+          <a:p>
+            <a:pPr marL="171450" indent="-171450">
+              <a:buFontTx/>
+              <a:buChar char="-"/>
+            </a:pPr>
+            <a:endParaRPr lang="de-DE" dirty="0"/>
+          </a:p>
+          <a:p>
+            <a:pPr marL="0" indent="0">
+              <a:buFontTx/>
+              <a:buNone/>
+            </a:pPr>
+            <a:r>
+              <a:rPr lang="de-DE" dirty="0"/>
+              <a:t>Basic </a:t>
+            </a:r>
+            <a:r>
+              <a:rPr lang="de-DE" dirty="0" err="1"/>
+              <a:t>theory</a:t>
+            </a:r>
+            <a:r>
+              <a:rPr lang="de-DE" dirty="0"/>
+              <a:t>:</a:t>
+            </a:r>
+          </a:p>
+          <a:p>
+            <a:pPr marL="171450" indent="-171450">
+              <a:buFontTx/>
+              <a:buChar char="-"/>
+            </a:pPr>
+            <a:r>
+              <a:rPr lang="de-DE" dirty="0" err="1"/>
+              <a:t>Copula</a:t>
+            </a:r>
+            <a:r>
+              <a:rPr lang="de-DE" dirty="0"/>
+              <a:t> </a:t>
+            </a:r>
+            <a:r>
+              <a:rPr lang="de-DE" dirty="0" err="1"/>
+              <a:t>is</a:t>
+            </a:r>
+            <a:r>
+              <a:rPr lang="de-DE" dirty="0"/>
+              <a:t> a </a:t>
+            </a:r>
+            <a:r>
+              <a:rPr lang="de-DE" dirty="0" err="1"/>
+              <a:t>joint</a:t>
+            </a:r>
+            <a:r>
+              <a:rPr lang="de-DE" dirty="0"/>
+              <a:t> </a:t>
+            </a:r>
+            <a:r>
+              <a:rPr lang="de-DE" dirty="0" err="1"/>
+              <a:t>cdf</a:t>
+            </a:r>
+            <a:r>
+              <a:rPr lang="de-DE" dirty="0"/>
+              <a:t> </a:t>
+            </a:r>
+            <a:r>
+              <a:rPr lang="de-DE" dirty="0" err="1"/>
+              <a:t>with</a:t>
+            </a:r>
+            <a:r>
+              <a:rPr lang="de-DE" dirty="0"/>
+              <a:t> uniform </a:t>
+            </a:r>
+            <a:r>
+              <a:rPr lang="de-DE" dirty="0" err="1"/>
+              <a:t>margins</a:t>
+            </a:r>
+            <a:r>
+              <a:rPr lang="de-DE" dirty="0"/>
+              <a:t> (</a:t>
+            </a:r>
+            <a:r>
+              <a:rPr lang="de-DE" dirty="0" err="1"/>
+              <a:t>more</a:t>
+            </a:r>
+            <a:r>
+              <a:rPr lang="de-DE" dirty="0"/>
+              <a:t> on </a:t>
+            </a:r>
+            <a:r>
+              <a:rPr lang="de-DE" dirty="0" err="1"/>
+              <a:t>that</a:t>
+            </a:r>
+            <a:r>
+              <a:rPr lang="de-DE" dirty="0"/>
+              <a:t> </a:t>
+            </a:r>
+            <a:r>
+              <a:rPr lang="de-DE" dirty="0" err="1"/>
+              <a:t>later</a:t>
+            </a:r>
+            <a:r>
+              <a:rPr lang="de-DE" dirty="0"/>
+              <a:t>. </a:t>
+            </a:r>
+            <a:r>
+              <a:rPr lang="de-DE" dirty="0" err="1"/>
+              <a:t>For</a:t>
+            </a:r>
+            <a:r>
+              <a:rPr lang="de-DE" dirty="0"/>
+              <a:t> </a:t>
+            </a:r>
+            <a:r>
+              <a:rPr lang="de-DE" dirty="0" err="1"/>
+              <a:t>now</a:t>
+            </a:r>
+            <a:r>
+              <a:rPr lang="de-DE" dirty="0"/>
+              <a:t> </a:t>
+            </a:r>
+            <a:r>
+              <a:rPr lang="de-DE" dirty="0" err="1"/>
+              <a:t>think</a:t>
+            </a:r>
+            <a:r>
+              <a:rPr lang="de-DE" dirty="0"/>
+              <a:t> </a:t>
+            </a:r>
+            <a:r>
+              <a:rPr lang="de-DE" dirty="0" err="1"/>
+              <a:t>of</a:t>
+            </a:r>
+            <a:r>
+              <a:rPr lang="de-DE" dirty="0"/>
+              <a:t> </a:t>
+            </a:r>
+            <a:r>
+              <a:rPr lang="de-DE" dirty="0" err="1"/>
+              <a:t>it</a:t>
+            </a:r>
+            <a:r>
+              <a:rPr lang="de-DE" dirty="0"/>
+              <a:t> </a:t>
+            </a:r>
+            <a:r>
+              <a:rPr lang="de-DE" dirty="0" err="1"/>
+              <a:t>as</a:t>
+            </a:r>
+            <a:r>
+              <a:rPr lang="de-DE" dirty="0"/>
+              <a:t> just a </a:t>
+            </a:r>
+            <a:r>
+              <a:rPr lang="de-DE" dirty="0" err="1"/>
+              <a:t>function</a:t>
+            </a:r>
+            <a:r>
+              <a:rPr lang="de-DE" dirty="0"/>
+              <a:t>)</a:t>
+            </a:r>
+          </a:p>
+          <a:p>
+            <a:pPr marL="171450" indent="-171450">
+              <a:buFontTx/>
+              <a:buChar char="-"/>
+            </a:pPr>
+            <a:r>
+              <a:rPr lang="de-DE" dirty="0" err="1"/>
+              <a:t>Allows</a:t>
+            </a:r>
+            <a:r>
+              <a:rPr lang="de-DE" dirty="0"/>
+              <a:t> to </a:t>
+            </a:r>
+            <a:r>
+              <a:rPr lang="de-DE" dirty="0" err="1"/>
+              <a:t>decouple</a:t>
+            </a:r>
+            <a:r>
+              <a:rPr lang="de-DE" dirty="0"/>
+              <a:t> marginal </a:t>
+            </a:r>
+            <a:r>
+              <a:rPr lang="de-DE" dirty="0" err="1"/>
+              <a:t>distribution</a:t>
+            </a:r>
+            <a:r>
+              <a:rPr lang="de-DE" dirty="0"/>
+              <a:t> and </a:t>
+            </a:r>
+            <a:r>
+              <a:rPr lang="de-DE" dirty="0" err="1"/>
+              <a:t>dependence</a:t>
+            </a:r>
+            <a:r>
+              <a:rPr lang="de-DE" dirty="0"/>
+              <a:t> </a:t>
+            </a:r>
+            <a:r>
+              <a:rPr lang="de-DE" dirty="0" err="1"/>
+              <a:t>strucutre</a:t>
+            </a:r>
+            <a:endParaRPr lang="de-DE" dirty="0"/>
+          </a:p>
+          <a:p>
+            <a:pPr marL="171450" indent="-171450">
+              <a:buFontTx/>
+              <a:buChar char="-"/>
+            </a:pPr>
+            <a:r>
+              <a:rPr lang="de-DE" dirty="0"/>
+              <a:t>NAC </a:t>
+            </a:r>
+            <a:r>
+              <a:rPr lang="de-DE" dirty="0" err="1"/>
+              <a:t>special</a:t>
+            </a:r>
+            <a:r>
+              <a:rPr lang="de-DE" dirty="0"/>
+              <a:t> AC </a:t>
+            </a:r>
+            <a:r>
+              <a:rPr lang="de-DE" dirty="0" err="1"/>
+              <a:t>that</a:t>
+            </a:r>
+            <a:r>
+              <a:rPr lang="de-DE" dirty="0"/>
+              <a:t> </a:t>
+            </a:r>
+            <a:r>
+              <a:rPr lang="de-DE" dirty="0" err="1"/>
+              <a:t>allow</a:t>
+            </a:r>
+            <a:r>
+              <a:rPr lang="de-DE" dirty="0"/>
+              <a:t> partial </a:t>
+            </a:r>
+            <a:r>
+              <a:rPr lang="de-DE" dirty="0" err="1"/>
+              <a:t>asymmetry</a:t>
+            </a:r>
+            <a:r>
+              <a:rPr lang="de-DE" dirty="0"/>
+              <a:t> FORMULA</a:t>
+            </a:r>
+          </a:p>
+          <a:p>
+            <a:pPr marL="171450" indent="-171450">
+              <a:buFontTx/>
+              <a:buChar char="-"/>
+            </a:pPr>
+            <a:endParaRPr lang="de-DE" dirty="0"/>
+          </a:p>
+          <a:p>
+            <a:pPr marL="0" indent="0">
+              <a:buFontTx/>
+              <a:buNone/>
+            </a:pPr>
+            <a:r>
+              <a:rPr lang="de-DE" dirty="0"/>
+              <a:t>CDF: </a:t>
+            </a:r>
+          </a:p>
+          <a:p>
+            <a:pPr marL="0" indent="0">
+              <a:buFontTx/>
+              <a:buNone/>
+            </a:pPr>
+            <a:r>
+              <a:rPr lang="de-DE" dirty="0"/>
+              <a:t>- </a:t>
+            </a:r>
+            <a:r>
+              <a:rPr lang="de-DE" dirty="0" err="1"/>
+              <a:t>Function</a:t>
+            </a:r>
+            <a:r>
+              <a:rPr lang="de-DE" dirty="0"/>
+              <a:t> </a:t>
+            </a:r>
+            <a:r>
+              <a:rPr lang="de-DE" dirty="0" err="1"/>
+              <a:t>that</a:t>
+            </a:r>
+            <a:r>
+              <a:rPr lang="de-DE" dirty="0"/>
+              <a:t> </a:t>
+            </a:r>
+            <a:r>
+              <a:rPr lang="de-DE" dirty="0" err="1"/>
+              <a:t>gives</a:t>
+            </a:r>
+            <a:r>
+              <a:rPr lang="de-DE" dirty="0"/>
+              <a:t> </a:t>
+            </a:r>
+            <a:r>
+              <a:rPr lang="de-DE" dirty="0" err="1"/>
+              <a:t>probability</a:t>
+            </a:r>
+            <a:r>
+              <a:rPr lang="de-DE" dirty="0"/>
+              <a:t> X&lt;= x</a:t>
+            </a:r>
           </a:p>
         </p:txBody>
       </p:sp>
@@ -1109,7 +1669,7 @@
           <p:cNvPr id="4" name="Foliennummernplatzhalter 3">
             <a:extLst>
               <a:ext uri="{FF2B5EF4-FFF2-40B4-BE49-F238E27FC236}">
-                <a16:creationId xmlns:a16="http://schemas.microsoft.com/office/drawing/2014/main" id="{6AFDF1A0-3D0E-E3E1-D88D-033C12D104B6}"/>
+                <a16:creationId xmlns:a16="http://schemas.microsoft.com/office/drawing/2014/main" id="{BE1BDE2D-81FE-8105-468F-418EEE55B07D}"/>
               </a:ext>
             </a:extLst>
           </p:cNvPr>
@@ -1136,7 +1696,7 @@
     </p:spTree>
     <p:extLst>
       <p:ext uri="{BB962C8B-B14F-4D97-AF65-F5344CB8AC3E}">
-        <p14:creationId xmlns:p14="http://schemas.microsoft.com/office/powerpoint/2010/main" val="4213763245"/>
+        <p14:creationId xmlns:p14="http://schemas.microsoft.com/office/powerpoint/2010/main" val="3982329045"/>
       </p:ext>
     </p:extLst>
   </p:cSld>
@@ -1147,524 +1707,6 @@
 </file>
 
 <file path=ppt/notesSlides/notesSlide5.xml><?xml version="1.0" encoding="utf-8"?>
-<p:notes xmlns:a="http://schemas.openxmlformats.org/drawingml/2006/main" xmlns:r="http://schemas.openxmlformats.org/officeDocument/2006/relationships" xmlns:p="http://schemas.openxmlformats.org/presentationml/2006/main">
-  <p:cSld>
-    <p:spTree>
-      <p:nvGrpSpPr>
-        <p:cNvPr id="1" name="">
-          <a:extLst>
-            <a:ext uri="{FF2B5EF4-FFF2-40B4-BE49-F238E27FC236}">
-              <a16:creationId xmlns:a16="http://schemas.microsoft.com/office/drawing/2014/main" id="{9E0644EA-B79B-B1BE-F499-C3AA12388E36}"/>
-            </a:ext>
-          </a:extLst>
-        </p:cNvPr>
-        <p:cNvGrpSpPr/>
-        <p:nvPr/>
-      </p:nvGrpSpPr>
-      <p:grpSpPr>
-        <a:xfrm>
-          <a:off x="0" y="0"/>
-          <a:ext cx="0" cy="0"/>
-          <a:chOff x="0" y="0"/>
-          <a:chExt cx="0" cy="0"/>
-        </a:xfrm>
-      </p:grpSpPr>
-      <p:sp>
-        <p:nvSpPr>
-          <p:cNvPr id="2" name="Folienbildplatzhalter 1">
-            <a:extLst>
-              <a:ext uri="{FF2B5EF4-FFF2-40B4-BE49-F238E27FC236}">
-                <a16:creationId xmlns:a16="http://schemas.microsoft.com/office/drawing/2014/main" id="{2791D1A7-3511-AA76-05E9-E461933124D8}"/>
-              </a:ext>
-            </a:extLst>
-          </p:cNvPr>
-          <p:cNvSpPr>
-            <a:spLocks noGrp="1" noRot="1" noChangeAspect="1"/>
-          </p:cNvSpPr>
-          <p:nvPr>
-            <p:ph type="sldImg"/>
-          </p:nvPr>
-        </p:nvSpPr>
-        <p:spPr/>
-      </p:sp>
-      <p:sp>
-        <p:nvSpPr>
-          <p:cNvPr id="3" name="Notizenplatzhalter 2">
-            <a:extLst>
-              <a:ext uri="{FF2B5EF4-FFF2-40B4-BE49-F238E27FC236}">
-                <a16:creationId xmlns:a16="http://schemas.microsoft.com/office/drawing/2014/main" id="{04AD419A-AB90-77AD-BA04-FC1851166B54}"/>
-              </a:ext>
-            </a:extLst>
-          </p:cNvPr>
-          <p:cNvSpPr>
-            <a:spLocks noGrp="1"/>
-          </p:cNvSpPr>
-          <p:nvPr>
-            <p:ph type="body" idx="1"/>
-          </p:nvPr>
-        </p:nvSpPr>
-        <p:spPr/>
-        <p:txBody>
-          <a:bodyPr/>
-          <a:lstStyle/>
-          <a:p>
-            <a:pPr marL="171450" indent="-171450">
-              <a:buFontTx/>
-              <a:buChar char="-"/>
-            </a:pPr>
-            <a:r>
-              <a:rPr lang="de-DE" dirty="0"/>
-              <a:t>Will not </a:t>
-            </a:r>
-            <a:r>
-              <a:rPr lang="de-DE" dirty="0" err="1"/>
-              <a:t>introduce</a:t>
-            </a:r>
-            <a:r>
-              <a:rPr lang="de-DE" dirty="0"/>
-              <a:t> a </a:t>
-            </a:r>
-            <a:r>
-              <a:rPr lang="de-DE" dirty="0" err="1"/>
-              <a:t>lot</a:t>
-            </a:r>
-            <a:r>
-              <a:rPr lang="de-DE" dirty="0"/>
-              <a:t> </a:t>
-            </a:r>
-            <a:r>
-              <a:rPr lang="de-DE" dirty="0" err="1"/>
-              <a:t>of</a:t>
-            </a:r>
-            <a:r>
-              <a:rPr lang="de-DE" dirty="0"/>
-              <a:t> </a:t>
-            </a:r>
-            <a:r>
-              <a:rPr lang="de-DE" dirty="0" err="1"/>
-              <a:t>theory</a:t>
-            </a:r>
-            <a:endParaRPr lang="de-DE" dirty="0"/>
-          </a:p>
-          <a:p>
-            <a:pPr marL="171450" indent="-171450">
-              <a:buFontTx/>
-              <a:buChar char="-"/>
-            </a:pPr>
-            <a:r>
-              <a:rPr lang="de-DE" dirty="0"/>
-              <a:t>Keep </a:t>
-            </a:r>
-            <a:r>
-              <a:rPr lang="de-DE" dirty="0" err="1"/>
-              <a:t>it</a:t>
-            </a:r>
-            <a:r>
-              <a:rPr lang="de-DE" dirty="0"/>
-              <a:t> </a:t>
-            </a:r>
-            <a:r>
-              <a:rPr lang="de-DE" dirty="0" err="1"/>
-              <a:t>intro</a:t>
-            </a:r>
-            <a:r>
-              <a:rPr lang="de-DE" dirty="0"/>
-              <a:t> </a:t>
-            </a:r>
-            <a:r>
-              <a:rPr lang="de-DE" dirty="0" err="1"/>
-              <a:t>level</a:t>
-            </a:r>
-            <a:r>
-              <a:rPr lang="de-DE" dirty="0"/>
-              <a:t> </a:t>
-            </a:r>
-            <a:r>
-              <a:rPr lang="de-DE" dirty="0" err="1"/>
-              <a:t>friendly</a:t>
-            </a:r>
-            <a:endParaRPr lang="de-DE" dirty="0"/>
-          </a:p>
-          <a:p>
-            <a:pPr marL="171450" indent="-171450">
-              <a:buFontTx/>
-              <a:buChar char="-"/>
-            </a:pPr>
-            <a:endParaRPr lang="de-DE" dirty="0"/>
-          </a:p>
-          <a:p>
-            <a:pPr marL="0" indent="0">
-              <a:buFontTx/>
-              <a:buNone/>
-            </a:pPr>
-            <a:r>
-              <a:rPr lang="de-DE" dirty="0"/>
-              <a:t>Thus: </a:t>
-            </a:r>
-          </a:p>
-          <a:p>
-            <a:pPr marL="171450" indent="-171450">
-              <a:buFontTx/>
-              <a:buChar char="-"/>
-            </a:pPr>
-            <a:r>
-              <a:rPr lang="de-DE" dirty="0"/>
-              <a:t>Applied NAC </a:t>
-            </a:r>
-            <a:r>
-              <a:rPr lang="de-DE" dirty="0" err="1"/>
-              <a:t>example</a:t>
-            </a:r>
-            <a:endParaRPr lang="de-DE" dirty="0"/>
-          </a:p>
-          <a:p>
-            <a:pPr marL="171450" indent="-171450">
-              <a:buFontTx/>
-              <a:buChar char="-"/>
-            </a:pPr>
-            <a:endParaRPr lang="de-DE" dirty="0"/>
-          </a:p>
-          <a:p>
-            <a:pPr marL="0" indent="0">
-              <a:buFontTx/>
-              <a:buNone/>
-            </a:pPr>
-            <a:r>
-              <a:rPr lang="de-DE" dirty="0"/>
-              <a:t>Basic </a:t>
-            </a:r>
-            <a:r>
-              <a:rPr lang="de-DE" dirty="0" err="1"/>
-              <a:t>theory</a:t>
-            </a:r>
-            <a:r>
-              <a:rPr lang="de-DE" dirty="0"/>
-              <a:t>:</a:t>
-            </a:r>
-          </a:p>
-          <a:p>
-            <a:pPr marL="171450" indent="-171450">
-              <a:buFontTx/>
-              <a:buChar char="-"/>
-            </a:pPr>
-            <a:r>
-              <a:rPr lang="de-DE" dirty="0" err="1"/>
-              <a:t>Copula</a:t>
-            </a:r>
-            <a:r>
-              <a:rPr lang="de-DE" dirty="0"/>
-              <a:t> </a:t>
-            </a:r>
-            <a:r>
-              <a:rPr lang="de-DE" dirty="0" err="1"/>
-              <a:t>is</a:t>
-            </a:r>
-            <a:r>
-              <a:rPr lang="de-DE" dirty="0"/>
-              <a:t> a </a:t>
-            </a:r>
-            <a:r>
-              <a:rPr lang="de-DE" dirty="0" err="1"/>
-              <a:t>joint</a:t>
-            </a:r>
-            <a:r>
-              <a:rPr lang="de-DE" dirty="0"/>
-              <a:t> </a:t>
-            </a:r>
-            <a:r>
-              <a:rPr lang="de-DE" dirty="0" err="1"/>
-              <a:t>cdf</a:t>
-            </a:r>
-            <a:r>
-              <a:rPr lang="de-DE" dirty="0"/>
-              <a:t> </a:t>
-            </a:r>
-            <a:r>
-              <a:rPr lang="de-DE" dirty="0" err="1"/>
-              <a:t>with</a:t>
-            </a:r>
-            <a:r>
-              <a:rPr lang="de-DE" dirty="0"/>
-              <a:t> uniform </a:t>
-            </a:r>
-            <a:r>
-              <a:rPr lang="de-DE" dirty="0" err="1"/>
-              <a:t>margins</a:t>
-            </a:r>
-            <a:r>
-              <a:rPr lang="de-DE" dirty="0"/>
-              <a:t> (</a:t>
-            </a:r>
-            <a:r>
-              <a:rPr lang="de-DE" dirty="0" err="1"/>
-              <a:t>more</a:t>
-            </a:r>
-            <a:r>
-              <a:rPr lang="de-DE" dirty="0"/>
-              <a:t> on </a:t>
-            </a:r>
-            <a:r>
-              <a:rPr lang="de-DE" dirty="0" err="1"/>
-              <a:t>that</a:t>
-            </a:r>
-            <a:r>
-              <a:rPr lang="de-DE" dirty="0"/>
-              <a:t> </a:t>
-            </a:r>
-            <a:r>
-              <a:rPr lang="de-DE" dirty="0" err="1"/>
-              <a:t>later</a:t>
-            </a:r>
-            <a:r>
-              <a:rPr lang="de-DE" dirty="0"/>
-              <a:t>. </a:t>
-            </a:r>
-            <a:r>
-              <a:rPr lang="de-DE" dirty="0" err="1"/>
-              <a:t>For</a:t>
-            </a:r>
-            <a:r>
-              <a:rPr lang="de-DE" dirty="0"/>
-              <a:t> </a:t>
-            </a:r>
-            <a:r>
-              <a:rPr lang="de-DE" dirty="0" err="1"/>
-              <a:t>now</a:t>
-            </a:r>
-            <a:r>
-              <a:rPr lang="de-DE" dirty="0"/>
-              <a:t> </a:t>
-            </a:r>
-            <a:r>
-              <a:rPr lang="de-DE" dirty="0" err="1"/>
-              <a:t>think</a:t>
-            </a:r>
-            <a:r>
-              <a:rPr lang="de-DE" dirty="0"/>
-              <a:t> </a:t>
-            </a:r>
-            <a:r>
-              <a:rPr lang="de-DE" dirty="0" err="1"/>
-              <a:t>of</a:t>
-            </a:r>
-            <a:r>
-              <a:rPr lang="de-DE" dirty="0"/>
-              <a:t> </a:t>
-            </a:r>
-            <a:r>
-              <a:rPr lang="de-DE" dirty="0" err="1"/>
-              <a:t>it</a:t>
-            </a:r>
-            <a:r>
-              <a:rPr lang="de-DE" dirty="0"/>
-              <a:t> </a:t>
-            </a:r>
-            <a:r>
-              <a:rPr lang="de-DE" dirty="0" err="1"/>
-              <a:t>as</a:t>
-            </a:r>
-            <a:r>
-              <a:rPr lang="de-DE" dirty="0"/>
-              <a:t> just a </a:t>
-            </a:r>
-            <a:r>
-              <a:rPr lang="de-DE" dirty="0" err="1"/>
-              <a:t>function</a:t>
-            </a:r>
-            <a:r>
-              <a:rPr lang="de-DE" dirty="0"/>
-              <a:t>)</a:t>
-            </a:r>
-          </a:p>
-          <a:p>
-            <a:pPr marL="171450" indent="-171450">
-              <a:buFontTx/>
-              <a:buChar char="-"/>
-            </a:pPr>
-            <a:r>
-              <a:rPr lang="de-DE" dirty="0" err="1"/>
-              <a:t>Allows</a:t>
-            </a:r>
-            <a:r>
-              <a:rPr lang="de-DE" dirty="0"/>
-              <a:t> to </a:t>
-            </a:r>
-            <a:r>
-              <a:rPr lang="de-DE" dirty="0" err="1"/>
-              <a:t>decouple</a:t>
-            </a:r>
-            <a:r>
-              <a:rPr lang="de-DE" dirty="0"/>
-              <a:t> marginal </a:t>
-            </a:r>
-            <a:r>
-              <a:rPr lang="de-DE" dirty="0" err="1"/>
-              <a:t>distribution</a:t>
-            </a:r>
-            <a:r>
-              <a:rPr lang="de-DE" dirty="0"/>
-              <a:t> and </a:t>
-            </a:r>
-            <a:r>
-              <a:rPr lang="de-DE" dirty="0" err="1"/>
-              <a:t>dependence</a:t>
-            </a:r>
-            <a:r>
-              <a:rPr lang="de-DE" dirty="0"/>
-              <a:t> </a:t>
-            </a:r>
-            <a:r>
-              <a:rPr lang="de-DE" dirty="0" err="1"/>
-              <a:t>strucutre</a:t>
-            </a:r>
-            <a:endParaRPr lang="de-DE" dirty="0"/>
-          </a:p>
-          <a:p>
-            <a:pPr marL="171450" indent="-171450">
-              <a:buFontTx/>
-              <a:buChar char="-"/>
-            </a:pPr>
-            <a:r>
-              <a:rPr lang="de-DE" dirty="0"/>
-              <a:t>NAC </a:t>
-            </a:r>
-            <a:r>
-              <a:rPr lang="de-DE" dirty="0" err="1"/>
-              <a:t>special</a:t>
-            </a:r>
-            <a:r>
-              <a:rPr lang="de-DE" dirty="0"/>
-              <a:t> AC </a:t>
-            </a:r>
-            <a:r>
-              <a:rPr lang="de-DE" dirty="0" err="1"/>
-              <a:t>that</a:t>
-            </a:r>
-            <a:r>
-              <a:rPr lang="de-DE" dirty="0"/>
-              <a:t> </a:t>
-            </a:r>
-            <a:r>
-              <a:rPr lang="de-DE" dirty="0" err="1"/>
-              <a:t>allow</a:t>
-            </a:r>
-            <a:r>
-              <a:rPr lang="de-DE" dirty="0"/>
-              <a:t> partial </a:t>
-            </a:r>
-            <a:r>
-              <a:rPr lang="de-DE" dirty="0" err="1"/>
-              <a:t>asymmetry</a:t>
-            </a:r>
-            <a:r>
-              <a:rPr lang="de-DE" dirty="0"/>
-              <a:t> FORMULA</a:t>
-            </a:r>
-          </a:p>
-          <a:p>
-            <a:pPr marL="171450" indent="-171450">
-              <a:buFontTx/>
-              <a:buChar char="-"/>
-            </a:pPr>
-            <a:endParaRPr lang="de-DE" dirty="0"/>
-          </a:p>
-          <a:p>
-            <a:pPr marL="0" indent="0">
-              <a:buFontTx/>
-              <a:buNone/>
-            </a:pPr>
-            <a:r>
-              <a:rPr lang="de-DE" dirty="0"/>
-              <a:t>CDF: </a:t>
-            </a:r>
-          </a:p>
-          <a:p>
-            <a:pPr marL="0" indent="0">
-              <a:buFontTx/>
-              <a:buNone/>
-            </a:pPr>
-            <a:r>
-              <a:rPr lang="de-DE" dirty="0"/>
-              <a:t>- </a:t>
-            </a:r>
-            <a:r>
-              <a:rPr lang="de-DE" dirty="0" err="1"/>
-              <a:t>Function</a:t>
-            </a:r>
-            <a:r>
-              <a:rPr lang="de-DE" dirty="0"/>
-              <a:t> </a:t>
-            </a:r>
-            <a:r>
-              <a:rPr lang="de-DE" dirty="0" err="1"/>
-              <a:t>that</a:t>
-            </a:r>
-            <a:r>
-              <a:rPr lang="de-DE" dirty="0"/>
-              <a:t> </a:t>
-            </a:r>
-            <a:r>
-              <a:rPr lang="de-DE" dirty="0" err="1"/>
-              <a:t>gives</a:t>
-            </a:r>
-            <a:r>
-              <a:rPr lang="de-DE" dirty="0"/>
-              <a:t> </a:t>
-            </a:r>
-            <a:r>
-              <a:rPr lang="de-DE" dirty="0" err="1"/>
-              <a:t>probability</a:t>
-            </a:r>
-            <a:r>
-              <a:rPr lang="de-DE" dirty="0"/>
-              <a:t> X&lt;= x</a:t>
-            </a:r>
-          </a:p>
-        </p:txBody>
-      </p:sp>
-      <p:sp>
-        <p:nvSpPr>
-          <p:cNvPr id="4" name="Foliennummernplatzhalter 3">
-            <a:extLst>
-              <a:ext uri="{FF2B5EF4-FFF2-40B4-BE49-F238E27FC236}">
-                <a16:creationId xmlns:a16="http://schemas.microsoft.com/office/drawing/2014/main" id="{38F70C72-A66C-C0C2-ED17-09A4C13C14D9}"/>
-              </a:ext>
-            </a:extLst>
-          </p:cNvPr>
-          <p:cNvSpPr>
-            <a:spLocks noGrp="1"/>
-          </p:cNvSpPr>
-          <p:nvPr>
-            <p:ph type="sldNum" sz="quarter" idx="5"/>
-          </p:nvPr>
-        </p:nvSpPr>
-        <p:spPr/>
-        <p:txBody>
-          <a:bodyPr/>
-          <a:lstStyle/>
-          <a:p>
-            <a:fld id="{988EE22E-D4F1-40D7-A03F-1C7960DE94E4}" type="slidenum">
-              <a:rPr lang="de-DE" smtClean="0"/>
-              <a:t>5</a:t>
-            </a:fld>
-            <a:endParaRPr lang="de-DE"/>
-          </a:p>
-        </p:txBody>
-      </p:sp>
-    </p:spTree>
-    <p:extLst>
-      <p:ext uri="{BB962C8B-B14F-4D97-AF65-F5344CB8AC3E}">
-        <p14:creationId xmlns:p14="http://schemas.microsoft.com/office/powerpoint/2010/main" val="2837336733"/>
-      </p:ext>
-    </p:extLst>
-  </p:cSld>
-  <p:clrMapOvr>
-    <a:masterClrMapping/>
-  </p:clrMapOvr>
-</p:notes>
-</file>
-
-<file path=ppt/notesSlides/notesSlide6.xml><?xml version="1.0" encoding="utf-8"?>
 <p:notes xmlns:a="http://schemas.openxmlformats.org/drawingml/2006/main" xmlns:r="http://schemas.openxmlformats.org/officeDocument/2006/relationships" xmlns:p="http://schemas.openxmlformats.org/presentationml/2006/main">
   <p:cSld>
     <p:spTree>
@@ -1834,7 +1876,7 @@
           <a:p>
             <a:fld id="{988EE22E-D4F1-40D7-A03F-1C7960DE94E4}" type="slidenum">
               <a:rPr lang="de-DE" smtClean="0"/>
-              <a:t>6</a:t>
+              <a:t>5</a:t>
             </a:fld>
             <a:endParaRPr lang="de-DE"/>
           </a:p>
@@ -1853,7 +1895,7 @@
 </p:notes>
 </file>
 
-<file path=ppt/notesSlides/notesSlide7.xml><?xml version="1.0" encoding="utf-8"?>
+<file path=ppt/notesSlides/notesSlide6.xml><?xml version="1.0" encoding="utf-8"?>
 <p:notes xmlns:a="http://schemas.openxmlformats.org/drawingml/2006/main" xmlns:r="http://schemas.openxmlformats.org/officeDocument/2006/relationships" xmlns:p="http://schemas.openxmlformats.org/presentationml/2006/main">
   <p:cSld>
     <p:spTree>
@@ -1921,75 +1963,23 @@
             </a:pPr>
             <a:r>
               <a:rPr lang="de-DE" dirty="0"/>
-              <a:t>SHOW </a:t>
-            </a:r>
-            <a:r>
-              <a:rPr lang="de-DE" dirty="0" err="1"/>
-              <a:t>psuedo</a:t>
-            </a:r>
-            <a:r>
-              <a:rPr lang="de-DE" dirty="0"/>
-              <a:t> </a:t>
-            </a:r>
-            <a:r>
-              <a:rPr lang="de-DE" dirty="0" err="1"/>
-              <a:t>obs</a:t>
-            </a:r>
-            <a:r>
-              <a:rPr lang="de-DE" dirty="0"/>
-              <a:t> </a:t>
-            </a:r>
-            <a:r>
-              <a:rPr lang="de-DE" dirty="0" err="1"/>
-              <a:t>plot</a:t>
-            </a:r>
-            <a:endParaRPr lang="de-DE" dirty="0"/>
+              <a:t>Concept </a:t>
+            </a:r>
+            <a:r>
+              <a:rPr lang="de-DE" dirty="0" err="1"/>
+              <a:t>of</a:t>
+            </a:r>
+            <a:r>
+              <a:rPr lang="de-DE" dirty="0"/>
+              <a:t> PIT:</a:t>
+            </a:r>
           </a:p>
           <a:p>
             <a:pPr marL="171450" indent="-171450">
               <a:buFontTx/>
               <a:buChar char="-"/>
             </a:pPr>
-            <a:r>
-              <a:rPr lang="de-DE" dirty="0" err="1"/>
-              <a:t>Copula</a:t>
-            </a:r>
-            <a:r>
-              <a:rPr lang="de-DE" dirty="0"/>
-              <a:t> (Note </a:t>
-            </a:r>
-            <a:r>
-              <a:rPr lang="de-DE" dirty="0" err="1"/>
-              <a:t>towards</a:t>
-            </a:r>
-            <a:r>
-              <a:rPr lang="de-DE" dirty="0"/>
-              <a:t> </a:t>
-            </a:r>
-            <a:r>
-              <a:rPr lang="de-DE" dirty="0" err="1"/>
-              <a:t>asymmetry</a:t>
-            </a:r>
-            <a:r>
-              <a:rPr lang="de-DE" dirty="0"/>
-              <a:t> in Scatterplots and </a:t>
-            </a:r>
-            <a:r>
-              <a:rPr lang="de-DE" dirty="0" err="1"/>
-              <a:t>Limitations</a:t>
-            </a:r>
-            <a:r>
-              <a:rPr lang="de-DE" dirty="0"/>
-              <a:t> </a:t>
-            </a:r>
-            <a:r>
-              <a:rPr lang="de-DE" dirty="0" err="1"/>
-              <a:t>of</a:t>
-            </a:r>
-            <a:r>
-              <a:rPr lang="de-DE" dirty="0"/>
-              <a:t> NACs)</a:t>
-            </a:r>
+            <a:endParaRPr lang="de-DE" dirty="0"/>
           </a:p>
           <a:p>
             <a:pPr marL="171450" indent="-171450">
@@ -1998,33 +1988,28 @@
             </a:pPr>
             <a:r>
               <a:rPr lang="de-DE" dirty="0" err="1"/>
-              <a:t>Using</a:t>
-            </a:r>
-            <a:r>
-              <a:rPr lang="de-DE" dirty="0"/>
-              <a:t> PIT, </a:t>
-            </a:r>
-            <a:r>
-              <a:rPr lang="de-DE" dirty="0" err="1"/>
-              <a:t>we</a:t>
-            </a:r>
-            <a:r>
-              <a:rPr lang="de-DE" dirty="0"/>
-              <a:t> </a:t>
-            </a:r>
-            <a:r>
-              <a:rPr lang="de-DE" dirty="0" err="1"/>
-              <a:t>obtain</a:t>
-            </a:r>
-            <a:r>
-              <a:rPr lang="de-DE" dirty="0"/>
-              <a:t> pseudo </a:t>
-            </a:r>
-            <a:r>
-              <a:rPr lang="de-DE" dirty="0" err="1"/>
-              <a:t>observations</a:t>
-            </a:r>
-            <a:endParaRPr lang="de-DE" dirty="0"/>
+              <a:t>We</a:t>
+            </a:r>
+            <a:r>
+              <a:rPr lang="de-DE" dirty="0"/>
+              <a:t> </a:t>
+            </a:r>
+            <a:r>
+              <a:rPr lang="de-DE" dirty="0" err="1"/>
+              <a:t>used</a:t>
+            </a:r>
+            <a:r>
+              <a:rPr lang="de-DE" dirty="0"/>
+              <a:t> </a:t>
+            </a:r>
+            <a:r>
+              <a:rPr lang="de-DE" dirty="0" err="1"/>
+              <a:t>empirical</a:t>
+            </a:r>
+            <a:r>
+              <a:rPr lang="de-DE" dirty="0"/>
+              <a:t> CDF</a:t>
+            </a:r>
           </a:p>
           <a:p>
             <a:pPr marL="171450" indent="-171450">
@@ -2033,23 +2018,81 @@
             </a:pPr>
             <a:r>
               <a:rPr lang="de-DE" dirty="0"/>
-              <a:t>R </a:t>
-            </a:r>
-            <a:r>
-              <a:rPr lang="de-DE" dirty="0" err="1"/>
-              <a:t>sim</a:t>
-            </a:r>
-            <a:r>
-              <a:rPr lang="de-DE" dirty="0"/>
-              <a:t> </a:t>
-            </a:r>
-            <a:r>
-              <a:rPr lang="de-DE" dirty="0" err="1"/>
-              <a:t>for</a:t>
-            </a:r>
-            <a:r>
-              <a:rPr lang="de-DE" dirty="0"/>
-              <a:t> PIT?</a:t>
+              <a:t>&gt; </a:t>
+            </a:r>
+            <a:r>
+              <a:rPr lang="de-DE" dirty="0" err="1"/>
+              <a:t>Then</a:t>
+            </a:r>
+            <a:r>
+              <a:rPr lang="de-DE" dirty="0"/>
+              <a:t>, CDF </a:t>
+            </a:r>
+            <a:r>
+              <a:rPr lang="de-DE" dirty="0" err="1"/>
+              <a:t>is</a:t>
+            </a:r>
+            <a:r>
+              <a:rPr lang="de-DE" dirty="0"/>
+              <a:t> </a:t>
+            </a:r>
+            <a:r>
+              <a:rPr lang="de-DE" dirty="0" err="1"/>
+              <a:t>step</a:t>
+            </a:r>
+            <a:r>
+              <a:rPr lang="de-DE" dirty="0"/>
+              <a:t> </a:t>
+            </a:r>
+            <a:r>
+              <a:rPr lang="de-DE" dirty="0" err="1"/>
+              <a:t>function</a:t>
+            </a:r>
+            <a:r>
+              <a:rPr lang="de-DE" dirty="0"/>
+              <a:t> and not smooth</a:t>
+            </a:r>
+          </a:p>
+          <a:p>
+            <a:pPr marL="171450" indent="-171450">
+              <a:buFontTx/>
+              <a:buChar char="-"/>
+            </a:pPr>
+            <a:r>
+              <a:rPr lang="de-DE" dirty="0"/>
+              <a:t>&gt; The </a:t>
+            </a:r>
+            <a:r>
+              <a:rPr lang="de-DE" dirty="0" err="1"/>
+              <a:t>transformed</a:t>
+            </a:r>
+            <a:r>
+              <a:rPr lang="de-DE" dirty="0"/>
+              <a:t> variables </a:t>
+            </a:r>
+            <a:r>
+              <a:rPr lang="de-DE" dirty="0" err="1"/>
+              <a:t>are</a:t>
+            </a:r>
+            <a:r>
+              <a:rPr lang="de-DE" dirty="0"/>
+              <a:t> „</a:t>
+            </a:r>
+            <a:r>
+              <a:rPr lang="de-DE" dirty="0" err="1"/>
+              <a:t>psuedo</a:t>
+            </a:r>
+            <a:r>
+              <a:rPr lang="de-DE" dirty="0"/>
+              <a:t> </a:t>
+            </a:r>
+            <a:r>
+              <a:rPr lang="de-DE" dirty="0" err="1"/>
+              <a:t>obs</a:t>
+            </a:r>
+            <a:r>
+              <a:rPr lang="de-DE" dirty="0"/>
+              <a:t>“</a:t>
             </a:r>
           </a:p>
         </p:txBody>
@@ -2077,7 +2120,7 @@
           <a:p>
             <a:fld id="{988EE22E-D4F1-40D7-A03F-1C7960DE94E4}" type="slidenum">
               <a:rPr lang="de-DE" smtClean="0"/>
-              <a:t>7</a:t>
+              <a:t>6</a:t>
             </a:fld>
             <a:endParaRPr lang="de-DE"/>
           </a:p>
@@ -2096,7 +2139,7 @@
 </p:notes>
 </file>
 
-<file path=ppt/notesSlides/notesSlide8.xml><?xml version="1.0" encoding="utf-8"?>
+<file path=ppt/notesSlides/notesSlide7.xml><?xml version="1.0" encoding="utf-8"?>
 <p:notes xmlns:a="http://schemas.openxmlformats.org/drawingml/2006/main" xmlns:r="http://schemas.openxmlformats.org/officeDocument/2006/relationships" xmlns:p="http://schemas.openxmlformats.org/presentationml/2006/main">
   <p:cSld>
     <p:spTree>
@@ -2164,6 +2207,582 @@
             </a:pPr>
             <a:endParaRPr lang="de-DE" dirty="0"/>
           </a:p>
+          <a:p>
+            <a:pPr marL="0" indent="0">
+              <a:buFontTx/>
+              <a:buNone/>
+            </a:pPr>
+            <a:r>
+              <a:rPr lang="de-DE" dirty="0" err="1"/>
+              <a:t>Where</a:t>
+            </a:r>
+            <a:r>
+              <a:rPr lang="de-DE" dirty="0"/>
+              <a:t> </a:t>
+            </a:r>
+            <a:r>
+              <a:rPr lang="de-DE" dirty="0" err="1"/>
+              <a:t>the</a:t>
+            </a:r>
+            <a:r>
+              <a:rPr lang="de-DE" dirty="0"/>
+              <a:t> </a:t>
+            </a:r>
+            <a:r>
+              <a:rPr lang="de-DE" dirty="0" err="1"/>
+              <a:t>copula</a:t>
+            </a:r>
+            <a:r>
+              <a:rPr lang="de-DE" dirty="0"/>
+              <a:t> </a:t>
+            </a:r>
+            <a:r>
+              <a:rPr lang="de-DE" dirty="0" err="1"/>
+              <a:t>comes</a:t>
+            </a:r>
+            <a:r>
+              <a:rPr lang="de-DE" dirty="0"/>
+              <a:t> </a:t>
+            </a:r>
+            <a:r>
+              <a:rPr lang="de-DE" dirty="0" err="1"/>
+              <a:t>into</a:t>
+            </a:r>
+            <a:r>
+              <a:rPr lang="de-DE" dirty="0"/>
+              <a:t> </a:t>
+            </a:r>
+            <a:r>
+              <a:rPr lang="de-DE" dirty="0" err="1"/>
+              <a:t>play</a:t>
+            </a:r>
+            <a:r>
+              <a:rPr lang="de-DE" dirty="0"/>
+              <a:t>:</a:t>
+            </a:r>
+          </a:p>
+          <a:p>
+            <a:pPr marL="171450" indent="-171450">
+              <a:buFontTx/>
+              <a:buChar char="-"/>
+            </a:pPr>
+            <a:r>
+              <a:rPr lang="de-DE" dirty="0"/>
+              <a:t>Scatterplots </a:t>
+            </a:r>
+            <a:r>
+              <a:rPr lang="de-DE" dirty="0" err="1"/>
+              <a:t>transformed</a:t>
+            </a:r>
+            <a:endParaRPr lang="de-DE" dirty="0"/>
+          </a:p>
+          <a:p>
+            <a:pPr marL="171450" indent="-171450">
+              <a:buFontTx/>
+              <a:buChar char="-"/>
+            </a:pPr>
+            <a:r>
+              <a:rPr lang="de-DE" dirty="0"/>
+              <a:t>&gt; uniform </a:t>
+            </a:r>
+            <a:r>
+              <a:rPr lang="de-DE" dirty="0" err="1"/>
+              <a:t>margins</a:t>
+            </a:r>
+            <a:endParaRPr lang="de-DE" dirty="0"/>
+          </a:p>
+          <a:p>
+            <a:pPr marL="171450" indent="-171450">
+              <a:buFontTx/>
+              <a:buChar char="-"/>
+            </a:pPr>
+            <a:r>
+              <a:rPr lang="de-DE" dirty="0"/>
+              <a:t>&gt;  BUT </a:t>
+            </a:r>
+            <a:r>
+              <a:rPr lang="de-DE" dirty="0" err="1"/>
+              <a:t>considering</a:t>
+            </a:r>
+            <a:r>
+              <a:rPr lang="de-DE" dirty="0"/>
+              <a:t> </a:t>
+            </a:r>
+            <a:r>
+              <a:rPr lang="de-DE" dirty="0" err="1"/>
+              <a:t>dependence</a:t>
+            </a:r>
+            <a:r>
+              <a:rPr lang="de-DE" dirty="0"/>
+              <a:t>, just </a:t>
+            </a:r>
+            <a:r>
+              <a:rPr lang="de-DE" dirty="0" err="1"/>
+              <a:t>for</a:t>
+            </a:r>
+            <a:r>
+              <a:rPr lang="de-DE" dirty="0"/>
+              <a:t> </a:t>
+            </a:r>
+            <a:r>
+              <a:rPr lang="de-DE" dirty="0" err="1"/>
+              <a:t>the</a:t>
+            </a:r>
+            <a:r>
+              <a:rPr lang="de-DE" dirty="0"/>
+              <a:t> pseudo </a:t>
+            </a:r>
+            <a:r>
+              <a:rPr lang="de-DE" dirty="0" err="1"/>
+              <a:t>obs</a:t>
+            </a:r>
+            <a:r>
+              <a:rPr lang="de-DE" dirty="0"/>
+              <a:t> </a:t>
+            </a:r>
+            <a:r>
+              <a:rPr lang="de-DE" dirty="0" err="1"/>
+              <a:t>however</a:t>
+            </a:r>
+            <a:endParaRPr lang="de-DE" dirty="0"/>
+          </a:p>
+          <a:p>
+            <a:pPr marL="171450" indent="-171450">
+              <a:buFontTx/>
+              <a:buChar char="-"/>
+            </a:pPr>
+            <a:endParaRPr lang="de-DE" dirty="0"/>
+          </a:p>
+          <a:p>
+            <a:pPr marL="171450" indent="-171450">
+              <a:buFontTx/>
+              <a:buChar char="-"/>
+            </a:pPr>
+            <a:r>
+              <a:rPr lang="de-DE" dirty="0" err="1"/>
+              <a:t>We</a:t>
+            </a:r>
+            <a:r>
+              <a:rPr lang="de-DE" dirty="0"/>
+              <a:t> </a:t>
+            </a:r>
+            <a:r>
+              <a:rPr lang="de-DE" dirty="0" err="1"/>
+              <a:t>can</a:t>
+            </a:r>
+            <a:r>
+              <a:rPr lang="de-DE" dirty="0"/>
+              <a:t> fit </a:t>
+            </a:r>
+            <a:r>
+              <a:rPr lang="de-DE" dirty="0" err="1"/>
+              <a:t>copula</a:t>
+            </a:r>
+            <a:r>
+              <a:rPr lang="de-DE" dirty="0"/>
+              <a:t> TO THIS </a:t>
+            </a:r>
+            <a:r>
+              <a:rPr lang="de-DE" dirty="0" err="1"/>
+              <a:t>structure</a:t>
+            </a:r>
+            <a:r>
+              <a:rPr lang="de-DE" dirty="0"/>
+              <a:t>, </a:t>
+            </a:r>
+            <a:r>
+              <a:rPr lang="de-DE" dirty="0" err="1"/>
+              <a:t>that</a:t>
+            </a:r>
+            <a:r>
+              <a:rPr lang="de-DE" dirty="0"/>
+              <a:t> </a:t>
+            </a:r>
+            <a:r>
+              <a:rPr lang="de-DE" dirty="0" err="1"/>
+              <a:t>is</a:t>
+            </a:r>
+            <a:r>
+              <a:rPr lang="de-DE" dirty="0"/>
+              <a:t>, </a:t>
+            </a:r>
+            <a:r>
+              <a:rPr lang="de-DE" dirty="0" err="1"/>
+              <a:t>only</a:t>
+            </a:r>
+            <a:r>
+              <a:rPr lang="de-DE" dirty="0"/>
+              <a:t> </a:t>
+            </a:r>
+            <a:r>
+              <a:rPr lang="de-DE" dirty="0" err="1"/>
+              <a:t>the</a:t>
+            </a:r>
+            <a:r>
+              <a:rPr lang="de-DE" dirty="0"/>
+              <a:t> pseudo </a:t>
+            </a:r>
+            <a:r>
+              <a:rPr lang="de-DE" dirty="0" err="1"/>
+              <a:t>obs</a:t>
+            </a:r>
+            <a:r>
+              <a:rPr lang="de-DE" dirty="0"/>
+              <a:t> </a:t>
+            </a:r>
+            <a:r>
+              <a:rPr lang="de-DE" dirty="0" err="1"/>
+              <a:t>ie</a:t>
+            </a:r>
+            <a:r>
+              <a:rPr lang="de-DE" dirty="0"/>
+              <a:t>. INDEPENDENT </a:t>
+            </a:r>
+            <a:r>
+              <a:rPr lang="de-DE" dirty="0" err="1"/>
+              <a:t>of</a:t>
+            </a:r>
+            <a:r>
+              <a:rPr lang="de-DE" dirty="0"/>
+              <a:t> </a:t>
+            </a:r>
+            <a:r>
+              <a:rPr lang="de-DE" dirty="0" err="1"/>
+              <a:t>the</a:t>
+            </a:r>
+            <a:r>
+              <a:rPr lang="de-DE" dirty="0"/>
+              <a:t> </a:t>
+            </a:r>
+            <a:r>
+              <a:rPr lang="de-DE" dirty="0" err="1"/>
+              <a:t>margins</a:t>
+            </a:r>
+            <a:endParaRPr lang="de-DE" dirty="0"/>
+          </a:p>
+          <a:p>
+            <a:pPr marL="171450" indent="-171450">
+              <a:buFontTx/>
+              <a:buChar char="-"/>
+            </a:pPr>
+            <a:r>
+              <a:rPr lang="de-DE" dirty="0"/>
+              <a:t>Thus, </a:t>
+            </a:r>
+            <a:r>
+              <a:rPr lang="de-DE" dirty="0" err="1"/>
+              <a:t>we</a:t>
+            </a:r>
+            <a:r>
+              <a:rPr lang="de-DE" dirty="0"/>
+              <a:t> fit </a:t>
+            </a:r>
+            <a:r>
+              <a:rPr lang="de-DE" dirty="0" err="1"/>
+              <a:t>dependence</a:t>
+            </a:r>
+            <a:r>
+              <a:rPr lang="de-DE" dirty="0"/>
+              <a:t> INDEPENDENT </a:t>
+            </a:r>
+            <a:r>
+              <a:rPr lang="de-DE" dirty="0" err="1"/>
+              <a:t>of</a:t>
+            </a:r>
+            <a:r>
+              <a:rPr lang="de-DE" dirty="0"/>
+              <a:t> </a:t>
+            </a:r>
+            <a:r>
+              <a:rPr lang="de-DE" dirty="0" err="1"/>
+              <a:t>the</a:t>
+            </a:r>
+            <a:r>
+              <a:rPr lang="de-DE" dirty="0"/>
+              <a:t> </a:t>
+            </a:r>
+            <a:r>
+              <a:rPr lang="de-DE" dirty="0" err="1"/>
+              <a:t>margins</a:t>
+            </a:r>
+            <a:r>
+              <a:rPr lang="de-DE" dirty="0"/>
+              <a:t>. </a:t>
+            </a:r>
+            <a:r>
+              <a:rPr lang="de-DE" dirty="0" err="1"/>
+              <a:t>They</a:t>
+            </a:r>
+            <a:r>
+              <a:rPr lang="de-DE" dirty="0"/>
+              <a:t> </a:t>
+            </a:r>
+            <a:r>
+              <a:rPr lang="de-DE" dirty="0" err="1"/>
+              <a:t>can</a:t>
+            </a:r>
+            <a:r>
+              <a:rPr lang="de-DE" dirty="0"/>
+              <a:t> </a:t>
+            </a:r>
+            <a:r>
+              <a:rPr lang="de-DE" dirty="0" err="1"/>
+              <a:t>be</a:t>
+            </a:r>
+            <a:r>
+              <a:rPr lang="de-DE" dirty="0"/>
+              <a:t> </a:t>
+            </a:r>
+            <a:r>
+              <a:rPr lang="de-DE" dirty="0" err="1"/>
+              <a:t>of</a:t>
+            </a:r>
+            <a:r>
+              <a:rPr lang="de-DE" dirty="0"/>
+              <a:t> </a:t>
+            </a:r>
+            <a:r>
+              <a:rPr lang="de-DE" dirty="0" err="1"/>
+              <a:t>any</a:t>
+            </a:r>
+            <a:r>
+              <a:rPr lang="de-DE" dirty="0"/>
+              <a:t> </a:t>
+            </a:r>
+            <a:r>
+              <a:rPr lang="de-DE" dirty="0" err="1"/>
+              <a:t>shape</a:t>
+            </a:r>
+            <a:r>
+              <a:rPr lang="de-DE" dirty="0"/>
+              <a:t> </a:t>
+            </a:r>
+            <a:r>
+              <a:rPr lang="de-DE" dirty="0">
+                <a:sym typeface="Wingdings" panose="05000000000000000000" pitchFamily="2" charset="2"/>
+              </a:rPr>
+              <a:t> This </a:t>
+            </a:r>
+            <a:r>
+              <a:rPr lang="de-DE" dirty="0" err="1">
+                <a:sym typeface="Wingdings" panose="05000000000000000000" pitchFamily="2" charset="2"/>
+              </a:rPr>
+              <a:t>is</a:t>
+            </a:r>
+            <a:r>
+              <a:rPr lang="de-DE" dirty="0">
+                <a:sym typeface="Wingdings" panose="05000000000000000000" pitchFamily="2" charset="2"/>
+              </a:rPr>
+              <a:t> </a:t>
+            </a:r>
+            <a:r>
+              <a:rPr lang="de-DE" dirty="0" err="1">
+                <a:sym typeface="Wingdings" panose="05000000000000000000" pitchFamily="2" charset="2"/>
+              </a:rPr>
+              <a:t>what</a:t>
+            </a:r>
+            <a:r>
+              <a:rPr lang="de-DE" dirty="0">
+                <a:sym typeface="Wingdings" panose="05000000000000000000" pitchFamily="2" charset="2"/>
+              </a:rPr>
+              <a:t> </a:t>
+            </a:r>
+            <a:r>
+              <a:rPr lang="de-DE" dirty="0" err="1">
+                <a:sym typeface="Wingdings" panose="05000000000000000000" pitchFamily="2" charset="2"/>
+              </a:rPr>
+              <a:t>paper</a:t>
+            </a:r>
+            <a:r>
+              <a:rPr lang="de-DE" dirty="0">
+                <a:sym typeface="Wingdings" panose="05000000000000000000" pitchFamily="2" charset="2"/>
+              </a:rPr>
+              <a:t> </a:t>
+            </a:r>
+            <a:r>
+              <a:rPr lang="de-DE" dirty="0" err="1">
+                <a:sym typeface="Wingdings" panose="05000000000000000000" pitchFamily="2" charset="2"/>
+              </a:rPr>
+              <a:t>discusses</a:t>
+            </a:r>
+            <a:r>
+              <a:rPr lang="de-DE" dirty="0">
+                <a:sym typeface="Wingdings" panose="05000000000000000000" pitchFamily="2" charset="2"/>
+              </a:rPr>
+              <a:t> </a:t>
+            </a:r>
+          </a:p>
+          <a:p>
+            <a:pPr marL="171450" indent="-171450">
+              <a:buFontTx/>
+              <a:buChar char="-"/>
+            </a:pPr>
+            <a:r>
+              <a:rPr lang="de-DE" dirty="0">
+                <a:sym typeface="Wingdings" panose="05000000000000000000" pitchFamily="2" charset="2"/>
+              </a:rPr>
+              <a:t>ALSO </a:t>
+            </a:r>
+            <a:r>
+              <a:rPr lang="de-DE" dirty="0" err="1">
+                <a:sym typeface="Wingdings" panose="05000000000000000000" pitchFamily="2" charset="2"/>
+              </a:rPr>
+              <a:t>We</a:t>
+            </a:r>
+            <a:r>
+              <a:rPr lang="de-DE" dirty="0">
+                <a:sym typeface="Wingdings" panose="05000000000000000000" pitchFamily="2" charset="2"/>
+              </a:rPr>
+              <a:t> </a:t>
+            </a:r>
+            <a:r>
+              <a:rPr lang="de-DE" dirty="0" err="1">
+                <a:sym typeface="Wingdings" panose="05000000000000000000" pitchFamily="2" charset="2"/>
+              </a:rPr>
+              <a:t>see</a:t>
+            </a:r>
+            <a:r>
+              <a:rPr lang="de-DE" dirty="0">
+                <a:sym typeface="Wingdings" panose="05000000000000000000" pitchFamily="2" charset="2"/>
+              </a:rPr>
+              <a:t> </a:t>
+            </a:r>
+            <a:r>
+              <a:rPr lang="de-DE" dirty="0" err="1">
+                <a:sym typeface="Wingdings" panose="05000000000000000000" pitchFamily="2" charset="2"/>
+              </a:rPr>
+              <a:t>that</a:t>
+            </a:r>
+            <a:r>
+              <a:rPr lang="de-DE" dirty="0">
+                <a:sym typeface="Wingdings" panose="05000000000000000000" pitchFamily="2" charset="2"/>
+              </a:rPr>
+              <a:t> </a:t>
+            </a:r>
+          </a:p>
+          <a:p>
+            <a:pPr marL="171450" indent="-171450">
+              <a:buFontTx/>
+              <a:buChar char="-"/>
+            </a:pPr>
+            <a:endParaRPr lang="de-DE" dirty="0">
+              <a:sym typeface="Wingdings" panose="05000000000000000000" pitchFamily="2" charset="2"/>
+            </a:endParaRPr>
+          </a:p>
+          <a:p>
+            <a:pPr marL="171450" indent="-171450">
+              <a:buFontTx/>
+              <a:buChar char="-"/>
+            </a:pPr>
+            <a:r>
+              <a:rPr lang="de-DE" dirty="0" err="1"/>
+              <a:t>Copula</a:t>
+            </a:r>
+            <a:r>
+              <a:rPr lang="de-DE" dirty="0"/>
+              <a:t> (Note </a:t>
+            </a:r>
+            <a:r>
+              <a:rPr lang="de-DE" dirty="0" err="1"/>
+              <a:t>towards</a:t>
+            </a:r>
+            <a:r>
+              <a:rPr lang="de-DE" dirty="0"/>
+              <a:t> </a:t>
+            </a:r>
+            <a:r>
+              <a:rPr lang="de-DE" dirty="0" err="1"/>
+              <a:t>asymmetry</a:t>
+            </a:r>
+            <a:r>
+              <a:rPr lang="de-DE" dirty="0"/>
+              <a:t> in Scatterplots and </a:t>
+            </a:r>
+            <a:r>
+              <a:rPr lang="de-DE" dirty="0" err="1"/>
+              <a:t>Limitations</a:t>
+            </a:r>
+            <a:r>
+              <a:rPr lang="de-DE" dirty="0"/>
+              <a:t> </a:t>
+            </a:r>
+            <a:r>
+              <a:rPr lang="de-DE" dirty="0" err="1"/>
+              <a:t>of</a:t>
+            </a:r>
+            <a:r>
+              <a:rPr lang="de-DE" dirty="0"/>
+              <a:t> NACs)</a:t>
+            </a:r>
+          </a:p>
+          <a:p>
+            <a:pPr marL="171450" indent="-171450">
+              <a:buFontTx/>
+              <a:buChar char="-"/>
+            </a:pPr>
+            <a:r>
+              <a:rPr lang="de-DE" dirty="0" err="1"/>
+              <a:t>Using</a:t>
+            </a:r>
+            <a:r>
+              <a:rPr lang="de-DE" dirty="0"/>
+              <a:t> PIT, </a:t>
+            </a:r>
+            <a:r>
+              <a:rPr lang="de-DE" dirty="0" err="1"/>
+              <a:t>we</a:t>
+            </a:r>
+            <a:r>
+              <a:rPr lang="de-DE" dirty="0"/>
+              <a:t> </a:t>
+            </a:r>
+            <a:r>
+              <a:rPr lang="de-DE" dirty="0" err="1"/>
+              <a:t>obtain</a:t>
+            </a:r>
+            <a:r>
+              <a:rPr lang="de-DE" dirty="0"/>
+              <a:t> pseudo </a:t>
+            </a:r>
+            <a:r>
+              <a:rPr lang="de-DE" dirty="0" err="1"/>
+              <a:t>observations</a:t>
+            </a:r>
+            <a:endParaRPr lang="de-DE" dirty="0"/>
+          </a:p>
+          <a:p>
+            <a:pPr marL="171450" indent="-171450">
+              <a:buFontTx/>
+              <a:buChar char="-"/>
+            </a:pPr>
+            <a:r>
+              <a:rPr lang="de-DE" dirty="0"/>
+              <a:t>R </a:t>
+            </a:r>
+            <a:r>
+              <a:rPr lang="de-DE" dirty="0" err="1"/>
+              <a:t>sim</a:t>
+            </a:r>
+            <a:r>
+              <a:rPr lang="de-DE" dirty="0"/>
+              <a:t> </a:t>
+            </a:r>
+            <a:r>
+              <a:rPr lang="de-DE" dirty="0" err="1"/>
+              <a:t>for</a:t>
+            </a:r>
+            <a:r>
+              <a:rPr lang="de-DE" dirty="0"/>
+              <a:t> PIT?</a:t>
+            </a:r>
+          </a:p>
+          <a:p>
+            <a:pPr marL="171450" indent="-171450">
+              <a:buFontTx/>
+              <a:buChar char="-"/>
+            </a:pPr>
+            <a:endParaRPr lang="de-DE" dirty="0"/>
+          </a:p>
         </p:txBody>
       </p:sp>
       <p:sp>
@@ -2189,7 +2808,7 @@
           <a:p>
             <a:fld id="{988EE22E-D4F1-40D7-A03F-1C7960DE94E4}" type="slidenum">
               <a:rPr lang="de-DE" smtClean="0"/>
-              <a:t>8</a:t>
+              <a:t>7</a:t>
             </a:fld>
             <a:endParaRPr lang="de-DE"/>
           </a:p>
@@ -2208,7 +2827,7 @@
 </p:notes>
 </file>
 
-<file path=ppt/notesSlides/notesSlide9.xml><?xml version="1.0" encoding="utf-8"?>
+<file path=ppt/notesSlides/notesSlide8.xml><?xml version="1.0" encoding="utf-8"?>
 <p:notes xmlns:a="http://schemas.openxmlformats.org/drawingml/2006/main" xmlns:r="http://schemas.openxmlformats.org/officeDocument/2006/relationships" xmlns:p="http://schemas.openxmlformats.org/presentationml/2006/main">
   <p:cSld>
     <p:spTree>
@@ -2276,6 +2895,296 @@
             </a:pPr>
             <a:endParaRPr lang="de-DE" dirty="0"/>
           </a:p>
+          <a:p>
+            <a:pPr marL="0" indent="0">
+              <a:buFontTx/>
+              <a:buNone/>
+            </a:pPr>
+            <a:endParaRPr lang="de-DE" dirty="0"/>
+          </a:p>
+          <a:p>
+            <a:pPr marL="0" indent="0">
+              <a:buFontTx/>
+              <a:buNone/>
+            </a:pPr>
+            <a:r>
+              <a:rPr lang="de-DE" dirty="0"/>
+              <a:t>So </a:t>
+            </a:r>
+            <a:r>
+              <a:rPr lang="de-DE" dirty="0" err="1"/>
+              <a:t>far</a:t>
+            </a:r>
+            <a:r>
+              <a:rPr lang="de-DE" dirty="0"/>
+              <a:t>:</a:t>
+            </a:r>
+          </a:p>
+          <a:p>
+            <a:pPr marL="171450" indent="-171450">
+              <a:buFontTx/>
+              <a:buChar char="-"/>
+            </a:pPr>
+            <a:r>
+              <a:rPr lang="de-DE" dirty="0" err="1"/>
+              <a:t>Could</a:t>
+            </a:r>
+            <a:r>
+              <a:rPr lang="de-DE" dirty="0"/>
+              <a:t> </a:t>
+            </a:r>
+            <a:r>
+              <a:rPr lang="de-DE" dirty="0" err="1"/>
+              <a:t>reproduce</a:t>
+            </a:r>
+            <a:r>
+              <a:rPr lang="de-DE" dirty="0"/>
+              <a:t> </a:t>
+            </a:r>
+            <a:r>
+              <a:rPr lang="de-DE" dirty="0" err="1"/>
+              <a:t>paper</a:t>
+            </a:r>
+            <a:r>
+              <a:rPr lang="de-DE" dirty="0"/>
+              <a:t> </a:t>
+            </a:r>
+            <a:r>
+              <a:rPr lang="de-DE" dirty="0" err="1"/>
+              <a:t>result</a:t>
+            </a:r>
+            <a:r>
+              <a:rPr lang="de-DE" dirty="0"/>
+              <a:t> </a:t>
+            </a:r>
+            <a:r>
+              <a:rPr lang="de-DE" dirty="0" err="1"/>
+              <a:t>using</a:t>
+            </a:r>
+            <a:r>
+              <a:rPr lang="de-DE" dirty="0"/>
+              <a:t> NACs on </a:t>
+            </a:r>
+            <a:r>
+              <a:rPr lang="de-DE" dirty="0" err="1"/>
+              <a:t>simulated</a:t>
+            </a:r>
+            <a:r>
+              <a:rPr lang="de-DE" dirty="0"/>
+              <a:t> </a:t>
+            </a:r>
+            <a:r>
+              <a:rPr lang="de-DE" dirty="0" err="1"/>
+              <a:t>data</a:t>
+            </a:r>
+            <a:r>
+              <a:rPr lang="de-DE" dirty="0"/>
+              <a:t> </a:t>
+            </a:r>
+          </a:p>
+          <a:p>
+            <a:pPr marL="171450" indent="-171450">
+              <a:buFontTx/>
+              <a:buChar char="-"/>
+            </a:pPr>
+            <a:r>
+              <a:rPr lang="de-DE" dirty="0"/>
+              <a:t>(</a:t>
+            </a:r>
+            <a:r>
+              <a:rPr lang="de-DE" dirty="0" err="1"/>
+              <a:t>Ses</a:t>
+            </a:r>
+            <a:r>
+              <a:rPr lang="de-DE" dirty="0"/>
+              <a:t> </a:t>
+            </a:r>
+            <a:r>
+              <a:rPr lang="de-DE" dirty="0" err="1"/>
+              <a:t>example</a:t>
+            </a:r>
+            <a:r>
+              <a:rPr lang="de-DE" dirty="0"/>
+              <a:t>)</a:t>
+            </a:r>
+          </a:p>
+          <a:p>
+            <a:pPr marL="171450" indent="-171450">
+              <a:buFontTx/>
+              <a:buChar char="-"/>
+            </a:pPr>
+            <a:r>
+              <a:rPr lang="de-DE" dirty="0" err="1"/>
+              <a:t>How</a:t>
+            </a:r>
+            <a:r>
+              <a:rPr lang="de-DE" dirty="0"/>
+              <a:t> to </a:t>
+            </a:r>
+            <a:r>
+              <a:rPr lang="de-DE" dirty="0" err="1"/>
+              <a:t>proceed</a:t>
+            </a:r>
+            <a:r>
+              <a:rPr lang="de-DE" dirty="0"/>
+              <a:t>? </a:t>
+            </a:r>
+          </a:p>
+          <a:p>
+            <a:pPr marL="171450" indent="-171450">
+              <a:buFontTx/>
+              <a:buChar char="-"/>
+            </a:pPr>
+            <a:endParaRPr lang="de-DE" dirty="0"/>
+          </a:p>
+          <a:p>
+            <a:pPr marL="0" indent="0">
+              <a:buFontTx/>
+              <a:buNone/>
+            </a:pPr>
+            <a:r>
+              <a:rPr lang="de-DE" dirty="0"/>
+              <a:t>But, </a:t>
+            </a:r>
+            <a:r>
+              <a:rPr lang="de-DE" dirty="0" err="1"/>
+              <a:t>what</a:t>
+            </a:r>
+            <a:r>
+              <a:rPr lang="de-DE" dirty="0"/>
+              <a:t> </a:t>
+            </a:r>
+            <a:r>
+              <a:rPr lang="de-DE" dirty="0" err="1"/>
+              <a:t>is</a:t>
+            </a:r>
+            <a:r>
+              <a:rPr lang="de-DE" dirty="0"/>
+              <a:t> </a:t>
+            </a:r>
+            <a:r>
+              <a:rPr lang="de-DE" dirty="0" err="1"/>
+              <a:t>expected</a:t>
+            </a:r>
+            <a:r>
+              <a:rPr lang="de-DE" dirty="0"/>
+              <a:t> </a:t>
+            </a:r>
+            <a:r>
+              <a:rPr lang="de-DE" dirty="0" err="1"/>
+              <a:t>of</a:t>
+            </a:r>
+            <a:r>
+              <a:rPr lang="de-DE" dirty="0"/>
+              <a:t> </a:t>
+            </a:r>
+            <a:r>
+              <a:rPr lang="de-DE" dirty="0" err="1"/>
+              <a:t>us</a:t>
+            </a:r>
+            <a:r>
+              <a:rPr lang="de-DE" dirty="0"/>
+              <a:t> </a:t>
+            </a:r>
+            <a:r>
+              <a:rPr lang="de-DE" dirty="0" err="1"/>
+              <a:t>for</a:t>
+            </a:r>
+            <a:r>
+              <a:rPr lang="de-DE" dirty="0"/>
+              <a:t> </a:t>
+            </a:r>
+            <a:r>
+              <a:rPr lang="de-DE" dirty="0" err="1"/>
+              <a:t>our</a:t>
+            </a:r>
+            <a:r>
+              <a:rPr lang="de-DE" dirty="0"/>
+              <a:t> </a:t>
+            </a:r>
+            <a:r>
+              <a:rPr lang="de-DE" dirty="0" err="1"/>
+              <a:t>paper</a:t>
+            </a:r>
+            <a:r>
+              <a:rPr lang="de-DE" dirty="0"/>
+              <a:t>? </a:t>
+            </a:r>
+          </a:p>
+          <a:p>
+            <a:pPr marL="0" indent="0">
+              <a:buFontTx/>
+              <a:buNone/>
+            </a:pPr>
+            <a:r>
+              <a:rPr lang="de-DE" dirty="0" err="1"/>
+              <a:t>We</a:t>
+            </a:r>
+            <a:r>
+              <a:rPr lang="de-DE" dirty="0"/>
+              <a:t> </a:t>
+            </a:r>
+            <a:r>
+              <a:rPr lang="de-DE" dirty="0" err="1"/>
+              <a:t>have</a:t>
+            </a:r>
+            <a:r>
+              <a:rPr lang="de-DE" dirty="0"/>
+              <a:t> 2 Outlook, but </a:t>
+            </a:r>
+            <a:r>
+              <a:rPr lang="de-DE" dirty="0" err="1"/>
+              <a:t>we</a:t>
+            </a:r>
+            <a:r>
+              <a:rPr lang="de-DE" dirty="0"/>
+              <a:t> </a:t>
+            </a:r>
+            <a:r>
+              <a:rPr lang="de-DE" dirty="0" err="1"/>
+              <a:t>are</a:t>
+            </a:r>
+            <a:r>
+              <a:rPr lang="de-DE" dirty="0"/>
+              <a:t> not </a:t>
+            </a:r>
+            <a:r>
+              <a:rPr lang="de-DE" dirty="0" err="1"/>
+              <a:t>sure</a:t>
+            </a:r>
+            <a:r>
+              <a:rPr lang="de-DE" dirty="0"/>
+              <a:t> </a:t>
+            </a:r>
+            <a:r>
+              <a:rPr lang="de-DE" dirty="0" err="1"/>
+              <a:t>which</a:t>
+            </a:r>
+            <a:r>
+              <a:rPr lang="de-DE" dirty="0"/>
+              <a:t> </a:t>
+            </a:r>
+            <a:r>
+              <a:rPr lang="de-DE" dirty="0" err="1"/>
+              <a:t>way</a:t>
+            </a:r>
+            <a:r>
+              <a:rPr lang="de-DE" dirty="0"/>
+              <a:t> to </a:t>
+            </a:r>
+            <a:r>
+              <a:rPr lang="de-DE" dirty="0" err="1"/>
+              <a:t>go</a:t>
+            </a:r>
+            <a:endParaRPr lang="de-DE" dirty="0"/>
+          </a:p>
+          <a:p>
+            <a:pPr marL="171450" indent="-171450">
+              <a:buFontTx/>
+              <a:buChar char="-"/>
+            </a:pPr>
+            <a:endParaRPr lang="de-DE" dirty="0"/>
+          </a:p>
         </p:txBody>
       </p:sp>
       <p:sp>
@@ -2301,7 +3210,7 @@
           <a:p>
             <a:fld id="{988EE22E-D4F1-40D7-A03F-1C7960DE94E4}" type="slidenum">
               <a:rPr lang="de-DE" smtClean="0"/>
-              <a:t>9</a:t>
+              <a:t>8</a:t>
             </a:fld>
             <a:endParaRPr lang="de-DE"/>
           </a:p>
@@ -2311,6 +3220,707 @@
     <p:extLst>
       <p:ext uri="{BB962C8B-B14F-4D97-AF65-F5344CB8AC3E}">
         <p14:creationId xmlns:p14="http://schemas.microsoft.com/office/powerpoint/2010/main" val="478836716"/>
+      </p:ext>
+    </p:extLst>
+  </p:cSld>
+  <p:clrMapOvr>
+    <a:masterClrMapping/>
+  </p:clrMapOvr>
+</p:notes>
+</file>
+
+<file path=ppt/notesSlides/notesSlide9.xml><?xml version="1.0" encoding="utf-8"?>
+<p:notes xmlns:a="http://schemas.openxmlformats.org/drawingml/2006/main" xmlns:r="http://schemas.openxmlformats.org/officeDocument/2006/relationships" xmlns:p="http://schemas.openxmlformats.org/presentationml/2006/main">
+  <p:cSld>
+    <p:spTree>
+      <p:nvGrpSpPr>
+        <p:cNvPr id="1" name="">
+          <a:extLst>
+            <a:ext uri="{FF2B5EF4-FFF2-40B4-BE49-F238E27FC236}">
+              <a16:creationId xmlns:a16="http://schemas.microsoft.com/office/drawing/2014/main" id="{676B4C91-2664-4E58-20D8-BC60C44A61C8}"/>
+            </a:ext>
+          </a:extLst>
+        </p:cNvPr>
+        <p:cNvGrpSpPr/>
+        <p:nvPr/>
+      </p:nvGrpSpPr>
+      <p:grpSpPr>
+        <a:xfrm>
+          <a:off x="0" y="0"/>
+          <a:ext cx="0" cy="0"/>
+          <a:chOff x="0" y="0"/>
+          <a:chExt cx="0" cy="0"/>
+        </a:xfrm>
+      </p:grpSpPr>
+      <p:sp>
+        <p:nvSpPr>
+          <p:cNvPr id="2" name="Folienbildplatzhalter 1">
+            <a:extLst>
+              <a:ext uri="{FF2B5EF4-FFF2-40B4-BE49-F238E27FC236}">
+                <a16:creationId xmlns:a16="http://schemas.microsoft.com/office/drawing/2014/main" id="{662845DA-F99B-F0F5-C579-A97C8D561D91}"/>
+              </a:ext>
+            </a:extLst>
+          </p:cNvPr>
+          <p:cNvSpPr>
+            <a:spLocks noGrp="1" noRot="1" noChangeAspect="1"/>
+          </p:cNvSpPr>
+          <p:nvPr>
+            <p:ph type="sldImg"/>
+          </p:nvPr>
+        </p:nvSpPr>
+        <p:spPr/>
+      </p:sp>
+      <p:sp>
+        <p:nvSpPr>
+          <p:cNvPr id="3" name="Notizenplatzhalter 2">
+            <a:extLst>
+              <a:ext uri="{FF2B5EF4-FFF2-40B4-BE49-F238E27FC236}">
+                <a16:creationId xmlns:a16="http://schemas.microsoft.com/office/drawing/2014/main" id="{B0212D71-C79C-6C71-AFB3-B82C27D34170}"/>
+              </a:ext>
+            </a:extLst>
+          </p:cNvPr>
+          <p:cNvSpPr>
+            <a:spLocks noGrp="1"/>
+          </p:cNvSpPr>
+          <p:nvPr>
+            <p:ph type="body" idx="1"/>
+          </p:nvPr>
+        </p:nvSpPr>
+        <p:spPr/>
+        <p:txBody>
+          <a:bodyPr/>
+          <a:lstStyle/>
+          <a:p>
+            <a:pPr marL="171450" indent="-171450">
+              <a:buFontTx/>
+              <a:buChar char="-"/>
+            </a:pPr>
+            <a:r>
+              <a:rPr lang="de-DE" dirty="0"/>
+              <a:t>Potential </a:t>
+            </a:r>
+            <a:r>
+              <a:rPr lang="de-DE" dirty="0" err="1"/>
+              <a:t>further</a:t>
+            </a:r>
+            <a:r>
+              <a:rPr lang="de-DE" dirty="0"/>
+              <a:t> variables: </a:t>
+            </a:r>
+            <a:r>
+              <a:rPr lang="de-DE" dirty="0" err="1"/>
+              <a:t>Slope</a:t>
+            </a:r>
+            <a:r>
+              <a:rPr lang="de-DE" dirty="0"/>
+              <a:t>, Width, Underground </a:t>
+            </a:r>
+            <a:r>
+              <a:rPr lang="de-DE" dirty="0" err="1"/>
+              <a:t>surface</a:t>
+            </a:r>
+            <a:r>
+              <a:rPr lang="de-DE" dirty="0"/>
+              <a:t>, …</a:t>
+            </a:r>
+          </a:p>
+          <a:p>
+            <a:pPr marL="171450" indent="-171450">
+              <a:buFontTx/>
+              <a:buChar char="-"/>
+            </a:pPr>
+            <a:endParaRPr lang="de-DE" dirty="0"/>
+          </a:p>
+          <a:p>
+            <a:pPr marL="171450" indent="-171450">
+              <a:buFontTx/>
+              <a:buChar char="-"/>
+            </a:pPr>
+            <a:r>
+              <a:rPr lang="de-DE" dirty="0"/>
+              <a:t>Statistical </a:t>
+            </a:r>
+            <a:r>
+              <a:rPr lang="de-DE" dirty="0" err="1"/>
+              <a:t>issues</a:t>
+            </a:r>
+            <a:r>
+              <a:rPr lang="de-DE" dirty="0"/>
+              <a:t>:</a:t>
+            </a:r>
+          </a:p>
+          <a:p>
+            <a:pPr marL="171450" indent="-171450">
+              <a:buFontTx/>
+              <a:buChar char="-"/>
+            </a:pPr>
+            <a:r>
+              <a:rPr lang="de-DE" dirty="0"/>
+              <a:t>&gt;</a:t>
+            </a:r>
+            <a:r>
+              <a:rPr lang="de-DE" dirty="0" err="1"/>
+              <a:t>Some</a:t>
+            </a:r>
+            <a:r>
+              <a:rPr lang="de-DE" dirty="0"/>
+              <a:t> variables </a:t>
+            </a:r>
+            <a:r>
+              <a:rPr lang="de-DE" dirty="0" err="1"/>
+              <a:t>are</a:t>
+            </a:r>
+            <a:r>
+              <a:rPr lang="de-DE" dirty="0"/>
+              <a:t> </a:t>
+            </a:r>
+            <a:r>
+              <a:rPr lang="de-DE" dirty="0" err="1"/>
+              <a:t>constant</a:t>
+            </a:r>
+            <a:r>
+              <a:rPr lang="de-DE" dirty="0"/>
+              <a:t> </a:t>
+            </a:r>
+            <a:r>
+              <a:rPr lang="de-DE" dirty="0" err="1"/>
+              <a:t>within</a:t>
+            </a:r>
+            <a:r>
+              <a:rPr lang="de-DE" dirty="0"/>
+              <a:t> a </a:t>
+            </a:r>
+            <a:r>
+              <a:rPr lang="de-DE" dirty="0" err="1"/>
+              <a:t>measuring</a:t>
+            </a:r>
+            <a:r>
+              <a:rPr lang="de-DE" dirty="0"/>
+              <a:t> </a:t>
+            </a:r>
+            <a:r>
+              <a:rPr lang="de-DE" dirty="0" err="1"/>
+              <a:t>station</a:t>
+            </a:r>
+            <a:r>
+              <a:rPr lang="de-DE" dirty="0"/>
+              <a:t>. </a:t>
+            </a:r>
+            <a:r>
+              <a:rPr lang="de-DE" dirty="0" err="1"/>
+              <a:t>How</a:t>
+            </a:r>
+            <a:r>
+              <a:rPr lang="de-DE" dirty="0"/>
+              <a:t> </a:t>
+            </a:r>
+            <a:r>
+              <a:rPr lang="de-DE" dirty="0" err="1"/>
+              <a:t>can</a:t>
+            </a:r>
+            <a:r>
+              <a:rPr lang="de-DE" dirty="0"/>
+              <a:t> </a:t>
+            </a:r>
+            <a:r>
+              <a:rPr lang="de-DE" dirty="0" err="1"/>
+              <a:t>we</a:t>
+            </a:r>
+            <a:r>
+              <a:rPr lang="de-DE" dirty="0"/>
+              <a:t> </a:t>
+            </a:r>
+            <a:r>
+              <a:rPr lang="de-DE" dirty="0" err="1"/>
+              <a:t>measure</a:t>
+            </a:r>
+            <a:r>
+              <a:rPr lang="de-DE" dirty="0"/>
+              <a:t> </a:t>
+            </a:r>
+            <a:r>
+              <a:rPr lang="de-DE" dirty="0" err="1"/>
+              <a:t>its</a:t>
+            </a:r>
+            <a:r>
+              <a:rPr lang="de-DE" dirty="0"/>
+              <a:t> </a:t>
+            </a:r>
+            <a:r>
+              <a:rPr lang="de-DE" dirty="0" err="1"/>
+              <a:t>influence</a:t>
+            </a:r>
+            <a:r>
+              <a:rPr lang="de-DE" dirty="0"/>
+              <a:t> </a:t>
+            </a:r>
+            <a:r>
+              <a:rPr lang="de-DE" dirty="0" err="1"/>
+              <a:t>then</a:t>
+            </a:r>
+            <a:r>
+              <a:rPr lang="de-DE" dirty="0"/>
+              <a:t>? </a:t>
+            </a:r>
+            <a:r>
+              <a:rPr lang="de-DE" dirty="0" err="1"/>
+              <a:t>Must</a:t>
+            </a:r>
+            <a:r>
+              <a:rPr lang="de-DE" dirty="0"/>
+              <a:t> </a:t>
+            </a:r>
+            <a:r>
+              <a:rPr lang="de-DE" dirty="0" err="1"/>
+              <a:t>we</a:t>
+            </a:r>
+            <a:r>
+              <a:rPr lang="de-DE" dirty="0"/>
+              <a:t> </a:t>
+            </a:r>
+            <a:r>
+              <a:rPr lang="de-DE" dirty="0" err="1"/>
+              <a:t>combine</a:t>
+            </a:r>
+            <a:r>
+              <a:rPr lang="de-DE" dirty="0"/>
+              <a:t> </a:t>
+            </a:r>
+            <a:r>
+              <a:rPr lang="de-DE" dirty="0" err="1"/>
+              <a:t>data</a:t>
+            </a:r>
+            <a:r>
+              <a:rPr lang="de-DE" dirty="0"/>
+              <a:t> </a:t>
+            </a:r>
+            <a:r>
+              <a:rPr lang="de-DE" dirty="0" err="1"/>
+              <a:t>from</a:t>
+            </a:r>
+            <a:r>
+              <a:rPr lang="de-DE" dirty="0"/>
+              <a:t> </a:t>
+            </a:r>
+            <a:r>
+              <a:rPr lang="de-DE" dirty="0" err="1"/>
+              <a:t>stations</a:t>
+            </a:r>
+            <a:r>
+              <a:rPr lang="de-DE" dirty="0"/>
+              <a:t>? </a:t>
+            </a:r>
+            <a:r>
+              <a:rPr lang="de-DE" dirty="0" err="1"/>
+              <a:t>If</a:t>
+            </a:r>
+            <a:r>
+              <a:rPr lang="de-DE" dirty="0"/>
+              <a:t> so, do </a:t>
+            </a:r>
+            <a:r>
+              <a:rPr lang="de-DE" dirty="0" err="1"/>
+              <a:t>mixed</a:t>
+            </a:r>
+            <a:r>
+              <a:rPr lang="de-DE" dirty="0"/>
+              <a:t> </a:t>
+            </a:r>
+            <a:r>
+              <a:rPr lang="de-DE" dirty="0" err="1"/>
+              <a:t>copulas</a:t>
+            </a:r>
+            <a:r>
+              <a:rPr lang="de-DE" dirty="0"/>
+              <a:t> </a:t>
+            </a:r>
+            <a:r>
+              <a:rPr lang="de-DE" dirty="0" err="1"/>
+              <a:t>arise</a:t>
+            </a:r>
+            <a:r>
+              <a:rPr lang="de-DE" dirty="0"/>
+              <a:t> (</a:t>
+            </a:r>
+            <a:r>
+              <a:rPr lang="de-DE" dirty="0" err="1"/>
+              <a:t>naturally</a:t>
+            </a:r>
+            <a:r>
+              <a:rPr lang="de-DE" dirty="0"/>
+              <a:t>)? Are </a:t>
+            </a:r>
+            <a:r>
+              <a:rPr lang="de-DE" dirty="0" err="1"/>
+              <a:t>mixed</a:t>
+            </a:r>
+            <a:r>
+              <a:rPr lang="de-DE" dirty="0"/>
+              <a:t> </a:t>
+            </a:r>
+            <a:r>
+              <a:rPr lang="de-DE" dirty="0" err="1"/>
+              <a:t>copulas</a:t>
+            </a:r>
+            <a:r>
+              <a:rPr lang="de-DE" dirty="0"/>
+              <a:t> </a:t>
+            </a:r>
+            <a:r>
+              <a:rPr lang="de-DE" dirty="0" err="1"/>
+              <a:t>even</a:t>
+            </a:r>
+            <a:r>
+              <a:rPr lang="de-DE" dirty="0"/>
+              <a:t> </a:t>
+            </a:r>
+            <a:r>
+              <a:rPr lang="de-DE" dirty="0" err="1"/>
+              <a:t>meaningful</a:t>
+            </a:r>
+            <a:r>
+              <a:rPr lang="de-DE" dirty="0"/>
+              <a:t> </a:t>
+            </a:r>
+            <a:r>
+              <a:rPr lang="de-DE" dirty="0" err="1"/>
+              <a:t>here</a:t>
+            </a:r>
+            <a:r>
+              <a:rPr lang="de-DE" dirty="0"/>
+              <a:t>? </a:t>
+            </a:r>
+            <a:r>
+              <a:rPr lang="de-DE" dirty="0" err="1"/>
+              <a:t>How</a:t>
+            </a:r>
+            <a:r>
+              <a:rPr lang="de-DE" dirty="0"/>
+              <a:t> to </a:t>
+            </a:r>
+            <a:r>
+              <a:rPr lang="de-DE" dirty="0" err="1"/>
+              <a:t>statistically</a:t>
+            </a:r>
+            <a:r>
+              <a:rPr lang="de-DE" dirty="0"/>
+              <a:t> reliable </a:t>
+            </a:r>
+            <a:r>
+              <a:rPr lang="de-DE" dirty="0" err="1"/>
+              <a:t>examine</a:t>
+            </a:r>
+            <a:r>
+              <a:rPr lang="de-DE" dirty="0"/>
+              <a:t> </a:t>
+            </a:r>
+            <a:r>
+              <a:rPr lang="de-DE" dirty="0" err="1"/>
+              <a:t>these</a:t>
+            </a:r>
+            <a:r>
+              <a:rPr lang="de-DE" dirty="0"/>
+              <a:t> </a:t>
+            </a:r>
+            <a:r>
+              <a:rPr lang="de-DE" dirty="0" err="1"/>
+              <a:t>dependencies</a:t>
+            </a:r>
+            <a:r>
+              <a:rPr lang="de-DE" dirty="0"/>
+              <a:t>??</a:t>
+            </a:r>
+          </a:p>
+          <a:p>
+            <a:pPr marL="171450" indent="-171450">
+              <a:buFontTx/>
+              <a:buChar char="-"/>
+            </a:pPr>
+            <a:r>
+              <a:rPr lang="de-DE" dirty="0"/>
+              <a:t>&gt; Can variable </a:t>
+            </a:r>
+            <a:r>
+              <a:rPr lang="de-DE" dirty="0" err="1"/>
+              <a:t>selection</a:t>
+            </a:r>
+            <a:r>
+              <a:rPr lang="de-DE" dirty="0"/>
+              <a:t> </a:t>
+            </a:r>
+            <a:r>
+              <a:rPr lang="de-DE" dirty="0" err="1"/>
+              <a:t>be</a:t>
+            </a:r>
+            <a:r>
+              <a:rPr lang="de-DE" dirty="0"/>
+              <a:t> „</a:t>
+            </a:r>
+            <a:r>
+              <a:rPr lang="de-DE" dirty="0" err="1"/>
+              <a:t>outsourced</a:t>
+            </a:r>
+            <a:r>
+              <a:rPr lang="de-DE" dirty="0"/>
+              <a:t>“? </a:t>
+            </a:r>
+          </a:p>
+          <a:p>
+            <a:pPr marL="171450" indent="-171450">
+              <a:buFontTx/>
+              <a:buChar char="-"/>
+            </a:pPr>
+            <a:r>
+              <a:rPr lang="de-DE" dirty="0"/>
+              <a:t>NACs </a:t>
+            </a:r>
+            <a:r>
+              <a:rPr lang="de-DE" dirty="0" err="1"/>
+              <a:t>are</a:t>
+            </a:r>
+            <a:r>
+              <a:rPr lang="de-DE" dirty="0"/>
+              <a:t> not </a:t>
+            </a:r>
+            <a:r>
+              <a:rPr lang="de-DE" dirty="0" err="1"/>
+              <a:t>really</a:t>
+            </a:r>
+            <a:r>
+              <a:rPr lang="de-DE" dirty="0"/>
+              <a:t> </a:t>
+            </a:r>
+            <a:r>
+              <a:rPr lang="de-DE" dirty="0" err="1"/>
+              <a:t>suitable</a:t>
+            </a:r>
+            <a:r>
+              <a:rPr lang="de-DE" dirty="0"/>
+              <a:t> </a:t>
+            </a:r>
+            <a:r>
+              <a:rPr lang="de-DE" dirty="0" err="1"/>
+              <a:t>for</a:t>
+            </a:r>
+            <a:r>
+              <a:rPr lang="de-DE" dirty="0"/>
+              <a:t> high </a:t>
+            </a:r>
+            <a:r>
+              <a:rPr lang="de-DE" dirty="0" err="1"/>
+              <a:t>dimensions</a:t>
+            </a:r>
+            <a:r>
+              <a:rPr lang="de-DE" dirty="0"/>
+              <a:t> (</a:t>
+            </a:r>
+            <a:r>
+              <a:rPr lang="de-DE" dirty="0" err="1"/>
+              <a:t>computational</a:t>
+            </a:r>
+            <a:r>
+              <a:rPr lang="de-DE" dirty="0"/>
+              <a:t> </a:t>
+            </a:r>
+            <a:r>
+              <a:rPr lang="de-DE" dirty="0" err="1"/>
+              <a:t>complex</a:t>
+            </a:r>
+            <a:r>
+              <a:rPr lang="de-DE" dirty="0"/>
+              <a:t>, limited </a:t>
+            </a:r>
+            <a:r>
+              <a:rPr lang="de-DE" dirty="0" err="1"/>
+              <a:t>flexibility</a:t>
+            </a:r>
+            <a:r>
+              <a:rPr lang="de-DE" dirty="0"/>
+              <a:t> / partial </a:t>
+            </a:r>
+            <a:r>
+              <a:rPr lang="de-DE" dirty="0" err="1"/>
+              <a:t>exchangeable</a:t>
+            </a:r>
+            <a:r>
+              <a:rPr lang="de-DE" dirty="0"/>
+              <a:t>) </a:t>
+            </a:r>
+            <a:r>
+              <a:rPr lang="de-DE" dirty="0">
+                <a:sym typeface="Wingdings" panose="05000000000000000000" pitchFamily="2" charset="2"/>
+              </a:rPr>
+              <a:t> Are Vines </a:t>
+            </a:r>
+            <a:r>
+              <a:rPr lang="de-DE" dirty="0" err="1">
+                <a:sym typeface="Wingdings" panose="05000000000000000000" pitchFamily="2" charset="2"/>
+              </a:rPr>
+              <a:t>more</a:t>
+            </a:r>
+            <a:r>
+              <a:rPr lang="de-DE" dirty="0">
+                <a:sym typeface="Wingdings" panose="05000000000000000000" pitchFamily="2" charset="2"/>
+              </a:rPr>
+              <a:t> </a:t>
+            </a:r>
+            <a:r>
+              <a:rPr lang="de-DE" dirty="0" err="1">
+                <a:sym typeface="Wingdings" panose="05000000000000000000" pitchFamily="2" charset="2"/>
+              </a:rPr>
+              <a:t>feasible</a:t>
+            </a:r>
+            <a:r>
+              <a:rPr lang="de-DE" dirty="0">
+                <a:sym typeface="Wingdings" panose="05000000000000000000" pitchFamily="2" charset="2"/>
+              </a:rPr>
+              <a:t>?</a:t>
+            </a:r>
+          </a:p>
+          <a:p>
+            <a:pPr marL="171450" indent="-171450">
+              <a:buFontTx/>
+              <a:buChar char="-"/>
+            </a:pPr>
+            <a:r>
+              <a:rPr lang="de-DE" dirty="0">
+                <a:sym typeface="Wingdings" panose="05000000000000000000" pitchFamily="2" charset="2"/>
+              </a:rPr>
+              <a:t>Are all </a:t>
+            </a:r>
+            <a:r>
+              <a:rPr lang="de-DE" dirty="0" err="1">
+                <a:sym typeface="Wingdings" panose="05000000000000000000" pitchFamily="2" charset="2"/>
+              </a:rPr>
+              <a:t>these</a:t>
+            </a:r>
+            <a:r>
+              <a:rPr lang="de-DE" dirty="0">
+                <a:sym typeface="Wingdings" panose="05000000000000000000" pitchFamily="2" charset="2"/>
+              </a:rPr>
+              <a:t> </a:t>
+            </a:r>
+            <a:r>
+              <a:rPr lang="de-DE" dirty="0" err="1">
+                <a:sym typeface="Wingdings" panose="05000000000000000000" pitchFamily="2" charset="2"/>
+              </a:rPr>
+              <a:t>issues</a:t>
+            </a:r>
+            <a:r>
+              <a:rPr lang="de-DE" dirty="0">
+                <a:sym typeface="Wingdings" panose="05000000000000000000" pitchFamily="2" charset="2"/>
+              </a:rPr>
+              <a:t> </a:t>
+            </a:r>
+            <a:r>
+              <a:rPr lang="de-DE" dirty="0" err="1">
+                <a:sym typeface="Wingdings" panose="05000000000000000000" pitchFamily="2" charset="2"/>
+              </a:rPr>
+              <a:t>too</a:t>
+            </a:r>
+            <a:r>
+              <a:rPr lang="de-DE" dirty="0">
+                <a:sym typeface="Wingdings" panose="05000000000000000000" pitchFamily="2" charset="2"/>
+              </a:rPr>
+              <a:t> </a:t>
+            </a:r>
+            <a:r>
+              <a:rPr lang="de-DE" dirty="0" err="1">
+                <a:sym typeface="Wingdings" panose="05000000000000000000" pitchFamily="2" charset="2"/>
+              </a:rPr>
+              <a:t>much</a:t>
+            </a:r>
+            <a:r>
+              <a:rPr lang="de-DE" dirty="0">
+                <a:sym typeface="Wingdings" panose="05000000000000000000" pitchFamily="2" charset="2"/>
+              </a:rPr>
+              <a:t> to </a:t>
+            </a:r>
+            <a:r>
+              <a:rPr lang="de-DE" dirty="0" err="1">
+                <a:sym typeface="Wingdings" panose="05000000000000000000" pitchFamily="2" charset="2"/>
+              </a:rPr>
+              <a:t>tackle</a:t>
+            </a:r>
+            <a:r>
+              <a:rPr lang="de-DE" dirty="0">
+                <a:sym typeface="Wingdings" panose="05000000000000000000" pitchFamily="2" charset="2"/>
+              </a:rPr>
+              <a:t> </a:t>
+            </a:r>
+            <a:r>
+              <a:rPr lang="de-DE" dirty="0" err="1">
+                <a:sym typeface="Wingdings" panose="05000000000000000000" pitchFamily="2" charset="2"/>
+              </a:rPr>
+              <a:t>for</a:t>
+            </a:r>
+            <a:r>
+              <a:rPr lang="de-DE" dirty="0">
+                <a:sym typeface="Wingdings" panose="05000000000000000000" pitchFamily="2" charset="2"/>
+              </a:rPr>
+              <a:t> </a:t>
+            </a:r>
+            <a:r>
+              <a:rPr lang="de-DE" dirty="0" err="1">
+                <a:sym typeface="Wingdings" panose="05000000000000000000" pitchFamily="2" charset="2"/>
+              </a:rPr>
+              <a:t>this</a:t>
+            </a:r>
+            <a:r>
+              <a:rPr lang="de-DE" dirty="0">
+                <a:sym typeface="Wingdings" panose="05000000000000000000" pitchFamily="2" charset="2"/>
+              </a:rPr>
+              <a:t> </a:t>
+            </a:r>
+            <a:r>
+              <a:rPr lang="de-DE" dirty="0" err="1">
+                <a:sym typeface="Wingdings" panose="05000000000000000000" pitchFamily="2" charset="2"/>
+              </a:rPr>
+              <a:t>paper</a:t>
+            </a:r>
+            <a:r>
+              <a:rPr lang="de-DE" dirty="0">
+                <a:sym typeface="Wingdings" panose="05000000000000000000" pitchFamily="2" charset="2"/>
+              </a:rPr>
+              <a:t>?</a:t>
+            </a:r>
+            <a:endParaRPr lang="de-DE" dirty="0"/>
+          </a:p>
+        </p:txBody>
+      </p:sp>
+      <p:sp>
+        <p:nvSpPr>
+          <p:cNvPr id="4" name="Foliennummernplatzhalter 3">
+            <a:extLst>
+              <a:ext uri="{FF2B5EF4-FFF2-40B4-BE49-F238E27FC236}">
+                <a16:creationId xmlns:a16="http://schemas.microsoft.com/office/drawing/2014/main" id="{0171DE35-D0BA-7363-5839-B21A2481DB1C}"/>
+              </a:ext>
+            </a:extLst>
+          </p:cNvPr>
+          <p:cNvSpPr>
+            <a:spLocks noGrp="1"/>
+          </p:cNvSpPr>
+          <p:nvPr>
+            <p:ph type="sldNum" sz="quarter" idx="5"/>
+          </p:nvPr>
+        </p:nvSpPr>
+        <p:spPr/>
+        <p:txBody>
+          <a:bodyPr/>
+          <a:lstStyle/>
+          <a:p>
+            <a:fld id="{988EE22E-D4F1-40D7-A03F-1C7960DE94E4}" type="slidenum">
+              <a:rPr lang="de-DE" smtClean="0"/>
+              <a:t>9</a:t>
+            </a:fld>
+            <a:endParaRPr lang="de-DE"/>
+          </a:p>
+        </p:txBody>
+      </p:sp>
+    </p:spTree>
+    <p:extLst>
+      <p:ext uri="{BB962C8B-B14F-4D97-AF65-F5344CB8AC3E}">
+        <p14:creationId xmlns:p14="http://schemas.microsoft.com/office/powerpoint/2010/main" val="1841899040"/>
       </p:ext>
     </p:extLst>
   </p:cSld>
@@ -2467,7 +4077,7 @@
           <a:p>
             <a:fld id="{4EA5D6B1-0A5A-4492-9F3F-4F2146AE047F}" type="datetimeFigureOut">
               <a:rPr lang="de-DE" smtClean="0"/>
-              <a:t>13.01.2025</a:t>
+              <a:t>17.01.2025</a:t>
             </a:fld>
             <a:endParaRPr lang="de-DE"/>
           </a:p>
@@ -2494,7 +4104,15 @@
           <a:bodyPr/>
           <a:lstStyle/>
           <a:p>
-            <a:endParaRPr lang="de-DE"/>
+            <a:r>
+              <a:rPr lang="de-DE" dirty="0"/>
+              <a:t>Grün, Schüttpelz - </a:t>
+            </a:r>
+            <a:r>
+              <a:rPr lang="en-US" dirty="0"/>
+              <a:t>Asymmetric copulas</a:t>
+            </a:r>
+            <a:endParaRPr lang="de-DE" dirty="0"/>
           </a:p>
         </p:txBody>
       </p:sp>
@@ -2665,7 +4283,7 @@
           <a:p>
             <a:fld id="{4EA5D6B1-0A5A-4492-9F3F-4F2146AE047F}" type="datetimeFigureOut">
               <a:rPr lang="de-DE" smtClean="0"/>
-              <a:t>13.01.2025</a:t>
+              <a:t>17.01.2025</a:t>
             </a:fld>
             <a:endParaRPr lang="de-DE"/>
           </a:p>
@@ -2873,7 +4491,7 @@
           <a:p>
             <a:fld id="{4EA5D6B1-0A5A-4492-9F3F-4F2146AE047F}" type="datetimeFigureOut">
               <a:rPr lang="de-DE" smtClean="0"/>
-              <a:t>13.01.2025</a:t>
+              <a:t>17.01.2025</a:t>
             </a:fld>
             <a:endParaRPr lang="de-DE"/>
           </a:p>
@@ -3071,7 +4689,7 @@
           <a:p>
             <a:fld id="{4EA5D6B1-0A5A-4492-9F3F-4F2146AE047F}" type="datetimeFigureOut">
               <a:rPr lang="de-DE" smtClean="0"/>
-              <a:t>13.01.2025</a:t>
+              <a:t>17.01.2025</a:t>
             </a:fld>
             <a:endParaRPr lang="de-DE"/>
           </a:p>
@@ -3098,7 +4716,15 @@
           <a:bodyPr/>
           <a:lstStyle/>
           <a:p>
-            <a:endParaRPr lang="de-DE"/>
+            <a:r>
+              <a:rPr lang="de-DE" dirty="0"/>
+              <a:t>Grün, Schüttpelz - </a:t>
+            </a:r>
+            <a:r>
+              <a:rPr lang="en-US" dirty="0"/>
+              <a:t>Asymmetric copulas</a:t>
+            </a:r>
+            <a:endParaRPr lang="de-DE" dirty="0"/>
           </a:p>
         </p:txBody>
       </p:sp>
@@ -3346,7 +4972,7 @@
           <a:p>
             <a:fld id="{4EA5D6B1-0A5A-4492-9F3F-4F2146AE047F}" type="datetimeFigureOut">
               <a:rPr lang="de-DE" smtClean="0"/>
-              <a:t>13.01.2025</a:t>
+              <a:t>17.01.2025</a:t>
             </a:fld>
             <a:endParaRPr lang="de-DE"/>
           </a:p>
@@ -3611,7 +5237,7 @@
           <a:p>
             <a:fld id="{4EA5D6B1-0A5A-4492-9F3F-4F2146AE047F}" type="datetimeFigureOut">
               <a:rPr lang="de-DE" smtClean="0"/>
-              <a:t>13.01.2025</a:t>
+              <a:t>17.01.2025</a:t>
             </a:fld>
             <a:endParaRPr lang="de-DE"/>
           </a:p>
@@ -4023,7 +5649,7 @@
           <a:p>
             <a:fld id="{4EA5D6B1-0A5A-4492-9F3F-4F2146AE047F}" type="datetimeFigureOut">
               <a:rPr lang="de-DE" smtClean="0"/>
-              <a:t>13.01.2025</a:t>
+              <a:t>17.01.2025</a:t>
             </a:fld>
             <a:endParaRPr lang="de-DE"/>
           </a:p>
@@ -4164,7 +5790,7 @@
           <a:p>
             <a:fld id="{4EA5D6B1-0A5A-4492-9F3F-4F2146AE047F}" type="datetimeFigureOut">
               <a:rPr lang="de-DE" smtClean="0"/>
-              <a:t>13.01.2025</a:t>
+              <a:t>17.01.2025</a:t>
             </a:fld>
             <a:endParaRPr lang="de-DE"/>
           </a:p>
@@ -4277,7 +5903,7 @@
           <a:p>
             <a:fld id="{4EA5D6B1-0A5A-4492-9F3F-4F2146AE047F}" type="datetimeFigureOut">
               <a:rPr lang="de-DE" smtClean="0"/>
-              <a:t>13.01.2025</a:t>
+              <a:t>17.01.2025</a:t>
             </a:fld>
             <a:endParaRPr lang="de-DE"/>
           </a:p>
@@ -4588,7 +6214,7 @@
           <a:p>
             <a:fld id="{4EA5D6B1-0A5A-4492-9F3F-4F2146AE047F}" type="datetimeFigureOut">
               <a:rPr lang="de-DE" smtClean="0"/>
-              <a:t>13.01.2025</a:t>
+              <a:t>17.01.2025</a:t>
             </a:fld>
             <a:endParaRPr lang="de-DE"/>
           </a:p>
@@ -4876,7 +6502,7 @@
           <a:p>
             <a:fld id="{4EA5D6B1-0A5A-4492-9F3F-4F2146AE047F}" type="datetimeFigureOut">
               <a:rPr lang="de-DE" smtClean="0"/>
-              <a:t>13.01.2025</a:t>
+              <a:t>17.01.2025</a:t>
             </a:fld>
             <a:endParaRPr lang="de-DE"/>
           </a:p>
@@ -5042,35 +6668,35 @@
           <a:p>
             <a:pPr lvl="0"/>
             <a:r>
-              <a:rPr lang="de-DE"/>
+              <a:rPr lang="de-DE" dirty="0"/>
               <a:t>Mastertextformat bearbeiten</a:t>
             </a:r>
           </a:p>
           <a:p>
             <a:pPr lvl="1"/>
             <a:r>
-              <a:rPr lang="de-DE"/>
+              <a:rPr lang="de-DE" dirty="0"/>
               <a:t>Zweite Ebene</a:t>
             </a:r>
           </a:p>
           <a:p>
             <a:pPr lvl="2"/>
             <a:r>
-              <a:rPr lang="de-DE"/>
+              <a:rPr lang="de-DE" dirty="0"/>
               <a:t>Dritte Ebene</a:t>
             </a:r>
           </a:p>
           <a:p>
             <a:pPr lvl="3"/>
             <a:r>
-              <a:rPr lang="de-DE"/>
+              <a:rPr lang="de-DE" dirty="0"/>
               <a:t>Vierte Ebene</a:t>
             </a:r>
           </a:p>
           <a:p>
             <a:pPr lvl="4"/>
             <a:r>
-              <a:rPr lang="de-DE"/>
+              <a:rPr lang="de-DE" dirty="0"/>
               <a:t>Fünfte Ebene</a:t>
             </a:r>
           </a:p>
@@ -5117,9 +6743,9 @@
           <a:p>
             <a:fld id="{4EA5D6B1-0A5A-4492-9F3F-4F2146AE047F}" type="datetimeFigureOut">
               <a:rPr lang="de-DE" smtClean="0"/>
-              <a:t>13.01.2025</a:t>
+              <a:t>17.01.2025</a:t>
             </a:fld>
-            <a:endParaRPr lang="de-DE"/>
+            <a:endParaRPr lang="de-DE" dirty="0"/>
           </a:p>
         </p:txBody>
       </p:sp>
@@ -5162,7 +6788,15 @@
             </a:lvl1pPr>
           </a:lstStyle>
           <a:p>
-            <a:endParaRPr lang="de-DE"/>
+            <a:r>
+              <a:rPr lang="de-DE" dirty="0"/>
+              <a:t>Grün, Schüttpelz - </a:t>
+            </a:r>
+            <a:r>
+              <a:rPr lang="en-US" dirty="0"/>
+              <a:t>Asymmetric copulas</a:t>
+            </a:r>
+            <a:endParaRPr lang="de-DE" dirty="0"/>
           </a:p>
         </p:txBody>
       </p:sp>
@@ -5525,7 +7159,7 @@
         <p:cNvPr id="1" name="">
           <a:extLst>
             <a:ext uri="{FF2B5EF4-FFF2-40B4-BE49-F238E27FC236}">
-              <a16:creationId xmlns:a16="http://schemas.microsoft.com/office/drawing/2014/main" id="{B6892096-11A3-3ADC-0908-79B75D617C0C}"/>
+              <a16:creationId xmlns:a16="http://schemas.microsoft.com/office/drawing/2014/main" id="{4995DCFB-95D7-B3CB-3230-AFEFA6A3717B}"/>
             </a:ext>
           </a:extLst>
         </p:cNvPr>
@@ -5545,7 +7179,151 @@
           <p:cNvPr id="2" name="Rechteck 1">
             <a:extLst>
               <a:ext uri="{FF2B5EF4-FFF2-40B4-BE49-F238E27FC236}">
-                <a16:creationId xmlns:a16="http://schemas.microsoft.com/office/drawing/2014/main" id="{B33FF5B6-8690-9574-DB0C-59903D885016}"/>
+                <a16:creationId xmlns:a16="http://schemas.microsoft.com/office/drawing/2014/main" id="{50C6390F-1301-68AF-B955-2719753CEBD0}"/>
+              </a:ext>
+            </a:extLst>
+          </p:cNvPr>
+          <p:cNvSpPr/>
+          <p:nvPr/>
+        </p:nvSpPr>
+        <p:spPr>
+          <a:xfrm>
+            <a:off x="0" y="2162863"/>
+            <a:ext cx="12192000" cy="2532273"/>
+          </a:xfrm>
+          <a:prstGeom prst="rect">
+            <a:avLst/>
+          </a:prstGeom>
+          <a:solidFill>
+            <a:schemeClr val="bg2">
+              <a:lumMod val="10000"/>
+            </a:schemeClr>
+          </a:solidFill>
+        </p:spPr>
+        <p:style>
+          <a:lnRef idx="2">
+            <a:schemeClr val="accent1">
+              <a:shade val="15000"/>
+            </a:schemeClr>
+          </a:lnRef>
+          <a:fillRef idx="1">
+            <a:schemeClr val="accent1"/>
+          </a:fillRef>
+          <a:effectRef idx="0">
+            <a:schemeClr val="accent1"/>
+          </a:effectRef>
+          <a:fontRef idx="minor">
+            <a:schemeClr val="lt1"/>
+          </a:fontRef>
+        </p:style>
+        <p:txBody>
+          <a:bodyPr rtlCol="0" anchor="ctr"/>
+          <a:lstStyle/>
+          <a:p>
+            <a:pPr algn="ctr"/>
+            <a:r>
+              <a:rPr lang="en-GB" sz="5400" dirty="0"/>
+              <a:t>Asymmetric copula in multivariate flood frequency analysis</a:t>
+            </a:r>
+            <a:endParaRPr lang="de-DE" sz="5400" dirty="0"/>
+          </a:p>
+        </p:txBody>
+      </p:sp>
+      <p:sp>
+        <p:nvSpPr>
+          <p:cNvPr id="3" name="Rechteck 2">
+            <a:extLst>
+              <a:ext uri="{FF2B5EF4-FFF2-40B4-BE49-F238E27FC236}">
+                <a16:creationId xmlns:a16="http://schemas.microsoft.com/office/drawing/2014/main" id="{BD2D05DF-FD2A-385E-5F04-C44339C4EA3F}"/>
+              </a:ext>
+            </a:extLst>
+          </p:cNvPr>
+          <p:cNvSpPr/>
+          <p:nvPr/>
+        </p:nvSpPr>
+        <p:spPr>
+          <a:xfrm>
+            <a:off x="0" y="6187440"/>
+            <a:ext cx="12192000" cy="163776"/>
+          </a:xfrm>
+          <a:prstGeom prst="rect">
+            <a:avLst/>
+          </a:prstGeom>
+          <a:solidFill>
+            <a:schemeClr val="bg2">
+              <a:lumMod val="10000"/>
+            </a:schemeClr>
+          </a:solidFill>
+        </p:spPr>
+        <p:style>
+          <a:lnRef idx="2">
+            <a:schemeClr val="accent1">
+              <a:shade val="15000"/>
+            </a:schemeClr>
+          </a:lnRef>
+          <a:fillRef idx="1">
+            <a:schemeClr val="accent1"/>
+          </a:fillRef>
+          <a:effectRef idx="0">
+            <a:schemeClr val="accent1"/>
+          </a:effectRef>
+          <a:fontRef idx="minor">
+            <a:schemeClr val="lt1"/>
+          </a:fontRef>
+        </p:style>
+        <p:txBody>
+          <a:bodyPr rtlCol="0" anchor="ctr"/>
+          <a:lstStyle/>
+          <a:p>
+            <a:r>
+              <a:rPr lang="de-DE" sz="1200" dirty="0"/>
+              <a:t>Hannes Grün, Robin Schüttpelz</a:t>
+            </a:r>
+          </a:p>
+        </p:txBody>
+      </p:sp>
+    </p:spTree>
+    <p:extLst>
+      <p:ext uri="{BB962C8B-B14F-4D97-AF65-F5344CB8AC3E}">
+        <p14:creationId xmlns:p14="http://schemas.microsoft.com/office/powerpoint/2010/main" val="1357975992"/>
+      </p:ext>
+    </p:extLst>
+  </p:cSld>
+  <p:clrMapOvr>
+    <a:masterClrMapping/>
+  </p:clrMapOvr>
+</p:sld>
+</file>
+
+<file path=ppt/slides/slide10.xml><?xml version="1.0" encoding="utf-8"?>
+<p:sld xmlns:a="http://schemas.openxmlformats.org/drawingml/2006/main" xmlns:r="http://schemas.openxmlformats.org/officeDocument/2006/relationships" xmlns:p="http://schemas.openxmlformats.org/presentationml/2006/main">
+  <p:cSld>
+    <p:spTree>
+      <p:nvGrpSpPr>
+        <p:cNvPr id="1" name="">
+          <a:extLst>
+            <a:ext uri="{FF2B5EF4-FFF2-40B4-BE49-F238E27FC236}">
+              <a16:creationId xmlns:a16="http://schemas.microsoft.com/office/drawing/2014/main" id="{5A742BD4-7F9E-45EB-E8F7-57E7DDBBC70F}"/>
+            </a:ext>
+          </a:extLst>
+        </p:cNvPr>
+        <p:cNvGrpSpPr/>
+        <p:nvPr/>
+      </p:nvGrpSpPr>
+      <p:grpSpPr>
+        <a:xfrm>
+          <a:off x="0" y="0"/>
+          <a:ext cx="0" cy="0"/>
+          <a:chOff x="0" y="0"/>
+          <a:chExt cx="0" cy="0"/>
+        </a:xfrm>
+      </p:grpSpPr>
+      <p:sp>
+        <p:nvSpPr>
+          <p:cNvPr id="2" name="Rechteck 1">
+            <a:extLst>
+              <a:ext uri="{FF2B5EF4-FFF2-40B4-BE49-F238E27FC236}">
+                <a16:creationId xmlns:a16="http://schemas.microsoft.com/office/drawing/2014/main" id="{E78ACD5F-93E4-CDF8-ED1A-069100A04189}"/>
               </a:ext>
             </a:extLst>
           </p:cNvPr>
@@ -5589,7 +7367,7 @@
             <a:pPr algn="ctr"/>
             <a:r>
               <a:rPr lang="de-DE" sz="5400" dirty="0"/>
-              <a:t>INTRO</a:t>
+              <a:t>Outlook (2) </a:t>
             </a:r>
           </a:p>
         </p:txBody>
@@ -5599,7 +7377,7 @@
           <p:cNvPr id="4" name="Inhaltsplatzhalter 2">
             <a:extLst>
               <a:ext uri="{FF2B5EF4-FFF2-40B4-BE49-F238E27FC236}">
-                <a16:creationId xmlns:a16="http://schemas.microsoft.com/office/drawing/2014/main" id="{0599C54A-F0E0-F237-A2E6-88663BA8BCB1}"/>
+                <a16:creationId xmlns:a16="http://schemas.microsoft.com/office/drawing/2014/main" id="{B80FFFBB-A3BB-0439-0DC0-5FE737D25D49}"/>
               </a:ext>
             </a:extLst>
           </p:cNvPr>
@@ -5786,13 +7564,186 @@
             </a:lvl9pPr>
           </a:lstStyle>
           <a:p>
-            <a:pPr marL="342900" indent="-342900">
-              <a:buFontTx/>
-              <a:buChar char="-"/>
+            <a:pPr marL="342900" indent="-342900" algn="l">
+              <a:lnSpc>
+                <a:spcPct val="200000"/>
+              </a:lnSpc>
+              <a:buFont typeface="Arial" panose="020B0604020202020204" pitchFamily="34" charset="0"/>
+              <a:buChar char="•"/>
             </a:pPr>
             <a:r>
-              <a:rPr lang="de-DE" dirty="0"/>
-              <a:t>Stichpunkte</a:t>
+              <a:rPr lang="de-DE" b="1" dirty="0"/>
+              <a:t>Grimaldi Paper </a:t>
+            </a:r>
+            <a:r>
+              <a:rPr lang="de-DE" b="1" dirty="0" err="1"/>
+              <a:t>focus</a:t>
+            </a:r>
+            <a:r>
+              <a:rPr lang="de-DE" dirty="0"/>
+              <a:t>: </a:t>
+            </a:r>
+            <a:br>
+              <a:rPr lang="de-DE" dirty="0"/>
+            </a:br>
+            <a:r>
+              <a:rPr lang="de-DE" dirty="0"/>
+              <a:t>Simple </a:t>
+            </a:r>
+            <a:r>
+              <a:rPr lang="de-DE" dirty="0" err="1"/>
+              <a:t>models</a:t>
+            </a:r>
+            <a:r>
+              <a:rPr lang="de-DE" dirty="0"/>
+              <a:t> </a:t>
+            </a:r>
+            <a:r>
+              <a:rPr lang="de-DE" b="1" i="1" dirty="0" err="1"/>
+              <a:t>vs</a:t>
+            </a:r>
+            <a:r>
+              <a:rPr lang="de-DE" dirty="0"/>
+              <a:t> </a:t>
+            </a:r>
+            <a:r>
+              <a:rPr lang="de-DE" dirty="0" err="1"/>
+              <a:t>Symmetric</a:t>
+            </a:r>
+            <a:r>
+              <a:rPr lang="de-DE" dirty="0"/>
+              <a:t> ACs </a:t>
+            </a:r>
+            <a:r>
+              <a:rPr lang="de-DE" b="1" i="1" dirty="0" err="1"/>
+              <a:t>vs</a:t>
+            </a:r>
+            <a:r>
+              <a:rPr lang="de-DE" dirty="0"/>
+              <a:t> </a:t>
+            </a:r>
+            <a:r>
+              <a:rPr lang="de-DE" dirty="0" err="1"/>
+              <a:t>Asymmetric</a:t>
+            </a:r>
+            <a:r>
+              <a:rPr lang="de-DE" dirty="0"/>
+              <a:t> ACs</a:t>
+            </a:r>
+          </a:p>
+          <a:p>
+            <a:pPr marL="342900" indent="-342900" algn="l">
+              <a:lnSpc>
+                <a:spcPct val="200000"/>
+              </a:lnSpc>
+              <a:buFont typeface="Arial" panose="020B0604020202020204" pitchFamily="34" charset="0"/>
+              <a:buChar char="•"/>
+            </a:pPr>
+            <a:r>
+              <a:rPr lang="de-DE" b="1" dirty="0" err="1"/>
+              <a:t>Our</a:t>
+            </a:r>
+            <a:r>
+              <a:rPr lang="de-DE" b="1" dirty="0"/>
+              <a:t> </a:t>
+            </a:r>
+            <a:r>
+              <a:rPr lang="de-DE" b="1" dirty="0" err="1"/>
+              <a:t>paper</a:t>
+            </a:r>
+            <a:r>
+              <a:rPr lang="de-DE" dirty="0"/>
+              <a:t>:</a:t>
+            </a:r>
+          </a:p>
+          <a:p>
+            <a:pPr marL="800100" lvl="1" indent="-342900" algn="l">
+              <a:lnSpc>
+                <a:spcPct val="200000"/>
+              </a:lnSpc>
+              <a:buFont typeface="Arial" panose="020B0604020202020204" pitchFamily="34" charset="0"/>
+              <a:buChar char="•"/>
+            </a:pPr>
+            <a:r>
+              <a:rPr lang="de-DE" dirty="0"/>
+              <a:t>Hydrological </a:t>
+            </a:r>
+            <a:r>
+              <a:rPr lang="de-DE" dirty="0" err="1"/>
+              <a:t>focus</a:t>
+            </a:r>
+            <a:r>
+              <a:rPr lang="de-DE" dirty="0"/>
+              <a:t>: </a:t>
+            </a:r>
+            <a:r>
+              <a:rPr lang="de-DE" dirty="0" err="1"/>
+              <a:t>Including</a:t>
+            </a:r>
+            <a:r>
+              <a:rPr lang="de-DE" dirty="0"/>
+              <a:t> </a:t>
+            </a:r>
+            <a:r>
+              <a:rPr lang="de-DE" dirty="0" err="1"/>
+              <a:t>minimum</a:t>
+            </a:r>
+            <a:r>
+              <a:rPr lang="de-DE" dirty="0"/>
+              <a:t> </a:t>
+            </a:r>
+            <a:r>
+              <a:rPr lang="de-DE" dirty="0" err="1"/>
+              <a:t>discharge</a:t>
+            </a:r>
+            <a:r>
+              <a:rPr lang="de-DE" dirty="0"/>
+              <a:t> </a:t>
+            </a:r>
+            <a:r>
+              <a:rPr lang="de-DE" dirty="0" err="1"/>
+              <a:t>events</a:t>
+            </a:r>
+            <a:r>
+              <a:rPr lang="de-DE" dirty="0"/>
+              <a:t> </a:t>
+            </a:r>
+          </a:p>
+          <a:p>
+            <a:pPr marL="800100" lvl="1" indent="-342900" algn="l">
+              <a:lnSpc>
+                <a:spcPct val="200000"/>
+              </a:lnSpc>
+              <a:buFont typeface="Arial" panose="020B0604020202020204" pitchFamily="34" charset="0"/>
+              <a:buChar char="•"/>
+            </a:pPr>
+            <a:r>
+              <a:rPr lang="de-DE" dirty="0"/>
+              <a:t>Statistical </a:t>
+            </a:r>
+            <a:r>
+              <a:rPr lang="de-DE" dirty="0" err="1"/>
+              <a:t>focus</a:t>
+            </a:r>
+            <a:r>
+              <a:rPr lang="de-DE" dirty="0"/>
+              <a:t>: </a:t>
+            </a:r>
+            <a:r>
+              <a:rPr lang="de-DE" dirty="0" err="1"/>
+              <a:t>Asymmetric</a:t>
+            </a:r>
+            <a:r>
+              <a:rPr lang="de-DE" dirty="0"/>
+              <a:t> ACs </a:t>
+            </a:r>
+            <a:r>
+              <a:rPr lang="de-DE" b="1" i="1" dirty="0" err="1"/>
+              <a:t>vs</a:t>
+            </a:r>
+            <a:r>
+              <a:rPr lang="de-DE" dirty="0"/>
+              <a:t> Vine Copulas</a:t>
             </a:r>
           </a:p>
         </p:txBody>
@@ -5800,7 +7751,7 @@
     </p:spTree>
     <p:extLst>
       <p:ext uri="{BB962C8B-B14F-4D97-AF65-F5344CB8AC3E}">
-        <p14:creationId xmlns:p14="http://schemas.microsoft.com/office/powerpoint/2010/main" val="3927546690"/>
+        <p14:creationId xmlns:p14="http://schemas.microsoft.com/office/powerpoint/2010/main" val="240816230"/>
       </p:ext>
     </p:extLst>
   </p:cSld>
@@ -5810,7 +7761,7 @@
 </p:sld>
 </file>
 
-<file path=ppt/slides/slide10.xml><?xml version="1.0" encoding="utf-8"?>
+<file path=ppt/slides/slide2.xml><?xml version="1.0" encoding="utf-8"?>
 <p:sld xmlns:a="http://schemas.openxmlformats.org/drawingml/2006/main" xmlns:r="http://schemas.openxmlformats.org/officeDocument/2006/relationships" xmlns:p="http://schemas.openxmlformats.org/presentationml/2006/main">
   <p:cSld>
     <p:spTree>
@@ -5818,7 +7769,7 @@
         <p:cNvPr id="1" name="">
           <a:extLst>
             <a:ext uri="{FF2B5EF4-FFF2-40B4-BE49-F238E27FC236}">
-              <a16:creationId xmlns:a16="http://schemas.microsoft.com/office/drawing/2014/main" id="{F2751B8F-792D-0901-58CC-F886D9384A2D}"/>
+              <a16:creationId xmlns:a16="http://schemas.microsoft.com/office/drawing/2014/main" id="{C56A1CB7-4D63-92F0-FFBC-567D960B58DF}"/>
             </a:ext>
           </a:extLst>
         </p:cNvPr>
@@ -5838,7 +7789,7 @@
           <p:cNvPr id="2" name="Rechteck 1">
             <a:extLst>
               <a:ext uri="{FF2B5EF4-FFF2-40B4-BE49-F238E27FC236}">
-                <a16:creationId xmlns:a16="http://schemas.microsoft.com/office/drawing/2014/main" id="{3069A023-8F8F-3B00-9D70-D5FCE028E27B}"/>
+                <a16:creationId xmlns:a16="http://schemas.microsoft.com/office/drawing/2014/main" id="{45DA7D28-BD90-3A84-F872-6392C485715D}"/>
               </a:ext>
             </a:extLst>
           </p:cNvPr>
@@ -5881,18 +7832,19 @@
           <a:p>
             <a:pPr algn="ctr"/>
             <a:r>
-              <a:rPr lang="de-DE" sz="5400" dirty="0"/>
-              <a:t>Outlook (1)</a:t>
-            </a:r>
+              <a:rPr lang="de-DE" sz="5400" dirty="0" err="1"/>
+              <a:t>Relevance</a:t>
+            </a:r>
+            <a:endParaRPr lang="de-DE" sz="5400" dirty="0"/>
           </a:p>
         </p:txBody>
       </p:sp>
       <p:sp>
         <p:nvSpPr>
-          <p:cNvPr id="3" name="Inhaltsplatzhalter 2">
+          <p:cNvPr id="4" name="Inhaltsplatzhalter 2">
             <a:extLst>
               <a:ext uri="{FF2B5EF4-FFF2-40B4-BE49-F238E27FC236}">
-                <a16:creationId xmlns:a16="http://schemas.microsoft.com/office/drawing/2014/main" id="{475FF6F0-5CFB-8E1D-DB3F-CEB0FB720CC8}"/>
+                <a16:creationId xmlns:a16="http://schemas.microsoft.com/office/drawing/2014/main" id="{4612D634-0F2D-C7F7-A766-221DB6E7DA01}"/>
               </a:ext>
             </a:extLst>
           </p:cNvPr>
@@ -6079,21 +8031,284 @@
             </a:lvl9pPr>
           </a:lstStyle>
           <a:p>
-            <a:pPr marL="342900" indent="-342900">
-              <a:buFontTx/>
-              <a:buChar char="-"/>
+            <a:pPr marL="342900" indent="-342900" algn="l">
+              <a:lnSpc>
+                <a:spcPct val="200000"/>
+              </a:lnSpc>
+              <a:buFont typeface="Arial" panose="020B0604020202020204" pitchFamily="34" charset="0"/>
+              <a:buChar char="•"/>
             </a:pPr>
             <a:r>
-              <a:rPr lang="de-DE" dirty="0"/>
-              <a:t>Stichpunkte</a:t>
-            </a:r>
+              <a:rPr lang="de-DE" b="1" dirty="0">
+                <a:latin typeface="Arial" panose="020B0604020202020204" pitchFamily="34" charset="0"/>
+                <a:cs typeface="Arial" panose="020B0604020202020204" pitchFamily="34" charset="0"/>
+              </a:rPr>
+              <a:t>Floods:</a:t>
+            </a:r>
+            <a:r>
+              <a:rPr lang="de-DE" dirty="0">
+                <a:latin typeface="Arial" panose="020B0604020202020204" pitchFamily="34" charset="0"/>
+                <a:cs typeface="Arial" panose="020B0604020202020204" pitchFamily="34" charset="0"/>
+              </a:rPr>
+              <a:t> </a:t>
+            </a:r>
+            <a:r>
+              <a:rPr lang="de-DE" dirty="0" err="1">
+                <a:latin typeface="Arial" panose="020B0604020202020204" pitchFamily="34" charset="0"/>
+                <a:cs typeface="Arial" panose="020B0604020202020204" pitchFamily="34" charset="0"/>
+              </a:rPr>
+              <a:t>Among</a:t>
+            </a:r>
+            <a:r>
+              <a:rPr lang="de-DE" dirty="0">
+                <a:latin typeface="Arial" panose="020B0604020202020204" pitchFamily="34" charset="0"/>
+                <a:cs typeface="Arial" panose="020B0604020202020204" pitchFamily="34" charset="0"/>
+              </a:rPr>
+              <a:t> </a:t>
+            </a:r>
+            <a:r>
+              <a:rPr lang="de-DE" dirty="0" err="1">
+                <a:latin typeface="Arial" panose="020B0604020202020204" pitchFamily="34" charset="0"/>
+                <a:cs typeface="Arial" panose="020B0604020202020204" pitchFamily="34" charset="0"/>
+              </a:rPr>
+              <a:t>most</a:t>
+            </a:r>
+            <a:r>
+              <a:rPr lang="de-DE" dirty="0">
+                <a:latin typeface="Arial" panose="020B0604020202020204" pitchFamily="34" charset="0"/>
+                <a:cs typeface="Arial" panose="020B0604020202020204" pitchFamily="34" charset="0"/>
+              </a:rPr>
+              <a:t> </a:t>
+            </a:r>
+            <a:r>
+              <a:rPr lang="de-DE" dirty="0" err="1">
+                <a:latin typeface="Arial" panose="020B0604020202020204" pitchFamily="34" charset="0"/>
+                <a:cs typeface="Arial" panose="020B0604020202020204" pitchFamily="34" charset="0"/>
+              </a:rPr>
+              <a:t>severe</a:t>
+            </a:r>
+            <a:r>
+              <a:rPr lang="de-DE" dirty="0">
+                <a:latin typeface="Arial" panose="020B0604020202020204" pitchFamily="34" charset="0"/>
+                <a:cs typeface="Arial" panose="020B0604020202020204" pitchFamily="34" charset="0"/>
+              </a:rPr>
+              <a:t> </a:t>
+            </a:r>
+            <a:r>
+              <a:rPr lang="de-DE" dirty="0" err="1">
+                <a:latin typeface="Arial" panose="020B0604020202020204" pitchFamily="34" charset="0"/>
+                <a:cs typeface="Arial" panose="020B0604020202020204" pitchFamily="34" charset="0"/>
+              </a:rPr>
+              <a:t>natural</a:t>
+            </a:r>
+            <a:r>
+              <a:rPr lang="de-DE" dirty="0">
+                <a:latin typeface="Arial" panose="020B0604020202020204" pitchFamily="34" charset="0"/>
+                <a:cs typeface="Arial" panose="020B0604020202020204" pitchFamily="34" charset="0"/>
+              </a:rPr>
+              <a:t> </a:t>
+            </a:r>
+            <a:r>
+              <a:rPr lang="de-DE" dirty="0" err="1">
+                <a:latin typeface="Arial" panose="020B0604020202020204" pitchFamily="34" charset="0"/>
+                <a:cs typeface="Arial" panose="020B0604020202020204" pitchFamily="34" charset="0"/>
+              </a:rPr>
+              <a:t>hazards</a:t>
+            </a:r>
+            <a:r>
+              <a:rPr lang="de-DE" dirty="0">
+                <a:latin typeface="Arial" panose="020B0604020202020204" pitchFamily="34" charset="0"/>
+                <a:cs typeface="Arial" panose="020B0604020202020204" pitchFamily="34" charset="0"/>
+              </a:rPr>
+              <a:t> </a:t>
+            </a:r>
+            <a:r>
+              <a:rPr lang="de-DE" dirty="0" err="1">
+                <a:latin typeface="Arial" panose="020B0604020202020204" pitchFamily="34" charset="0"/>
+                <a:cs typeface="Arial" panose="020B0604020202020204" pitchFamily="34" charset="0"/>
+              </a:rPr>
+              <a:t>worldwide</a:t>
+            </a:r>
+            <a:endParaRPr lang="de-DE" dirty="0"/>
+          </a:p>
+          <a:p>
+            <a:pPr marL="342900" indent="-342900" algn="l">
+              <a:lnSpc>
+                <a:spcPct val="200000"/>
+              </a:lnSpc>
+              <a:buFont typeface="Arial" panose="020B0604020202020204" pitchFamily="34" charset="0"/>
+              <a:buChar char="•"/>
+            </a:pPr>
+            <a:r>
+              <a:rPr lang="de-DE" b="1" dirty="0">
+                <a:latin typeface="Arial" panose="020B0604020202020204" pitchFamily="34" charset="0"/>
+                <a:cs typeface="Arial" panose="020B0604020202020204" pitchFamily="34" charset="0"/>
+              </a:rPr>
+              <a:t>Multivariate </a:t>
+            </a:r>
+            <a:r>
+              <a:rPr lang="de-DE" b="1" dirty="0" err="1">
+                <a:latin typeface="Arial" panose="020B0604020202020204" pitchFamily="34" charset="0"/>
+                <a:cs typeface="Arial" panose="020B0604020202020204" pitchFamily="34" charset="0"/>
+              </a:rPr>
+              <a:t>flood</a:t>
+            </a:r>
+            <a:r>
+              <a:rPr lang="de-DE" b="1" dirty="0">
+                <a:latin typeface="Arial" panose="020B0604020202020204" pitchFamily="34" charset="0"/>
+                <a:cs typeface="Arial" panose="020B0604020202020204" pitchFamily="34" charset="0"/>
+              </a:rPr>
+              <a:t> </a:t>
+            </a:r>
+            <a:r>
+              <a:rPr lang="de-DE" b="1" dirty="0" err="1">
+                <a:latin typeface="Arial" panose="020B0604020202020204" pitchFamily="34" charset="0"/>
+                <a:cs typeface="Arial" panose="020B0604020202020204" pitchFamily="34" charset="0"/>
+              </a:rPr>
+              <a:t>analysis</a:t>
+            </a:r>
+            <a:r>
+              <a:rPr lang="de-DE" b="1" dirty="0">
+                <a:latin typeface="Arial" panose="020B0604020202020204" pitchFamily="34" charset="0"/>
+                <a:cs typeface="Arial" panose="020B0604020202020204" pitchFamily="34" charset="0"/>
+              </a:rPr>
+              <a:t>: </a:t>
+            </a:r>
+            <a:r>
+              <a:rPr lang="de-DE" dirty="0" err="1">
+                <a:latin typeface="Arial" panose="020B0604020202020204" pitchFamily="34" charset="0"/>
+                <a:cs typeface="Arial" panose="020B0604020202020204" pitchFamily="34" charset="0"/>
+              </a:rPr>
+              <a:t>Interdependence</a:t>
+            </a:r>
+            <a:r>
+              <a:rPr lang="de-DE" dirty="0">
+                <a:latin typeface="Arial" panose="020B0604020202020204" pitchFamily="34" charset="0"/>
+                <a:cs typeface="Arial" panose="020B0604020202020204" pitchFamily="34" charset="0"/>
+              </a:rPr>
+              <a:t> </a:t>
+            </a:r>
+            <a:r>
+              <a:rPr lang="de-DE" dirty="0" err="1">
+                <a:latin typeface="Arial" panose="020B0604020202020204" pitchFamily="34" charset="0"/>
+                <a:cs typeface="Arial" panose="020B0604020202020204" pitchFamily="34" charset="0"/>
+              </a:rPr>
+              <a:t>of</a:t>
+            </a:r>
+            <a:r>
+              <a:rPr lang="de-DE" dirty="0">
+                <a:latin typeface="Arial" panose="020B0604020202020204" pitchFamily="34" charset="0"/>
+                <a:cs typeface="Arial" panose="020B0604020202020204" pitchFamily="34" charset="0"/>
+              </a:rPr>
+              <a:t> </a:t>
+            </a:r>
+            <a:r>
+              <a:rPr lang="de-DE" dirty="0" err="1">
+                <a:latin typeface="Arial" panose="020B0604020202020204" pitchFamily="34" charset="0"/>
+                <a:cs typeface="Arial" panose="020B0604020202020204" pitchFamily="34" charset="0"/>
+              </a:rPr>
+              <a:t>flood</a:t>
+            </a:r>
+            <a:r>
+              <a:rPr lang="de-DE" dirty="0">
+                <a:latin typeface="Arial" panose="020B0604020202020204" pitchFamily="34" charset="0"/>
+                <a:cs typeface="Arial" panose="020B0604020202020204" pitchFamily="34" charset="0"/>
+              </a:rPr>
+              <a:t> </a:t>
+            </a:r>
+            <a:r>
+              <a:rPr lang="de-DE" dirty="0" err="1">
+                <a:latin typeface="Arial" panose="020B0604020202020204" pitchFamily="34" charset="0"/>
+                <a:cs typeface="Arial" panose="020B0604020202020204" pitchFamily="34" charset="0"/>
+              </a:rPr>
+              <a:t>event</a:t>
+            </a:r>
+            <a:r>
+              <a:rPr lang="de-DE" dirty="0">
+                <a:latin typeface="Arial" panose="020B0604020202020204" pitchFamily="34" charset="0"/>
+                <a:cs typeface="Arial" panose="020B0604020202020204" pitchFamily="34" charset="0"/>
+              </a:rPr>
+              <a:t> </a:t>
+            </a:r>
+            <a:r>
+              <a:rPr lang="de-DE" dirty="0" err="1">
+                <a:latin typeface="Arial" panose="020B0604020202020204" pitchFamily="34" charset="0"/>
+                <a:cs typeface="Arial" panose="020B0604020202020204" pitchFamily="34" charset="0"/>
+              </a:rPr>
+              <a:t>characteristics</a:t>
+            </a:r>
+            <a:endParaRPr lang="de-DE" dirty="0">
+              <a:latin typeface="Arial" panose="020B0604020202020204" pitchFamily="34" charset="0"/>
+              <a:cs typeface="Arial" panose="020B0604020202020204" pitchFamily="34" charset="0"/>
+            </a:endParaRPr>
+          </a:p>
+          <a:p>
+            <a:pPr marL="342900" indent="-342900" algn="l">
+              <a:lnSpc>
+                <a:spcPct val="200000"/>
+              </a:lnSpc>
+              <a:buFont typeface="Arial" panose="020B0604020202020204" pitchFamily="34" charset="0"/>
+              <a:buChar char="•"/>
+            </a:pPr>
+            <a:r>
+              <a:rPr lang="de-DE" b="1" dirty="0" err="1">
+                <a:latin typeface="Arial" panose="020B0604020202020204" pitchFamily="34" charset="0"/>
+                <a:cs typeface="Arial" panose="020B0604020202020204" pitchFamily="34" charset="0"/>
+              </a:rPr>
+              <a:t>Asymmetric</a:t>
+            </a:r>
+            <a:r>
+              <a:rPr lang="de-DE" b="1" dirty="0">
+                <a:latin typeface="Arial" panose="020B0604020202020204" pitchFamily="34" charset="0"/>
+                <a:cs typeface="Arial" panose="020B0604020202020204" pitchFamily="34" charset="0"/>
+              </a:rPr>
+              <a:t> </a:t>
+            </a:r>
+            <a:r>
+              <a:rPr lang="de-DE" b="1" dirty="0" err="1">
+                <a:latin typeface="Arial" panose="020B0604020202020204" pitchFamily="34" charset="0"/>
+                <a:cs typeface="Arial" panose="020B0604020202020204" pitchFamily="34" charset="0"/>
+              </a:rPr>
+              <a:t>copula</a:t>
+            </a:r>
+            <a:r>
+              <a:rPr lang="de-DE" b="1" dirty="0">
+                <a:latin typeface="Arial" panose="020B0604020202020204" pitchFamily="34" charset="0"/>
+                <a:cs typeface="Arial" panose="020B0604020202020204" pitchFamily="34" charset="0"/>
+              </a:rPr>
+              <a:t> </a:t>
+            </a:r>
+            <a:r>
+              <a:rPr lang="de-DE" b="1" dirty="0" err="1">
+                <a:latin typeface="Arial" panose="020B0604020202020204" pitchFamily="34" charset="0"/>
+                <a:cs typeface="Arial" panose="020B0604020202020204" pitchFamily="34" charset="0"/>
+              </a:rPr>
+              <a:t>functions</a:t>
+            </a:r>
+            <a:r>
+              <a:rPr lang="de-DE" b="1" dirty="0">
+                <a:latin typeface="Arial" panose="020B0604020202020204" pitchFamily="34" charset="0"/>
+                <a:cs typeface="Arial" panose="020B0604020202020204" pitchFamily="34" charset="0"/>
+              </a:rPr>
+              <a:t>: </a:t>
+            </a:r>
+            <a:r>
+              <a:rPr lang="en-US" dirty="0">
+                <a:latin typeface="Arial" panose="020B0604020202020204" pitchFamily="34" charset="0"/>
+                <a:cs typeface="Arial" panose="020B0604020202020204" pitchFamily="34" charset="0"/>
+              </a:rPr>
+              <a:t>Varying strength of dependence between variables, allowing flexible modelling. </a:t>
+            </a:r>
+            <a:endParaRPr lang="de-DE" i="1" dirty="0">
+              <a:latin typeface="Cambria Math" panose="02040503050406030204" pitchFamily="18" charset="0"/>
+            </a:endParaRPr>
           </a:p>
         </p:txBody>
       </p:sp>
     </p:spTree>
     <p:extLst>
       <p:ext uri="{BB962C8B-B14F-4D97-AF65-F5344CB8AC3E}">
-        <p14:creationId xmlns:p14="http://schemas.microsoft.com/office/powerpoint/2010/main" val="2261685546"/>
+        <p14:creationId xmlns:p14="http://schemas.microsoft.com/office/powerpoint/2010/main" val="423505647"/>
       </p:ext>
     </p:extLst>
   </p:cSld>
@@ -6103,7 +8318,7 @@
 </p:sld>
 </file>
 
-<file path=ppt/slides/slide11.xml><?xml version="1.0" encoding="utf-8"?>
+<file path=ppt/slides/slide3.xml><?xml version="1.0" encoding="utf-8"?>
 <p:sld xmlns:a="http://schemas.openxmlformats.org/drawingml/2006/main" xmlns:r="http://schemas.openxmlformats.org/officeDocument/2006/relationships" xmlns:p="http://schemas.openxmlformats.org/presentationml/2006/main">
   <p:cSld>
     <p:spTree>
@@ -6111,7 +8326,7 @@
         <p:cNvPr id="1" name="">
           <a:extLst>
             <a:ext uri="{FF2B5EF4-FFF2-40B4-BE49-F238E27FC236}">
-              <a16:creationId xmlns:a16="http://schemas.microsoft.com/office/drawing/2014/main" id="{BB31E1C7-16A5-B2D3-FE98-65FCBF54DE41}"/>
+              <a16:creationId xmlns:a16="http://schemas.microsoft.com/office/drawing/2014/main" id="{FCB002DF-734A-53C6-3978-8C7B047D3DD6}"/>
             </a:ext>
           </a:extLst>
         </p:cNvPr>
@@ -6131,7 +8346,7 @@
           <p:cNvPr id="2" name="Rechteck 1">
             <a:extLst>
               <a:ext uri="{FF2B5EF4-FFF2-40B4-BE49-F238E27FC236}">
-                <a16:creationId xmlns:a16="http://schemas.microsoft.com/office/drawing/2014/main" id="{E051C9FD-B9F5-BF23-7E72-9F23A2245F43}"/>
+                <a16:creationId xmlns:a16="http://schemas.microsoft.com/office/drawing/2014/main" id="{3FCBBA31-858A-792C-8F6E-88EA3931695F}"/>
               </a:ext>
             </a:extLst>
           </p:cNvPr>
@@ -6174,18 +8389,27 @@
           <a:p>
             <a:pPr algn="ctr"/>
             <a:r>
+              <a:rPr lang="de-DE" sz="5400" dirty="0" err="1"/>
+              <a:t>Dependence</a:t>
+            </a:r>
+            <a:r>
               <a:rPr lang="de-DE" sz="5400" dirty="0"/>
-              <a:t>Outlook (2)</a:t>
-            </a:r>
+              <a:t> </a:t>
+            </a:r>
+            <a:r>
+              <a:rPr lang="de-DE" sz="5400" dirty="0" err="1"/>
+              <a:t>Structure</a:t>
+            </a:r>
+            <a:endParaRPr lang="de-DE" sz="5400" dirty="0"/>
           </a:p>
         </p:txBody>
       </p:sp>
       <p:sp>
         <p:nvSpPr>
-          <p:cNvPr id="3" name="Inhaltsplatzhalter 2">
+          <p:cNvPr id="4" name="Inhaltsplatzhalter 2">
             <a:extLst>
               <a:ext uri="{FF2B5EF4-FFF2-40B4-BE49-F238E27FC236}">
-                <a16:creationId xmlns:a16="http://schemas.microsoft.com/office/drawing/2014/main" id="{ABCFA5D0-2BA8-D40C-DFD0-EDDEEB870A4C}"/>
+                <a16:creationId xmlns:a16="http://schemas.microsoft.com/office/drawing/2014/main" id="{07E54C30-37FF-602D-68B1-BF7C07F68C81}"/>
               </a:ext>
             </a:extLst>
           </p:cNvPr>
@@ -6372,21 +8596,245 @@
             </a:lvl9pPr>
           </a:lstStyle>
           <a:p>
-            <a:pPr marL="342900" indent="-342900">
-              <a:buFontTx/>
-              <a:buChar char="-"/>
+            <a:pPr marL="342900" indent="-342900" algn="l">
+              <a:lnSpc>
+                <a:spcPct val="200000"/>
+              </a:lnSpc>
+              <a:buFont typeface="Arial" panose="020B0604020202020204" pitchFamily="34" charset="0"/>
+              <a:buChar char="•"/>
             </a:pPr>
             <a:r>
-              <a:rPr lang="de-DE" dirty="0"/>
-              <a:t>Statistik heavy</a:t>
-            </a:r>
+              <a:rPr lang="de-DE" b="1" dirty="0">
+                <a:latin typeface="Arial" panose="020B0604020202020204" pitchFamily="34" charset="0"/>
+                <a:cs typeface="Arial" panose="020B0604020202020204" pitchFamily="34" charset="0"/>
+              </a:rPr>
+              <a:t>Relevant Variables:</a:t>
+            </a:r>
+            <a:r>
+              <a:rPr lang="de-DE" dirty="0">
+                <a:latin typeface="Arial" panose="020B0604020202020204" pitchFamily="34" charset="0"/>
+                <a:cs typeface="Arial" panose="020B0604020202020204" pitchFamily="34" charset="0"/>
+              </a:rPr>
+              <a:t> Flood </a:t>
+            </a:r>
+            <a:r>
+              <a:rPr lang="de-DE" dirty="0" err="1">
+                <a:latin typeface="Arial" panose="020B0604020202020204" pitchFamily="34" charset="0"/>
+                <a:cs typeface="Arial" panose="020B0604020202020204" pitchFamily="34" charset="0"/>
+              </a:rPr>
+              <a:t>peak</a:t>
+            </a:r>
+            <a:r>
+              <a:rPr lang="de-DE" dirty="0">
+                <a:latin typeface="Arial" panose="020B0604020202020204" pitchFamily="34" charset="0"/>
+                <a:cs typeface="Arial" panose="020B0604020202020204" pitchFamily="34" charset="0"/>
+              </a:rPr>
+              <a:t> (P), Duration (D), Volume (V). </a:t>
+            </a:r>
+            <a:endParaRPr lang="de-DE" dirty="0"/>
+          </a:p>
+          <a:p>
+            <a:pPr marL="342900" indent="-342900" algn="l">
+              <a:lnSpc>
+                <a:spcPct val="200000"/>
+              </a:lnSpc>
+              <a:buFont typeface="Arial" panose="020B0604020202020204" pitchFamily="34" charset="0"/>
+              <a:buChar char="•"/>
+            </a:pPr>
+            <a:r>
+              <a:rPr lang="de-DE" b="1" dirty="0" err="1">
+                <a:latin typeface="Arial" panose="020B0604020202020204" pitchFamily="34" charset="0"/>
+                <a:cs typeface="Arial" panose="020B0604020202020204" pitchFamily="34" charset="0"/>
+              </a:rPr>
+              <a:t>Influences</a:t>
+            </a:r>
+            <a:r>
+              <a:rPr lang="de-DE" b="1" dirty="0">
+                <a:latin typeface="Arial" panose="020B0604020202020204" pitchFamily="34" charset="0"/>
+                <a:cs typeface="Arial" panose="020B0604020202020204" pitchFamily="34" charset="0"/>
+              </a:rPr>
+              <a:t> on </a:t>
+            </a:r>
+            <a:r>
+              <a:rPr lang="de-DE" b="1" dirty="0" err="1">
+                <a:latin typeface="Arial" panose="020B0604020202020204" pitchFamily="34" charset="0"/>
+                <a:cs typeface="Arial" panose="020B0604020202020204" pitchFamily="34" charset="0"/>
+              </a:rPr>
+              <a:t>Dependencies</a:t>
+            </a:r>
+            <a:r>
+              <a:rPr lang="de-DE" b="1" dirty="0">
+                <a:latin typeface="Arial" panose="020B0604020202020204" pitchFamily="34" charset="0"/>
+                <a:cs typeface="Arial" panose="020B0604020202020204" pitchFamily="34" charset="0"/>
+              </a:rPr>
+              <a:t>: </a:t>
+            </a:r>
+            <a:r>
+              <a:rPr lang="de-DE" dirty="0">
+                <a:latin typeface="Arial" panose="020B0604020202020204" pitchFamily="34" charset="0"/>
+                <a:cs typeface="Arial" panose="020B0604020202020204" pitchFamily="34" charset="0"/>
+              </a:rPr>
+              <a:t>P </a:t>
+            </a:r>
+            <a:r>
+              <a:rPr lang="de-DE" dirty="0" err="1">
+                <a:latin typeface="Arial" panose="020B0604020202020204" pitchFamily="34" charset="0"/>
+                <a:cs typeface="Arial" panose="020B0604020202020204" pitchFamily="34" charset="0"/>
+              </a:rPr>
+              <a:t>affects</a:t>
+            </a:r>
+            <a:r>
+              <a:rPr lang="de-DE" dirty="0">
+                <a:latin typeface="Arial" panose="020B0604020202020204" pitchFamily="34" charset="0"/>
+                <a:cs typeface="Arial" panose="020B0604020202020204" pitchFamily="34" charset="0"/>
+              </a:rPr>
+              <a:t> </a:t>
+            </a:r>
+            <a:r>
+              <a:rPr lang="de-DE" dirty="0" err="1">
+                <a:latin typeface="Arial" panose="020B0604020202020204" pitchFamily="34" charset="0"/>
+                <a:cs typeface="Arial" panose="020B0604020202020204" pitchFamily="34" charset="0"/>
+              </a:rPr>
+              <a:t>dependence</a:t>
+            </a:r>
+            <a:r>
+              <a:rPr lang="de-DE" dirty="0">
+                <a:latin typeface="Arial" panose="020B0604020202020204" pitchFamily="34" charset="0"/>
+                <a:cs typeface="Arial" panose="020B0604020202020204" pitchFamily="34" charset="0"/>
+              </a:rPr>
+              <a:t> </a:t>
+            </a:r>
+            <a:r>
+              <a:rPr lang="de-DE" dirty="0" err="1">
+                <a:latin typeface="Arial" panose="020B0604020202020204" pitchFamily="34" charset="0"/>
+                <a:cs typeface="Arial" panose="020B0604020202020204" pitchFamily="34" charset="0"/>
+              </a:rPr>
+              <a:t>structure</a:t>
+            </a:r>
+            <a:r>
+              <a:rPr lang="de-DE" dirty="0">
+                <a:latin typeface="Arial" panose="020B0604020202020204" pitchFamily="34" charset="0"/>
+                <a:cs typeface="Arial" panose="020B0604020202020204" pitchFamily="34" charset="0"/>
+              </a:rPr>
+              <a:t> </a:t>
+            </a:r>
+            <a:r>
+              <a:rPr lang="de-DE" dirty="0" err="1">
+                <a:latin typeface="Arial" panose="020B0604020202020204" pitchFamily="34" charset="0"/>
+                <a:cs typeface="Arial" panose="020B0604020202020204" pitchFamily="34" charset="0"/>
+              </a:rPr>
+              <a:t>between</a:t>
+            </a:r>
+            <a:r>
+              <a:rPr lang="de-DE" dirty="0">
+                <a:latin typeface="Arial" panose="020B0604020202020204" pitchFamily="34" charset="0"/>
+                <a:cs typeface="Arial" panose="020B0604020202020204" pitchFamily="34" charset="0"/>
+              </a:rPr>
+              <a:t> D &amp; V</a:t>
+            </a:r>
+            <a:endParaRPr lang="de-DE" dirty="0"/>
+          </a:p>
+          <a:p>
+            <a:pPr marL="342900" indent="-342900" algn="l">
+              <a:lnSpc>
+                <a:spcPct val="200000"/>
+              </a:lnSpc>
+              <a:buFont typeface="Arial" panose="020B0604020202020204" pitchFamily="34" charset="0"/>
+              <a:buChar char="•"/>
+            </a:pPr>
+            <a:r>
+              <a:rPr lang="de-DE" b="1" dirty="0">
+                <a:latin typeface="Arial" panose="020B0604020202020204" pitchFamily="34" charset="0"/>
+                <a:cs typeface="Arial" panose="020B0604020202020204" pitchFamily="34" charset="0"/>
+              </a:rPr>
+              <a:t>Relevant </a:t>
+            </a:r>
+            <a:r>
+              <a:rPr lang="de-DE" b="1" dirty="0" err="1">
+                <a:latin typeface="Arial" panose="020B0604020202020204" pitchFamily="34" charset="0"/>
+                <a:cs typeface="Arial" panose="020B0604020202020204" pitchFamily="34" charset="0"/>
+              </a:rPr>
+              <a:t>Influences</a:t>
+            </a:r>
+            <a:r>
+              <a:rPr lang="de-DE" b="1" dirty="0">
+                <a:latin typeface="Arial" panose="020B0604020202020204" pitchFamily="34" charset="0"/>
+                <a:cs typeface="Arial" panose="020B0604020202020204" pitchFamily="34" charset="0"/>
+              </a:rPr>
+              <a:t>: </a:t>
+            </a:r>
+            <a:r>
+              <a:rPr lang="de-DE" dirty="0" err="1">
+                <a:latin typeface="Arial" panose="020B0604020202020204" pitchFamily="34" charset="0"/>
+                <a:cs typeface="Arial" panose="020B0604020202020204" pitchFamily="34" charset="0"/>
+              </a:rPr>
+              <a:t>Portray</a:t>
+            </a:r>
+            <a:r>
+              <a:rPr lang="de-DE" dirty="0">
+                <a:latin typeface="Arial" panose="020B0604020202020204" pitchFamily="34" charset="0"/>
+                <a:cs typeface="Arial" panose="020B0604020202020204" pitchFamily="34" charset="0"/>
+              </a:rPr>
+              <a:t> multivariate </a:t>
+            </a:r>
+            <a:r>
+              <a:rPr lang="de-DE" dirty="0" err="1">
+                <a:latin typeface="Arial" panose="020B0604020202020204" pitchFamily="34" charset="0"/>
+                <a:cs typeface="Arial" panose="020B0604020202020204" pitchFamily="34" charset="0"/>
+              </a:rPr>
+              <a:t>dependencies</a:t>
+            </a:r>
+            <a:r>
+              <a:rPr lang="de-DE" dirty="0">
+                <a:latin typeface="Arial" panose="020B0604020202020204" pitchFamily="34" charset="0"/>
+                <a:cs typeface="Arial" panose="020B0604020202020204" pitchFamily="34" charset="0"/>
+              </a:rPr>
+              <a:t> in </a:t>
+            </a:r>
+            <a:r>
+              <a:rPr lang="de-DE" dirty="0" err="1">
+                <a:latin typeface="Arial" panose="020B0604020202020204" pitchFamily="34" charset="0"/>
+                <a:cs typeface="Arial" panose="020B0604020202020204" pitchFamily="34" charset="0"/>
+              </a:rPr>
+              <a:t>accurate</a:t>
+            </a:r>
+            <a:r>
+              <a:rPr lang="de-DE" dirty="0">
+                <a:latin typeface="Arial" panose="020B0604020202020204" pitchFamily="34" charset="0"/>
+                <a:cs typeface="Arial" panose="020B0604020202020204" pitchFamily="34" charset="0"/>
+              </a:rPr>
+              <a:t> </a:t>
+            </a:r>
+            <a:r>
+              <a:rPr lang="de-DE" dirty="0" err="1">
+                <a:latin typeface="Arial" panose="020B0604020202020204" pitchFamily="34" charset="0"/>
+                <a:cs typeface="Arial" panose="020B0604020202020204" pitchFamily="34" charset="0"/>
+              </a:rPr>
+              <a:t>manner</a:t>
+            </a:r>
+            <a:endParaRPr lang="de-DE" dirty="0">
+              <a:latin typeface="Arial" panose="020B0604020202020204" pitchFamily="34" charset="0"/>
+              <a:cs typeface="Arial" panose="020B0604020202020204" pitchFamily="34" charset="0"/>
+            </a:endParaRPr>
+          </a:p>
+          <a:p>
+            <a:pPr marL="342900" indent="-342900" algn="l">
+              <a:lnSpc>
+                <a:spcPct val="200000"/>
+              </a:lnSpc>
+              <a:buFont typeface="Arial" panose="020B0604020202020204" pitchFamily="34" charset="0"/>
+              <a:buChar char="•"/>
+            </a:pPr>
+            <a:endParaRPr lang="de-DE" i="1" dirty="0">
+              <a:latin typeface="Cambria Math" panose="02040503050406030204" pitchFamily="18" charset="0"/>
+            </a:endParaRPr>
           </a:p>
         </p:txBody>
       </p:sp>
     </p:spTree>
     <p:extLst>
       <p:ext uri="{BB962C8B-B14F-4D97-AF65-F5344CB8AC3E}">
-        <p14:creationId xmlns:p14="http://schemas.microsoft.com/office/powerpoint/2010/main" val="4240618456"/>
+        <p14:creationId xmlns:p14="http://schemas.microsoft.com/office/powerpoint/2010/main" val="803559155"/>
       </p:ext>
     </p:extLst>
   </p:cSld>
@@ -6396,7 +8844,7 @@
 </p:sld>
 </file>
 
-<file path=ppt/slides/slide2.xml><?xml version="1.0" encoding="utf-8"?>
+<file path=ppt/slides/slide4.xml><?xml version="1.0" encoding="utf-8"?>
 <p:sld xmlns:a="http://schemas.openxmlformats.org/drawingml/2006/main" xmlns:r="http://schemas.openxmlformats.org/officeDocument/2006/relationships" xmlns:p="http://schemas.openxmlformats.org/presentationml/2006/main">
   <p:cSld>
     <p:spTree>
@@ -6404,7 +8852,7 @@
         <p:cNvPr id="1" name="">
           <a:extLst>
             <a:ext uri="{FF2B5EF4-FFF2-40B4-BE49-F238E27FC236}">
-              <a16:creationId xmlns:a16="http://schemas.microsoft.com/office/drawing/2014/main" id="{226040E2-2B31-FC00-C237-DFDB9C04EFF6}"/>
+              <a16:creationId xmlns:a16="http://schemas.microsoft.com/office/drawing/2014/main" id="{8D5B0B2C-021F-FB6E-9F69-EFE01CAD434B}"/>
             </a:ext>
           </a:extLst>
         </p:cNvPr>
@@ -6424,7 +8872,7 @@
           <p:cNvPr id="2" name="Rechteck 1">
             <a:extLst>
               <a:ext uri="{FF2B5EF4-FFF2-40B4-BE49-F238E27FC236}">
-                <a16:creationId xmlns:a16="http://schemas.microsoft.com/office/drawing/2014/main" id="{4FD156A7-A67F-EBED-74C7-1123C45548D5}"/>
+                <a16:creationId xmlns:a16="http://schemas.microsoft.com/office/drawing/2014/main" id="{6CCA890D-8B36-31B3-DC17-AA07E3FF2579}"/>
               </a:ext>
             </a:extLst>
           </p:cNvPr>
@@ -6467,885 +8915,6 @@
           <a:p>
             <a:pPr algn="ctr"/>
             <a:r>
-              <a:rPr lang="de-DE" sz="5400" dirty="0"/>
-              <a:t>INTRO</a:t>
-            </a:r>
-          </a:p>
-        </p:txBody>
-      </p:sp>
-      <p:sp>
-        <p:nvSpPr>
-          <p:cNvPr id="4" name="Inhaltsplatzhalter 2">
-            <a:extLst>
-              <a:ext uri="{FF2B5EF4-FFF2-40B4-BE49-F238E27FC236}">
-                <a16:creationId xmlns:a16="http://schemas.microsoft.com/office/drawing/2014/main" id="{3E24CD96-6306-A408-5A6D-FE653E3B20BD}"/>
-              </a:ext>
-            </a:extLst>
-          </p:cNvPr>
-          <p:cNvSpPr txBox="1">
-            <a:spLocks/>
-          </p:cNvSpPr>
-          <p:nvPr/>
-        </p:nvSpPr>
-        <p:spPr>
-          <a:xfrm>
-            <a:off x="838200" y="1825625"/>
-            <a:ext cx="10515600" cy="4351338"/>
-          </a:xfrm>
-          <a:prstGeom prst="rect">
-            <a:avLst/>
-          </a:prstGeom>
-        </p:spPr>
-        <p:txBody>
-          <a:bodyPr vert="horz" lIns="91440" tIns="45720" rIns="91440" bIns="45720" rtlCol="0">
-            <a:normAutofit/>
-          </a:bodyPr>
-          <a:lstStyle>
-            <a:lvl1pPr marL="0" indent="0" algn="ctr" defTabSz="914400" rtl="0" eaLnBrk="1" latinLnBrk="0" hangingPunct="1">
-              <a:lnSpc>
-                <a:spcPct val="90000"/>
-              </a:lnSpc>
-              <a:spcBef>
-                <a:spcPts val="1000"/>
-              </a:spcBef>
-              <a:buFont typeface="Arial" panose="020B0604020202020204" pitchFamily="34" charset="0"/>
-              <a:buNone/>
-              <a:defRPr sz="2400" kern="1200">
-                <a:solidFill>
-                  <a:schemeClr val="tx1"/>
-                </a:solidFill>
-                <a:latin typeface="+mn-lt"/>
-                <a:ea typeface="+mn-ea"/>
-                <a:cs typeface="+mn-cs"/>
-              </a:defRPr>
-            </a:lvl1pPr>
-            <a:lvl2pPr marL="457200" indent="0" algn="ctr" defTabSz="914400" rtl="0" eaLnBrk="1" latinLnBrk="0" hangingPunct="1">
-              <a:lnSpc>
-                <a:spcPct val="90000"/>
-              </a:lnSpc>
-              <a:spcBef>
-                <a:spcPts val="500"/>
-              </a:spcBef>
-              <a:buFont typeface="Arial" panose="020B0604020202020204" pitchFamily="34" charset="0"/>
-              <a:buNone/>
-              <a:defRPr sz="2000" kern="1200">
-                <a:solidFill>
-                  <a:schemeClr val="tx1"/>
-                </a:solidFill>
-                <a:latin typeface="+mn-lt"/>
-                <a:ea typeface="+mn-ea"/>
-                <a:cs typeface="+mn-cs"/>
-              </a:defRPr>
-            </a:lvl2pPr>
-            <a:lvl3pPr marL="914400" indent="0" algn="ctr" defTabSz="914400" rtl="0" eaLnBrk="1" latinLnBrk="0" hangingPunct="1">
-              <a:lnSpc>
-                <a:spcPct val="90000"/>
-              </a:lnSpc>
-              <a:spcBef>
-                <a:spcPts val="500"/>
-              </a:spcBef>
-              <a:buFont typeface="Arial" panose="020B0604020202020204" pitchFamily="34" charset="0"/>
-              <a:buNone/>
-              <a:defRPr sz="1800" kern="1200">
-                <a:solidFill>
-                  <a:schemeClr val="tx1"/>
-                </a:solidFill>
-                <a:latin typeface="+mn-lt"/>
-                <a:ea typeface="+mn-ea"/>
-                <a:cs typeface="+mn-cs"/>
-              </a:defRPr>
-            </a:lvl3pPr>
-            <a:lvl4pPr marL="1371600" indent="0" algn="ctr" defTabSz="914400" rtl="0" eaLnBrk="1" latinLnBrk="0" hangingPunct="1">
-              <a:lnSpc>
-                <a:spcPct val="90000"/>
-              </a:lnSpc>
-              <a:spcBef>
-                <a:spcPts val="500"/>
-              </a:spcBef>
-              <a:buFont typeface="Arial" panose="020B0604020202020204" pitchFamily="34" charset="0"/>
-              <a:buNone/>
-              <a:defRPr sz="1600" kern="1200">
-                <a:solidFill>
-                  <a:schemeClr val="tx1"/>
-                </a:solidFill>
-                <a:latin typeface="+mn-lt"/>
-                <a:ea typeface="+mn-ea"/>
-                <a:cs typeface="+mn-cs"/>
-              </a:defRPr>
-            </a:lvl4pPr>
-            <a:lvl5pPr marL="1828800" indent="0" algn="ctr" defTabSz="914400" rtl="0" eaLnBrk="1" latinLnBrk="0" hangingPunct="1">
-              <a:lnSpc>
-                <a:spcPct val="90000"/>
-              </a:lnSpc>
-              <a:spcBef>
-                <a:spcPts val="500"/>
-              </a:spcBef>
-              <a:buFont typeface="Arial" panose="020B0604020202020204" pitchFamily="34" charset="0"/>
-              <a:buNone/>
-              <a:defRPr sz="1600" kern="1200">
-                <a:solidFill>
-                  <a:schemeClr val="tx1"/>
-                </a:solidFill>
-                <a:latin typeface="+mn-lt"/>
-                <a:ea typeface="+mn-ea"/>
-                <a:cs typeface="+mn-cs"/>
-              </a:defRPr>
-            </a:lvl5pPr>
-            <a:lvl6pPr marL="2286000" indent="0" algn="ctr" defTabSz="914400" rtl="0" eaLnBrk="1" latinLnBrk="0" hangingPunct="1">
-              <a:lnSpc>
-                <a:spcPct val="90000"/>
-              </a:lnSpc>
-              <a:spcBef>
-                <a:spcPts val="500"/>
-              </a:spcBef>
-              <a:buFont typeface="Arial" panose="020B0604020202020204" pitchFamily="34" charset="0"/>
-              <a:buNone/>
-              <a:defRPr sz="1600" kern="1200">
-                <a:solidFill>
-                  <a:schemeClr val="tx1"/>
-                </a:solidFill>
-                <a:latin typeface="+mn-lt"/>
-                <a:ea typeface="+mn-ea"/>
-                <a:cs typeface="+mn-cs"/>
-              </a:defRPr>
-            </a:lvl6pPr>
-            <a:lvl7pPr marL="2743200" indent="0" algn="ctr" defTabSz="914400" rtl="0" eaLnBrk="1" latinLnBrk="0" hangingPunct="1">
-              <a:lnSpc>
-                <a:spcPct val="90000"/>
-              </a:lnSpc>
-              <a:spcBef>
-                <a:spcPts val="500"/>
-              </a:spcBef>
-              <a:buFont typeface="Arial" panose="020B0604020202020204" pitchFamily="34" charset="0"/>
-              <a:buNone/>
-              <a:defRPr sz="1600" kern="1200">
-                <a:solidFill>
-                  <a:schemeClr val="tx1"/>
-                </a:solidFill>
-                <a:latin typeface="+mn-lt"/>
-                <a:ea typeface="+mn-ea"/>
-                <a:cs typeface="+mn-cs"/>
-              </a:defRPr>
-            </a:lvl7pPr>
-            <a:lvl8pPr marL="3200400" indent="0" algn="ctr" defTabSz="914400" rtl="0" eaLnBrk="1" latinLnBrk="0" hangingPunct="1">
-              <a:lnSpc>
-                <a:spcPct val="90000"/>
-              </a:lnSpc>
-              <a:spcBef>
-                <a:spcPts val="500"/>
-              </a:spcBef>
-              <a:buFont typeface="Arial" panose="020B0604020202020204" pitchFamily="34" charset="0"/>
-              <a:buNone/>
-              <a:defRPr sz="1600" kern="1200">
-                <a:solidFill>
-                  <a:schemeClr val="tx1"/>
-                </a:solidFill>
-                <a:latin typeface="+mn-lt"/>
-                <a:ea typeface="+mn-ea"/>
-                <a:cs typeface="+mn-cs"/>
-              </a:defRPr>
-            </a:lvl8pPr>
-            <a:lvl9pPr marL="3657600" indent="0" algn="ctr" defTabSz="914400" rtl="0" eaLnBrk="1" latinLnBrk="0" hangingPunct="1">
-              <a:lnSpc>
-                <a:spcPct val="90000"/>
-              </a:lnSpc>
-              <a:spcBef>
-                <a:spcPts val="500"/>
-              </a:spcBef>
-              <a:buFont typeface="Arial" panose="020B0604020202020204" pitchFamily="34" charset="0"/>
-              <a:buNone/>
-              <a:defRPr sz="1600" kern="1200">
-                <a:solidFill>
-                  <a:schemeClr val="tx1"/>
-                </a:solidFill>
-                <a:latin typeface="+mn-lt"/>
-                <a:ea typeface="+mn-ea"/>
-                <a:cs typeface="+mn-cs"/>
-              </a:defRPr>
-            </a:lvl9pPr>
-          </a:lstStyle>
-          <a:p>
-            <a:pPr marL="342900" indent="-342900">
-              <a:buFontTx/>
-              <a:buChar char="-"/>
-            </a:pPr>
-            <a:r>
-              <a:rPr lang="de-DE" dirty="0"/>
-              <a:t>Stichpunkte</a:t>
-            </a:r>
-          </a:p>
-        </p:txBody>
-      </p:sp>
-    </p:spTree>
-    <p:extLst>
-      <p:ext uri="{BB962C8B-B14F-4D97-AF65-F5344CB8AC3E}">
-        <p14:creationId xmlns:p14="http://schemas.microsoft.com/office/powerpoint/2010/main" val="1984952574"/>
-      </p:ext>
-    </p:extLst>
-  </p:cSld>
-  <p:clrMapOvr>
-    <a:masterClrMapping/>
-  </p:clrMapOvr>
-</p:sld>
-</file>
-
-<file path=ppt/slides/slide3.xml><?xml version="1.0" encoding="utf-8"?>
-<p:sld xmlns:a="http://schemas.openxmlformats.org/drawingml/2006/main" xmlns:r="http://schemas.openxmlformats.org/officeDocument/2006/relationships" xmlns:p="http://schemas.openxmlformats.org/presentationml/2006/main">
-  <p:cSld>
-    <p:spTree>
-      <p:nvGrpSpPr>
-        <p:cNvPr id="1" name="">
-          <a:extLst>
-            <a:ext uri="{FF2B5EF4-FFF2-40B4-BE49-F238E27FC236}">
-              <a16:creationId xmlns:a16="http://schemas.microsoft.com/office/drawing/2014/main" id="{01B4BC04-FC7A-C9B4-C320-F5C85AC57FE0}"/>
-            </a:ext>
-          </a:extLst>
-        </p:cNvPr>
-        <p:cNvGrpSpPr/>
-        <p:nvPr/>
-      </p:nvGrpSpPr>
-      <p:grpSpPr>
-        <a:xfrm>
-          <a:off x="0" y="0"/>
-          <a:ext cx="0" cy="0"/>
-          <a:chOff x="0" y="0"/>
-          <a:chExt cx="0" cy="0"/>
-        </a:xfrm>
-      </p:grpSpPr>
-      <p:sp>
-        <p:nvSpPr>
-          <p:cNvPr id="2" name="Rechteck 1">
-            <a:extLst>
-              <a:ext uri="{FF2B5EF4-FFF2-40B4-BE49-F238E27FC236}">
-                <a16:creationId xmlns:a16="http://schemas.microsoft.com/office/drawing/2014/main" id="{5F5FBB3D-E6BF-AAD0-224C-3D6A17375723}"/>
-              </a:ext>
-            </a:extLst>
-          </p:cNvPr>
-          <p:cNvSpPr/>
-          <p:nvPr/>
-        </p:nvSpPr>
-        <p:spPr>
-          <a:xfrm>
-            <a:off x="1" y="373487"/>
-            <a:ext cx="12192000" cy="850006"/>
-          </a:xfrm>
-          <a:prstGeom prst="rect">
-            <a:avLst/>
-          </a:prstGeom>
-          <a:solidFill>
-            <a:schemeClr val="bg2">
-              <a:lumMod val="10000"/>
-            </a:schemeClr>
-          </a:solidFill>
-        </p:spPr>
-        <p:style>
-          <a:lnRef idx="2">
-            <a:schemeClr val="accent1">
-              <a:shade val="15000"/>
-            </a:schemeClr>
-          </a:lnRef>
-          <a:fillRef idx="1">
-            <a:schemeClr val="accent1"/>
-          </a:fillRef>
-          <a:effectRef idx="0">
-            <a:schemeClr val="accent1"/>
-          </a:effectRef>
-          <a:fontRef idx="minor">
-            <a:schemeClr val="lt1"/>
-          </a:fontRef>
-        </p:style>
-        <p:txBody>
-          <a:bodyPr rtlCol="0" anchor="ctr"/>
-          <a:lstStyle/>
-          <a:p>
-            <a:pPr algn="ctr"/>
-            <a:r>
-              <a:rPr lang="de-DE" sz="5400" dirty="0"/>
-              <a:t>INTRO</a:t>
-            </a:r>
-          </a:p>
-        </p:txBody>
-      </p:sp>
-      <p:sp>
-        <p:nvSpPr>
-          <p:cNvPr id="4" name="Inhaltsplatzhalter 2">
-            <a:extLst>
-              <a:ext uri="{FF2B5EF4-FFF2-40B4-BE49-F238E27FC236}">
-                <a16:creationId xmlns:a16="http://schemas.microsoft.com/office/drawing/2014/main" id="{B1D4D1AD-988C-980B-66A5-96466D0839BF}"/>
-              </a:ext>
-            </a:extLst>
-          </p:cNvPr>
-          <p:cNvSpPr txBox="1">
-            <a:spLocks/>
-          </p:cNvSpPr>
-          <p:nvPr/>
-        </p:nvSpPr>
-        <p:spPr>
-          <a:xfrm>
-            <a:off x="838200" y="1825625"/>
-            <a:ext cx="10515600" cy="4351338"/>
-          </a:xfrm>
-          <a:prstGeom prst="rect">
-            <a:avLst/>
-          </a:prstGeom>
-        </p:spPr>
-        <p:txBody>
-          <a:bodyPr vert="horz" lIns="91440" tIns="45720" rIns="91440" bIns="45720" rtlCol="0">
-            <a:normAutofit/>
-          </a:bodyPr>
-          <a:lstStyle>
-            <a:lvl1pPr marL="0" indent="0" algn="ctr" defTabSz="914400" rtl="0" eaLnBrk="1" latinLnBrk="0" hangingPunct="1">
-              <a:lnSpc>
-                <a:spcPct val="90000"/>
-              </a:lnSpc>
-              <a:spcBef>
-                <a:spcPts val="1000"/>
-              </a:spcBef>
-              <a:buFont typeface="Arial" panose="020B0604020202020204" pitchFamily="34" charset="0"/>
-              <a:buNone/>
-              <a:defRPr sz="2400" kern="1200">
-                <a:solidFill>
-                  <a:schemeClr val="tx1"/>
-                </a:solidFill>
-                <a:latin typeface="+mn-lt"/>
-                <a:ea typeface="+mn-ea"/>
-                <a:cs typeface="+mn-cs"/>
-              </a:defRPr>
-            </a:lvl1pPr>
-            <a:lvl2pPr marL="457200" indent="0" algn="ctr" defTabSz="914400" rtl="0" eaLnBrk="1" latinLnBrk="0" hangingPunct="1">
-              <a:lnSpc>
-                <a:spcPct val="90000"/>
-              </a:lnSpc>
-              <a:spcBef>
-                <a:spcPts val="500"/>
-              </a:spcBef>
-              <a:buFont typeface="Arial" panose="020B0604020202020204" pitchFamily="34" charset="0"/>
-              <a:buNone/>
-              <a:defRPr sz="2000" kern="1200">
-                <a:solidFill>
-                  <a:schemeClr val="tx1"/>
-                </a:solidFill>
-                <a:latin typeface="+mn-lt"/>
-                <a:ea typeface="+mn-ea"/>
-                <a:cs typeface="+mn-cs"/>
-              </a:defRPr>
-            </a:lvl2pPr>
-            <a:lvl3pPr marL="914400" indent="0" algn="ctr" defTabSz="914400" rtl="0" eaLnBrk="1" latinLnBrk="0" hangingPunct="1">
-              <a:lnSpc>
-                <a:spcPct val="90000"/>
-              </a:lnSpc>
-              <a:spcBef>
-                <a:spcPts val="500"/>
-              </a:spcBef>
-              <a:buFont typeface="Arial" panose="020B0604020202020204" pitchFamily="34" charset="0"/>
-              <a:buNone/>
-              <a:defRPr sz="1800" kern="1200">
-                <a:solidFill>
-                  <a:schemeClr val="tx1"/>
-                </a:solidFill>
-                <a:latin typeface="+mn-lt"/>
-                <a:ea typeface="+mn-ea"/>
-                <a:cs typeface="+mn-cs"/>
-              </a:defRPr>
-            </a:lvl3pPr>
-            <a:lvl4pPr marL="1371600" indent="0" algn="ctr" defTabSz="914400" rtl="0" eaLnBrk="1" latinLnBrk="0" hangingPunct="1">
-              <a:lnSpc>
-                <a:spcPct val="90000"/>
-              </a:lnSpc>
-              <a:spcBef>
-                <a:spcPts val="500"/>
-              </a:spcBef>
-              <a:buFont typeface="Arial" panose="020B0604020202020204" pitchFamily="34" charset="0"/>
-              <a:buNone/>
-              <a:defRPr sz="1600" kern="1200">
-                <a:solidFill>
-                  <a:schemeClr val="tx1"/>
-                </a:solidFill>
-                <a:latin typeface="+mn-lt"/>
-                <a:ea typeface="+mn-ea"/>
-                <a:cs typeface="+mn-cs"/>
-              </a:defRPr>
-            </a:lvl4pPr>
-            <a:lvl5pPr marL="1828800" indent="0" algn="ctr" defTabSz="914400" rtl="0" eaLnBrk="1" latinLnBrk="0" hangingPunct="1">
-              <a:lnSpc>
-                <a:spcPct val="90000"/>
-              </a:lnSpc>
-              <a:spcBef>
-                <a:spcPts val="500"/>
-              </a:spcBef>
-              <a:buFont typeface="Arial" panose="020B0604020202020204" pitchFamily="34" charset="0"/>
-              <a:buNone/>
-              <a:defRPr sz="1600" kern="1200">
-                <a:solidFill>
-                  <a:schemeClr val="tx1"/>
-                </a:solidFill>
-                <a:latin typeface="+mn-lt"/>
-                <a:ea typeface="+mn-ea"/>
-                <a:cs typeface="+mn-cs"/>
-              </a:defRPr>
-            </a:lvl5pPr>
-            <a:lvl6pPr marL="2286000" indent="0" algn="ctr" defTabSz="914400" rtl="0" eaLnBrk="1" latinLnBrk="0" hangingPunct="1">
-              <a:lnSpc>
-                <a:spcPct val="90000"/>
-              </a:lnSpc>
-              <a:spcBef>
-                <a:spcPts val="500"/>
-              </a:spcBef>
-              <a:buFont typeface="Arial" panose="020B0604020202020204" pitchFamily="34" charset="0"/>
-              <a:buNone/>
-              <a:defRPr sz="1600" kern="1200">
-                <a:solidFill>
-                  <a:schemeClr val="tx1"/>
-                </a:solidFill>
-                <a:latin typeface="+mn-lt"/>
-                <a:ea typeface="+mn-ea"/>
-                <a:cs typeface="+mn-cs"/>
-              </a:defRPr>
-            </a:lvl6pPr>
-            <a:lvl7pPr marL="2743200" indent="0" algn="ctr" defTabSz="914400" rtl="0" eaLnBrk="1" latinLnBrk="0" hangingPunct="1">
-              <a:lnSpc>
-                <a:spcPct val="90000"/>
-              </a:lnSpc>
-              <a:spcBef>
-                <a:spcPts val="500"/>
-              </a:spcBef>
-              <a:buFont typeface="Arial" panose="020B0604020202020204" pitchFamily="34" charset="0"/>
-              <a:buNone/>
-              <a:defRPr sz="1600" kern="1200">
-                <a:solidFill>
-                  <a:schemeClr val="tx1"/>
-                </a:solidFill>
-                <a:latin typeface="+mn-lt"/>
-                <a:ea typeface="+mn-ea"/>
-                <a:cs typeface="+mn-cs"/>
-              </a:defRPr>
-            </a:lvl7pPr>
-            <a:lvl8pPr marL="3200400" indent="0" algn="ctr" defTabSz="914400" rtl="0" eaLnBrk="1" latinLnBrk="0" hangingPunct="1">
-              <a:lnSpc>
-                <a:spcPct val="90000"/>
-              </a:lnSpc>
-              <a:spcBef>
-                <a:spcPts val="500"/>
-              </a:spcBef>
-              <a:buFont typeface="Arial" panose="020B0604020202020204" pitchFamily="34" charset="0"/>
-              <a:buNone/>
-              <a:defRPr sz="1600" kern="1200">
-                <a:solidFill>
-                  <a:schemeClr val="tx1"/>
-                </a:solidFill>
-                <a:latin typeface="+mn-lt"/>
-                <a:ea typeface="+mn-ea"/>
-                <a:cs typeface="+mn-cs"/>
-              </a:defRPr>
-            </a:lvl8pPr>
-            <a:lvl9pPr marL="3657600" indent="0" algn="ctr" defTabSz="914400" rtl="0" eaLnBrk="1" latinLnBrk="0" hangingPunct="1">
-              <a:lnSpc>
-                <a:spcPct val="90000"/>
-              </a:lnSpc>
-              <a:spcBef>
-                <a:spcPts val="500"/>
-              </a:spcBef>
-              <a:buFont typeface="Arial" panose="020B0604020202020204" pitchFamily="34" charset="0"/>
-              <a:buNone/>
-              <a:defRPr sz="1600" kern="1200">
-                <a:solidFill>
-                  <a:schemeClr val="tx1"/>
-                </a:solidFill>
-                <a:latin typeface="+mn-lt"/>
-                <a:ea typeface="+mn-ea"/>
-                <a:cs typeface="+mn-cs"/>
-              </a:defRPr>
-            </a:lvl9pPr>
-          </a:lstStyle>
-          <a:p>
-            <a:pPr marL="342900" indent="-342900">
-              <a:buFontTx/>
-              <a:buChar char="-"/>
-            </a:pPr>
-            <a:r>
-              <a:rPr lang="de-DE" dirty="0"/>
-              <a:t>Stichpunkte</a:t>
-            </a:r>
-          </a:p>
-        </p:txBody>
-      </p:sp>
-    </p:spTree>
-    <p:extLst>
-      <p:ext uri="{BB962C8B-B14F-4D97-AF65-F5344CB8AC3E}">
-        <p14:creationId xmlns:p14="http://schemas.microsoft.com/office/powerpoint/2010/main" val="595846540"/>
-      </p:ext>
-    </p:extLst>
-  </p:cSld>
-  <p:clrMapOvr>
-    <a:masterClrMapping/>
-  </p:clrMapOvr>
-</p:sld>
-</file>
-
-<file path=ppt/slides/slide4.xml><?xml version="1.0" encoding="utf-8"?>
-<p:sld xmlns:a="http://schemas.openxmlformats.org/drawingml/2006/main" xmlns:r="http://schemas.openxmlformats.org/officeDocument/2006/relationships" xmlns:p="http://schemas.openxmlformats.org/presentationml/2006/main">
-  <p:cSld>
-    <p:spTree>
-      <p:nvGrpSpPr>
-        <p:cNvPr id="1" name="">
-          <a:extLst>
-            <a:ext uri="{FF2B5EF4-FFF2-40B4-BE49-F238E27FC236}">
-              <a16:creationId xmlns:a16="http://schemas.microsoft.com/office/drawing/2014/main" id="{75CAE99D-28D9-937A-EE26-68D556C6CAA7}"/>
-            </a:ext>
-          </a:extLst>
-        </p:cNvPr>
-        <p:cNvGrpSpPr/>
-        <p:nvPr/>
-      </p:nvGrpSpPr>
-      <p:grpSpPr>
-        <a:xfrm>
-          <a:off x="0" y="0"/>
-          <a:ext cx="0" cy="0"/>
-          <a:chOff x="0" y="0"/>
-          <a:chExt cx="0" cy="0"/>
-        </a:xfrm>
-      </p:grpSpPr>
-      <p:sp>
-        <p:nvSpPr>
-          <p:cNvPr id="2" name="Rechteck 1">
-            <a:extLst>
-              <a:ext uri="{FF2B5EF4-FFF2-40B4-BE49-F238E27FC236}">
-                <a16:creationId xmlns:a16="http://schemas.microsoft.com/office/drawing/2014/main" id="{1F1B0FC2-708D-915E-79A9-A088306A497F}"/>
-              </a:ext>
-            </a:extLst>
-          </p:cNvPr>
-          <p:cNvSpPr/>
-          <p:nvPr/>
-        </p:nvSpPr>
-        <p:spPr>
-          <a:xfrm>
-            <a:off x="1" y="373487"/>
-            <a:ext cx="12192000" cy="850006"/>
-          </a:xfrm>
-          <a:prstGeom prst="rect">
-            <a:avLst/>
-          </a:prstGeom>
-          <a:solidFill>
-            <a:schemeClr val="bg2">
-              <a:lumMod val="10000"/>
-            </a:schemeClr>
-          </a:solidFill>
-        </p:spPr>
-        <p:style>
-          <a:lnRef idx="2">
-            <a:schemeClr val="accent1">
-              <a:shade val="15000"/>
-            </a:schemeClr>
-          </a:lnRef>
-          <a:fillRef idx="1">
-            <a:schemeClr val="accent1"/>
-          </a:fillRef>
-          <a:effectRef idx="0">
-            <a:schemeClr val="accent1"/>
-          </a:effectRef>
-          <a:fontRef idx="minor">
-            <a:schemeClr val="lt1"/>
-          </a:fontRef>
-        </p:style>
-        <p:txBody>
-          <a:bodyPr rtlCol="0" anchor="ctr"/>
-          <a:lstStyle/>
-          <a:p>
-            <a:pPr algn="ctr"/>
-            <a:r>
-              <a:rPr lang="de-DE" sz="5400" dirty="0"/>
-              <a:t>INTRO</a:t>
-            </a:r>
-          </a:p>
-        </p:txBody>
-      </p:sp>
-      <p:sp>
-        <p:nvSpPr>
-          <p:cNvPr id="4" name="Inhaltsplatzhalter 2">
-            <a:extLst>
-              <a:ext uri="{FF2B5EF4-FFF2-40B4-BE49-F238E27FC236}">
-                <a16:creationId xmlns:a16="http://schemas.microsoft.com/office/drawing/2014/main" id="{3D65DB60-E349-7A3E-19C4-1AE21920747F}"/>
-              </a:ext>
-            </a:extLst>
-          </p:cNvPr>
-          <p:cNvSpPr txBox="1">
-            <a:spLocks/>
-          </p:cNvSpPr>
-          <p:nvPr/>
-        </p:nvSpPr>
-        <p:spPr>
-          <a:xfrm>
-            <a:off x="838200" y="1825625"/>
-            <a:ext cx="10515600" cy="4351338"/>
-          </a:xfrm>
-          <a:prstGeom prst="rect">
-            <a:avLst/>
-          </a:prstGeom>
-        </p:spPr>
-        <p:txBody>
-          <a:bodyPr vert="horz" lIns="91440" tIns="45720" rIns="91440" bIns="45720" rtlCol="0">
-            <a:normAutofit/>
-          </a:bodyPr>
-          <a:lstStyle>
-            <a:lvl1pPr marL="0" indent="0" algn="ctr" defTabSz="914400" rtl="0" eaLnBrk="1" latinLnBrk="0" hangingPunct="1">
-              <a:lnSpc>
-                <a:spcPct val="90000"/>
-              </a:lnSpc>
-              <a:spcBef>
-                <a:spcPts val="1000"/>
-              </a:spcBef>
-              <a:buFont typeface="Arial" panose="020B0604020202020204" pitchFamily="34" charset="0"/>
-              <a:buNone/>
-              <a:defRPr sz="2400" kern="1200">
-                <a:solidFill>
-                  <a:schemeClr val="tx1"/>
-                </a:solidFill>
-                <a:latin typeface="+mn-lt"/>
-                <a:ea typeface="+mn-ea"/>
-                <a:cs typeface="+mn-cs"/>
-              </a:defRPr>
-            </a:lvl1pPr>
-            <a:lvl2pPr marL="457200" indent="0" algn="ctr" defTabSz="914400" rtl="0" eaLnBrk="1" latinLnBrk="0" hangingPunct="1">
-              <a:lnSpc>
-                <a:spcPct val="90000"/>
-              </a:lnSpc>
-              <a:spcBef>
-                <a:spcPts val="500"/>
-              </a:spcBef>
-              <a:buFont typeface="Arial" panose="020B0604020202020204" pitchFamily="34" charset="0"/>
-              <a:buNone/>
-              <a:defRPr sz="2000" kern="1200">
-                <a:solidFill>
-                  <a:schemeClr val="tx1"/>
-                </a:solidFill>
-                <a:latin typeface="+mn-lt"/>
-                <a:ea typeface="+mn-ea"/>
-                <a:cs typeface="+mn-cs"/>
-              </a:defRPr>
-            </a:lvl2pPr>
-            <a:lvl3pPr marL="914400" indent="0" algn="ctr" defTabSz="914400" rtl="0" eaLnBrk="1" latinLnBrk="0" hangingPunct="1">
-              <a:lnSpc>
-                <a:spcPct val="90000"/>
-              </a:lnSpc>
-              <a:spcBef>
-                <a:spcPts val="500"/>
-              </a:spcBef>
-              <a:buFont typeface="Arial" panose="020B0604020202020204" pitchFamily="34" charset="0"/>
-              <a:buNone/>
-              <a:defRPr sz="1800" kern="1200">
-                <a:solidFill>
-                  <a:schemeClr val="tx1"/>
-                </a:solidFill>
-                <a:latin typeface="+mn-lt"/>
-                <a:ea typeface="+mn-ea"/>
-                <a:cs typeface="+mn-cs"/>
-              </a:defRPr>
-            </a:lvl3pPr>
-            <a:lvl4pPr marL="1371600" indent="0" algn="ctr" defTabSz="914400" rtl="0" eaLnBrk="1" latinLnBrk="0" hangingPunct="1">
-              <a:lnSpc>
-                <a:spcPct val="90000"/>
-              </a:lnSpc>
-              <a:spcBef>
-                <a:spcPts val="500"/>
-              </a:spcBef>
-              <a:buFont typeface="Arial" panose="020B0604020202020204" pitchFamily="34" charset="0"/>
-              <a:buNone/>
-              <a:defRPr sz="1600" kern="1200">
-                <a:solidFill>
-                  <a:schemeClr val="tx1"/>
-                </a:solidFill>
-                <a:latin typeface="+mn-lt"/>
-                <a:ea typeface="+mn-ea"/>
-                <a:cs typeface="+mn-cs"/>
-              </a:defRPr>
-            </a:lvl4pPr>
-            <a:lvl5pPr marL="1828800" indent="0" algn="ctr" defTabSz="914400" rtl="0" eaLnBrk="1" latinLnBrk="0" hangingPunct="1">
-              <a:lnSpc>
-                <a:spcPct val="90000"/>
-              </a:lnSpc>
-              <a:spcBef>
-                <a:spcPts val="500"/>
-              </a:spcBef>
-              <a:buFont typeface="Arial" panose="020B0604020202020204" pitchFamily="34" charset="0"/>
-              <a:buNone/>
-              <a:defRPr sz="1600" kern="1200">
-                <a:solidFill>
-                  <a:schemeClr val="tx1"/>
-                </a:solidFill>
-                <a:latin typeface="+mn-lt"/>
-                <a:ea typeface="+mn-ea"/>
-                <a:cs typeface="+mn-cs"/>
-              </a:defRPr>
-            </a:lvl5pPr>
-            <a:lvl6pPr marL="2286000" indent="0" algn="ctr" defTabSz="914400" rtl="0" eaLnBrk="1" latinLnBrk="0" hangingPunct="1">
-              <a:lnSpc>
-                <a:spcPct val="90000"/>
-              </a:lnSpc>
-              <a:spcBef>
-                <a:spcPts val="500"/>
-              </a:spcBef>
-              <a:buFont typeface="Arial" panose="020B0604020202020204" pitchFamily="34" charset="0"/>
-              <a:buNone/>
-              <a:defRPr sz="1600" kern="1200">
-                <a:solidFill>
-                  <a:schemeClr val="tx1"/>
-                </a:solidFill>
-                <a:latin typeface="+mn-lt"/>
-                <a:ea typeface="+mn-ea"/>
-                <a:cs typeface="+mn-cs"/>
-              </a:defRPr>
-            </a:lvl6pPr>
-            <a:lvl7pPr marL="2743200" indent="0" algn="ctr" defTabSz="914400" rtl="0" eaLnBrk="1" latinLnBrk="0" hangingPunct="1">
-              <a:lnSpc>
-                <a:spcPct val="90000"/>
-              </a:lnSpc>
-              <a:spcBef>
-                <a:spcPts val="500"/>
-              </a:spcBef>
-              <a:buFont typeface="Arial" panose="020B0604020202020204" pitchFamily="34" charset="0"/>
-              <a:buNone/>
-              <a:defRPr sz="1600" kern="1200">
-                <a:solidFill>
-                  <a:schemeClr val="tx1"/>
-                </a:solidFill>
-                <a:latin typeface="+mn-lt"/>
-                <a:ea typeface="+mn-ea"/>
-                <a:cs typeface="+mn-cs"/>
-              </a:defRPr>
-            </a:lvl7pPr>
-            <a:lvl8pPr marL="3200400" indent="0" algn="ctr" defTabSz="914400" rtl="0" eaLnBrk="1" latinLnBrk="0" hangingPunct="1">
-              <a:lnSpc>
-                <a:spcPct val="90000"/>
-              </a:lnSpc>
-              <a:spcBef>
-                <a:spcPts val="500"/>
-              </a:spcBef>
-              <a:buFont typeface="Arial" panose="020B0604020202020204" pitchFamily="34" charset="0"/>
-              <a:buNone/>
-              <a:defRPr sz="1600" kern="1200">
-                <a:solidFill>
-                  <a:schemeClr val="tx1"/>
-                </a:solidFill>
-                <a:latin typeface="+mn-lt"/>
-                <a:ea typeface="+mn-ea"/>
-                <a:cs typeface="+mn-cs"/>
-              </a:defRPr>
-            </a:lvl8pPr>
-            <a:lvl9pPr marL="3657600" indent="0" algn="ctr" defTabSz="914400" rtl="0" eaLnBrk="1" latinLnBrk="0" hangingPunct="1">
-              <a:lnSpc>
-                <a:spcPct val="90000"/>
-              </a:lnSpc>
-              <a:spcBef>
-                <a:spcPts val="500"/>
-              </a:spcBef>
-              <a:buFont typeface="Arial" panose="020B0604020202020204" pitchFamily="34" charset="0"/>
-              <a:buNone/>
-              <a:defRPr sz="1600" kern="1200">
-                <a:solidFill>
-                  <a:schemeClr val="tx1"/>
-                </a:solidFill>
-                <a:latin typeface="+mn-lt"/>
-                <a:ea typeface="+mn-ea"/>
-                <a:cs typeface="+mn-cs"/>
-              </a:defRPr>
-            </a:lvl9pPr>
-          </a:lstStyle>
-          <a:p>
-            <a:pPr marL="342900" indent="-342900">
-              <a:buFontTx/>
-              <a:buChar char="-"/>
-            </a:pPr>
-            <a:r>
-              <a:rPr lang="de-DE" dirty="0"/>
-              <a:t>Stichpunkte</a:t>
-            </a:r>
-          </a:p>
-        </p:txBody>
-      </p:sp>
-    </p:spTree>
-    <p:extLst>
-      <p:ext uri="{BB962C8B-B14F-4D97-AF65-F5344CB8AC3E}">
-        <p14:creationId xmlns:p14="http://schemas.microsoft.com/office/powerpoint/2010/main" val="2589294815"/>
-      </p:ext>
-    </p:extLst>
-  </p:cSld>
-  <p:clrMapOvr>
-    <a:masterClrMapping/>
-  </p:clrMapOvr>
-</p:sld>
-</file>
-
-<file path=ppt/slides/slide5.xml><?xml version="1.0" encoding="utf-8"?>
-<p:sld xmlns:a="http://schemas.openxmlformats.org/drawingml/2006/main" xmlns:r="http://schemas.openxmlformats.org/officeDocument/2006/relationships" xmlns:p="http://schemas.openxmlformats.org/presentationml/2006/main">
-  <p:cSld>
-    <p:spTree>
-      <p:nvGrpSpPr>
-        <p:cNvPr id="1" name="">
-          <a:extLst>
-            <a:ext uri="{FF2B5EF4-FFF2-40B4-BE49-F238E27FC236}">
-              <a16:creationId xmlns:a16="http://schemas.microsoft.com/office/drawing/2014/main" id="{4995DCFB-95D7-B3CB-3230-AFEFA6A3717B}"/>
-            </a:ext>
-          </a:extLst>
-        </p:cNvPr>
-        <p:cNvGrpSpPr/>
-        <p:nvPr/>
-      </p:nvGrpSpPr>
-      <p:grpSpPr>
-        <a:xfrm>
-          <a:off x="0" y="0"/>
-          <a:ext cx="0" cy="0"/>
-          <a:chOff x="0" y="0"/>
-          <a:chExt cx="0" cy="0"/>
-        </a:xfrm>
-      </p:grpSpPr>
-      <p:sp>
-        <p:nvSpPr>
-          <p:cNvPr id="2" name="Rechteck 1">
-            <a:extLst>
-              <a:ext uri="{FF2B5EF4-FFF2-40B4-BE49-F238E27FC236}">
-                <a16:creationId xmlns:a16="http://schemas.microsoft.com/office/drawing/2014/main" id="{50C6390F-1301-68AF-B955-2719753CEBD0}"/>
-              </a:ext>
-            </a:extLst>
-          </p:cNvPr>
-          <p:cNvSpPr/>
-          <p:nvPr/>
-        </p:nvSpPr>
-        <p:spPr>
-          <a:xfrm>
-            <a:off x="1" y="373487"/>
-            <a:ext cx="12192000" cy="850006"/>
-          </a:xfrm>
-          <a:prstGeom prst="rect">
-            <a:avLst/>
-          </a:prstGeom>
-          <a:solidFill>
-            <a:schemeClr val="bg2">
-              <a:lumMod val="10000"/>
-            </a:schemeClr>
-          </a:solidFill>
-        </p:spPr>
-        <p:style>
-          <a:lnRef idx="2">
-            <a:schemeClr val="accent1">
-              <a:shade val="15000"/>
-            </a:schemeClr>
-          </a:lnRef>
-          <a:fillRef idx="1">
-            <a:schemeClr val="accent1"/>
-          </a:fillRef>
-          <a:effectRef idx="0">
-            <a:schemeClr val="accent1"/>
-          </a:effectRef>
-          <a:fontRef idx="minor">
-            <a:schemeClr val="lt1"/>
-          </a:fontRef>
-        </p:style>
-        <p:txBody>
-          <a:bodyPr rtlCol="0" anchor="ctr"/>
-          <a:lstStyle/>
-          <a:p>
-            <a:pPr algn="ctr"/>
-            <a:r>
               <a:rPr lang="de-DE" sz="5400" dirty="0" err="1"/>
               <a:t>Copula</a:t>
             </a:r>
@@ -7353,14 +8922,14 @@
           </a:p>
         </p:txBody>
       </p:sp>
-      <mc:AlternateContent xmlns:mc="http://schemas.openxmlformats.org/markup-compatibility/2006">
-        <mc:Choice xmlns:a14="http://schemas.microsoft.com/office/drawing/2010/main" Requires="a14">
+      <mc:AlternateContent xmlns:mc="http://schemas.openxmlformats.org/markup-compatibility/2006" xmlns:a14="http://schemas.microsoft.com/office/drawing/2010/main">
+        <mc:Choice Requires="a14">
           <p:sp>
             <p:nvSpPr>
               <p:cNvPr id="4" name="Inhaltsplatzhalter 2">
                 <a:extLst>
                   <a:ext uri="{FF2B5EF4-FFF2-40B4-BE49-F238E27FC236}">
-                    <a16:creationId xmlns:a16="http://schemas.microsoft.com/office/drawing/2014/main" id="{2147BD89-FDF6-0008-191F-7987E7EB2F72}"/>
+                    <a16:creationId xmlns:a16="http://schemas.microsoft.com/office/drawing/2014/main" id="{0E99DF31-1A7E-889E-532B-1584D29D06E5}"/>
                   </a:ext>
                 </a:extLst>
               </p:cNvPr>
@@ -7547,9 +9116,12 @@
                 </a:lvl9pPr>
               </a:lstStyle>
               <a:p>
-                <a:pPr marL="342900" indent="-342900">
-                  <a:buFontTx/>
-                  <a:buChar char="-"/>
+                <a:pPr marL="342900" indent="-342900" algn="l">
+                  <a:lnSpc>
+                    <a:spcPct val="200000"/>
+                  </a:lnSpc>
+                  <a:buFont typeface="Arial" panose="020B0604020202020204" pitchFamily="34" charset="0"/>
+                  <a:buChar char="•"/>
                 </a:pPr>
                 <a:r>
                   <a:rPr lang="de-DE" dirty="0"/>
@@ -7570,9 +9142,12 @@
                 <a:endParaRPr lang="de-DE" dirty="0"/>
               </a:p>
               <a:p>
-                <a:pPr marL="342900" indent="-342900">
-                  <a:buFontTx/>
-                  <a:buChar char="-"/>
+                <a:pPr marL="342900" indent="-342900" algn="l">
+                  <a:lnSpc>
+                    <a:spcPct val="200000"/>
+                  </a:lnSpc>
+                  <a:buFont typeface="Arial" panose="020B0604020202020204" pitchFamily="34" charset="0"/>
+                  <a:buChar char="•"/>
                 </a:pPr>
                 <a:r>
                   <a:rPr lang="de-DE" dirty="0" err="1"/>
@@ -7597,9 +9172,12 @@
                 <a:endParaRPr lang="de-DE" dirty="0"/>
               </a:p>
               <a:p>
-                <a:pPr marL="342900" indent="-342900">
-                  <a:buFontTx/>
-                  <a:buChar char="-"/>
+                <a:pPr marL="342900" indent="-342900" algn="l">
+                  <a:lnSpc>
+                    <a:spcPct val="200000"/>
+                  </a:lnSpc>
+                  <a:buFont typeface="Arial" panose="020B0604020202020204" pitchFamily="34" charset="0"/>
+                  <a:buChar char="•"/>
                 </a:pPr>
                 <a:r>
                   <a:rPr lang="de-DE" dirty="0"/>
@@ -7622,6 +9200,11 @@
                 </a:endParaRPr>
               </a:p>
               <a:p>
+                <a:pPr algn="l">
+                  <a:lnSpc>
+                    <a:spcPct val="200000"/>
+                  </a:lnSpc>
+                </a:pPr>
                 <a14:m>
                   <m:oMathPara xmlns:m="http://schemas.openxmlformats.org/officeDocument/2006/math">
                     <m:oMathParaPr>
@@ -7932,20 +9515,16 @@
                 </a14:m>
                 <a:endParaRPr lang="de-DE" dirty="0"/>
               </a:p>
-              <a:p>
-                <a:pPr/>
-                <a:endParaRPr lang="de-DE" dirty="0"/>
-              </a:p>
             </p:txBody>
           </p:sp>
         </mc:Choice>
-        <mc:Fallback>
+        <mc:Fallback xmlns="">
           <p:sp>
             <p:nvSpPr>
               <p:cNvPr id="4" name="Inhaltsplatzhalter 2">
                 <a:extLst>
                   <a:ext uri="{FF2B5EF4-FFF2-40B4-BE49-F238E27FC236}">
-                    <a16:creationId xmlns:a16="http://schemas.microsoft.com/office/drawing/2014/main" id="{2147BD89-FDF6-0008-191F-7987E7EB2F72}"/>
+                    <a16:creationId xmlns:a16="http://schemas.microsoft.com/office/drawing/2014/main" id="{0E99DF31-1A7E-889E-532B-1584D29D06E5}"/>
                   </a:ext>
                 </a:extLst>
               </p:cNvPr>
@@ -7965,7 +9544,7 @@
               <a:blipFill>
                 <a:blip r:embed="rId3"/>
                 <a:stretch>
-                  <a:fillRect t="-1961"/>
+                  <a:fillRect l="-812"/>
                 </a:stretch>
               </a:blipFill>
             </p:spPr>
@@ -7987,7 +9566,7 @@
     </p:spTree>
     <p:extLst>
       <p:ext uri="{BB962C8B-B14F-4D97-AF65-F5344CB8AC3E}">
-        <p14:creationId xmlns:p14="http://schemas.microsoft.com/office/powerpoint/2010/main" val="1357975992"/>
+        <p14:creationId xmlns:p14="http://schemas.microsoft.com/office/powerpoint/2010/main" val="1233980061"/>
       </p:ext>
     </p:extLst>
   </p:cSld>
@@ -7997,7 +9576,7 @@
 </p:sld>
 </file>
 
-<file path=ppt/slides/slide6.xml><?xml version="1.0" encoding="utf-8"?>
+<file path=ppt/slides/slide5.xml><?xml version="1.0" encoding="utf-8"?>
 <p:sld xmlns:a="http://schemas.openxmlformats.org/drawingml/2006/main" xmlns:r="http://schemas.openxmlformats.org/officeDocument/2006/relationships" xmlns:p="http://schemas.openxmlformats.org/presentationml/2006/main">
   <p:cSld>
     <p:spTree>
@@ -8075,42 +9654,68 @@
           </a:p>
         </p:txBody>
       </p:sp>
-      <p:pic>
-        <p:nvPicPr>
-          <p:cNvPr id="3" name="Grafik 2" descr="Ein Bild, das Text, Diagramm, Screenshot, Reihe enthält.&#10;&#10;Automatisch generierte Beschreibung">
+      <p:sp>
+        <p:nvSpPr>
+          <p:cNvPr id="6" name="Rechteck 5">
             <a:extLst>
               <a:ext uri="{FF2B5EF4-FFF2-40B4-BE49-F238E27FC236}">
-                <a16:creationId xmlns:a16="http://schemas.microsoft.com/office/drawing/2014/main" id="{771D8D42-EAE9-7AD4-204A-F95F13061818}"/>
+                <a16:creationId xmlns:a16="http://schemas.microsoft.com/office/drawing/2014/main" id="{D591FE96-24EE-5D86-9F67-335850A5956B}"/>
               </a:ext>
             </a:extLst>
           </p:cNvPr>
-          <p:cNvPicPr>
-            <a:picLocks noChangeAspect="1"/>
-          </p:cNvPicPr>
+          <p:cNvSpPr/>
           <p:nvPr/>
-        </p:nvPicPr>
-        <p:blipFill>
-          <a:blip r:embed="rId3">
-            <a:extLst>
-              <a:ext uri="{28A0092B-C50C-407E-A947-70E740481C1C}">
-                <a14:useLocalDpi xmlns:a14="http://schemas.microsoft.com/office/drawing/2010/main" val="0"/>
-              </a:ext>
-            </a:extLst>
-          </a:blip>
-          <a:stretch>
-            <a:fillRect/>
-          </a:stretch>
-        </p:blipFill>
+        </p:nvSpPr>
         <p:spPr>
           <a:xfrm>
-            <a:off x="1707121" y="1675227"/>
+            <a:off x="1707121" y="1675226"/>
             <a:ext cx="8777757" cy="4394199"/>
           </a:xfrm>
           <a:prstGeom prst="rect">
             <a:avLst/>
           </a:prstGeom>
+          <a:blipFill dpi="0" rotWithShape="1">
+            <a:blip r:embed="rId3">
+              <a:extLst>
+                <a:ext uri="{28A0092B-C50C-407E-A947-70E740481C1C}">
+                  <a14:useLocalDpi xmlns:a14="http://schemas.microsoft.com/office/drawing/2010/main" val="0"/>
+                </a:ext>
+              </a:extLst>
+            </a:blip>
+            <a:srcRect/>
+            <a:stretch>
+              <a:fillRect/>
+            </a:stretch>
+          </a:blipFill>
+          <a:ln>
+            <a:noFill/>
+          </a:ln>
         </p:spPr>
-      </p:pic>
+        <p:style>
+          <a:lnRef idx="2">
+            <a:schemeClr val="accent1">
+              <a:shade val="15000"/>
+            </a:schemeClr>
+          </a:lnRef>
+          <a:fillRef idx="1">
+            <a:schemeClr val="accent1"/>
+          </a:fillRef>
+          <a:effectRef idx="0">
+            <a:schemeClr val="accent1"/>
+          </a:effectRef>
+          <a:fontRef idx="minor">
+            <a:schemeClr val="lt1"/>
+          </a:fontRef>
+        </p:style>
+        <p:txBody>
+          <a:bodyPr rtlCol="0" anchor="ctr"/>
+          <a:lstStyle/>
+          <a:p>
+            <a:pPr algn="ctr"/>
+            <a:endParaRPr lang="de-DE"/>
+          </a:p>
+        </p:txBody>
+      </p:sp>
     </p:spTree>
     <p:extLst>
       <p:ext uri="{BB962C8B-B14F-4D97-AF65-F5344CB8AC3E}">
@@ -8124,7 +9729,7 @@
 </p:sld>
 </file>
 
-<file path=ppt/slides/slide7.xml><?xml version="1.0" encoding="utf-8"?>
+<file path=ppt/slides/slide6.xml><?xml version="1.0" encoding="utf-8"?>
 <p:sld xmlns:a="http://schemas.openxmlformats.org/drawingml/2006/main" xmlns:r="http://schemas.openxmlformats.org/officeDocument/2006/relationships" xmlns:p="http://schemas.openxmlformats.org/presentationml/2006/main">
   <p:cSld>
     <p:spTree>
@@ -8147,42 +9752,6 @@
           <a:chExt cx="0" cy="0"/>
         </a:xfrm>
       </p:grpSpPr>
-      <p:pic>
-        <p:nvPicPr>
-          <p:cNvPr id="6" name="Grafik 5" descr="Ein Bild, das Text, Diagramm, Screenshot, Reihe enthält.&#10;&#10;Automatisch generierte Beschreibung">
-            <a:extLst>
-              <a:ext uri="{FF2B5EF4-FFF2-40B4-BE49-F238E27FC236}">
-                <a16:creationId xmlns:a16="http://schemas.microsoft.com/office/drawing/2014/main" id="{55582679-F2EE-3AAF-510F-1025525664D6}"/>
-              </a:ext>
-            </a:extLst>
-          </p:cNvPr>
-          <p:cNvPicPr>
-            <a:picLocks noChangeAspect="1"/>
-          </p:cNvPicPr>
-          <p:nvPr/>
-        </p:nvPicPr>
-        <p:blipFill>
-          <a:blip r:embed="rId3">
-            <a:extLst>
-              <a:ext uri="{28A0092B-C50C-407E-A947-70E740481C1C}">
-                <a14:useLocalDpi xmlns:a14="http://schemas.microsoft.com/office/drawing/2010/main" val="0"/>
-              </a:ext>
-            </a:extLst>
-          </a:blip>
-          <a:stretch>
-            <a:fillRect/>
-          </a:stretch>
-        </p:blipFill>
-        <p:spPr>
-          <a:xfrm>
-            <a:off x="1707121" y="1675227"/>
-            <a:ext cx="8777757" cy="4394199"/>
-          </a:xfrm>
-          <a:prstGeom prst="rect">
-            <a:avLst/>
-          </a:prstGeom>
-        </p:spPr>
-      </p:pic>
       <p:sp>
         <p:nvSpPr>
           <p:cNvPr id="2" name="Rechteck 1">
@@ -8237,42 +9806,68 @@
           </a:p>
         </p:txBody>
       </p:sp>
-      <p:pic>
-        <p:nvPicPr>
-          <p:cNvPr id="5" name="Grafik 4" descr="Ein Bild, das Text, Diagramm, Screenshot, Reihe enthält.">
+      <p:sp>
+        <p:nvSpPr>
+          <p:cNvPr id="4" name="Rechteck 3">
             <a:extLst>
               <a:ext uri="{FF2B5EF4-FFF2-40B4-BE49-F238E27FC236}">
-                <a16:creationId xmlns:a16="http://schemas.microsoft.com/office/drawing/2014/main" id="{303BE262-1AAE-0B87-17FC-3E9151B8B9D0}"/>
+                <a16:creationId xmlns:a16="http://schemas.microsoft.com/office/drawing/2014/main" id="{C8CE919A-12FF-3F5D-C3D7-D2C9BD3A9E5F}"/>
               </a:ext>
             </a:extLst>
           </p:cNvPr>
-          <p:cNvPicPr>
-            <a:picLocks noChangeAspect="1"/>
-          </p:cNvPicPr>
+          <p:cNvSpPr/>
           <p:nvPr/>
-        </p:nvPicPr>
-        <p:blipFill>
-          <a:blip r:embed="rId4">
-            <a:extLst>
-              <a:ext uri="{28A0092B-C50C-407E-A947-70E740481C1C}">
-                <a14:useLocalDpi xmlns:a14="http://schemas.microsoft.com/office/drawing/2010/main" val="0"/>
-              </a:ext>
-            </a:extLst>
-          </a:blip>
-          <a:stretch>
-            <a:fillRect/>
-          </a:stretch>
-        </p:blipFill>
+        </p:nvSpPr>
         <p:spPr>
           <a:xfrm>
-            <a:off x="1707121" y="1675227"/>
+            <a:off x="1707121" y="1675226"/>
             <a:ext cx="8777757" cy="4394199"/>
           </a:xfrm>
           <a:prstGeom prst="rect">
             <a:avLst/>
           </a:prstGeom>
+          <a:blipFill dpi="0" rotWithShape="1">
+            <a:blip r:embed="rId3">
+              <a:extLst>
+                <a:ext uri="{28A0092B-C50C-407E-A947-70E740481C1C}">
+                  <a14:useLocalDpi xmlns:a14="http://schemas.microsoft.com/office/drawing/2010/main" val="0"/>
+                </a:ext>
+              </a:extLst>
+            </a:blip>
+            <a:srcRect/>
+            <a:stretch>
+              <a:fillRect/>
+            </a:stretch>
+          </a:blipFill>
+          <a:ln>
+            <a:noFill/>
+          </a:ln>
         </p:spPr>
-      </p:pic>
+        <p:style>
+          <a:lnRef idx="2">
+            <a:schemeClr val="accent1">
+              <a:shade val="15000"/>
+            </a:schemeClr>
+          </a:lnRef>
+          <a:fillRef idx="1">
+            <a:schemeClr val="accent1"/>
+          </a:fillRef>
+          <a:effectRef idx="0">
+            <a:schemeClr val="accent1"/>
+          </a:effectRef>
+          <a:fontRef idx="minor">
+            <a:schemeClr val="lt1"/>
+          </a:fontRef>
+        </p:style>
+        <p:txBody>
+          <a:bodyPr rtlCol="0" anchor="ctr"/>
+          <a:lstStyle/>
+          <a:p>
+            <a:pPr algn="ctr"/>
+            <a:endParaRPr lang="de-DE"/>
+          </a:p>
+        </p:txBody>
+      </p:sp>
     </p:spTree>
     <p:extLst>
       <p:ext uri="{BB962C8B-B14F-4D97-AF65-F5344CB8AC3E}">
@@ -8286,7 +9881,7 @@
 </p:sld>
 </file>
 
-<file path=ppt/slides/slide8.xml><?xml version="1.0" encoding="utf-8"?>
+<file path=ppt/slides/slide7.xml><?xml version="1.0" encoding="utf-8"?>
 <p:sld xmlns:a="http://schemas.openxmlformats.org/drawingml/2006/main" xmlns:r="http://schemas.openxmlformats.org/officeDocument/2006/relationships" xmlns:p="http://schemas.openxmlformats.org/presentationml/2006/main">
   <p:cSld>
     <p:spTree>
@@ -8358,83 +9953,78 @@
             <a:pPr algn="ctr"/>
             <a:r>
               <a:rPr lang="de-DE" sz="5400" dirty="0"/>
-              <a:t>Probability Integral Transform</a:t>
-            </a:r>
+              <a:t>Pseudo </a:t>
+            </a:r>
+            <a:r>
+              <a:rPr lang="de-DE" sz="5400" dirty="0" err="1"/>
+              <a:t>Observations</a:t>
+            </a:r>
+            <a:endParaRPr lang="de-DE" sz="5400" dirty="0"/>
           </a:p>
         </p:txBody>
       </p:sp>
-      <p:pic>
-        <p:nvPicPr>
-          <p:cNvPr id="3" name="Grafik 2" descr="Ein Bild, das Text, Diagramm, Screenshot, Reihe enthält.&#10;&#10;Automatisch generierte Beschreibung">
+      <p:sp>
+        <p:nvSpPr>
+          <p:cNvPr id="8" name="Rechteck 7">
             <a:extLst>
               <a:ext uri="{FF2B5EF4-FFF2-40B4-BE49-F238E27FC236}">
-                <a16:creationId xmlns:a16="http://schemas.microsoft.com/office/drawing/2014/main" id="{D1E47DBA-DC35-C3CE-48A0-B74E80916631}"/>
+                <a16:creationId xmlns:a16="http://schemas.microsoft.com/office/drawing/2014/main" id="{9E118EA0-84EB-A9B4-8B1C-D6EA33CBC9EF}"/>
               </a:ext>
             </a:extLst>
           </p:cNvPr>
-          <p:cNvPicPr>
-            <a:picLocks noChangeAspect="1"/>
-          </p:cNvPicPr>
+          <p:cNvSpPr/>
           <p:nvPr/>
-        </p:nvPicPr>
-        <p:blipFill>
-          <a:blip r:embed="rId3">
-            <a:extLst>
-              <a:ext uri="{28A0092B-C50C-407E-A947-70E740481C1C}">
-                <a14:useLocalDpi xmlns:a14="http://schemas.microsoft.com/office/drawing/2010/main" val="0"/>
-              </a:ext>
-            </a:extLst>
-          </a:blip>
-          <a:stretch>
-            <a:fillRect/>
-          </a:stretch>
-        </p:blipFill>
+        </p:nvSpPr>
         <p:spPr>
           <a:xfrm>
-            <a:off x="1707121" y="1675227"/>
+            <a:off x="1707121" y="1675226"/>
             <a:ext cx="8777757" cy="4394199"/>
           </a:xfrm>
           <a:prstGeom prst="rect">
             <a:avLst/>
           </a:prstGeom>
+          <a:blipFill dpi="0" rotWithShape="1">
+            <a:blip r:embed="rId3">
+              <a:extLst>
+                <a:ext uri="{28A0092B-C50C-407E-A947-70E740481C1C}">
+                  <a14:useLocalDpi xmlns:a14="http://schemas.microsoft.com/office/drawing/2010/main" val="0"/>
+                </a:ext>
+              </a:extLst>
+            </a:blip>
+            <a:srcRect/>
+            <a:stretch>
+              <a:fillRect/>
+            </a:stretch>
+          </a:blipFill>
+          <a:ln>
+            <a:noFill/>
+          </a:ln>
         </p:spPr>
-      </p:pic>
-      <p:pic>
-        <p:nvPicPr>
-          <p:cNvPr id="5" name="Grafik 4" descr="Ein Bild, das Text, Screenshot, Diagramm enthält.&#10;&#10;Automatisch generierte Beschreibung">
-            <a:extLst>
-              <a:ext uri="{FF2B5EF4-FFF2-40B4-BE49-F238E27FC236}">
-                <a16:creationId xmlns:a16="http://schemas.microsoft.com/office/drawing/2014/main" id="{96E51498-87D7-E8A3-DC25-3D7EA7988427}"/>
-              </a:ext>
-            </a:extLst>
-          </p:cNvPr>
-          <p:cNvPicPr>
-            <a:picLocks noChangeAspect="1"/>
-          </p:cNvPicPr>
-          <p:nvPr/>
-        </p:nvPicPr>
-        <p:blipFill>
-          <a:blip r:embed="rId4">
-            <a:extLst>
-              <a:ext uri="{28A0092B-C50C-407E-A947-70E740481C1C}">
-                <a14:useLocalDpi xmlns:a14="http://schemas.microsoft.com/office/drawing/2010/main" val="0"/>
-              </a:ext>
-            </a:extLst>
-          </a:blip>
-          <a:stretch>
-            <a:fillRect/>
-          </a:stretch>
-        </p:blipFill>
-        <p:spPr>
-          <a:xfrm>
-            <a:off x="1707121" y="1675227"/>
-            <a:ext cx="8777757" cy="4394199"/>
-          </a:xfrm>
-          <a:prstGeom prst="rect">
-            <a:avLst/>
-          </a:prstGeom>
-        </p:spPr>
-      </p:pic>
+        <p:style>
+          <a:lnRef idx="2">
+            <a:schemeClr val="accent1">
+              <a:shade val="15000"/>
+            </a:schemeClr>
+          </a:lnRef>
+          <a:fillRef idx="1">
+            <a:schemeClr val="accent1"/>
+          </a:fillRef>
+          <a:effectRef idx="0">
+            <a:schemeClr val="accent1"/>
+          </a:effectRef>
+          <a:fontRef idx="minor">
+            <a:schemeClr val="lt1"/>
+          </a:fontRef>
+        </p:style>
+        <p:txBody>
+          <a:bodyPr rtlCol="0" anchor="ctr"/>
+          <a:lstStyle/>
+          <a:p>
+            <a:pPr algn="ctr"/>
+            <a:endParaRPr lang="de-DE"/>
+          </a:p>
+        </p:txBody>
+      </p:sp>
     </p:spTree>
     <p:extLst>
       <p:ext uri="{BB962C8B-B14F-4D97-AF65-F5344CB8AC3E}">
@@ -8448,7 +10038,7 @@
 </p:sld>
 </file>
 
-<file path=ppt/slides/slide9.xml><?xml version="1.0" encoding="utf-8"?>
+<file path=ppt/slides/slide8.xml><?xml version="1.0" encoding="utf-8"?>
 <p:sld xmlns:a="http://schemas.openxmlformats.org/drawingml/2006/main" xmlns:r="http://schemas.openxmlformats.org/officeDocument/2006/relationships" xmlns:p="http://schemas.openxmlformats.org/presentationml/2006/main">
   <p:cSld>
     <p:spTree>
@@ -8537,10 +10127,771 @@
           </a:p>
         </p:txBody>
       </p:sp>
+      <p:sp>
+        <p:nvSpPr>
+          <p:cNvPr id="3" name="Rechteck 2">
+            <a:extLst>
+              <a:ext uri="{FF2B5EF4-FFF2-40B4-BE49-F238E27FC236}">
+                <a16:creationId xmlns:a16="http://schemas.microsoft.com/office/drawing/2014/main" id="{68F641E6-6B7F-EABF-49E0-4875080F63EB}"/>
+              </a:ext>
+            </a:extLst>
+          </p:cNvPr>
+          <p:cNvSpPr/>
+          <p:nvPr/>
+        </p:nvSpPr>
+        <p:spPr>
+          <a:xfrm>
+            <a:off x="1707121" y="1675226"/>
+            <a:ext cx="8777757" cy="4394199"/>
+          </a:xfrm>
+          <a:prstGeom prst="rect">
+            <a:avLst/>
+          </a:prstGeom>
+          <a:blipFill dpi="0" rotWithShape="1">
+            <a:blip r:embed="rId3">
+              <a:extLst>
+                <a:ext uri="{28A0092B-C50C-407E-A947-70E740481C1C}">
+                  <a14:useLocalDpi xmlns:a14="http://schemas.microsoft.com/office/drawing/2010/main" val="0"/>
+                </a:ext>
+              </a:extLst>
+            </a:blip>
+            <a:srcRect/>
+            <a:stretch>
+              <a:fillRect/>
+            </a:stretch>
+          </a:blipFill>
+          <a:ln>
+            <a:noFill/>
+          </a:ln>
+        </p:spPr>
+        <p:style>
+          <a:lnRef idx="2">
+            <a:schemeClr val="accent1">
+              <a:shade val="15000"/>
+            </a:schemeClr>
+          </a:lnRef>
+          <a:fillRef idx="1">
+            <a:schemeClr val="accent1"/>
+          </a:fillRef>
+          <a:effectRef idx="0">
+            <a:schemeClr val="accent1"/>
+          </a:effectRef>
+          <a:fontRef idx="minor">
+            <a:schemeClr val="lt1"/>
+          </a:fontRef>
+        </p:style>
+        <p:txBody>
+          <a:bodyPr rtlCol="0" anchor="ctr"/>
+          <a:lstStyle/>
+          <a:p>
+            <a:pPr algn="ctr"/>
+            <a:endParaRPr lang="de-DE"/>
+          </a:p>
+        </p:txBody>
+      </p:sp>
     </p:spTree>
     <p:extLst>
       <p:ext uri="{BB962C8B-B14F-4D97-AF65-F5344CB8AC3E}">
         <p14:creationId xmlns:p14="http://schemas.microsoft.com/office/powerpoint/2010/main" val="3534944168"/>
+      </p:ext>
+    </p:extLst>
+  </p:cSld>
+  <p:clrMapOvr>
+    <a:masterClrMapping/>
+  </p:clrMapOvr>
+</p:sld>
+</file>
+
+<file path=ppt/slides/slide9.xml><?xml version="1.0" encoding="utf-8"?>
+<p:sld xmlns:a="http://schemas.openxmlformats.org/drawingml/2006/main" xmlns:r="http://schemas.openxmlformats.org/officeDocument/2006/relationships" xmlns:p="http://schemas.openxmlformats.org/presentationml/2006/main">
+  <p:cSld>
+    <p:spTree>
+      <p:nvGrpSpPr>
+        <p:cNvPr id="1" name="">
+          <a:extLst>
+            <a:ext uri="{FF2B5EF4-FFF2-40B4-BE49-F238E27FC236}">
+              <a16:creationId xmlns:a16="http://schemas.microsoft.com/office/drawing/2014/main" id="{26B41113-1D5C-55DE-5043-64F6BCE38805}"/>
+            </a:ext>
+          </a:extLst>
+        </p:cNvPr>
+        <p:cNvGrpSpPr/>
+        <p:nvPr/>
+      </p:nvGrpSpPr>
+      <p:grpSpPr>
+        <a:xfrm>
+          <a:off x="0" y="0"/>
+          <a:ext cx="0" cy="0"/>
+          <a:chOff x="0" y="0"/>
+          <a:chExt cx="0" cy="0"/>
+        </a:xfrm>
+      </p:grpSpPr>
+      <p:sp>
+        <p:nvSpPr>
+          <p:cNvPr id="2" name="Rechteck 1">
+            <a:extLst>
+              <a:ext uri="{FF2B5EF4-FFF2-40B4-BE49-F238E27FC236}">
+                <a16:creationId xmlns:a16="http://schemas.microsoft.com/office/drawing/2014/main" id="{9597DE21-145E-224D-C334-A8C5EAD66956}"/>
+              </a:ext>
+            </a:extLst>
+          </p:cNvPr>
+          <p:cNvSpPr/>
+          <p:nvPr/>
+        </p:nvSpPr>
+        <p:spPr>
+          <a:xfrm>
+            <a:off x="1" y="373487"/>
+            <a:ext cx="12192000" cy="850006"/>
+          </a:xfrm>
+          <a:prstGeom prst="rect">
+            <a:avLst/>
+          </a:prstGeom>
+          <a:solidFill>
+            <a:schemeClr val="bg2">
+              <a:lumMod val="10000"/>
+            </a:schemeClr>
+          </a:solidFill>
+        </p:spPr>
+        <p:style>
+          <a:lnRef idx="2">
+            <a:schemeClr val="accent1">
+              <a:shade val="15000"/>
+            </a:schemeClr>
+          </a:lnRef>
+          <a:fillRef idx="1">
+            <a:schemeClr val="accent1"/>
+          </a:fillRef>
+          <a:effectRef idx="0">
+            <a:schemeClr val="accent1"/>
+          </a:effectRef>
+          <a:fontRef idx="minor">
+            <a:schemeClr val="lt1"/>
+          </a:fontRef>
+        </p:style>
+        <p:txBody>
+          <a:bodyPr rtlCol="0" anchor="ctr"/>
+          <a:lstStyle/>
+          <a:p>
+            <a:pPr algn="ctr"/>
+            <a:r>
+              <a:rPr lang="de-DE" sz="5400" dirty="0"/>
+              <a:t>Outlook (1)</a:t>
+            </a:r>
+          </a:p>
+        </p:txBody>
+      </p:sp>
+      <p:sp>
+        <p:nvSpPr>
+          <p:cNvPr id="4" name="Inhaltsplatzhalter 2">
+            <a:extLst>
+              <a:ext uri="{FF2B5EF4-FFF2-40B4-BE49-F238E27FC236}">
+                <a16:creationId xmlns:a16="http://schemas.microsoft.com/office/drawing/2014/main" id="{426C8164-D288-6C77-16E8-5BF01E18F9C3}"/>
+              </a:ext>
+            </a:extLst>
+          </p:cNvPr>
+          <p:cNvSpPr txBox="1">
+            <a:spLocks/>
+          </p:cNvSpPr>
+          <p:nvPr/>
+        </p:nvSpPr>
+        <p:spPr>
+          <a:xfrm>
+            <a:off x="838200" y="1825625"/>
+            <a:ext cx="10515600" cy="4351338"/>
+          </a:xfrm>
+          <a:prstGeom prst="rect">
+            <a:avLst/>
+          </a:prstGeom>
+        </p:spPr>
+        <p:txBody>
+          <a:bodyPr vert="horz" lIns="91440" tIns="45720" rIns="91440" bIns="45720" rtlCol="0">
+            <a:normAutofit fontScale="85000" lnSpcReduction="10000"/>
+          </a:bodyPr>
+          <a:lstStyle>
+            <a:lvl1pPr marL="0" indent="0" algn="ctr" defTabSz="914400" rtl="0" eaLnBrk="1" latinLnBrk="0" hangingPunct="1">
+              <a:lnSpc>
+                <a:spcPct val="90000"/>
+              </a:lnSpc>
+              <a:spcBef>
+                <a:spcPts val="1000"/>
+              </a:spcBef>
+              <a:buFont typeface="Arial" panose="020B0604020202020204" pitchFamily="34" charset="0"/>
+              <a:buNone/>
+              <a:defRPr sz="2400" kern="1200">
+                <a:solidFill>
+                  <a:schemeClr val="tx1"/>
+                </a:solidFill>
+                <a:latin typeface="+mn-lt"/>
+                <a:ea typeface="+mn-ea"/>
+                <a:cs typeface="+mn-cs"/>
+              </a:defRPr>
+            </a:lvl1pPr>
+            <a:lvl2pPr marL="457200" indent="0" algn="ctr" defTabSz="914400" rtl="0" eaLnBrk="1" latinLnBrk="0" hangingPunct="1">
+              <a:lnSpc>
+                <a:spcPct val="90000"/>
+              </a:lnSpc>
+              <a:spcBef>
+                <a:spcPts val="500"/>
+              </a:spcBef>
+              <a:buFont typeface="Arial" panose="020B0604020202020204" pitchFamily="34" charset="0"/>
+              <a:buNone/>
+              <a:defRPr sz="2000" kern="1200">
+                <a:solidFill>
+                  <a:schemeClr val="tx1"/>
+                </a:solidFill>
+                <a:latin typeface="+mn-lt"/>
+                <a:ea typeface="+mn-ea"/>
+                <a:cs typeface="+mn-cs"/>
+              </a:defRPr>
+            </a:lvl2pPr>
+            <a:lvl3pPr marL="914400" indent="0" algn="ctr" defTabSz="914400" rtl="0" eaLnBrk="1" latinLnBrk="0" hangingPunct="1">
+              <a:lnSpc>
+                <a:spcPct val="90000"/>
+              </a:lnSpc>
+              <a:spcBef>
+                <a:spcPts val="500"/>
+              </a:spcBef>
+              <a:buFont typeface="Arial" panose="020B0604020202020204" pitchFamily="34" charset="0"/>
+              <a:buNone/>
+              <a:defRPr sz="1800" kern="1200">
+                <a:solidFill>
+                  <a:schemeClr val="tx1"/>
+                </a:solidFill>
+                <a:latin typeface="+mn-lt"/>
+                <a:ea typeface="+mn-ea"/>
+                <a:cs typeface="+mn-cs"/>
+              </a:defRPr>
+            </a:lvl3pPr>
+            <a:lvl4pPr marL="1371600" indent="0" algn="ctr" defTabSz="914400" rtl="0" eaLnBrk="1" latinLnBrk="0" hangingPunct="1">
+              <a:lnSpc>
+                <a:spcPct val="90000"/>
+              </a:lnSpc>
+              <a:spcBef>
+                <a:spcPts val="500"/>
+              </a:spcBef>
+              <a:buFont typeface="Arial" panose="020B0604020202020204" pitchFamily="34" charset="0"/>
+              <a:buNone/>
+              <a:defRPr sz="1600" kern="1200">
+                <a:solidFill>
+                  <a:schemeClr val="tx1"/>
+                </a:solidFill>
+                <a:latin typeface="+mn-lt"/>
+                <a:ea typeface="+mn-ea"/>
+                <a:cs typeface="+mn-cs"/>
+              </a:defRPr>
+            </a:lvl4pPr>
+            <a:lvl5pPr marL="1828800" indent="0" algn="ctr" defTabSz="914400" rtl="0" eaLnBrk="1" latinLnBrk="0" hangingPunct="1">
+              <a:lnSpc>
+                <a:spcPct val="90000"/>
+              </a:lnSpc>
+              <a:spcBef>
+                <a:spcPts val="500"/>
+              </a:spcBef>
+              <a:buFont typeface="Arial" panose="020B0604020202020204" pitchFamily="34" charset="0"/>
+              <a:buNone/>
+              <a:defRPr sz="1600" kern="1200">
+                <a:solidFill>
+                  <a:schemeClr val="tx1"/>
+                </a:solidFill>
+                <a:latin typeface="+mn-lt"/>
+                <a:ea typeface="+mn-ea"/>
+                <a:cs typeface="+mn-cs"/>
+              </a:defRPr>
+            </a:lvl5pPr>
+            <a:lvl6pPr marL="2286000" indent="0" algn="ctr" defTabSz="914400" rtl="0" eaLnBrk="1" latinLnBrk="0" hangingPunct="1">
+              <a:lnSpc>
+                <a:spcPct val="90000"/>
+              </a:lnSpc>
+              <a:spcBef>
+                <a:spcPts val="500"/>
+              </a:spcBef>
+              <a:buFont typeface="Arial" panose="020B0604020202020204" pitchFamily="34" charset="0"/>
+              <a:buNone/>
+              <a:defRPr sz="1600" kern="1200">
+                <a:solidFill>
+                  <a:schemeClr val="tx1"/>
+                </a:solidFill>
+                <a:latin typeface="+mn-lt"/>
+                <a:ea typeface="+mn-ea"/>
+                <a:cs typeface="+mn-cs"/>
+              </a:defRPr>
+            </a:lvl6pPr>
+            <a:lvl7pPr marL="2743200" indent="0" algn="ctr" defTabSz="914400" rtl="0" eaLnBrk="1" latinLnBrk="0" hangingPunct="1">
+              <a:lnSpc>
+                <a:spcPct val="90000"/>
+              </a:lnSpc>
+              <a:spcBef>
+                <a:spcPts val="500"/>
+              </a:spcBef>
+              <a:buFont typeface="Arial" panose="020B0604020202020204" pitchFamily="34" charset="0"/>
+              <a:buNone/>
+              <a:defRPr sz="1600" kern="1200">
+                <a:solidFill>
+                  <a:schemeClr val="tx1"/>
+                </a:solidFill>
+                <a:latin typeface="+mn-lt"/>
+                <a:ea typeface="+mn-ea"/>
+                <a:cs typeface="+mn-cs"/>
+              </a:defRPr>
+            </a:lvl7pPr>
+            <a:lvl8pPr marL="3200400" indent="0" algn="ctr" defTabSz="914400" rtl="0" eaLnBrk="1" latinLnBrk="0" hangingPunct="1">
+              <a:lnSpc>
+                <a:spcPct val="90000"/>
+              </a:lnSpc>
+              <a:spcBef>
+                <a:spcPts val="500"/>
+              </a:spcBef>
+              <a:buFont typeface="Arial" panose="020B0604020202020204" pitchFamily="34" charset="0"/>
+              <a:buNone/>
+              <a:defRPr sz="1600" kern="1200">
+                <a:solidFill>
+                  <a:schemeClr val="tx1"/>
+                </a:solidFill>
+                <a:latin typeface="+mn-lt"/>
+                <a:ea typeface="+mn-ea"/>
+                <a:cs typeface="+mn-cs"/>
+              </a:defRPr>
+            </a:lvl8pPr>
+            <a:lvl9pPr marL="3657600" indent="0" algn="ctr" defTabSz="914400" rtl="0" eaLnBrk="1" latinLnBrk="0" hangingPunct="1">
+              <a:lnSpc>
+                <a:spcPct val="90000"/>
+              </a:lnSpc>
+              <a:spcBef>
+                <a:spcPts val="500"/>
+              </a:spcBef>
+              <a:buFont typeface="Arial" panose="020B0604020202020204" pitchFamily="34" charset="0"/>
+              <a:buNone/>
+              <a:defRPr sz="1600" kern="1200">
+                <a:solidFill>
+                  <a:schemeClr val="tx1"/>
+                </a:solidFill>
+                <a:latin typeface="+mn-lt"/>
+                <a:ea typeface="+mn-ea"/>
+                <a:cs typeface="+mn-cs"/>
+              </a:defRPr>
+            </a:lvl9pPr>
+          </a:lstStyle>
+          <a:p>
+            <a:pPr marL="342900" indent="-342900" algn="l">
+              <a:lnSpc>
+                <a:spcPct val="200000"/>
+              </a:lnSpc>
+              <a:buFont typeface="Arial" panose="020B0604020202020204" pitchFamily="34" charset="0"/>
+              <a:buChar char="•"/>
+            </a:pPr>
+            <a:r>
+              <a:rPr lang="de-DE" b="1" dirty="0"/>
+              <a:t>Examination </a:t>
+            </a:r>
+            <a:r>
+              <a:rPr lang="de-DE" b="1" dirty="0" err="1"/>
+              <a:t>of</a:t>
+            </a:r>
+            <a:r>
+              <a:rPr lang="de-DE" b="1" dirty="0"/>
+              <a:t> </a:t>
+            </a:r>
+            <a:r>
+              <a:rPr lang="de-DE" b="1" dirty="0" err="1"/>
+              <a:t>channel</a:t>
+            </a:r>
+            <a:r>
+              <a:rPr lang="de-DE" b="1" dirty="0"/>
+              <a:t> </a:t>
+            </a:r>
+            <a:r>
+              <a:rPr lang="de-DE" b="1" dirty="0" err="1"/>
+              <a:t>characteristics</a:t>
+            </a:r>
+            <a:r>
+              <a:rPr lang="de-DE" dirty="0"/>
+              <a:t>: </a:t>
+            </a:r>
+            <a:r>
+              <a:rPr lang="de-DE" dirty="0" err="1"/>
+              <a:t>Effect</a:t>
+            </a:r>
+            <a:r>
+              <a:rPr lang="de-DE" dirty="0"/>
+              <a:t> </a:t>
+            </a:r>
+            <a:r>
+              <a:rPr lang="de-DE" dirty="0" err="1"/>
+              <a:t>of</a:t>
+            </a:r>
+            <a:r>
+              <a:rPr lang="de-DE" dirty="0"/>
+              <a:t> </a:t>
+            </a:r>
+            <a:r>
+              <a:rPr lang="de-DE" dirty="0" err="1"/>
+              <a:t>slope</a:t>
+            </a:r>
+            <a:r>
+              <a:rPr lang="de-DE" dirty="0"/>
+              <a:t>, </a:t>
+            </a:r>
+            <a:r>
+              <a:rPr lang="de-DE" dirty="0" err="1"/>
+              <a:t>width</a:t>
+            </a:r>
+            <a:r>
+              <a:rPr lang="de-DE" dirty="0"/>
+              <a:t>, </a:t>
+            </a:r>
+            <a:r>
+              <a:rPr lang="de-DE" dirty="0" err="1"/>
+              <a:t>surface</a:t>
+            </a:r>
+            <a:r>
+              <a:rPr lang="de-DE" dirty="0"/>
+              <a:t> </a:t>
+            </a:r>
+            <a:r>
+              <a:rPr lang="de-DE" dirty="0" err="1"/>
+              <a:t>roughness</a:t>
+            </a:r>
+            <a:r>
+              <a:rPr lang="de-DE" dirty="0"/>
+              <a:t>, etc. </a:t>
+            </a:r>
+            <a:r>
+              <a:rPr lang="de-DE" dirty="0" err="1"/>
+              <a:t>onto</a:t>
+            </a:r>
+            <a:r>
+              <a:rPr lang="de-DE" dirty="0"/>
+              <a:t> </a:t>
+            </a:r>
+            <a:r>
+              <a:rPr lang="de-DE" dirty="0" err="1"/>
+              <a:t>dependence</a:t>
+            </a:r>
+            <a:r>
+              <a:rPr lang="de-DE" dirty="0"/>
+              <a:t> </a:t>
+            </a:r>
+            <a:r>
+              <a:rPr lang="de-DE" dirty="0" err="1"/>
+              <a:t>structure</a:t>
+            </a:r>
+            <a:r>
+              <a:rPr lang="de-DE" dirty="0"/>
+              <a:t> V and D</a:t>
+            </a:r>
+          </a:p>
+          <a:p>
+            <a:pPr marL="342900" indent="-342900" algn="l">
+              <a:lnSpc>
+                <a:spcPct val="200000"/>
+              </a:lnSpc>
+              <a:buFont typeface="Arial" panose="020B0604020202020204" pitchFamily="34" charset="0"/>
+              <a:buChar char="•"/>
+            </a:pPr>
+            <a:r>
+              <a:rPr lang="de-DE" b="1" dirty="0"/>
+              <a:t>Statistical </a:t>
+            </a:r>
+            <a:r>
+              <a:rPr lang="de-DE" b="1" dirty="0" err="1"/>
+              <a:t>issues</a:t>
+            </a:r>
+            <a:r>
+              <a:rPr lang="de-DE" dirty="0"/>
+              <a:t>:</a:t>
+            </a:r>
+          </a:p>
+          <a:p>
+            <a:pPr marL="800100" lvl="1" indent="-342900" algn="l">
+              <a:lnSpc>
+                <a:spcPct val="200000"/>
+              </a:lnSpc>
+              <a:buFont typeface="Arial" panose="020B0604020202020204" pitchFamily="34" charset="0"/>
+              <a:buChar char="•"/>
+            </a:pPr>
+            <a:r>
+              <a:rPr lang="de-DE" dirty="0"/>
+              <a:t>Variable </a:t>
+            </a:r>
+            <a:r>
+              <a:rPr lang="de-DE" dirty="0" err="1"/>
+              <a:t>behavior</a:t>
+            </a:r>
+            <a:r>
+              <a:rPr lang="de-DE" dirty="0"/>
+              <a:t> </a:t>
+            </a:r>
+            <a:r>
+              <a:rPr lang="de-DE" dirty="0">
+                <a:sym typeface="Wingdings" panose="05000000000000000000" pitchFamily="2" charset="2"/>
+              </a:rPr>
+              <a:t> </a:t>
+            </a:r>
+            <a:r>
+              <a:rPr lang="de-DE" dirty="0" err="1">
+                <a:sym typeface="Wingdings" panose="05000000000000000000" pitchFamily="2" charset="2"/>
+              </a:rPr>
+              <a:t>How</a:t>
+            </a:r>
+            <a:r>
+              <a:rPr lang="de-DE" dirty="0">
+                <a:sym typeface="Wingdings" panose="05000000000000000000" pitchFamily="2" charset="2"/>
+              </a:rPr>
+              <a:t> to deal </a:t>
+            </a:r>
+            <a:r>
+              <a:rPr lang="de-DE" dirty="0" err="1">
+                <a:sym typeface="Wingdings" panose="05000000000000000000" pitchFamily="2" charset="2"/>
+              </a:rPr>
+              <a:t>with</a:t>
+            </a:r>
+            <a:r>
+              <a:rPr lang="de-DE" dirty="0">
+                <a:sym typeface="Wingdings" panose="05000000000000000000" pitchFamily="2" charset="2"/>
+              </a:rPr>
+              <a:t> </a:t>
+            </a:r>
+            <a:r>
+              <a:rPr lang="de-DE" dirty="0" err="1">
+                <a:sym typeface="Wingdings" panose="05000000000000000000" pitchFamily="2" charset="2"/>
+              </a:rPr>
+              <a:t>constants</a:t>
+            </a:r>
+            <a:r>
+              <a:rPr lang="de-DE" dirty="0">
+                <a:sym typeface="Wingdings" panose="05000000000000000000" pitchFamily="2" charset="2"/>
+              </a:rPr>
+              <a:t>?</a:t>
+            </a:r>
+            <a:endParaRPr lang="de-DE" dirty="0"/>
+          </a:p>
+          <a:p>
+            <a:pPr marL="800100" lvl="1" indent="-342900" algn="l">
+              <a:lnSpc>
+                <a:spcPct val="200000"/>
+              </a:lnSpc>
+              <a:buFont typeface="Arial" panose="020B0604020202020204" pitchFamily="34" charset="0"/>
+              <a:buChar char="•"/>
+            </a:pPr>
+            <a:r>
+              <a:rPr lang="de-DE" dirty="0"/>
+              <a:t>Are all variables </a:t>
+            </a:r>
+            <a:r>
+              <a:rPr lang="de-DE" dirty="0" err="1"/>
+              <a:t>even</a:t>
+            </a:r>
+            <a:r>
+              <a:rPr lang="de-DE" dirty="0"/>
+              <a:t> relevant? i.e. variable </a:t>
+            </a:r>
+            <a:r>
+              <a:rPr lang="de-DE" dirty="0" err="1"/>
+              <a:t>selection</a:t>
+            </a:r>
+            <a:r>
+              <a:rPr lang="de-DE" dirty="0"/>
+              <a:t> </a:t>
+            </a:r>
+            <a:r>
+              <a:rPr lang="de-DE" dirty="0" err="1"/>
+              <a:t>for</a:t>
+            </a:r>
+            <a:r>
+              <a:rPr lang="de-DE" dirty="0"/>
+              <a:t> </a:t>
+            </a:r>
+            <a:r>
+              <a:rPr lang="de-DE" dirty="0" err="1"/>
+              <a:t>copulas</a:t>
+            </a:r>
+            <a:r>
+              <a:rPr lang="de-DE" dirty="0"/>
+              <a:t>?</a:t>
+            </a:r>
+          </a:p>
+          <a:p>
+            <a:pPr marL="800100" lvl="1" indent="-342900" algn="l">
+              <a:lnSpc>
+                <a:spcPct val="200000"/>
+              </a:lnSpc>
+              <a:buFont typeface="Arial" panose="020B0604020202020204" pitchFamily="34" charset="0"/>
+              <a:buChar char="•"/>
+            </a:pPr>
+            <a:r>
+              <a:rPr lang="de-DE" dirty="0" err="1"/>
+              <a:t>If</a:t>
+            </a:r>
+            <a:r>
+              <a:rPr lang="de-DE" dirty="0"/>
+              <a:t> </a:t>
+            </a:r>
+            <a:r>
+              <a:rPr lang="de-DE" dirty="0" err="1"/>
+              <a:t>many</a:t>
+            </a:r>
+            <a:r>
+              <a:rPr lang="de-DE" dirty="0"/>
+              <a:t> variables </a:t>
+            </a:r>
+            <a:r>
+              <a:rPr lang="de-DE" dirty="0" err="1"/>
+              <a:t>are</a:t>
+            </a:r>
+            <a:r>
+              <a:rPr lang="de-DE" dirty="0"/>
+              <a:t> relevant, NACs </a:t>
+            </a:r>
+            <a:r>
+              <a:rPr lang="de-DE" dirty="0" err="1"/>
+              <a:t>are</a:t>
+            </a:r>
+            <a:r>
+              <a:rPr lang="de-DE" dirty="0"/>
+              <a:t> not </a:t>
+            </a:r>
+            <a:r>
+              <a:rPr lang="de-DE" dirty="0" err="1"/>
+              <a:t>really</a:t>
+            </a:r>
+            <a:r>
+              <a:rPr lang="de-DE" dirty="0"/>
+              <a:t> </a:t>
+            </a:r>
+            <a:r>
+              <a:rPr lang="de-DE" dirty="0" err="1"/>
+              <a:t>suitable</a:t>
+            </a:r>
+            <a:r>
+              <a:rPr lang="de-DE" dirty="0"/>
+              <a:t> </a:t>
+            </a:r>
+            <a:r>
+              <a:rPr lang="de-DE" dirty="0">
+                <a:sym typeface="Wingdings" panose="05000000000000000000" pitchFamily="2" charset="2"/>
+              </a:rPr>
+              <a:t> Vine </a:t>
+            </a:r>
+            <a:r>
+              <a:rPr lang="de-DE" dirty="0" err="1">
+                <a:sym typeface="Wingdings" panose="05000000000000000000" pitchFamily="2" charset="2"/>
+              </a:rPr>
+              <a:t>copulas</a:t>
+            </a:r>
+            <a:r>
+              <a:rPr lang="de-DE" dirty="0">
+                <a:sym typeface="Wingdings" panose="05000000000000000000" pitchFamily="2" charset="2"/>
+              </a:rPr>
+              <a:t>?</a:t>
+            </a:r>
+          </a:p>
+          <a:p>
+            <a:pPr marL="800100" lvl="1" indent="-342900" algn="l">
+              <a:lnSpc>
+                <a:spcPct val="200000"/>
+              </a:lnSpc>
+              <a:buFont typeface="Arial" panose="020B0604020202020204" pitchFamily="34" charset="0"/>
+              <a:buChar char="•"/>
+            </a:pPr>
+            <a:r>
+              <a:rPr lang="de-DE" dirty="0" err="1">
+                <a:sym typeface="Wingdings" panose="05000000000000000000" pitchFamily="2" charset="2"/>
+              </a:rPr>
+              <a:t>Is</a:t>
+            </a:r>
+            <a:r>
+              <a:rPr lang="de-DE" dirty="0">
+                <a:sym typeface="Wingdings" panose="05000000000000000000" pitchFamily="2" charset="2"/>
+              </a:rPr>
+              <a:t> </a:t>
+            </a:r>
+            <a:r>
+              <a:rPr lang="de-DE" dirty="0" err="1">
+                <a:sym typeface="Wingdings" panose="05000000000000000000" pitchFamily="2" charset="2"/>
+              </a:rPr>
+              <a:t>this</a:t>
+            </a:r>
+            <a:r>
+              <a:rPr lang="de-DE" dirty="0">
+                <a:sym typeface="Wingdings" panose="05000000000000000000" pitchFamily="2" charset="2"/>
+              </a:rPr>
+              <a:t> </a:t>
+            </a:r>
+            <a:r>
+              <a:rPr lang="de-DE" dirty="0" err="1">
+                <a:sym typeface="Wingdings" panose="05000000000000000000" pitchFamily="2" charset="2"/>
+              </a:rPr>
+              <a:t>too</a:t>
+            </a:r>
+            <a:r>
+              <a:rPr lang="de-DE" dirty="0">
+                <a:sym typeface="Wingdings" panose="05000000000000000000" pitchFamily="2" charset="2"/>
+              </a:rPr>
+              <a:t> </a:t>
+            </a:r>
+            <a:r>
+              <a:rPr lang="de-DE" dirty="0" err="1">
+                <a:sym typeface="Wingdings" panose="05000000000000000000" pitchFamily="2" charset="2"/>
+              </a:rPr>
+              <a:t>much</a:t>
+            </a:r>
+            <a:r>
+              <a:rPr lang="de-DE" dirty="0">
+                <a:sym typeface="Wingdings" panose="05000000000000000000" pitchFamily="2" charset="2"/>
+              </a:rPr>
+              <a:t> </a:t>
+            </a:r>
+            <a:r>
+              <a:rPr lang="de-DE" dirty="0" err="1">
+                <a:sym typeface="Wingdings" panose="05000000000000000000" pitchFamily="2" charset="2"/>
+              </a:rPr>
+              <a:t>for</a:t>
+            </a:r>
+            <a:r>
+              <a:rPr lang="de-DE" dirty="0">
+                <a:sym typeface="Wingdings" panose="05000000000000000000" pitchFamily="2" charset="2"/>
+              </a:rPr>
+              <a:t> 15 </a:t>
+            </a:r>
+            <a:r>
+              <a:rPr lang="de-DE" dirty="0" err="1">
+                <a:sym typeface="Wingdings" panose="05000000000000000000" pitchFamily="2" charset="2"/>
+              </a:rPr>
+              <a:t>pages</a:t>
+            </a:r>
+            <a:r>
+              <a:rPr lang="de-DE" dirty="0">
+                <a:sym typeface="Wingdings" panose="05000000000000000000" pitchFamily="2" charset="2"/>
+              </a:rPr>
+              <a:t>?</a:t>
+            </a:r>
+            <a:endParaRPr lang="de-DE" dirty="0"/>
+          </a:p>
+          <a:p>
+            <a:pPr marL="800100" lvl="1" indent="-342900" algn="l">
+              <a:lnSpc>
+                <a:spcPct val="200000"/>
+              </a:lnSpc>
+              <a:buFont typeface="Arial" panose="020B0604020202020204" pitchFamily="34" charset="0"/>
+              <a:buChar char="•"/>
+            </a:pPr>
+            <a:endParaRPr lang="de-DE" dirty="0"/>
+          </a:p>
+          <a:p>
+            <a:pPr marL="342900" indent="-342900" algn="l">
+              <a:lnSpc>
+                <a:spcPct val="200000"/>
+              </a:lnSpc>
+              <a:buFont typeface="Arial" panose="020B0604020202020204" pitchFamily="34" charset="0"/>
+              <a:buChar char="•"/>
+            </a:pPr>
+            <a:endParaRPr lang="de-DE" dirty="0"/>
+          </a:p>
+        </p:txBody>
+      </p:sp>
+    </p:spTree>
+    <p:extLst>
+      <p:ext uri="{BB962C8B-B14F-4D97-AF65-F5344CB8AC3E}">
+        <p14:creationId xmlns:p14="http://schemas.microsoft.com/office/powerpoint/2010/main" val="1889445488"/>
       </p:ext>
     </p:extLst>
   </p:cSld>
